--- a/sqsdemoserver/LoadTesting.pptx
+++ b/sqsdemoserver/LoadTesting.pptx
@@ -17,11 +17,11 @@
     <p:sldId id="262" r:id="rId8"/>
     <p:sldId id="266" r:id="rId9"/>
     <p:sldId id="274" r:id="rId10"/>
-    <p:sldId id="267" r:id="rId11"/>
-    <p:sldId id="269" r:id="rId12"/>
-    <p:sldId id="265" r:id="rId13"/>
-    <p:sldId id="270" r:id="rId14"/>
-    <p:sldId id="273" r:id="rId15"/>
+    <p:sldId id="275" r:id="rId11"/>
+    <p:sldId id="276" r:id="rId12"/>
+    <p:sldId id="267" r:id="rId13"/>
+    <p:sldId id="269" r:id="rId14"/>
+    <p:sldId id="265" r:id="rId15"/>
     <p:sldId id="271" r:id="rId16"/>
     <p:sldId id="272" r:id="rId17"/>
     <p:sldId id="259" r:id="rId18"/>
@@ -217,7 +217,7 @@
           <a:p>
             <a:fld id="{7F7A1CCF-3A8B-40F6-A64D-2A4687177E43}" type="datetimeFigureOut">
               <a:rPr lang="de-DE" smtClean="0"/>
-              <a:t>14.05.2018</a:t>
+              <a:t>21.05.2018</a:t>
             </a:fld>
             <a:endParaRPr lang="de-DE"/>
           </a:p>
@@ -710,7 +710,7 @@
           <a:p>
             <a:fld id="{29B91BC4-5E82-49A6-88C1-D8535ED7D15D}" type="datetime1">
               <a:rPr lang="de-DE" smtClean="0"/>
-              <a:t>14.05.2018</a:t>
+              <a:t>21.05.2018</a:t>
             </a:fld>
             <a:endParaRPr lang="de-DE"/>
           </a:p>
@@ -918,7 +918,7 @@
           <a:p>
             <a:fld id="{32A52664-B2C7-4A1E-B89B-81D348E24B51}" type="datetime1">
               <a:rPr lang="de-DE" smtClean="0"/>
-              <a:t>14.05.2018</a:t>
+              <a:t>21.05.2018</a:t>
             </a:fld>
             <a:endParaRPr lang="de-DE"/>
           </a:p>
@@ -1174,7 +1174,7 @@
           <a:p>
             <a:fld id="{87A80DC5-21AA-41FB-A73E-ED981639E9E3}" type="datetime1">
               <a:rPr lang="de-DE" smtClean="0"/>
-              <a:t>14.05.2018</a:t>
+              <a:t>21.05.2018</a:t>
             </a:fld>
             <a:endParaRPr lang="de-DE"/>
           </a:p>
@@ -1344,7 +1344,7 @@
           <a:p>
             <a:fld id="{BBFFFFB7-B427-4FC9-89B5-E815E530C709}" type="datetime1">
               <a:rPr lang="de-DE" smtClean="0"/>
-              <a:t>14.05.2018</a:t>
+              <a:t>21.05.2018</a:t>
             </a:fld>
             <a:endParaRPr lang="de-DE"/>
           </a:p>
@@ -1687,7 +1687,7 @@
           <a:p>
             <a:fld id="{9B4A11A6-692F-4D3F-A6E0-135304D8649E}" type="datetime1">
               <a:rPr lang="de-DE" smtClean="0"/>
-              <a:t>14.05.2018</a:t>
+              <a:t>21.05.2018</a:t>
             </a:fld>
             <a:endParaRPr lang="de-DE"/>
           </a:p>
@@ -1962,7 +1962,7 @@
           <a:p>
             <a:fld id="{2FF197E6-8FE2-43C3-B517-8EF10A23BA5B}" type="datetime1">
               <a:rPr lang="de-DE" smtClean="0"/>
-              <a:t>14.05.2018</a:t>
+              <a:t>21.05.2018</a:t>
             </a:fld>
             <a:endParaRPr lang="de-DE"/>
           </a:p>
@@ -2341,7 +2341,7 @@
           <a:p>
             <a:fld id="{88AD5C22-0615-445E-B37E-053106C142C7}" type="datetime1">
               <a:rPr lang="de-DE" smtClean="0"/>
-              <a:t>14.05.2018</a:t>
+              <a:t>21.05.2018</a:t>
             </a:fld>
             <a:endParaRPr lang="de-DE"/>
           </a:p>
@@ -2459,7 +2459,7 @@
           <a:p>
             <a:fld id="{393C4718-61D0-4C05-A837-0FF64CDC070F}" type="datetime1">
               <a:rPr lang="de-DE" smtClean="0"/>
-              <a:t>14.05.2018</a:t>
+              <a:t>21.05.2018</a:t>
             </a:fld>
             <a:endParaRPr lang="de-DE"/>
           </a:p>
@@ -2630,7 +2630,7 @@
           <a:p>
             <a:fld id="{E4C68F9C-9493-41F8-A598-7BDB27153DE0}" type="datetime1">
               <a:rPr lang="de-DE" smtClean="0"/>
-              <a:t>14.05.2018</a:t>
+              <a:t>21.05.2018</a:t>
             </a:fld>
             <a:endParaRPr lang="de-DE"/>
           </a:p>
@@ -2984,7 +2984,7 @@
           <a:p>
             <a:fld id="{25B47950-BAF5-4EB0-B7D8-7E5D445A5AF9}" type="datetime1">
               <a:rPr lang="de-DE" smtClean="0"/>
-              <a:t>14.05.2018</a:t>
+              <a:t>21.05.2018</a:t>
             </a:fld>
             <a:endParaRPr lang="de-DE"/>
           </a:p>
@@ -3361,7 +3361,7 @@
           <a:p>
             <a:fld id="{5E3FA0F3-663C-4E4D-A9AD-FCEECA59737D}" type="datetime1">
               <a:rPr lang="de-DE" smtClean="0"/>
-              <a:t>14.05.2018</a:t>
+              <a:t>21.05.2018</a:t>
             </a:fld>
             <a:endParaRPr lang="de-DE"/>
           </a:p>
@@ -3648,7 +3648,7 @@
           <a:p>
             <a:fld id="{7E243A8A-9070-4D02-9F6C-FDBBE4C2268D}" type="datetime1">
               <a:rPr lang="de-DE" smtClean="0"/>
-              <a:t>14.05.2018</a:t>
+              <a:t>21.05.2018</a:t>
             </a:fld>
             <a:endParaRPr lang="de-DE"/>
           </a:p>
@@ -4300,7 +4300,7 @@
           <p:cNvPr id="2" name="Titel 1">
             <a:extLst>
               <a:ext uri="{FF2B5EF4-FFF2-40B4-BE49-F238E27FC236}">
-                <a16:creationId xmlns:a16="http://schemas.microsoft.com/office/drawing/2014/main" id="{FC5E778E-2A11-4C1E-8D8C-273067E4E86A}"/>
+                <a16:creationId xmlns:a16="http://schemas.microsoft.com/office/drawing/2014/main" id="{791A2B02-5491-481A-89B6-7E421EAB1E96}"/>
               </a:ext>
             </a:extLst>
           </p:cNvPr>
@@ -4317,8 +4317,61 @@
           <a:lstStyle/>
           <a:p>
             <a:r>
+              <a:rPr lang="de-DE" dirty="0" err="1"/>
+              <a:t>Slapper</a:t>
+            </a:r>
+            <a:endParaRPr lang="de-DE" dirty="0"/>
+          </a:p>
+        </p:txBody>
+      </p:sp>
+      <p:sp>
+        <p:nvSpPr>
+          <p:cNvPr id="3" name="Inhaltsplatzhalter 2">
+            <a:extLst>
+              <a:ext uri="{FF2B5EF4-FFF2-40B4-BE49-F238E27FC236}">
+                <a16:creationId xmlns:a16="http://schemas.microsoft.com/office/drawing/2014/main" id="{8EE37BAC-8E0B-4202-A812-97ABED453C31}"/>
+              </a:ext>
+            </a:extLst>
+          </p:cNvPr>
+          <p:cNvSpPr>
+            <a:spLocks noGrp="1"/>
+          </p:cNvSpPr>
+          <p:nvPr>
+            <p:ph idx="1"/>
+          </p:nvPr>
+        </p:nvSpPr>
+        <p:spPr/>
+        <p:txBody>
+          <a:bodyPr/>
+          <a:lstStyle/>
+          <a:p>
+            <a:pPr>
+              <a:buFont typeface="Arial" panose="020B0604020202020204" pitchFamily="34" charset="0"/>
+              <a:buChar char="•"/>
+            </a:pPr>
+            <a:r>
               <a:rPr lang="de-DE" dirty="0"/>
-              <a:t>k6 </a:t>
+              <a:t> 2017 gestartet (keine offizielle Versionsnummer)</a:t>
+            </a:r>
+          </a:p>
+          <a:p>
+            <a:pPr>
+              <a:buFont typeface="Arial" panose="020B0604020202020204" pitchFamily="34" charset="0"/>
+              <a:buChar char="•"/>
+            </a:pPr>
+            <a:r>
+              <a:rPr lang="de-DE" dirty="0"/>
+              <a:t> Programmiersprache: GO</a:t>
+            </a:r>
+          </a:p>
+          <a:p>
+            <a:pPr>
+              <a:buFont typeface="Arial" panose="020B0604020202020204" pitchFamily="34" charset="0"/>
+              <a:buChar char="•"/>
+            </a:pPr>
+            <a:r>
+              <a:rPr lang="de-DE" dirty="0"/>
+              <a:t> MIT Lizenz</a:t>
             </a:r>
           </a:p>
         </p:txBody>
@@ -4328,7 +4381,7 @@
           <p:cNvPr id="4" name="Datumsplatzhalter 3">
             <a:extLst>
               <a:ext uri="{FF2B5EF4-FFF2-40B4-BE49-F238E27FC236}">
-                <a16:creationId xmlns:a16="http://schemas.microsoft.com/office/drawing/2014/main" id="{DD0D5017-119E-4C58-9EF9-8EA436CBC7DC}"/>
+                <a16:creationId xmlns:a16="http://schemas.microsoft.com/office/drawing/2014/main" id="{B508518C-1EF4-4C8C-9793-A0CB377BFA3A}"/>
               </a:ext>
             </a:extLst>
           </p:cNvPr>
@@ -4346,7 +4399,7 @@
           <a:p>
             <a:fld id="{BBFFFFB7-B427-4FC9-89B5-E815E530C709}" type="datetime1">
               <a:rPr lang="de-DE" smtClean="0"/>
-              <a:t>14.05.2018</a:t>
+              <a:t>21.05.2018</a:t>
             </a:fld>
             <a:endParaRPr lang="de-DE"/>
           </a:p>
@@ -4357,7 +4410,7 @@
           <p:cNvPr id="5" name="Foliennummernplatzhalter 4">
             <a:extLst>
               <a:ext uri="{FF2B5EF4-FFF2-40B4-BE49-F238E27FC236}">
-                <a16:creationId xmlns:a16="http://schemas.microsoft.com/office/drawing/2014/main" id="{942EAD44-7938-41E8-BB37-7A5A16FC2BD2}"/>
+                <a16:creationId xmlns:a16="http://schemas.microsoft.com/office/drawing/2014/main" id="{CA3F5E5F-893B-40E2-B8FC-9D4D715F3F41}"/>
               </a:ext>
             </a:extLst>
           </p:cNvPr>
@@ -4376,6 +4429,404 @@
             <a:fld id="{C9BFD74B-BF5B-4F1B-BDFB-3F89FD2A71A6}" type="slidenum">
               <a:rPr lang="de-DE" smtClean="0"/>
               <a:t>10</a:t>
+            </a:fld>
+            <a:endParaRPr lang="de-DE"/>
+          </a:p>
+        </p:txBody>
+      </p:sp>
+      <p:pic>
+        <p:nvPicPr>
+          <p:cNvPr id="6" name="Grafik 5">
+            <a:extLst>
+              <a:ext uri="{FF2B5EF4-FFF2-40B4-BE49-F238E27FC236}">
+                <a16:creationId xmlns:a16="http://schemas.microsoft.com/office/drawing/2014/main" id="{353CE577-4D49-496A-B2EB-D15F2A8CA50C}"/>
+              </a:ext>
+            </a:extLst>
+          </p:cNvPr>
+          <p:cNvPicPr>
+            <a:picLocks noChangeAspect="1"/>
+          </p:cNvPicPr>
+          <p:nvPr/>
+        </p:nvPicPr>
+        <p:blipFill>
+          <a:blip r:embed="rId2"/>
+          <a:stretch>
+            <a:fillRect/>
+          </a:stretch>
+        </p:blipFill>
+        <p:spPr>
+          <a:xfrm>
+            <a:off x="1097280" y="3757668"/>
+            <a:ext cx="10115203" cy="2111426"/>
+          </a:xfrm>
+          <a:prstGeom prst="rect">
+            <a:avLst/>
+          </a:prstGeom>
+        </p:spPr>
+      </p:pic>
+    </p:spTree>
+    <p:extLst>
+      <p:ext uri="{BB962C8B-B14F-4D97-AF65-F5344CB8AC3E}">
+        <p14:creationId xmlns:p14="http://schemas.microsoft.com/office/powerpoint/2010/main" val="1316422767"/>
+      </p:ext>
+    </p:extLst>
+  </p:cSld>
+  <p:clrMapOvr>
+    <a:masterClrMapping/>
+  </p:clrMapOvr>
+</p:sld>
+</file>
+
+<file path=ppt/slides/slide11.xml><?xml version="1.0" encoding="utf-8"?>
+<p:sld xmlns:a="http://schemas.openxmlformats.org/drawingml/2006/main" xmlns:r="http://schemas.openxmlformats.org/officeDocument/2006/relationships" xmlns:p="http://schemas.openxmlformats.org/presentationml/2006/main">
+  <p:cSld>
+    <p:spTree>
+      <p:nvGrpSpPr>
+        <p:cNvPr id="1" name=""/>
+        <p:cNvGrpSpPr/>
+        <p:nvPr/>
+      </p:nvGrpSpPr>
+      <p:grpSpPr>
+        <a:xfrm>
+          <a:off x="0" y="0"/>
+          <a:ext cx="0" cy="0"/>
+          <a:chOff x="0" y="0"/>
+          <a:chExt cx="0" cy="0"/>
+        </a:xfrm>
+      </p:grpSpPr>
+      <p:sp>
+        <p:nvSpPr>
+          <p:cNvPr id="2" name="Titel 1">
+            <a:extLst>
+              <a:ext uri="{FF2B5EF4-FFF2-40B4-BE49-F238E27FC236}">
+                <a16:creationId xmlns:a16="http://schemas.microsoft.com/office/drawing/2014/main" id="{53F591E6-C222-4F39-91C1-C18A6B94B52E}"/>
+              </a:ext>
+            </a:extLst>
+          </p:cNvPr>
+          <p:cNvSpPr>
+            <a:spLocks noGrp="1"/>
+          </p:cNvSpPr>
+          <p:nvPr>
+            <p:ph type="title"/>
+          </p:nvPr>
+        </p:nvSpPr>
+        <p:spPr/>
+        <p:txBody>
+          <a:bodyPr/>
+          <a:lstStyle/>
+          <a:p>
+            <a:r>
+              <a:rPr lang="de-DE" dirty="0" err="1"/>
+              <a:t>Artillery</a:t>
+            </a:r>
+            <a:endParaRPr lang="de-DE" dirty="0"/>
+          </a:p>
+        </p:txBody>
+      </p:sp>
+      <p:sp>
+        <p:nvSpPr>
+          <p:cNvPr id="3" name="Inhaltsplatzhalter 2">
+            <a:extLst>
+              <a:ext uri="{FF2B5EF4-FFF2-40B4-BE49-F238E27FC236}">
+                <a16:creationId xmlns:a16="http://schemas.microsoft.com/office/drawing/2014/main" id="{AFE79C1D-6B17-4ECD-8C42-D5FC65C79D42}"/>
+              </a:ext>
+            </a:extLst>
+          </p:cNvPr>
+          <p:cNvSpPr>
+            <a:spLocks noGrp="1"/>
+          </p:cNvSpPr>
+          <p:nvPr>
+            <p:ph idx="1"/>
+          </p:nvPr>
+        </p:nvSpPr>
+        <p:spPr/>
+        <p:txBody>
+          <a:bodyPr/>
+          <a:lstStyle/>
+          <a:p>
+            <a:pPr>
+              <a:buFont typeface="Arial" panose="020B0604020202020204" pitchFamily="34" charset="0"/>
+              <a:buChar char="•"/>
+            </a:pPr>
+            <a:r>
+              <a:rPr lang="de-DE" dirty="0"/>
+              <a:t> 2016 veröffentlicht (aktuell in Version 1.5.6)</a:t>
+            </a:r>
+          </a:p>
+          <a:p>
+            <a:pPr>
+              <a:buFont typeface="Arial" panose="020B0604020202020204" pitchFamily="34" charset="0"/>
+              <a:buChar char="•"/>
+            </a:pPr>
+            <a:r>
+              <a:rPr lang="de-DE" dirty="0"/>
+              <a:t> MPL-2.0 Lizenz</a:t>
+            </a:r>
+          </a:p>
+          <a:p>
+            <a:pPr>
+              <a:buFont typeface="Arial" panose="020B0604020202020204" pitchFamily="34" charset="0"/>
+              <a:buChar char="•"/>
+            </a:pPr>
+            <a:r>
+              <a:rPr lang="de-DE" dirty="0"/>
+              <a:t> Programmiersprache: Node.js</a:t>
+            </a:r>
+          </a:p>
+          <a:p>
+            <a:pPr marL="0" indent="0">
+              <a:buNone/>
+            </a:pPr>
+            <a:endParaRPr lang="de-DE" dirty="0"/>
+          </a:p>
+        </p:txBody>
+      </p:sp>
+      <p:sp>
+        <p:nvSpPr>
+          <p:cNvPr id="4" name="Datumsplatzhalter 3">
+            <a:extLst>
+              <a:ext uri="{FF2B5EF4-FFF2-40B4-BE49-F238E27FC236}">
+                <a16:creationId xmlns:a16="http://schemas.microsoft.com/office/drawing/2014/main" id="{DE99C92B-372D-4793-B061-7725AF98137E}"/>
+              </a:ext>
+            </a:extLst>
+          </p:cNvPr>
+          <p:cNvSpPr>
+            <a:spLocks noGrp="1"/>
+          </p:cNvSpPr>
+          <p:nvPr>
+            <p:ph type="dt" sz="half" idx="10"/>
+          </p:nvPr>
+        </p:nvSpPr>
+        <p:spPr/>
+        <p:txBody>
+          <a:bodyPr/>
+          <a:lstStyle/>
+          <a:p>
+            <a:fld id="{BBFFFFB7-B427-4FC9-89B5-E815E530C709}" type="datetime1">
+              <a:rPr lang="de-DE" smtClean="0"/>
+              <a:t>21.05.2018</a:t>
+            </a:fld>
+            <a:endParaRPr lang="de-DE"/>
+          </a:p>
+        </p:txBody>
+      </p:sp>
+      <p:sp>
+        <p:nvSpPr>
+          <p:cNvPr id="5" name="Foliennummernplatzhalter 4">
+            <a:extLst>
+              <a:ext uri="{FF2B5EF4-FFF2-40B4-BE49-F238E27FC236}">
+                <a16:creationId xmlns:a16="http://schemas.microsoft.com/office/drawing/2014/main" id="{DD6B20C9-172C-4FD3-8A7B-669BF557EEA9}"/>
+              </a:ext>
+            </a:extLst>
+          </p:cNvPr>
+          <p:cNvSpPr>
+            <a:spLocks noGrp="1"/>
+          </p:cNvSpPr>
+          <p:nvPr>
+            <p:ph type="sldNum" sz="quarter" idx="12"/>
+          </p:nvPr>
+        </p:nvSpPr>
+        <p:spPr/>
+        <p:txBody>
+          <a:bodyPr/>
+          <a:lstStyle/>
+          <a:p>
+            <a:fld id="{C9BFD74B-BF5B-4F1B-BDFB-3F89FD2A71A6}" type="slidenum">
+              <a:rPr lang="de-DE" smtClean="0"/>
+              <a:t>11</a:t>
+            </a:fld>
+            <a:endParaRPr lang="de-DE"/>
+          </a:p>
+        </p:txBody>
+      </p:sp>
+      <p:pic>
+        <p:nvPicPr>
+          <p:cNvPr id="6" name="Grafik 5">
+            <a:extLst>
+              <a:ext uri="{FF2B5EF4-FFF2-40B4-BE49-F238E27FC236}">
+                <a16:creationId xmlns:a16="http://schemas.microsoft.com/office/drawing/2014/main" id="{28CC3CF0-A068-4E06-86F4-2E4387FD418B}"/>
+              </a:ext>
+            </a:extLst>
+          </p:cNvPr>
+          <p:cNvPicPr>
+            <a:picLocks noChangeAspect="1"/>
+          </p:cNvPicPr>
+          <p:nvPr/>
+        </p:nvPicPr>
+        <p:blipFill>
+          <a:blip r:embed="rId2"/>
+          <a:stretch>
+            <a:fillRect/>
+          </a:stretch>
+        </p:blipFill>
+        <p:spPr>
+          <a:xfrm>
+            <a:off x="1097280" y="3598385"/>
+            <a:ext cx="10115203" cy="2379083"/>
+          </a:xfrm>
+          <a:prstGeom prst="rect">
+            <a:avLst/>
+          </a:prstGeom>
+        </p:spPr>
+      </p:pic>
+      <p:pic>
+        <p:nvPicPr>
+          <p:cNvPr id="1026" name="Picture 2" descr="https://artillery.io/img/flag.png">
+            <a:extLst>
+              <a:ext uri="{FF2B5EF4-FFF2-40B4-BE49-F238E27FC236}">
+                <a16:creationId xmlns:a16="http://schemas.microsoft.com/office/drawing/2014/main" id="{7C37DBBC-6BFC-4ACA-9975-E6A1AD5F5A5B}"/>
+              </a:ext>
+            </a:extLst>
+          </p:cNvPr>
+          <p:cNvPicPr>
+            <a:picLocks noChangeAspect="1" noChangeArrowheads="1"/>
+          </p:cNvPicPr>
+          <p:nvPr/>
+        </p:nvPicPr>
+        <p:blipFill>
+          <a:blip r:embed="rId3">
+            <a:extLst>
+              <a:ext uri="{28A0092B-C50C-407E-A947-70E740481C1C}">
+                <a14:useLocalDpi xmlns:a14="http://schemas.microsoft.com/office/drawing/2010/main" val="0"/>
+              </a:ext>
+            </a:extLst>
+          </a:blip>
+          <a:srcRect/>
+          <a:stretch>
+            <a:fillRect/>
+          </a:stretch>
+        </p:blipFill>
+        <p:spPr bwMode="auto">
+          <a:xfrm>
+            <a:off x="9339151" y="1062683"/>
+            <a:ext cx="1816529" cy="601468"/>
+          </a:xfrm>
+          <a:prstGeom prst="rect">
+            <a:avLst/>
+          </a:prstGeom>
+          <a:noFill/>
+          <a:extLst>
+            <a:ext uri="{909E8E84-426E-40DD-AFC4-6F175D3DCCD1}">
+              <a14:hiddenFill xmlns:a14="http://schemas.microsoft.com/office/drawing/2010/main">
+                <a:solidFill>
+                  <a:srgbClr val="FFFFFF"/>
+                </a:solidFill>
+              </a14:hiddenFill>
+            </a:ext>
+          </a:extLst>
+        </p:spPr>
+      </p:pic>
+    </p:spTree>
+    <p:extLst>
+      <p:ext uri="{BB962C8B-B14F-4D97-AF65-F5344CB8AC3E}">
+        <p14:creationId xmlns:p14="http://schemas.microsoft.com/office/powerpoint/2010/main" val="2009351680"/>
+      </p:ext>
+    </p:extLst>
+  </p:cSld>
+  <p:clrMapOvr>
+    <a:masterClrMapping/>
+  </p:clrMapOvr>
+</p:sld>
+</file>
+
+<file path=ppt/slides/slide12.xml><?xml version="1.0" encoding="utf-8"?>
+<p:sld xmlns:a="http://schemas.openxmlformats.org/drawingml/2006/main" xmlns:r="http://schemas.openxmlformats.org/officeDocument/2006/relationships" xmlns:p="http://schemas.openxmlformats.org/presentationml/2006/main">
+  <p:cSld>
+    <p:spTree>
+      <p:nvGrpSpPr>
+        <p:cNvPr id="1" name=""/>
+        <p:cNvGrpSpPr/>
+        <p:nvPr/>
+      </p:nvGrpSpPr>
+      <p:grpSpPr>
+        <a:xfrm>
+          <a:off x="0" y="0"/>
+          <a:ext cx="0" cy="0"/>
+          <a:chOff x="0" y="0"/>
+          <a:chExt cx="0" cy="0"/>
+        </a:xfrm>
+      </p:grpSpPr>
+      <p:sp>
+        <p:nvSpPr>
+          <p:cNvPr id="2" name="Titel 1">
+            <a:extLst>
+              <a:ext uri="{FF2B5EF4-FFF2-40B4-BE49-F238E27FC236}">
+                <a16:creationId xmlns:a16="http://schemas.microsoft.com/office/drawing/2014/main" id="{FC5E778E-2A11-4C1E-8D8C-273067E4E86A}"/>
+              </a:ext>
+            </a:extLst>
+          </p:cNvPr>
+          <p:cNvSpPr>
+            <a:spLocks noGrp="1"/>
+          </p:cNvSpPr>
+          <p:nvPr>
+            <p:ph type="title"/>
+          </p:nvPr>
+        </p:nvSpPr>
+        <p:spPr/>
+        <p:txBody>
+          <a:bodyPr/>
+          <a:lstStyle/>
+          <a:p>
+            <a:r>
+              <a:rPr lang="de-DE" dirty="0"/>
+              <a:t>k6 </a:t>
+            </a:r>
+          </a:p>
+        </p:txBody>
+      </p:sp>
+      <p:sp>
+        <p:nvSpPr>
+          <p:cNvPr id="4" name="Datumsplatzhalter 3">
+            <a:extLst>
+              <a:ext uri="{FF2B5EF4-FFF2-40B4-BE49-F238E27FC236}">
+                <a16:creationId xmlns:a16="http://schemas.microsoft.com/office/drawing/2014/main" id="{DD0D5017-119E-4C58-9EF9-8EA436CBC7DC}"/>
+              </a:ext>
+            </a:extLst>
+          </p:cNvPr>
+          <p:cNvSpPr>
+            <a:spLocks noGrp="1"/>
+          </p:cNvSpPr>
+          <p:nvPr>
+            <p:ph type="dt" sz="half" idx="10"/>
+          </p:nvPr>
+        </p:nvSpPr>
+        <p:spPr/>
+        <p:txBody>
+          <a:bodyPr/>
+          <a:lstStyle/>
+          <a:p>
+            <a:fld id="{BBFFFFB7-B427-4FC9-89B5-E815E530C709}" type="datetime1">
+              <a:rPr lang="de-DE" smtClean="0"/>
+              <a:t>21.05.2018</a:t>
+            </a:fld>
+            <a:endParaRPr lang="de-DE"/>
+          </a:p>
+        </p:txBody>
+      </p:sp>
+      <p:sp>
+        <p:nvSpPr>
+          <p:cNvPr id="5" name="Foliennummernplatzhalter 4">
+            <a:extLst>
+              <a:ext uri="{FF2B5EF4-FFF2-40B4-BE49-F238E27FC236}">
+                <a16:creationId xmlns:a16="http://schemas.microsoft.com/office/drawing/2014/main" id="{942EAD44-7938-41E8-BB37-7A5A16FC2BD2}"/>
+              </a:ext>
+            </a:extLst>
+          </p:cNvPr>
+          <p:cNvSpPr>
+            <a:spLocks noGrp="1"/>
+          </p:cNvSpPr>
+          <p:nvPr>
+            <p:ph type="sldNum" sz="quarter" idx="12"/>
+          </p:nvPr>
+        </p:nvSpPr>
+        <p:spPr/>
+        <p:txBody>
+          <a:bodyPr/>
+          <a:lstStyle/>
+          <a:p>
+            <a:fld id="{C9BFD74B-BF5B-4F1B-BDFB-3F89FD2A71A6}" type="slidenum">
+              <a:rPr lang="de-DE" smtClean="0"/>
+              <a:t>12</a:t>
             </a:fld>
             <a:endParaRPr lang="de-DE"/>
           </a:p>
@@ -4476,7 +4927,7 @@
 </p:sld>
 </file>
 
-<file path=ppt/slides/slide11.xml><?xml version="1.0" encoding="utf-8"?>
+<file path=ppt/slides/slide13.xml><?xml version="1.0" encoding="utf-8"?>
 <p:sld xmlns:a="http://schemas.openxmlformats.org/drawingml/2006/main" xmlns:r="http://schemas.openxmlformats.org/officeDocument/2006/relationships" xmlns:p="http://schemas.openxmlformats.org/presentationml/2006/main">
   <p:cSld>
     <p:spTree>
@@ -4569,7 +5020,7 @@
           <a:p>
             <a:fld id="{BBFFFFB7-B427-4FC9-89B5-E815E530C709}" type="datetime1">
               <a:rPr lang="de-DE" smtClean="0"/>
-              <a:t>14.05.2018</a:t>
+              <a:t>21.05.2018</a:t>
             </a:fld>
             <a:endParaRPr lang="de-DE"/>
           </a:p>
@@ -4598,7 +5049,7 @@
           <a:p>
             <a:fld id="{C9BFD74B-BF5B-4F1B-BDFB-3F89FD2A71A6}" type="slidenum">
               <a:rPr lang="de-DE" smtClean="0"/>
-              <a:t>11</a:t>
+              <a:t>13</a:t>
             </a:fld>
             <a:endParaRPr lang="de-DE"/>
           </a:p>
@@ -4634,6 +5085,53 @@
           </a:prstGeom>
         </p:spPr>
       </p:pic>
+      <p:pic>
+        <p:nvPicPr>
+          <p:cNvPr id="2050" name="Picture 2" descr="Codename: Taurus">
+            <a:extLst>
+              <a:ext uri="{FF2B5EF4-FFF2-40B4-BE49-F238E27FC236}">
+                <a16:creationId xmlns:a16="http://schemas.microsoft.com/office/drawing/2014/main" id="{4C582773-7BB6-487A-B9DB-269F0D3F71AB}"/>
+              </a:ext>
+            </a:extLst>
+          </p:cNvPr>
+          <p:cNvPicPr>
+            <a:picLocks noChangeAspect="1" noChangeArrowheads="1"/>
+          </p:cNvPicPr>
+          <p:nvPr/>
+        </p:nvPicPr>
+        <p:blipFill>
+          <a:blip r:embed="rId3">
+            <a:extLst>
+              <a:ext uri="{28A0092B-C50C-407E-A947-70E740481C1C}">
+                <a14:useLocalDpi xmlns:a14="http://schemas.microsoft.com/office/drawing/2010/main" val="0"/>
+              </a:ext>
+            </a:extLst>
+          </a:blip>
+          <a:srcRect/>
+          <a:stretch>
+            <a:fillRect/>
+          </a:stretch>
+        </p:blipFill>
+        <p:spPr bwMode="auto">
+          <a:xfrm>
+            <a:off x="8822055" y="1119065"/>
+            <a:ext cx="2333625" cy="561975"/>
+          </a:xfrm>
+          <a:prstGeom prst="rect">
+            <a:avLst/>
+          </a:prstGeom>
+          <a:noFill/>
+          <a:extLst>
+            <a:ext uri="{909E8E84-426E-40DD-AFC4-6F175D3DCCD1}">
+              <a14:hiddenFill xmlns:a14="http://schemas.microsoft.com/office/drawing/2010/main">
+                <a:solidFill>
+                  <a:srgbClr val="FFFFFF"/>
+                </a:solidFill>
+              </a14:hiddenFill>
+            </a:ext>
+          </a:extLst>
+        </p:spPr>
+      </p:pic>
     </p:spTree>
     <p:extLst>
       <p:ext uri="{BB962C8B-B14F-4D97-AF65-F5344CB8AC3E}">
@@ -4647,7 +5145,7 @@
 </p:sld>
 </file>
 
-<file path=ppt/slides/slide12.xml><?xml version="1.0" encoding="utf-8"?>
+<file path=ppt/slides/slide14.xml><?xml version="1.0" encoding="utf-8"?>
 <p:sld xmlns:a="http://schemas.openxmlformats.org/drawingml/2006/main" xmlns:r="http://schemas.openxmlformats.org/officeDocument/2006/relationships" xmlns:p="http://schemas.openxmlformats.org/presentationml/2006/main">
   <p:cSld>
     <p:spTree>
@@ -4740,7 +5238,7 @@
           <a:p>
             <a:fld id="{BBFFFFB7-B427-4FC9-89B5-E815E530C709}" type="datetime1">
               <a:rPr lang="de-DE" smtClean="0"/>
-              <a:t>14.05.2018</a:t>
+              <a:t>21.05.2018</a:t>
             </a:fld>
             <a:endParaRPr lang="de-DE"/>
           </a:p>
@@ -4769,7 +5267,7 @@
           <a:p>
             <a:fld id="{C9BFD74B-BF5B-4F1B-BDFB-3F89FD2A71A6}" type="slidenum">
               <a:rPr lang="de-DE" smtClean="0"/>
-              <a:t>12</a:t>
+              <a:t>14</a:t>
             </a:fld>
             <a:endParaRPr lang="de-DE"/>
           </a:p>
@@ -4837,2540 +5335,6 @@
 </p:sld>
 </file>
 
-<file path=ppt/slides/slide13.xml><?xml version="1.0" encoding="utf-8"?>
-<p:sld xmlns:a="http://schemas.openxmlformats.org/drawingml/2006/main" xmlns:r="http://schemas.openxmlformats.org/officeDocument/2006/relationships" xmlns:p="http://schemas.openxmlformats.org/presentationml/2006/main">
-  <p:cSld>
-    <p:spTree>
-      <p:nvGrpSpPr>
-        <p:cNvPr id="1" name=""/>
-        <p:cNvGrpSpPr/>
-        <p:nvPr/>
-      </p:nvGrpSpPr>
-      <p:grpSpPr>
-        <a:xfrm>
-          <a:off x="0" y="0"/>
-          <a:ext cx="0" cy="0"/>
-          <a:chOff x="0" y="0"/>
-          <a:chExt cx="0" cy="0"/>
-        </a:xfrm>
-      </p:grpSpPr>
-      <p:sp>
-        <p:nvSpPr>
-          <p:cNvPr id="7" name="Titel 6"/>
-          <p:cNvSpPr>
-            <a:spLocks noGrp="1"/>
-          </p:cNvSpPr>
-          <p:nvPr>
-            <p:ph type="title"/>
-          </p:nvPr>
-        </p:nvSpPr>
-        <p:spPr/>
-        <p:txBody>
-          <a:bodyPr/>
-          <a:lstStyle/>
-          <a:p>
-            <a:r>
-              <a:rPr lang="de-DE" dirty="0"/>
-              <a:t>OSS Quick-Check</a:t>
-            </a:r>
-          </a:p>
-        </p:txBody>
-      </p:sp>
-      <p:graphicFrame>
-        <p:nvGraphicFramePr>
-          <p:cNvPr id="2" name="Inhaltsplatzhalter 1">
-            <a:extLst>
-              <a:ext uri="{FF2B5EF4-FFF2-40B4-BE49-F238E27FC236}">
-                <a16:creationId xmlns:a16="http://schemas.microsoft.com/office/drawing/2014/main" id="{E5799C5E-E5D0-4473-96FE-574B7EFC5A44}"/>
-              </a:ext>
-            </a:extLst>
-          </p:cNvPr>
-          <p:cNvGraphicFramePr>
-            <a:graphicFrameLocks noGrp="1"/>
-          </p:cNvGraphicFramePr>
-          <p:nvPr>
-            <p:ph idx="1"/>
-            <p:extLst>
-              <p:ext uri="{D42A27DB-BD31-4B8C-83A1-F6EECF244321}">
-                <p14:modId xmlns:p14="http://schemas.microsoft.com/office/powerpoint/2010/main" val="2210680487"/>
-              </p:ext>
-            </p:extLst>
-          </p:nvPr>
-        </p:nvGraphicFramePr>
-        <p:xfrm>
-          <a:off x="437326" y="1836408"/>
-          <a:ext cx="11273724" cy="3606800"/>
-        </p:xfrm>
-        <a:graphic>
-          <a:graphicData uri="http://schemas.openxmlformats.org/drawingml/2006/table">
-            <a:tbl>
-              <a:tblPr firstRow="1" bandRow="1">
-                <a:tableStyleId>{5C22544A-7EE6-4342-B048-85BDC9FD1C3A}</a:tableStyleId>
-              </a:tblPr>
-              <a:tblGrid>
-                <a:gridCol w="1684274">
-                  <a:extLst>
-                    <a:ext uri="{9D8B030D-6E8A-4147-A177-3AD203B41FA5}">
-                      <a16:colId xmlns:a16="http://schemas.microsoft.com/office/drawing/2014/main" val="2740601797"/>
-                    </a:ext>
-                  </a:extLst>
-                </a:gridCol>
-                <a:gridCol w="2110990">
-                  <a:extLst>
-                    <a:ext uri="{9D8B030D-6E8A-4147-A177-3AD203B41FA5}">
-                      <a16:colId xmlns:a16="http://schemas.microsoft.com/office/drawing/2014/main" val="130159350"/>
-                    </a:ext>
-                  </a:extLst>
-                </a:gridCol>
-                <a:gridCol w="1270318">
-                  <a:extLst>
-                    <a:ext uri="{9D8B030D-6E8A-4147-A177-3AD203B41FA5}">
-                      <a16:colId xmlns:a16="http://schemas.microsoft.com/office/drawing/2014/main" val="851099838"/>
-                    </a:ext>
-                  </a:extLst>
-                </a:gridCol>
-                <a:gridCol w="1374902">
-                  <a:extLst>
-                    <a:ext uri="{9D8B030D-6E8A-4147-A177-3AD203B41FA5}">
-                      <a16:colId xmlns:a16="http://schemas.microsoft.com/office/drawing/2014/main" val="2919539333"/>
-                    </a:ext>
-                  </a:extLst>
-                </a:gridCol>
-                <a:gridCol w="1229451">
-                  <a:extLst>
-                    <a:ext uri="{9D8B030D-6E8A-4147-A177-3AD203B41FA5}">
-                      <a16:colId xmlns:a16="http://schemas.microsoft.com/office/drawing/2014/main" val="3251378671"/>
-                    </a:ext>
-                  </a:extLst>
-                </a:gridCol>
-                <a:gridCol w="958569">
-                  <a:extLst>
-                    <a:ext uri="{9D8B030D-6E8A-4147-A177-3AD203B41FA5}">
-                      <a16:colId xmlns:a16="http://schemas.microsoft.com/office/drawing/2014/main" val="1017323343"/>
-                    </a:ext>
-                  </a:extLst>
-                </a:gridCol>
-                <a:gridCol w="1270318">
-                  <a:extLst>
-                    <a:ext uri="{9D8B030D-6E8A-4147-A177-3AD203B41FA5}">
-                      <a16:colId xmlns:a16="http://schemas.microsoft.com/office/drawing/2014/main" val="754126515"/>
-                    </a:ext>
-                  </a:extLst>
-                </a:gridCol>
-                <a:gridCol w="1374902">
-                  <a:extLst>
-                    <a:ext uri="{9D8B030D-6E8A-4147-A177-3AD203B41FA5}">
-                      <a16:colId xmlns:a16="http://schemas.microsoft.com/office/drawing/2014/main" val="507640895"/>
-                    </a:ext>
-                  </a:extLst>
-                </a:gridCol>
-              </a:tblGrid>
-              <a:tr h="370840">
-                <a:tc>
-                  <a:txBody>
-                    <a:bodyPr/>
-                    <a:lstStyle/>
-                    <a:p>
-                      <a:r>
-                        <a:rPr lang="de-DE" dirty="0"/>
-                        <a:t>Thema</a:t>
-                      </a:r>
-                    </a:p>
-                  </a:txBody>
-                  <a:tcPr/>
-                </a:tc>
-                <a:tc>
-                  <a:txBody>
-                    <a:bodyPr/>
-                    <a:lstStyle/>
-                    <a:p>
-                      <a:r>
-                        <a:rPr lang="de-DE" dirty="0"/>
-                        <a:t>Kriterium</a:t>
-                      </a:r>
-                    </a:p>
-                  </a:txBody>
-                  <a:tcPr/>
-                </a:tc>
-                <a:tc>
-                  <a:txBody>
-                    <a:bodyPr/>
-                    <a:lstStyle/>
-                    <a:p>
-                      <a:r>
-                        <a:rPr lang="de-DE" dirty="0"/>
-                        <a:t>Gatling</a:t>
-                      </a:r>
-                    </a:p>
-                  </a:txBody>
-                  <a:tcPr/>
-                </a:tc>
-                <a:tc>
-                  <a:txBody>
-                    <a:bodyPr/>
-                    <a:lstStyle/>
-                    <a:p>
-                      <a:r>
-                        <a:rPr lang="de-DE" dirty="0" err="1"/>
-                        <a:t>Locust</a:t>
-                      </a:r>
-                      <a:endParaRPr lang="de-DE" dirty="0"/>
-                    </a:p>
-                  </a:txBody>
-                  <a:tcPr/>
-                </a:tc>
-                <a:tc>
-                  <a:txBody>
-                    <a:bodyPr/>
-                    <a:lstStyle/>
-                    <a:p>
-                      <a:r>
-                        <a:rPr lang="de-DE" dirty="0"/>
-                        <a:t>Apache AB</a:t>
-                      </a:r>
-                    </a:p>
-                  </a:txBody>
-                  <a:tcPr/>
-                </a:tc>
-                <a:tc>
-                  <a:txBody>
-                    <a:bodyPr/>
-                    <a:lstStyle/>
-                    <a:p>
-                      <a:r>
-                        <a:rPr lang="de-DE" dirty="0"/>
-                        <a:t>k6</a:t>
-                      </a:r>
-                    </a:p>
-                  </a:txBody>
-                  <a:tcPr/>
-                </a:tc>
-                <a:tc>
-                  <a:txBody>
-                    <a:bodyPr/>
-                    <a:lstStyle/>
-                    <a:p>
-                      <a:r>
-                        <a:rPr lang="de-DE" dirty="0" err="1"/>
-                        <a:t>nGrinder</a:t>
-                      </a:r>
-                      <a:endParaRPr lang="de-DE" dirty="0"/>
-                    </a:p>
-                  </a:txBody>
-                  <a:tcPr/>
-                </a:tc>
-                <a:tc>
-                  <a:txBody>
-                    <a:bodyPr/>
-                    <a:lstStyle/>
-                    <a:p>
-                      <a:r>
-                        <a:rPr lang="de-DE" dirty="0"/>
-                        <a:t>Taurus</a:t>
-                      </a:r>
-                    </a:p>
-                  </a:txBody>
-                  <a:tcPr/>
-                </a:tc>
-                <a:extLst>
-                  <a:ext uri="{0D108BD9-81ED-4DB2-BD59-A6C34878D82A}">
-                    <a16:rowId xmlns:a16="http://schemas.microsoft.com/office/drawing/2014/main" val="1540211511"/>
-                  </a:ext>
-                </a:extLst>
-              </a:tr>
-              <a:tr h="370840">
-                <a:tc>
-                  <a:txBody>
-                    <a:bodyPr/>
-                    <a:lstStyle/>
-                    <a:p>
-                      <a:r>
-                        <a:rPr lang="de-DE" dirty="0"/>
-                        <a:t>Lizenz</a:t>
-                      </a:r>
-                    </a:p>
-                  </a:txBody>
-                  <a:tcPr/>
-                </a:tc>
-                <a:tc>
-                  <a:txBody>
-                    <a:bodyPr/>
-                    <a:lstStyle/>
-                    <a:p>
-                      <a:r>
-                        <a:rPr lang="de-DE" dirty="0"/>
-                        <a:t>Lizenz</a:t>
-                      </a:r>
-                    </a:p>
-                  </a:txBody>
-                  <a:tcPr/>
-                </a:tc>
-                <a:tc>
-                  <a:txBody>
-                    <a:bodyPr/>
-                    <a:lstStyle/>
-                    <a:p>
-                      <a:r>
-                        <a:rPr lang="de-DE" dirty="0"/>
-                        <a:t>Apache 2.0</a:t>
-                      </a:r>
-                    </a:p>
-                  </a:txBody>
-                  <a:tcPr>
-                    <a:solidFill>
-                      <a:srgbClr val="92D050"/>
-                    </a:solidFill>
-                  </a:tcPr>
-                </a:tc>
-                <a:tc>
-                  <a:txBody>
-                    <a:bodyPr/>
-                    <a:lstStyle/>
-                    <a:p>
-                      <a:r>
-                        <a:rPr lang="de-DE" dirty="0"/>
-                        <a:t>MIT</a:t>
-                      </a:r>
-                    </a:p>
-                  </a:txBody>
-                  <a:tcPr>
-                    <a:solidFill>
-                      <a:srgbClr val="92D050"/>
-                    </a:solidFill>
-                  </a:tcPr>
-                </a:tc>
-                <a:tc>
-                  <a:txBody>
-                    <a:bodyPr/>
-                    <a:lstStyle/>
-                    <a:p>
-                      <a:r>
-                        <a:rPr lang="de-DE" dirty="0"/>
-                        <a:t>Apache </a:t>
-                      </a:r>
-                    </a:p>
-                  </a:txBody>
-                  <a:tcPr>
-                    <a:solidFill>
-                      <a:srgbClr val="92D050"/>
-                    </a:solidFill>
-                  </a:tcPr>
-                </a:tc>
-                <a:tc>
-                  <a:txBody>
-                    <a:bodyPr/>
-                    <a:lstStyle/>
-                    <a:p>
-                      <a:r>
-                        <a:rPr lang="de-DE" dirty="0"/>
-                        <a:t>AGPL</a:t>
-                      </a:r>
-                    </a:p>
-                  </a:txBody>
-                  <a:tcPr>
-                    <a:solidFill>
-                      <a:srgbClr val="FF0000"/>
-                    </a:solidFill>
-                  </a:tcPr>
-                </a:tc>
-                <a:tc>
-                  <a:txBody>
-                    <a:bodyPr/>
-                    <a:lstStyle/>
-                    <a:p>
-                      <a:r>
-                        <a:rPr lang="de-DE" dirty="0"/>
-                        <a:t>Apache 2.0</a:t>
-                      </a:r>
-                    </a:p>
-                  </a:txBody>
-                  <a:tcPr>
-                    <a:solidFill>
-                      <a:srgbClr val="92D050"/>
-                    </a:solidFill>
-                  </a:tcPr>
-                </a:tc>
-                <a:tc>
-                  <a:txBody>
-                    <a:bodyPr/>
-                    <a:lstStyle/>
-                    <a:p>
-                      <a:r>
-                        <a:rPr lang="de-DE" dirty="0"/>
-                        <a:t>Apache 2.0</a:t>
-                      </a:r>
-                    </a:p>
-                  </a:txBody>
-                  <a:tcPr>
-                    <a:solidFill>
-                      <a:srgbClr val="92D050"/>
-                    </a:solidFill>
-                  </a:tcPr>
-                </a:tc>
-                <a:extLst>
-                  <a:ext uri="{0D108BD9-81ED-4DB2-BD59-A6C34878D82A}">
-                    <a16:rowId xmlns:a16="http://schemas.microsoft.com/office/drawing/2014/main" val="2067020263"/>
-                  </a:ext>
-                </a:extLst>
-              </a:tr>
-              <a:tr h="370840">
-                <a:tc rowSpan="2">
-                  <a:txBody>
-                    <a:bodyPr/>
-                    <a:lstStyle/>
-                    <a:p>
-                      <a:r>
-                        <a:rPr lang="de-DE" dirty="0"/>
-                        <a:t>Reifegrad</a:t>
-                      </a:r>
-                    </a:p>
-                  </a:txBody>
-                  <a:tcPr anchor="ctr"/>
-                </a:tc>
-                <a:tc>
-                  <a:txBody>
-                    <a:bodyPr/>
-                    <a:lstStyle/>
-                    <a:p>
-                      <a:r>
-                        <a:rPr lang="de-DE" dirty="0"/>
-                        <a:t>Stable Release &gt; 1.0</a:t>
-                      </a:r>
-                    </a:p>
-                  </a:txBody>
-                  <a:tcPr/>
-                </a:tc>
-                <a:tc>
-                  <a:txBody>
-                    <a:bodyPr/>
-                    <a:lstStyle/>
-                    <a:p>
-                      <a:r>
-                        <a:rPr lang="de-DE" dirty="0"/>
-                        <a:t>2.3.1</a:t>
-                      </a:r>
-                    </a:p>
-                  </a:txBody>
-                  <a:tcPr>
-                    <a:solidFill>
-                      <a:srgbClr val="92D050"/>
-                    </a:solidFill>
-                  </a:tcPr>
-                </a:tc>
-                <a:tc>
-                  <a:txBody>
-                    <a:bodyPr/>
-                    <a:lstStyle/>
-                    <a:p>
-                      <a:r>
-                        <a:rPr lang="de-DE" dirty="0"/>
-                        <a:t>0.8.1</a:t>
-                      </a:r>
-                    </a:p>
-                  </a:txBody>
-                  <a:tcPr>
-                    <a:solidFill>
-                      <a:srgbClr val="FF0000"/>
-                    </a:solidFill>
-                  </a:tcPr>
-                </a:tc>
-                <a:tc>
-                  <a:txBody>
-                    <a:bodyPr/>
-                    <a:lstStyle/>
-                    <a:p>
-                      <a:endParaRPr lang="de-DE" dirty="0"/>
-                    </a:p>
-                  </a:txBody>
-                  <a:tcPr/>
-                </a:tc>
-                <a:tc>
-                  <a:txBody>
-                    <a:bodyPr/>
-                    <a:lstStyle/>
-                    <a:p>
-                      <a:r>
-                        <a:rPr lang="de-DE" dirty="0"/>
-                        <a:t>0.20.0</a:t>
-                      </a:r>
-                    </a:p>
-                  </a:txBody>
-                  <a:tcPr>
-                    <a:solidFill>
-                      <a:srgbClr val="FF0000"/>
-                    </a:solidFill>
-                  </a:tcPr>
-                </a:tc>
-                <a:tc>
-                  <a:txBody>
-                    <a:bodyPr/>
-                    <a:lstStyle/>
-                    <a:p>
-                      <a:r>
-                        <a:rPr lang="de-DE" dirty="0"/>
-                        <a:t>3.4.1</a:t>
-                      </a:r>
-                    </a:p>
-                  </a:txBody>
-                  <a:tcPr>
-                    <a:solidFill>
-                      <a:srgbClr val="92D050"/>
-                    </a:solidFill>
-                  </a:tcPr>
-                </a:tc>
-                <a:tc>
-                  <a:txBody>
-                    <a:bodyPr/>
-                    <a:lstStyle/>
-                    <a:p>
-                      <a:r>
-                        <a:rPr lang="de-DE" dirty="0"/>
-                        <a:t>1.11.0</a:t>
-                      </a:r>
-                    </a:p>
-                  </a:txBody>
-                  <a:tcPr>
-                    <a:solidFill>
-                      <a:srgbClr val="92D050"/>
-                    </a:solidFill>
-                  </a:tcPr>
-                </a:tc>
-                <a:extLst>
-                  <a:ext uri="{0D108BD9-81ED-4DB2-BD59-A6C34878D82A}">
-                    <a16:rowId xmlns:a16="http://schemas.microsoft.com/office/drawing/2014/main" val="1717473814"/>
-                  </a:ext>
-                </a:extLst>
-              </a:tr>
-              <a:tr h="370840">
-                <a:tc vMerge="1">
-                  <a:txBody>
-                    <a:bodyPr/>
-                    <a:lstStyle/>
-                    <a:p>
-                      <a:endParaRPr lang="de-DE" dirty="0"/>
-                    </a:p>
-                  </a:txBody>
-                  <a:tcPr/>
-                </a:tc>
-                <a:tc>
-                  <a:txBody>
-                    <a:bodyPr/>
-                    <a:lstStyle/>
-                    <a:p>
-                      <a:r>
-                        <a:rPr lang="de-DE" dirty="0"/>
-                        <a:t>Existiert &gt; 1 Jahr</a:t>
-                      </a:r>
-                    </a:p>
-                  </a:txBody>
-                  <a:tcPr/>
-                </a:tc>
-                <a:tc>
-                  <a:txBody>
-                    <a:bodyPr/>
-                    <a:lstStyle/>
-                    <a:p>
-                      <a:r>
-                        <a:rPr lang="de-DE" dirty="0"/>
-                        <a:t>2012</a:t>
-                      </a:r>
-                    </a:p>
-                  </a:txBody>
-                  <a:tcPr>
-                    <a:solidFill>
-                      <a:srgbClr val="92D050"/>
-                    </a:solidFill>
-                  </a:tcPr>
-                </a:tc>
-                <a:tc>
-                  <a:txBody>
-                    <a:bodyPr/>
-                    <a:lstStyle/>
-                    <a:p>
-                      <a:r>
-                        <a:rPr lang="de-DE" dirty="0"/>
-                        <a:t>2011</a:t>
-                      </a:r>
-                    </a:p>
-                  </a:txBody>
-                  <a:tcPr>
-                    <a:solidFill>
-                      <a:srgbClr val="92D050"/>
-                    </a:solidFill>
-                  </a:tcPr>
-                </a:tc>
-                <a:tc>
-                  <a:txBody>
-                    <a:bodyPr/>
-                    <a:lstStyle/>
-                    <a:p>
-                      <a:endParaRPr lang="de-DE" dirty="0"/>
-                    </a:p>
-                  </a:txBody>
-                  <a:tcPr/>
-                </a:tc>
-                <a:tc>
-                  <a:txBody>
-                    <a:bodyPr/>
-                    <a:lstStyle/>
-                    <a:p>
-                      <a:r>
-                        <a:rPr lang="de-DE" dirty="0"/>
-                        <a:t>2017</a:t>
-                      </a:r>
-                    </a:p>
-                  </a:txBody>
-                  <a:tcPr>
-                    <a:solidFill>
-                      <a:srgbClr val="92D050"/>
-                    </a:solidFill>
-                  </a:tcPr>
-                </a:tc>
-                <a:tc>
-                  <a:txBody>
-                    <a:bodyPr/>
-                    <a:lstStyle/>
-                    <a:p>
-                      <a:r>
-                        <a:rPr lang="de-DE" dirty="0"/>
-                        <a:t>2012</a:t>
-                      </a:r>
-                    </a:p>
-                  </a:txBody>
-                  <a:tcPr>
-                    <a:solidFill>
-                      <a:srgbClr val="92D050"/>
-                    </a:solidFill>
-                  </a:tcPr>
-                </a:tc>
-                <a:tc>
-                  <a:txBody>
-                    <a:bodyPr/>
-                    <a:lstStyle/>
-                    <a:p>
-                      <a:r>
-                        <a:rPr lang="de-DE" dirty="0"/>
-                        <a:t>2016</a:t>
-                      </a:r>
-                    </a:p>
-                  </a:txBody>
-                  <a:tcPr>
-                    <a:solidFill>
-                      <a:srgbClr val="92D050"/>
-                    </a:solidFill>
-                  </a:tcPr>
-                </a:tc>
-                <a:extLst>
-                  <a:ext uri="{0D108BD9-81ED-4DB2-BD59-A6C34878D82A}">
-                    <a16:rowId xmlns:a16="http://schemas.microsoft.com/office/drawing/2014/main" val="3172502802"/>
-                  </a:ext>
-                </a:extLst>
-              </a:tr>
-              <a:tr h="370840">
-                <a:tc rowSpan="2">
-                  <a:txBody>
-                    <a:bodyPr/>
-                    <a:lstStyle/>
-                    <a:p>
-                      <a:pPr algn="l"/>
-                      <a:r>
-                        <a:rPr lang="de-DE" dirty="0"/>
-                        <a:t>Support</a:t>
-                      </a:r>
-                    </a:p>
-                  </a:txBody>
-                  <a:tcPr anchor="ctr"/>
-                </a:tc>
-                <a:tc>
-                  <a:txBody>
-                    <a:bodyPr/>
-                    <a:lstStyle/>
-                    <a:p>
-                      <a:r>
-                        <a:rPr lang="de-DE" dirty="0" err="1"/>
-                        <a:t>Issue</a:t>
-                      </a:r>
-                      <a:r>
-                        <a:rPr lang="de-DE" dirty="0"/>
-                        <a:t> Tracker</a:t>
-                      </a:r>
-                    </a:p>
-                  </a:txBody>
-                  <a:tcPr/>
-                </a:tc>
-                <a:tc>
-                  <a:txBody>
-                    <a:bodyPr/>
-                    <a:lstStyle/>
-                    <a:p>
-                      <a:r>
-                        <a:rPr lang="de-DE" dirty="0"/>
-                        <a:t>GitHub</a:t>
-                      </a:r>
-                    </a:p>
-                  </a:txBody>
-                  <a:tcPr>
-                    <a:solidFill>
-                      <a:srgbClr val="92D050"/>
-                    </a:solidFill>
-                  </a:tcPr>
-                </a:tc>
-                <a:tc>
-                  <a:txBody>
-                    <a:bodyPr/>
-                    <a:lstStyle/>
-                    <a:p>
-                      <a:r>
-                        <a:rPr lang="de-DE" dirty="0"/>
-                        <a:t>GitHub</a:t>
-                      </a:r>
-                    </a:p>
-                  </a:txBody>
-                  <a:tcPr>
-                    <a:solidFill>
-                      <a:srgbClr val="92D050"/>
-                    </a:solidFill>
-                  </a:tcPr>
-                </a:tc>
-                <a:tc>
-                  <a:txBody>
-                    <a:bodyPr/>
-                    <a:lstStyle/>
-                    <a:p>
-                      <a:endParaRPr lang="de-DE" dirty="0"/>
-                    </a:p>
-                  </a:txBody>
-                  <a:tcPr/>
-                </a:tc>
-                <a:tc>
-                  <a:txBody>
-                    <a:bodyPr/>
-                    <a:lstStyle/>
-                    <a:p>
-                      <a:r>
-                        <a:rPr lang="de-DE" dirty="0"/>
-                        <a:t>GitHub</a:t>
-                      </a:r>
-                    </a:p>
-                  </a:txBody>
-                  <a:tcPr>
-                    <a:solidFill>
-                      <a:srgbClr val="92D050"/>
-                    </a:solidFill>
-                  </a:tcPr>
-                </a:tc>
-                <a:tc>
-                  <a:txBody>
-                    <a:bodyPr/>
-                    <a:lstStyle/>
-                    <a:p>
-                      <a:r>
-                        <a:rPr lang="de-DE" dirty="0"/>
-                        <a:t>GitHub</a:t>
-                      </a:r>
-                    </a:p>
-                  </a:txBody>
-                  <a:tcPr>
-                    <a:solidFill>
-                      <a:srgbClr val="92D050"/>
-                    </a:solidFill>
-                  </a:tcPr>
-                </a:tc>
-                <a:tc>
-                  <a:txBody>
-                    <a:bodyPr/>
-                    <a:lstStyle/>
-                    <a:p>
-                      <a:r>
-                        <a:rPr lang="de-DE" dirty="0"/>
-                        <a:t>Google Groups</a:t>
-                      </a:r>
-                    </a:p>
-                  </a:txBody>
-                  <a:tcPr>
-                    <a:solidFill>
-                      <a:srgbClr val="92D050"/>
-                    </a:solidFill>
-                  </a:tcPr>
-                </a:tc>
-                <a:extLst>
-                  <a:ext uri="{0D108BD9-81ED-4DB2-BD59-A6C34878D82A}">
-                    <a16:rowId xmlns:a16="http://schemas.microsoft.com/office/drawing/2014/main" val="4285906766"/>
-                  </a:ext>
-                </a:extLst>
-              </a:tr>
-              <a:tr h="370840">
-                <a:tc vMerge="1">
-                  <a:txBody>
-                    <a:bodyPr/>
-                    <a:lstStyle/>
-                    <a:p>
-                      <a:endParaRPr lang="de-DE" dirty="0"/>
-                    </a:p>
-                  </a:txBody>
-                  <a:tcPr/>
-                </a:tc>
-                <a:tc>
-                  <a:txBody>
-                    <a:bodyPr/>
-                    <a:lstStyle/>
-                    <a:p>
-                      <a:r>
-                        <a:rPr lang="de-DE" dirty="0"/>
-                        <a:t>Antwortzeit &lt; 24h</a:t>
-                      </a:r>
-                    </a:p>
-                  </a:txBody>
-                  <a:tcPr/>
-                </a:tc>
-                <a:tc>
-                  <a:txBody>
-                    <a:bodyPr/>
-                    <a:lstStyle/>
-                    <a:p>
-                      <a:endParaRPr lang="de-DE" dirty="0"/>
-                    </a:p>
-                  </a:txBody>
-                  <a:tcPr/>
-                </a:tc>
-                <a:tc>
-                  <a:txBody>
-                    <a:bodyPr/>
-                    <a:lstStyle/>
-                    <a:p>
-                      <a:endParaRPr lang="de-DE"/>
-                    </a:p>
-                  </a:txBody>
-                  <a:tcPr/>
-                </a:tc>
-                <a:tc>
-                  <a:txBody>
-                    <a:bodyPr/>
-                    <a:lstStyle/>
-                    <a:p>
-                      <a:endParaRPr lang="de-DE"/>
-                    </a:p>
-                  </a:txBody>
-                  <a:tcPr/>
-                </a:tc>
-                <a:tc>
-                  <a:txBody>
-                    <a:bodyPr/>
-                    <a:lstStyle/>
-                    <a:p>
-                      <a:endParaRPr lang="de-DE"/>
-                    </a:p>
-                  </a:txBody>
-                  <a:tcPr/>
-                </a:tc>
-                <a:tc>
-                  <a:txBody>
-                    <a:bodyPr/>
-                    <a:lstStyle/>
-                    <a:p>
-                      <a:endParaRPr lang="de-DE"/>
-                    </a:p>
-                  </a:txBody>
-                  <a:tcPr/>
-                </a:tc>
-                <a:tc>
-                  <a:txBody>
-                    <a:bodyPr/>
-                    <a:lstStyle/>
-                    <a:p>
-                      <a:endParaRPr lang="de-DE"/>
-                    </a:p>
-                  </a:txBody>
-                  <a:tcPr/>
-                </a:tc>
-                <a:extLst>
-                  <a:ext uri="{0D108BD9-81ED-4DB2-BD59-A6C34878D82A}">
-                    <a16:rowId xmlns:a16="http://schemas.microsoft.com/office/drawing/2014/main" val="468078094"/>
-                  </a:ext>
-                </a:extLst>
-              </a:tr>
-              <a:tr h="370840">
-                <a:tc rowSpan="3">
-                  <a:txBody>
-                    <a:bodyPr/>
-                    <a:lstStyle/>
-                    <a:p>
-                      <a:r>
-                        <a:rPr lang="de-DE" dirty="0"/>
-                        <a:t>Dokumentation</a:t>
-                      </a:r>
-                    </a:p>
-                  </a:txBody>
-                  <a:tcPr anchor="ctr"/>
-                </a:tc>
-                <a:tc>
-                  <a:txBody>
-                    <a:bodyPr/>
-                    <a:lstStyle/>
-                    <a:p>
-                      <a:r>
-                        <a:rPr lang="de-DE" dirty="0"/>
-                        <a:t>API Dokumentation</a:t>
-                      </a:r>
-                    </a:p>
-                  </a:txBody>
-                  <a:tcPr/>
-                </a:tc>
-                <a:tc>
-                  <a:txBody>
-                    <a:bodyPr/>
-                    <a:lstStyle/>
-                    <a:p>
-                      <a:endParaRPr lang="de-DE" dirty="0"/>
-                    </a:p>
-                  </a:txBody>
-                  <a:tcPr/>
-                </a:tc>
-                <a:tc>
-                  <a:txBody>
-                    <a:bodyPr/>
-                    <a:lstStyle/>
-                    <a:p>
-                      <a:endParaRPr lang="de-DE" dirty="0"/>
-                    </a:p>
-                  </a:txBody>
-                  <a:tcPr/>
-                </a:tc>
-                <a:tc>
-                  <a:txBody>
-                    <a:bodyPr/>
-                    <a:lstStyle/>
-                    <a:p>
-                      <a:endParaRPr lang="de-DE" dirty="0"/>
-                    </a:p>
-                  </a:txBody>
-                  <a:tcPr/>
-                </a:tc>
-                <a:tc>
-                  <a:txBody>
-                    <a:bodyPr/>
-                    <a:lstStyle/>
-                    <a:p>
-                      <a:endParaRPr lang="de-DE" dirty="0"/>
-                    </a:p>
-                  </a:txBody>
-                  <a:tcPr/>
-                </a:tc>
-                <a:tc>
-                  <a:txBody>
-                    <a:bodyPr/>
-                    <a:lstStyle/>
-                    <a:p>
-                      <a:endParaRPr lang="de-DE" dirty="0"/>
-                    </a:p>
-                  </a:txBody>
-                  <a:tcPr/>
-                </a:tc>
-                <a:tc>
-                  <a:txBody>
-                    <a:bodyPr/>
-                    <a:lstStyle/>
-                    <a:p>
-                      <a:endParaRPr lang="de-DE" dirty="0"/>
-                    </a:p>
-                  </a:txBody>
-                  <a:tcPr/>
-                </a:tc>
-                <a:extLst>
-                  <a:ext uri="{0D108BD9-81ED-4DB2-BD59-A6C34878D82A}">
-                    <a16:rowId xmlns:a16="http://schemas.microsoft.com/office/drawing/2014/main" val="3465109363"/>
-                  </a:ext>
-                </a:extLst>
-              </a:tr>
-              <a:tr h="370840">
-                <a:tc vMerge="1">
-                  <a:txBody>
-                    <a:bodyPr/>
-                    <a:lstStyle/>
-                    <a:p>
-                      <a:endParaRPr lang="de-DE" dirty="0"/>
-                    </a:p>
-                  </a:txBody>
-                  <a:tcPr/>
-                </a:tc>
-                <a:tc>
-                  <a:txBody>
-                    <a:bodyPr/>
-                    <a:lstStyle/>
-                    <a:p>
-                      <a:r>
-                        <a:rPr lang="de-DE" dirty="0"/>
-                        <a:t>Tutorials</a:t>
-                      </a:r>
-                    </a:p>
-                  </a:txBody>
-                  <a:tcPr/>
-                </a:tc>
-                <a:tc>
-                  <a:txBody>
-                    <a:bodyPr/>
-                    <a:lstStyle/>
-                    <a:p>
-                      <a:endParaRPr lang="de-DE" dirty="0"/>
-                    </a:p>
-                  </a:txBody>
-                  <a:tcPr/>
-                </a:tc>
-                <a:tc>
-                  <a:txBody>
-                    <a:bodyPr/>
-                    <a:lstStyle/>
-                    <a:p>
-                      <a:endParaRPr lang="de-DE" dirty="0"/>
-                    </a:p>
-                  </a:txBody>
-                  <a:tcPr/>
-                </a:tc>
-                <a:tc>
-                  <a:txBody>
-                    <a:bodyPr/>
-                    <a:lstStyle/>
-                    <a:p>
-                      <a:endParaRPr lang="de-DE" dirty="0"/>
-                    </a:p>
-                  </a:txBody>
-                  <a:tcPr/>
-                </a:tc>
-                <a:tc>
-                  <a:txBody>
-                    <a:bodyPr/>
-                    <a:lstStyle/>
-                    <a:p>
-                      <a:endParaRPr lang="de-DE" dirty="0"/>
-                    </a:p>
-                  </a:txBody>
-                  <a:tcPr/>
-                </a:tc>
-                <a:tc>
-                  <a:txBody>
-                    <a:bodyPr/>
-                    <a:lstStyle/>
-                    <a:p>
-                      <a:endParaRPr lang="de-DE" dirty="0"/>
-                    </a:p>
-                  </a:txBody>
-                  <a:tcPr/>
-                </a:tc>
-                <a:tc>
-                  <a:txBody>
-                    <a:bodyPr/>
-                    <a:lstStyle/>
-                    <a:p>
-                      <a:endParaRPr lang="de-DE" dirty="0"/>
-                    </a:p>
-                  </a:txBody>
-                  <a:tcPr/>
-                </a:tc>
-                <a:extLst>
-                  <a:ext uri="{0D108BD9-81ED-4DB2-BD59-A6C34878D82A}">
-                    <a16:rowId xmlns:a16="http://schemas.microsoft.com/office/drawing/2014/main" val="124811157"/>
-                  </a:ext>
-                </a:extLst>
-              </a:tr>
-              <a:tr h="370840">
-                <a:tc vMerge="1">
-                  <a:txBody>
-                    <a:bodyPr/>
-                    <a:lstStyle/>
-                    <a:p>
-                      <a:endParaRPr lang="de-DE" dirty="0"/>
-                    </a:p>
-                  </a:txBody>
-                  <a:tcPr/>
-                </a:tc>
-                <a:tc>
-                  <a:txBody>
-                    <a:bodyPr/>
-                    <a:lstStyle/>
-                    <a:p>
-                      <a:r>
-                        <a:rPr lang="de-DE" dirty="0"/>
-                        <a:t>Nutzer-Doku</a:t>
-                      </a:r>
-                    </a:p>
-                  </a:txBody>
-                  <a:tcPr/>
-                </a:tc>
-                <a:tc>
-                  <a:txBody>
-                    <a:bodyPr/>
-                    <a:lstStyle/>
-                    <a:p>
-                      <a:endParaRPr lang="de-DE" dirty="0"/>
-                    </a:p>
-                  </a:txBody>
-                  <a:tcPr/>
-                </a:tc>
-                <a:tc>
-                  <a:txBody>
-                    <a:bodyPr/>
-                    <a:lstStyle/>
-                    <a:p>
-                      <a:endParaRPr lang="de-DE" dirty="0"/>
-                    </a:p>
-                  </a:txBody>
-                  <a:tcPr/>
-                </a:tc>
-                <a:tc>
-                  <a:txBody>
-                    <a:bodyPr/>
-                    <a:lstStyle/>
-                    <a:p>
-                      <a:endParaRPr lang="de-DE" dirty="0"/>
-                    </a:p>
-                  </a:txBody>
-                  <a:tcPr/>
-                </a:tc>
-                <a:tc>
-                  <a:txBody>
-                    <a:bodyPr/>
-                    <a:lstStyle/>
-                    <a:p>
-                      <a:endParaRPr lang="de-DE" dirty="0"/>
-                    </a:p>
-                  </a:txBody>
-                  <a:tcPr/>
-                </a:tc>
-                <a:tc>
-                  <a:txBody>
-                    <a:bodyPr/>
-                    <a:lstStyle/>
-                    <a:p>
-                      <a:endParaRPr lang="de-DE" dirty="0"/>
-                    </a:p>
-                  </a:txBody>
-                  <a:tcPr/>
-                </a:tc>
-                <a:tc>
-                  <a:txBody>
-                    <a:bodyPr/>
-                    <a:lstStyle/>
-                    <a:p>
-                      <a:endParaRPr lang="de-DE" dirty="0"/>
-                    </a:p>
-                  </a:txBody>
-                  <a:tcPr/>
-                </a:tc>
-                <a:extLst>
-                  <a:ext uri="{0D108BD9-81ED-4DB2-BD59-A6C34878D82A}">
-                    <a16:rowId xmlns:a16="http://schemas.microsoft.com/office/drawing/2014/main" val="510005107"/>
-                  </a:ext>
-                </a:extLst>
-              </a:tr>
-            </a:tbl>
-          </a:graphicData>
-        </a:graphic>
-      </p:graphicFrame>
-      <p:sp>
-        <p:nvSpPr>
-          <p:cNvPr id="5" name="Datumsplatzhalter 4"/>
-          <p:cNvSpPr>
-            <a:spLocks noGrp="1"/>
-          </p:cNvSpPr>
-          <p:nvPr>
-            <p:ph type="dt" sz="half" idx="10"/>
-          </p:nvPr>
-        </p:nvSpPr>
-        <p:spPr/>
-        <p:txBody>
-          <a:bodyPr/>
-          <a:lstStyle/>
-          <a:p>
-            <a:fld id="{5E3FA0F3-663C-4E4D-A9AD-FCEECA59737D}" type="datetime1">
-              <a:rPr lang="de-DE" smtClean="0"/>
-              <a:t>14.05.2018</a:t>
-            </a:fld>
-            <a:endParaRPr lang="de-DE"/>
-          </a:p>
-        </p:txBody>
-      </p:sp>
-      <p:sp>
-        <p:nvSpPr>
-          <p:cNvPr id="6" name="Foliennummernplatzhalter 5"/>
-          <p:cNvSpPr>
-            <a:spLocks noGrp="1"/>
-          </p:cNvSpPr>
-          <p:nvPr>
-            <p:ph type="sldNum" sz="quarter" idx="12"/>
-          </p:nvPr>
-        </p:nvSpPr>
-        <p:spPr/>
-        <p:txBody>
-          <a:bodyPr/>
-          <a:lstStyle/>
-          <a:p>
-            <a:fld id="{C9BFD74B-BF5B-4F1B-BDFB-3F89FD2A71A6}" type="slidenum">
-              <a:rPr lang="de-DE" smtClean="0"/>
-              <a:t>13</a:t>
-            </a:fld>
-            <a:endParaRPr lang="de-DE"/>
-          </a:p>
-        </p:txBody>
-      </p:sp>
-    </p:spTree>
-    <p:extLst>
-      <p:ext uri="{BB962C8B-B14F-4D97-AF65-F5344CB8AC3E}">
-        <p14:creationId xmlns:p14="http://schemas.microsoft.com/office/powerpoint/2010/main" val="1348159509"/>
-      </p:ext>
-    </p:extLst>
-  </p:cSld>
-  <p:clrMapOvr>
-    <a:masterClrMapping/>
-  </p:clrMapOvr>
-</p:sld>
-</file>
-
-<file path=ppt/slides/slide14.xml><?xml version="1.0" encoding="utf-8"?>
-<p:sld xmlns:a="http://schemas.openxmlformats.org/drawingml/2006/main" xmlns:r="http://schemas.openxmlformats.org/officeDocument/2006/relationships" xmlns:p="http://schemas.openxmlformats.org/presentationml/2006/main">
-  <p:cSld>
-    <p:spTree>
-      <p:nvGrpSpPr>
-        <p:cNvPr id="1" name=""/>
-        <p:cNvGrpSpPr/>
-        <p:nvPr/>
-      </p:nvGrpSpPr>
-      <p:grpSpPr>
-        <a:xfrm>
-          <a:off x="0" y="0"/>
-          <a:ext cx="0" cy="0"/>
-          <a:chOff x="0" y="0"/>
-          <a:chExt cx="0" cy="0"/>
-        </a:xfrm>
-      </p:grpSpPr>
-      <p:sp>
-        <p:nvSpPr>
-          <p:cNvPr id="2" name="Titel 1">
-            <a:extLst>
-              <a:ext uri="{FF2B5EF4-FFF2-40B4-BE49-F238E27FC236}">
-                <a16:creationId xmlns:a16="http://schemas.microsoft.com/office/drawing/2014/main" id="{C4D7A07A-106A-408F-BFBF-C324D78A9C82}"/>
-              </a:ext>
-            </a:extLst>
-          </p:cNvPr>
-          <p:cNvSpPr>
-            <a:spLocks noGrp="1"/>
-          </p:cNvSpPr>
-          <p:nvPr>
-            <p:ph type="title"/>
-          </p:nvPr>
-        </p:nvSpPr>
-        <p:spPr/>
-        <p:txBody>
-          <a:bodyPr/>
-          <a:lstStyle/>
-          <a:p>
-            <a:endParaRPr lang="de-DE" dirty="0"/>
-          </a:p>
-        </p:txBody>
-      </p:sp>
-      <p:sp>
-        <p:nvSpPr>
-          <p:cNvPr id="3" name="Inhaltsplatzhalter 2">
-            <a:extLst>
-              <a:ext uri="{FF2B5EF4-FFF2-40B4-BE49-F238E27FC236}">
-                <a16:creationId xmlns:a16="http://schemas.microsoft.com/office/drawing/2014/main" id="{4944B1DE-1CF5-4452-BD6B-4852660E222B}"/>
-              </a:ext>
-            </a:extLst>
-          </p:cNvPr>
-          <p:cNvSpPr>
-            <a:spLocks noGrp="1"/>
-          </p:cNvSpPr>
-          <p:nvPr>
-            <p:ph idx="1"/>
-          </p:nvPr>
-        </p:nvSpPr>
-        <p:spPr/>
-        <p:txBody>
-          <a:bodyPr/>
-          <a:lstStyle/>
-          <a:p>
-            <a:endParaRPr lang="de-DE" dirty="0"/>
-          </a:p>
-        </p:txBody>
-      </p:sp>
-      <p:sp>
-        <p:nvSpPr>
-          <p:cNvPr id="4" name="Datumsplatzhalter 3">
-            <a:extLst>
-              <a:ext uri="{FF2B5EF4-FFF2-40B4-BE49-F238E27FC236}">
-                <a16:creationId xmlns:a16="http://schemas.microsoft.com/office/drawing/2014/main" id="{53BE79EA-8267-4354-80CC-B2F29733ED5F}"/>
-              </a:ext>
-            </a:extLst>
-          </p:cNvPr>
-          <p:cNvSpPr>
-            <a:spLocks noGrp="1"/>
-          </p:cNvSpPr>
-          <p:nvPr>
-            <p:ph type="dt" sz="half" idx="10"/>
-          </p:nvPr>
-        </p:nvSpPr>
-        <p:spPr/>
-        <p:txBody>
-          <a:bodyPr/>
-          <a:lstStyle/>
-          <a:p>
-            <a:fld id="{BBFFFFB7-B427-4FC9-89B5-E815E530C709}" type="datetime1">
-              <a:rPr lang="de-DE" smtClean="0"/>
-              <a:t>14.05.2018</a:t>
-            </a:fld>
-            <a:endParaRPr lang="de-DE"/>
-          </a:p>
-        </p:txBody>
-      </p:sp>
-      <p:sp>
-        <p:nvSpPr>
-          <p:cNvPr id="5" name="Foliennummernplatzhalter 4">
-            <a:extLst>
-              <a:ext uri="{FF2B5EF4-FFF2-40B4-BE49-F238E27FC236}">
-                <a16:creationId xmlns:a16="http://schemas.microsoft.com/office/drawing/2014/main" id="{FBE45DFE-3220-40B2-BB1B-C0FBED55FF34}"/>
-              </a:ext>
-            </a:extLst>
-          </p:cNvPr>
-          <p:cNvSpPr>
-            <a:spLocks noGrp="1"/>
-          </p:cNvSpPr>
-          <p:nvPr>
-            <p:ph type="sldNum" sz="quarter" idx="12"/>
-          </p:nvPr>
-        </p:nvSpPr>
-        <p:spPr/>
-        <p:txBody>
-          <a:bodyPr/>
-          <a:lstStyle/>
-          <a:p>
-            <a:fld id="{C9BFD74B-BF5B-4F1B-BDFB-3F89FD2A71A6}" type="slidenum">
-              <a:rPr lang="de-DE" smtClean="0"/>
-              <a:t>14</a:t>
-            </a:fld>
-            <a:endParaRPr lang="de-DE"/>
-          </a:p>
-        </p:txBody>
-      </p:sp>
-      <p:graphicFrame>
-        <p:nvGraphicFramePr>
-          <p:cNvPr id="6" name="Inhaltsplatzhalter 1">
-            <a:extLst>
-              <a:ext uri="{FF2B5EF4-FFF2-40B4-BE49-F238E27FC236}">
-                <a16:creationId xmlns:a16="http://schemas.microsoft.com/office/drawing/2014/main" id="{8BA9E4B6-7293-4870-93E6-B651B41A90A9}"/>
-              </a:ext>
-            </a:extLst>
-          </p:cNvPr>
-          <p:cNvGraphicFramePr>
-            <a:graphicFrameLocks/>
-          </p:cNvGraphicFramePr>
-          <p:nvPr>
-            <p:extLst>
-              <p:ext uri="{D42A27DB-BD31-4B8C-83A1-F6EECF244321}">
-                <p14:modId xmlns:p14="http://schemas.microsoft.com/office/powerpoint/2010/main" val="3152685586"/>
-              </p:ext>
-            </p:extLst>
-          </p:nvPr>
-        </p:nvGraphicFramePr>
-        <p:xfrm>
-          <a:off x="301780" y="941033"/>
-          <a:ext cx="11649399" cy="3879269"/>
-        </p:xfrm>
-        <a:graphic>
-          <a:graphicData uri="http://schemas.openxmlformats.org/drawingml/2006/table">
-            <a:tbl>
-              <a:tblPr firstRow="1" bandRow="1">
-                <a:tableStyleId>{5C22544A-7EE6-4342-B048-85BDC9FD1C3A}</a:tableStyleId>
-              </a:tblPr>
-              <a:tblGrid>
-                <a:gridCol w="1895399">
-                  <a:extLst>
-                    <a:ext uri="{9D8B030D-6E8A-4147-A177-3AD203B41FA5}">
-                      <a16:colId xmlns:a16="http://schemas.microsoft.com/office/drawing/2014/main" val="2740601797"/>
-                    </a:ext>
-                  </a:extLst>
-                </a:gridCol>
-                <a:gridCol w="2570551">
-                  <a:extLst>
-                    <a:ext uri="{9D8B030D-6E8A-4147-A177-3AD203B41FA5}">
-                      <a16:colId xmlns:a16="http://schemas.microsoft.com/office/drawing/2014/main" val="130159350"/>
-                    </a:ext>
-                  </a:extLst>
-                </a:gridCol>
-                <a:gridCol w="1066186">
-                  <a:extLst>
-                    <a:ext uri="{9D8B030D-6E8A-4147-A177-3AD203B41FA5}">
-                      <a16:colId xmlns:a16="http://schemas.microsoft.com/office/drawing/2014/main" val="851099838"/>
-                    </a:ext>
-                  </a:extLst>
-                </a:gridCol>
-                <a:gridCol w="1066186">
-                  <a:extLst>
-                    <a:ext uri="{9D8B030D-6E8A-4147-A177-3AD203B41FA5}">
-                      <a16:colId xmlns:a16="http://schemas.microsoft.com/office/drawing/2014/main" val="2919539333"/>
-                    </a:ext>
-                  </a:extLst>
-                </a:gridCol>
-                <a:gridCol w="1437873">
-                  <a:extLst>
-                    <a:ext uri="{9D8B030D-6E8A-4147-A177-3AD203B41FA5}">
-                      <a16:colId xmlns:a16="http://schemas.microsoft.com/office/drawing/2014/main" val="3251378671"/>
-                    </a:ext>
-                  </a:extLst>
-                </a:gridCol>
-                <a:gridCol w="1019493">
-                  <a:extLst>
-                    <a:ext uri="{9D8B030D-6E8A-4147-A177-3AD203B41FA5}">
-                      <a16:colId xmlns:a16="http://schemas.microsoft.com/office/drawing/2014/main" val="1017323343"/>
-                    </a:ext>
-                  </a:extLst>
-                </a:gridCol>
-                <a:gridCol w="1155838">
-                  <a:extLst>
-                    <a:ext uri="{9D8B030D-6E8A-4147-A177-3AD203B41FA5}">
-                      <a16:colId xmlns:a16="http://schemas.microsoft.com/office/drawing/2014/main" val="754126515"/>
-                    </a:ext>
-                  </a:extLst>
-                </a:gridCol>
-                <a:gridCol w="1437873">
-                  <a:extLst>
-                    <a:ext uri="{9D8B030D-6E8A-4147-A177-3AD203B41FA5}">
-                      <a16:colId xmlns:a16="http://schemas.microsoft.com/office/drawing/2014/main" val="507640895"/>
-                    </a:ext>
-                  </a:extLst>
-                </a:gridCol>
-              </a:tblGrid>
-              <a:tr h="371149">
-                <a:tc>
-                  <a:txBody>
-                    <a:bodyPr/>
-                    <a:lstStyle/>
-                    <a:p>
-                      <a:pPr algn="l"/>
-                      <a:r>
-                        <a:rPr lang="de-DE" dirty="0"/>
-                        <a:t>Thema</a:t>
-                      </a:r>
-                    </a:p>
-                  </a:txBody>
-                  <a:tcPr/>
-                </a:tc>
-                <a:tc>
-                  <a:txBody>
-                    <a:bodyPr/>
-                    <a:lstStyle/>
-                    <a:p>
-                      <a:pPr algn="l"/>
-                      <a:r>
-                        <a:rPr lang="de-DE" dirty="0"/>
-                        <a:t>Kriterium</a:t>
-                      </a:r>
-                    </a:p>
-                  </a:txBody>
-                  <a:tcPr/>
-                </a:tc>
-                <a:tc>
-                  <a:txBody>
-                    <a:bodyPr/>
-                    <a:lstStyle/>
-                    <a:p>
-                      <a:pPr algn="l"/>
-                      <a:r>
-                        <a:rPr lang="de-DE" dirty="0"/>
-                        <a:t>Gatling</a:t>
-                      </a:r>
-                    </a:p>
-                  </a:txBody>
-                  <a:tcPr/>
-                </a:tc>
-                <a:tc>
-                  <a:txBody>
-                    <a:bodyPr/>
-                    <a:lstStyle/>
-                    <a:p>
-                      <a:pPr algn="l"/>
-                      <a:r>
-                        <a:rPr lang="de-DE" dirty="0" err="1"/>
-                        <a:t>Locust</a:t>
-                      </a:r>
-                      <a:endParaRPr lang="de-DE" dirty="0"/>
-                    </a:p>
-                  </a:txBody>
-                  <a:tcPr/>
-                </a:tc>
-                <a:tc>
-                  <a:txBody>
-                    <a:bodyPr/>
-                    <a:lstStyle/>
-                    <a:p>
-                      <a:pPr algn="l"/>
-                      <a:r>
-                        <a:rPr lang="de-DE" dirty="0"/>
-                        <a:t>Apache AB</a:t>
-                      </a:r>
-                    </a:p>
-                  </a:txBody>
-                  <a:tcPr/>
-                </a:tc>
-                <a:tc>
-                  <a:txBody>
-                    <a:bodyPr/>
-                    <a:lstStyle/>
-                    <a:p>
-                      <a:pPr algn="l"/>
-                      <a:r>
-                        <a:rPr lang="de-DE" dirty="0"/>
-                        <a:t>k6</a:t>
-                      </a:r>
-                    </a:p>
-                  </a:txBody>
-                  <a:tcPr/>
-                </a:tc>
-                <a:tc>
-                  <a:txBody>
-                    <a:bodyPr/>
-                    <a:lstStyle/>
-                    <a:p>
-                      <a:pPr algn="l"/>
-                      <a:r>
-                        <a:rPr lang="de-DE" dirty="0" err="1"/>
-                        <a:t>nGrinder</a:t>
-                      </a:r>
-                      <a:endParaRPr lang="de-DE" dirty="0"/>
-                    </a:p>
-                  </a:txBody>
-                  <a:tcPr/>
-                </a:tc>
-                <a:tc>
-                  <a:txBody>
-                    <a:bodyPr/>
-                    <a:lstStyle/>
-                    <a:p>
-                      <a:pPr algn="l"/>
-                      <a:r>
-                        <a:rPr lang="de-DE" dirty="0"/>
-                        <a:t>Taurus</a:t>
-                      </a:r>
-                    </a:p>
-                  </a:txBody>
-                  <a:tcPr/>
-                </a:tc>
-                <a:extLst>
-                  <a:ext uri="{0D108BD9-81ED-4DB2-BD59-A6C34878D82A}">
-                    <a16:rowId xmlns:a16="http://schemas.microsoft.com/office/drawing/2014/main" val="1540211511"/>
-                  </a:ext>
-                </a:extLst>
-              </a:tr>
-              <a:tr h="371149">
-                <a:tc>
-                  <a:txBody>
-                    <a:bodyPr/>
-                    <a:lstStyle/>
-                    <a:p>
-                      <a:pPr algn="l"/>
-                      <a:r>
-                        <a:rPr lang="de-DE" dirty="0"/>
-                        <a:t>Mängel / Bugs</a:t>
-                      </a:r>
-                    </a:p>
-                  </a:txBody>
-                  <a:tcPr/>
-                </a:tc>
-                <a:tc>
-                  <a:txBody>
-                    <a:bodyPr/>
-                    <a:lstStyle/>
-                    <a:p>
-                      <a:pPr algn="l"/>
-                      <a:r>
-                        <a:rPr lang="de-DE" dirty="0"/>
-                        <a:t>Kritische Bugs?</a:t>
-                      </a:r>
-                    </a:p>
-                  </a:txBody>
-                  <a:tcPr/>
-                </a:tc>
-                <a:tc>
-                  <a:txBody>
-                    <a:bodyPr/>
-                    <a:lstStyle/>
-                    <a:p>
-                      <a:pPr algn="l"/>
-                      <a:endParaRPr lang="de-DE" dirty="0"/>
-                    </a:p>
-                  </a:txBody>
-                  <a:tcPr>
-                    <a:solidFill>
-                      <a:srgbClr val="92D050"/>
-                    </a:solidFill>
-                  </a:tcPr>
-                </a:tc>
-                <a:tc>
-                  <a:txBody>
-                    <a:bodyPr/>
-                    <a:lstStyle/>
-                    <a:p>
-                      <a:pPr algn="l"/>
-                      <a:endParaRPr lang="de-DE" dirty="0"/>
-                    </a:p>
-                  </a:txBody>
-                  <a:tcPr>
-                    <a:solidFill>
-                      <a:srgbClr val="92D050"/>
-                    </a:solidFill>
-                  </a:tcPr>
-                </a:tc>
-                <a:tc>
-                  <a:txBody>
-                    <a:bodyPr/>
-                    <a:lstStyle/>
-                    <a:p>
-                      <a:pPr algn="l"/>
-                      <a:endParaRPr lang="de-DE" dirty="0"/>
-                    </a:p>
-                  </a:txBody>
-                  <a:tcPr>
-                    <a:solidFill>
-                      <a:srgbClr val="92D050"/>
-                    </a:solidFill>
-                  </a:tcPr>
-                </a:tc>
-                <a:tc>
-                  <a:txBody>
-                    <a:bodyPr/>
-                    <a:lstStyle/>
-                    <a:p>
-                      <a:pPr algn="l"/>
-                      <a:endParaRPr lang="de-DE" dirty="0"/>
-                    </a:p>
-                  </a:txBody>
-                  <a:tcPr>
-                    <a:solidFill>
-                      <a:srgbClr val="FF0000"/>
-                    </a:solidFill>
-                  </a:tcPr>
-                </a:tc>
-                <a:tc>
-                  <a:txBody>
-                    <a:bodyPr/>
-                    <a:lstStyle/>
-                    <a:p>
-                      <a:pPr algn="l"/>
-                      <a:endParaRPr lang="de-DE" dirty="0"/>
-                    </a:p>
-                  </a:txBody>
-                  <a:tcPr>
-                    <a:solidFill>
-                      <a:srgbClr val="92D050"/>
-                    </a:solidFill>
-                  </a:tcPr>
-                </a:tc>
-                <a:tc>
-                  <a:txBody>
-                    <a:bodyPr/>
-                    <a:lstStyle/>
-                    <a:p>
-                      <a:pPr algn="l"/>
-                      <a:endParaRPr lang="de-DE" dirty="0"/>
-                    </a:p>
-                  </a:txBody>
-                  <a:tcPr>
-                    <a:solidFill>
-                      <a:srgbClr val="92D050"/>
-                    </a:solidFill>
-                  </a:tcPr>
-                </a:tc>
-                <a:extLst>
-                  <a:ext uri="{0D108BD9-81ED-4DB2-BD59-A6C34878D82A}">
-                    <a16:rowId xmlns:a16="http://schemas.microsoft.com/office/drawing/2014/main" val="2067020263"/>
-                  </a:ext>
-                </a:extLst>
-              </a:tr>
-              <a:tr h="371149">
-                <a:tc rowSpan="2">
-                  <a:txBody>
-                    <a:bodyPr/>
-                    <a:lstStyle/>
-                    <a:p>
-                      <a:pPr algn="l"/>
-                      <a:r>
-                        <a:rPr lang="de-DE" dirty="0"/>
-                        <a:t>Bekanntheitsgrad</a:t>
-                      </a:r>
-                    </a:p>
-                  </a:txBody>
-                  <a:tcPr anchor="ctr"/>
-                </a:tc>
-                <a:tc>
-                  <a:txBody>
-                    <a:bodyPr/>
-                    <a:lstStyle/>
-                    <a:p>
-                      <a:pPr algn="l"/>
-                      <a:r>
-                        <a:rPr lang="de-DE" dirty="0" err="1"/>
-                        <a:t>GoogleTrends</a:t>
-                      </a:r>
-                      <a:endParaRPr lang="de-DE" dirty="0"/>
-                    </a:p>
-                  </a:txBody>
-                  <a:tcPr/>
-                </a:tc>
-                <a:tc>
-                  <a:txBody>
-                    <a:bodyPr/>
-                    <a:lstStyle/>
-                    <a:p>
-                      <a:pPr algn="l"/>
-                      <a:endParaRPr lang="de-DE" dirty="0"/>
-                    </a:p>
-                  </a:txBody>
-                  <a:tcPr>
-                    <a:solidFill>
-                      <a:srgbClr val="92D050"/>
-                    </a:solidFill>
-                  </a:tcPr>
-                </a:tc>
-                <a:tc>
-                  <a:txBody>
-                    <a:bodyPr/>
-                    <a:lstStyle/>
-                    <a:p>
-                      <a:pPr algn="l"/>
-                      <a:endParaRPr lang="de-DE" dirty="0"/>
-                    </a:p>
-                  </a:txBody>
-                  <a:tcPr>
-                    <a:solidFill>
-                      <a:srgbClr val="FF0000"/>
-                    </a:solidFill>
-                  </a:tcPr>
-                </a:tc>
-                <a:tc>
-                  <a:txBody>
-                    <a:bodyPr/>
-                    <a:lstStyle/>
-                    <a:p>
-                      <a:pPr algn="l"/>
-                      <a:endParaRPr lang="de-DE" dirty="0"/>
-                    </a:p>
-                  </a:txBody>
-                  <a:tcPr/>
-                </a:tc>
-                <a:tc>
-                  <a:txBody>
-                    <a:bodyPr/>
-                    <a:lstStyle/>
-                    <a:p>
-                      <a:pPr algn="l"/>
-                      <a:endParaRPr lang="de-DE" dirty="0"/>
-                    </a:p>
-                  </a:txBody>
-                  <a:tcPr>
-                    <a:solidFill>
-                      <a:srgbClr val="FF0000"/>
-                    </a:solidFill>
-                  </a:tcPr>
-                </a:tc>
-                <a:tc>
-                  <a:txBody>
-                    <a:bodyPr/>
-                    <a:lstStyle/>
-                    <a:p>
-                      <a:pPr algn="l"/>
-                      <a:endParaRPr lang="de-DE" dirty="0"/>
-                    </a:p>
-                  </a:txBody>
-                  <a:tcPr>
-                    <a:solidFill>
-                      <a:srgbClr val="FF0000"/>
-                    </a:solidFill>
-                  </a:tcPr>
-                </a:tc>
-                <a:tc>
-                  <a:txBody>
-                    <a:bodyPr/>
-                    <a:lstStyle/>
-                    <a:p>
-                      <a:pPr algn="l"/>
-                      <a:endParaRPr lang="de-DE" dirty="0"/>
-                    </a:p>
-                  </a:txBody>
-                  <a:tcPr>
-                    <a:solidFill>
-                      <a:srgbClr val="92D050"/>
-                    </a:solidFill>
-                  </a:tcPr>
-                </a:tc>
-                <a:extLst>
-                  <a:ext uri="{0D108BD9-81ED-4DB2-BD59-A6C34878D82A}">
-                    <a16:rowId xmlns:a16="http://schemas.microsoft.com/office/drawing/2014/main" val="1717473814"/>
-                  </a:ext>
-                </a:extLst>
-              </a:tr>
-              <a:tr h="371149">
-                <a:tc vMerge="1">
-                  <a:txBody>
-                    <a:bodyPr/>
-                    <a:lstStyle/>
-                    <a:p>
-                      <a:endParaRPr lang="de-DE" dirty="0"/>
-                    </a:p>
-                  </a:txBody>
-                  <a:tcPr/>
-                </a:tc>
-                <a:tc>
-                  <a:txBody>
-                    <a:bodyPr/>
-                    <a:lstStyle/>
-                    <a:p>
-                      <a:pPr algn="l"/>
-                      <a:r>
-                        <a:rPr lang="de-DE" dirty="0" err="1"/>
-                        <a:t>StackOverflow</a:t>
-                      </a:r>
-                      <a:endParaRPr lang="de-DE" dirty="0"/>
-                    </a:p>
-                  </a:txBody>
-                  <a:tcPr/>
-                </a:tc>
-                <a:tc>
-                  <a:txBody>
-                    <a:bodyPr/>
-                    <a:lstStyle/>
-                    <a:p>
-                      <a:pPr algn="l"/>
-                      <a:endParaRPr lang="de-DE" dirty="0"/>
-                    </a:p>
-                  </a:txBody>
-                  <a:tcPr>
-                    <a:solidFill>
-                      <a:srgbClr val="92D050"/>
-                    </a:solidFill>
-                  </a:tcPr>
-                </a:tc>
-                <a:tc>
-                  <a:txBody>
-                    <a:bodyPr/>
-                    <a:lstStyle/>
-                    <a:p>
-                      <a:pPr algn="l"/>
-                      <a:endParaRPr lang="de-DE" dirty="0"/>
-                    </a:p>
-                  </a:txBody>
-                  <a:tcPr>
-                    <a:solidFill>
-                      <a:srgbClr val="92D050"/>
-                    </a:solidFill>
-                  </a:tcPr>
-                </a:tc>
-                <a:tc>
-                  <a:txBody>
-                    <a:bodyPr/>
-                    <a:lstStyle/>
-                    <a:p>
-                      <a:pPr algn="l"/>
-                      <a:endParaRPr lang="de-DE" dirty="0"/>
-                    </a:p>
-                  </a:txBody>
-                  <a:tcPr/>
-                </a:tc>
-                <a:tc>
-                  <a:txBody>
-                    <a:bodyPr/>
-                    <a:lstStyle/>
-                    <a:p>
-                      <a:pPr algn="l"/>
-                      <a:endParaRPr lang="de-DE" dirty="0"/>
-                    </a:p>
-                  </a:txBody>
-                  <a:tcPr>
-                    <a:solidFill>
-                      <a:srgbClr val="92D050"/>
-                    </a:solidFill>
-                  </a:tcPr>
-                </a:tc>
-                <a:tc>
-                  <a:txBody>
-                    <a:bodyPr/>
-                    <a:lstStyle/>
-                    <a:p>
-                      <a:pPr algn="l"/>
-                      <a:endParaRPr lang="de-DE" dirty="0"/>
-                    </a:p>
-                  </a:txBody>
-                  <a:tcPr>
-                    <a:solidFill>
-                      <a:srgbClr val="92D050"/>
-                    </a:solidFill>
-                  </a:tcPr>
-                </a:tc>
-                <a:tc>
-                  <a:txBody>
-                    <a:bodyPr/>
-                    <a:lstStyle/>
-                    <a:p>
-                      <a:pPr algn="l"/>
-                      <a:endParaRPr lang="de-DE" dirty="0"/>
-                    </a:p>
-                  </a:txBody>
-                  <a:tcPr>
-                    <a:solidFill>
-                      <a:srgbClr val="92D050"/>
-                    </a:solidFill>
-                  </a:tcPr>
-                </a:tc>
-                <a:extLst>
-                  <a:ext uri="{0D108BD9-81ED-4DB2-BD59-A6C34878D82A}">
-                    <a16:rowId xmlns:a16="http://schemas.microsoft.com/office/drawing/2014/main" val="3172502802"/>
-                  </a:ext>
-                </a:extLst>
-              </a:tr>
-              <a:tr h="640613">
-                <a:tc>
-                  <a:txBody>
-                    <a:bodyPr/>
-                    <a:lstStyle/>
-                    <a:p>
-                      <a:r>
-                        <a:rPr lang="de-DE" dirty="0"/>
-                        <a:t>Innere Qualität</a:t>
-                      </a:r>
-                    </a:p>
-                  </a:txBody>
-                  <a:tcPr anchor="ctr"/>
-                </a:tc>
-                <a:tc>
-                  <a:txBody>
-                    <a:bodyPr/>
-                    <a:lstStyle/>
-                    <a:p>
-                      <a:pPr algn="l"/>
-                      <a:r>
-                        <a:rPr lang="de-DE" dirty="0"/>
-                        <a:t>Coverage &gt; 30%</a:t>
-                      </a:r>
-                    </a:p>
-                    <a:p>
-                      <a:pPr algn="l"/>
-                      <a:r>
-                        <a:rPr lang="de-DE" dirty="0"/>
-                        <a:t>Comments &gt; 15%</a:t>
-                      </a:r>
-                    </a:p>
-                  </a:txBody>
-                  <a:tcPr/>
-                </a:tc>
-                <a:tc>
-                  <a:txBody>
-                    <a:bodyPr/>
-                    <a:lstStyle/>
-                    <a:p>
-                      <a:pPr algn="l"/>
-                      <a:r>
-                        <a:rPr lang="de-DE" dirty="0"/>
-                        <a:t>0%</a:t>
-                      </a:r>
-                    </a:p>
-                    <a:p>
-                      <a:pPr algn="l"/>
-                      <a:r>
-                        <a:rPr lang="de-DE" dirty="0"/>
-                        <a:t>3.2%</a:t>
-                      </a:r>
-                    </a:p>
-                  </a:txBody>
-                  <a:tcPr>
-                    <a:solidFill>
-                      <a:srgbClr val="FF0000"/>
-                    </a:solidFill>
-                  </a:tcPr>
-                </a:tc>
-                <a:tc>
-                  <a:txBody>
-                    <a:bodyPr/>
-                    <a:lstStyle/>
-                    <a:p>
-                      <a:pPr algn="l"/>
-                      <a:r>
-                        <a:rPr lang="de-DE" dirty="0"/>
-                        <a:t>27%</a:t>
-                      </a:r>
-                    </a:p>
-                    <a:p>
-                      <a:pPr algn="l"/>
-                      <a:r>
-                        <a:rPr lang="de-DE" dirty="0"/>
-                        <a:t>13.4%</a:t>
-                      </a:r>
-                    </a:p>
-                  </a:txBody>
-                  <a:tcPr>
-                    <a:solidFill>
-                      <a:srgbClr val="FFFF00"/>
-                    </a:solidFill>
-                  </a:tcPr>
-                </a:tc>
-                <a:tc>
-                  <a:txBody>
-                    <a:bodyPr/>
-                    <a:lstStyle/>
-                    <a:p>
-                      <a:pPr algn="l"/>
-                      <a:endParaRPr lang="de-DE" dirty="0"/>
-                    </a:p>
-                  </a:txBody>
-                  <a:tcPr/>
-                </a:tc>
-                <a:tc>
-                  <a:txBody>
-                    <a:bodyPr/>
-                    <a:lstStyle/>
-                    <a:p>
-                      <a:pPr algn="l"/>
-                      <a:endParaRPr lang="de-DE"/>
-                    </a:p>
-                  </a:txBody>
-                  <a:tcPr/>
-                </a:tc>
-                <a:tc>
-                  <a:txBody>
-                    <a:bodyPr/>
-                    <a:lstStyle/>
-                    <a:p>
-                      <a:pPr algn="l"/>
-                      <a:endParaRPr lang="de-DE"/>
-                    </a:p>
-                  </a:txBody>
-                  <a:tcPr/>
-                </a:tc>
-                <a:tc>
-                  <a:txBody>
-                    <a:bodyPr/>
-                    <a:lstStyle/>
-                    <a:p>
-                      <a:pPr algn="l"/>
-                      <a:endParaRPr lang="de-DE" dirty="0"/>
-                    </a:p>
-                  </a:txBody>
-                  <a:tcPr/>
-                </a:tc>
-                <a:extLst>
-                  <a:ext uri="{0D108BD9-81ED-4DB2-BD59-A6C34878D82A}">
-                    <a16:rowId xmlns:a16="http://schemas.microsoft.com/office/drawing/2014/main" val="468078094"/>
-                  </a:ext>
-                </a:extLst>
-              </a:tr>
-              <a:tr h="371149">
-                <a:tc rowSpan="4">
-                  <a:txBody>
-                    <a:bodyPr/>
-                    <a:lstStyle/>
-                    <a:p>
-                      <a:pPr algn="l"/>
-                      <a:r>
-                        <a:rPr lang="de-DE" dirty="0"/>
-                        <a:t>Projekt Aktivität</a:t>
-                      </a:r>
-                    </a:p>
-                  </a:txBody>
-                  <a:tcPr anchor="ctr"/>
-                </a:tc>
-                <a:tc>
-                  <a:txBody>
-                    <a:bodyPr/>
-                    <a:lstStyle/>
-                    <a:p>
-                      <a:pPr algn="l"/>
-                      <a:r>
-                        <a:rPr lang="de-DE" dirty="0"/>
-                        <a:t>Auf </a:t>
-                      </a:r>
-                      <a:r>
-                        <a:rPr lang="de-DE" dirty="0" err="1"/>
-                        <a:t>Ohloh</a:t>
-                      </a:r>
-                      <a:r>
-                        <a:rPr lang="de-DE" dirty="0"/>
-                        <a:t> gelistet</a:t>
-                      </a:r>
-                    </a:p>
-                  </a:txBody>
-                  <a:tcPr/>
-                </a:tc>
-                <a:tc>
-                  <a:txBody>
-                    <a:bodyPr/>
-                    <a:lstStyle/>
-                    <a:p>
-                      <a:pPr algn="l"/>
-                      <a:r>
-                        <a:rPr lang="de-DE" dirty="0"/>
-                        <a:t>Ja</a:t>
-                      </a:r>
-                    </a:p>
-                  </a:txBody>
-                  <a:tcPr>
-                    <a:solidFill>
-                      <a:srgbClr val="92D050"/>
-                    </a:solidFill>
-                  </a:tcPr>
-                </a:tc>
-                <a:tc>
-                  <a:txBody>
-                    <a:bodyPr/>
-                    <a:lstStyle/>
-                    <a:p>
-                      <a:pPr algn="l"/>
-                      <a:r>
-                        <a:rPr lang="de-DE" dirty="0"/>
-                        <a:t>Ja</a:t>
-                      </a:r>
-                    </a:p>
-                  </a:txBody>
-                  <a:tcPr>
-                    <a:solidFill>
-                      <a:srgbClr val="92D050"/>
-                    </a:solidFill>
-                  </a:tcPr>
-                </a:tc>
-                <a:tc>
-                  <a:txBody>
-                    <a:bodyPr/>
-                    <a:lstStyle/>
-                    <a:p>
-                      <a:pPr algn="l"/>
-                      <a:r>
-                        <a:rPr lang="de-DE" dirty="0"/>
-                        <a:t>Ja</a:t>
-                      </a:r>
-                    </a:p>
-                  </a:txBody>
-                  <a:tcPr>
-                    <a:solidFill>
-                      <a:srgbClr val="92D050"/>
-                    </a:solidFill>
-                  </a:tcPr>
-                </a:tc>
-                <a:tc>
-                  <a:txBody>
-                    <a:bodyPr/>
-                    <a:lstStyle/>
-                    <a:p>
-                      <a:pPr algn="l"/>
-                      <a:r>
-                        <a:rPr lang="de-DE" dirty="0"/>
-                        <a:t>Nein</a:t>
-                      </a:r>
-                    </a:p>
-                  </a:txBody>
-                  <a:tcPr>
-                    <a:solidFill>
-                      <a:srgbClr val="FF0000"/>
-                    </a:solidFill>
-                  </a:tcPr>
-                </a:tc>
-                <a:tc>
-                  <a:txBody>
-                    <a:bodyPr/>
-                    <a:lstStyle/>
-                    <a:p>
-                      <a:pPr algn="l"/>
-                      <a:r>
-                        <a:rPr lang="de-DE" dirty="0"/>
-                        <a:t>Ja</a:t>
-                      </a:r>
-                    </a:p>
-                  </a:txBody>
-                  <a:tcPr>
-                    <a:solidFill>
-                      <a:srgbClr val="92D050"/>
-                    </a:solidFill>
-                  </a:tcPr>
-                </a:tc>
-                <a:tc>
-                  <a:txBody>
-                    <a:bodyPr/>
-                    <a:lstStyle/>
-                    <a:p>
-                      <a:pPr algn="l"/>
-                      <a:r>
-                        <a:rPr lang="de-DE" dirty="0"/>
-                        <a:t>Nein</a:t>
-                      </a:r>
-                    </a:p>
-                  </a:txBody>
-                  <a:tcPr>
-                    <a:solidFill>
-                      <a:srgbClr val="FF0000"/>
-                    </a:solidFill>
-                  </a:tcPr>
-                </a:tc>
-                <a:extLst>
-                  <a:ext uri="{0D108BD9-81ED-4DB2-BD59-A6C34878D82A}">
-                    <a16:rowId xmlns:a16="http://schemas.microsoft.com/office/drawing/2014/main" val="3465109363"/>
-                  </a:ext>
-                </a:extLst>
-              </a:tr>
-              <a:tr h="640613">
-                <a:tc vMerge="1">
-                  <a:txBody>
-                    <a:bodyPr/>
-                    <a:lstStyle/>
-                    <a:p>
-                      <a:endParaRPr lang="de-DE" dirty="0"/>
-                    </a:p>
-                  </a:txBody>
-                  <a:tcPr/>
-                </a:tc>
-                <a:tc>
-                  <a:txBody>
-                    <a:bodyPr/>
-                    <a:lstStyle/>
-                    <a:p>
-                      <a:pPr algn="l"/>
-                      <a:r>
-                        <a:rPr lang="de-DE" dirty="0"/>
-                        <a:t>Min. 1 Release im letzten Jahr</a:t>
-                      </a:r>
-                    </a:p>
-                  </a:txBody>
-                  <a:tcPr/>
-                </a:tc>
-                <a:tc>
-                  <a:txBody>
-                    <a:bodyPr/>
-                    <a:lstStyle/>
-                    <a:p>
-                      <a:pPr algn="l"/>
-                      <a:r>
-                        <a:rPr lang="de-DE" dirty="0"/>
-                        <a:t>04/2016</a:t>
-                      </a:r>
-                    </a:p>
-                  </a:txBody>
-                  <a:tcPr>
-                    <a:solidFill>
-                      <a:srgbClr val="FF0000"/>
-                    </a:solidFill>
-                  </a:tcPr>
-                </a:tc>
-                <a:tc>
-                  <a:txBody>
-                    <a:bodyPr/>
-                    <a:lstStyle/>
-                    <a:p>
-                      <a:pPr algn="l"/>
-                      <a:r>
-                        <a:rPr lang="de-DE" dirty="0"/>
-                        <a:t>09/2017</a:t>
-                      </a:r>
-                    </a:p>
-                  </a:txBody>
-                  <a:tcPr>
-                    <a:solidFill>
-                      <a:srgbClr val="92D050"/>
-                    </a:solidFill>
-                  </a:tcPr>
-                </a:tc>
-                <a:tc>
-                  <a:txBody>
-                    <a:bodyPr/>
-                    <a:lstStyle/>
-                    <a:p>
-                      <a:pPr algn="l"/>
-                      <a:endParaRPr lang="de-DE" dirty="0"/>
-                    </a:p>
-                  </a:txBody>
-                  <a:tcPr/>
-                </a:tc>
-                <a:tc>
-                  <a:txBody>
-                    <a:bodyPr/>
-                    <a:lstStyle/>
-                    <a:p>
-                      <a:pPr algn="l"/>
-                      <a:r>
-                        <a:rPr lang="de-DE" dirty="0"/>
-                        <a:t>03/2018</a:t>
-                      </a:r>
-                    </a:p>
-                  </a:txBody>
-                  <a:tcPr>
-                    <a:solidFill>
-                      <a:srgbClr val="92D050"/>
-                    </a:solidFill>
-                  </a:tcPr>
-                </a:tc>
-                <a:tc>
-                  <a:txBody>
-                    <a:bodyPr/>
-                    <a:lstStyle/>
-                    <a:p>
-                      <a:pPr algn="l"/>
-                      <a:r>
-                        <a:rPr lang="de-DE" dirty="0"/>
-                        <a:t>02/2017</a:t>
-                      </a:r>
-                    </a:p>
-                  </a:txBody>
-                  <a:tcPr>
-                    <a:solidFill>
-                      <a:srgbClr val="92D050"/>
-                    </a:solidFill>
-                  </a:tcPr>
-                </a:tc>
-                <a:tc>
-                  <a:txBody>
-                    <a:bodyPr/>
-                    <a:lstStyle/>
-                    <a:p>
-                      <a:pPr algn="l"/>
-                      <a:endParaRPr lang="de-DE" dirty="0"/>
-                    </a:p>
-                  </a:txBody>
-                  <a:tcPr/>
-                </a:tc>
-                <a:extLst>
-                  <a:ext uri="{0D108BD9-81ED-4DB2-BD59-A6C34878D82A}">
-                    <a16:rowId xmlns:a16="http://schemas.microsoft.com/office/drawing/2014/main" val="124811157"/>
-                  </a:ext>
-                </a:extLst>
-              </a:tr>
-              <a:tr h="371149">
-                <a:tc vMerge="1">
-                  <a:txBody>
-                    <a:bodyPr/>
-                    <a:lstStyle/>
-                    <a:p>
-                      <a:endParaRPr lang="de-DE" dirty="0"/>
-                    </a:p>
-                  </a:txBody>
-                  <a:tcPr/>
-                </a:tc>
-                <a:tc>
-                  <a:txBody>
-                    <a:bodyPr/>
-                    <a:lstStyle/>
-                    <a:p>
-                      <a:pPr algn="l"/>
-                      <a:r>
-                        <a:rPr lang="de-DE" dirty="0"/>
-                        <a:t>Min. 3 aktive </a:t>
-                      </a:r>
-                      <a:r>
-                        <a:rPr lang="de-DE" dirty="0" err="1"/>
-                        <a:t>Commiter</a:t>
-                      </a:r>
-                      <a:endParaRPr lang="de-DE" dirty="0"/>
-                    </a:p>
-                  </a:txBody>
-                  <a:tcPr/>
-                </a:tc>
-                <a:tc>
-                  <a:txBody>
-                    <a:bodyPr/>
-                    <a:lstStyle/>
-                    <a:p>
-                      <a:pPr algn="l"/>
-                      <a:r>
-                        <a:rPr lang="de-DE" dirty="0"/>
-                        <a:t>Ja</a:t>
-                      </a:r>
-                    </a:p>
-                  </a:txBody>
-                  <a:tcPr>
-                    <a:solidFill>
-                      <a:srgbClr val="92D050"/>
-                    </a:solidFill>
-                  </a:tcPr>
-                </a:tc>
-                <a:tc>
-                  <a:txBody>
-                    <a:bodyPr/>
-                    <a:lstStyle/>
-                    <a:p>
-                      <a:pPr algn="l"/>
-                      <a:r>
-                        <a:rPr lang="de-DE" dirty="0"/>
-                        <a:t>Ja</a:t>
-                      </a:r>
-                    </a:p>
-                  </a:txBody>
-                  <a:tcPr>
-                    <a:solidFill>
-                      <a:srgbClr val="92D050"/>
-                    </a:solidFill>
-                  </a:tcPr>
-                </a:tc>
-                <a:tc>
-                  <a:txBody>
-                    <a:bodyPr/>
-                    <a:lstStyle/>
-                    <a:p>
-                      <a:pPr algn="l"/>
-                      <a:endParaRPr lang="de-DE" dirty="0"/>
-                    </a:p>
-                  </a:txBody>
-                  <a:tcPr/>
-                </a:tc>
-                <a:tc>
-                  <a:txBody>
-                    <a:bodyPr/>
-                    <a:lstStyle/>
-                    <a:p>
-                      <a:pPr algn="l"/>
-                      <a:endParaRPr lang="de-DE" dirty="0"/>
-                    </a:p>
-                  </a:txBody>
-                  <a:tcPr/>
-                </a:tc>
-                <a:tc>
-                  <a:txBody>
-                    <a:bodyPr/>
-                    <a:lstStyle/>
-                    <a:p>
-                      <a:pPr algn="l"/>
-                      <a:endParaRPr lang="de-DE" dirty="0"/>
-                    </a:p>
-                  </a:txBody>
-                  <a:tcPr/>
-                </a:tc>
-                <a:tc>
-                  <a:txBody>
-                    <a:bodyPr/>
-                    <a:lstStyle/>
-                    <a:p>
-                      <a:pPr algn="l"/>
-                      <a:endParaRPr lang="de-DE" dirty="0"/>
-                    </a:p>
-                  </a:txBody>
-                  <a:tcPr/>
-                </a:tc>
-                <a:extLst>
-                  <a:ext uri="{0D108BD9-81ED-4DB2-BD59-A6C34878D82A}">
-                    <a16:rowId xmlns:a16="http://schemas.microsoft.com/office/drawing/2014/main" val="510005107"/>
-                  </a:ext>
-                </a:extLst>
-              </a:tr>
-              <a:tr h="371149">
-                <a:tc vMerge="1">
-                  <a:txBody>
-                    <a:bodyPr/>
-                    <a:lstStyle/>
-                    <a:p>
-                      <a:endParaRPr lang="de-DE" dirty="0"/>
-                    </a:p>
-                  </a:txBody>
-                  <a:tcPr anchor="ctr"/>
-                </a:tc>
-                <a:tc>
-                  <a:txBody>
-                    <a:bodyPr/>
-                    <a:lstStyle/>
-                    <a:p>
-                      <a:pPr algn="l"/>
-                      <a:r>
-                        <a:rPr lang="de-DE" dirty="0"/>
-                        <a:t>Min. 1 Commit / Monat</a:t>
-                      </a:r>
-                    </a:p>
-                  </a:txBody>
-                  <a:tcPr/>
-                </a:tc>
-                <a:tc>
-                  <a:txBody>
-                    <a:bodyPr/>
-                    <a:lstStyle/>
-                    <a:p>
-                      <a:pPr algn="l"/>
-                      <a:r>
-                        <a:rPr lang="de-DE" dirty="0"/>
-                        <a:t>Ja</a:t>
-                      </a:r>
-                    </a:p>
-                  </a:txBody>
-                  <a:tcPr/>
-                </a:tc>
-                <a:tc>
-                  <a:txBody>
-                    <a:bodyPr/>
-                    <a:lstStyle/>
-                    <a:p>
-                      <a:pPr algn="l"/>
-                      <a:r>
-                        <a:rPr lang="de-DE" dirty="0"/>
-                        <a:t>Ja</a:t>
-                      </a:r>
-                    </a:p>
-                  </a:txBody>
-                  <a:tcPr/>
-                </a:tc>
-                <a:tc>
-                  <a:txBody>
-                    <a:bodyPr/>
-                    <a:lstStyle/>
-                    <a:p>
-                      <a:pPr algn="l"/>
-                      <a:endParaRPr lang="de-DE" dirty="0"/>
-                    </a:p>
-                  </a:txBody>
-                  <a:tcPr/>
-                </a:tc>
-                <a:tc>
-                  <a:txBody>
-                    <a:bodyPr/>
-                    <a:lstStyle/>
-                    <a:p>
-                      <a:pPr algn="l"/>
-                      <a:endParaRPr lang="de-DE" dirty="0"/>
-                    </a:p>
-                  </a:txBody>
-                  <a:tcPr/>
-                </a:tc>
-                <a:tc>
-                  <a:txBody>
-                    <a:bodyPr/>
-                    <a:lstStyle/>
-                    <a:p>
-                      <a:pPr algn="l"/>
-                      <a:endParaRPr lang="de-DE" dirty="0"/>
-                    </a:p>
-                  </a:txBody>
-                  <a:tcPr/>
-                </a:tc>
-                <a:tc>
-                  <a:txBody>
-                    <a:bodyPr/>
-                    <a:lstStyle/>
-                    <a:p>
-                      <a:pPr algn="l"/>
-                      <a:endParaRPr lang="de-DE" dirty="0"/>
-                    </a:p>
-                  </a:txBody>
-                  <a:tcPr/>
-                </a:tc>
-                <a:extLst>
-                  <a:ext uri="{0D108BD9-81ED-4DB2-BD59-A6C34878D82A}">
-                    <a16:rowId xmlns:a16="http://schemas.microsoft.com/office/drawing/2014/main" val="1237157465"/>
-                  </a:ext>
-                </a:extLst>
-              </a:tr>
-            </a:tbl>
-          </a:graphicData>
-        </a:graphic>
-      </p:graphicFrame>
-    </p:spTree>
-    <p:extLst>
-      <p:ext uri="{BB962C8B-B14F-4D97-AF65-F5344CB8AC3E}">
-        <p14:creationId xmlns:p14="http://schemas.microsoft.com/office/powerpoint/2010/main" val="74394799"/>
-      </p:ext>
-    </p:extLst>
-  </p:cSld>
-  <p:clrMapOvr>
-    <a:masterClrMapping/>
-  </p:clrMapOvr>
-</p:sld>
-</file>
-
 <file path=ppt/slides/slide15.xml><?xml version="1.0" encoding="utf-8"?>
 <p:sld xmlns:a="http://schemas.openxmlformats.org/drawingml/2006/main" xmlns:r="http://schemas.openxmlformats.org/officeDocument/2006/relationships" xmlns:p="http://schemas.openxmlformats.org/presentationml/2006/main">
   <p:cSld>
@@ -7499,7 +5463,7 @@
           <a:p>
             <a:fld id="{BBFFFFB7-B427-4FC9-89B5-E815E530C709}" type="datetime1">
               <a:rPr lang="de-DE" smtClean="0"/>
-              <a:t>14.05.2018</a:t>
+              <a:t>21.05.2018</a:t>
             </a:fld>
             <a:endParaRPr lang="de-DE"/>
           </a:p>
@@ -7748,7 +5712,7 @@
           <a:p>
             <a:fld id="{5E3FA0F3-663C-4E4D-A9AD-FCEECA59737D}" type="datetime1">
               <a:rPr lang="de-DE" smtClean="0"/>
-              <a:t>14.05.2018</a:t>
+              <a:t>21.05.2018</a:t>
             </a:fld>
             <a:endParaRPr lang="de-DE"/>
           </a:p>
@@ -7866,12 +5830,8 @@
               <a:buNone/>
             </a:pPr>
             <a:r>
-              <a:rPr lang="de-DE"/>
-              <a:t>  Bilder </a:t>
-            </a:r>
-            <a:r>
               <a:rPr lang="de-DE" dirty="0"/>
-              <a:t>der Trennfolien: </a:t>
+              <a:t>  Bilder der Trennfolien: </a:t>
             </a:r>
             <a:r>
               <a:rPr lang="de-DE" dirty="0">
@@ -7881,13 +5841,8 @@
             </a:r>
             <a:r>
               <a:rPr lang="de-DE" dirty="0"/>
-              <a:t> (frei ohne Namensnennung nutzbar; </a:t>
-            </a:r>
-            <a:r>
-              <a:rPr lang="de-DE"/>
-              <a:t>CC0 Lizenz)</a:t>
-            </a:r>
-            <a:endParaRPr lang="de-DE" dirty="0"/>
+              <a:t> (frei ohne Namensnennung nutzbar; CC0 Lizenz)</a:t>
+            </a:r>
           </a:p>
           <a:p>
             <a:r>
@@ -7902,6 +5857,96 @@
             </a:r>
             <a:endParaRPr lang="de-DE" dirty="0"/>
           </a:p>
+          <a:p>
+            <a:r>
+              <a:rPr lang="de-DE" dirty="0" err="1"/>
+              <a:t>Locust</a:t>
+            </a:r>
+            <a:r>
+              <a:rPr lang="de-DE" dirty="0"/>
+              <a:t> Logo: </a:t>
+            </a:r>
+            <a:r>
+              <a:rPr lang="de-DE" dirty="0">
+                <a:hlinkClick r:id="rId4"/>
+              </a:rPr>
+              <a:t>https://locust.io</a:t>
+            </a:r>
+            <a:endParaRPr lang="de-DE" dirty="0"/>
+          </a:p>
+          <a:p>
+            <a:r>
+              <a:rPr lang="de-DE" dirty="0" err="1"/>
+              <a:t>NGrinder</a:t>
+            </a:r>
+            <a:r>
+              <a:rPr lang="de-DE" dirty="0"/>
+              <a:t> Logo: </a:t>
+            </a:r>
+            <a:r>
+              <a:rPr lang="de-DE" dirty="0">
+                <a:hlinkClick r:id="rId5"/>
+              </a:rPr>
+              <a:t>http://naver.github.io/ngrinder/</a:t>
+            </a:r>
+            <a:endParaRPr lang="de-DE" dirty="0"/>
+          </a:p>
+          <a:p>
+            <a:r>
+              <a:rPr lang="de-DE" dirty="0" err="1"/>
+              <a:t>Artillery</a:t>
+            </a:r>
+            <a:r>
+              <a:rPr lang="de-DE" dirty="0"/>
+              <a:t> Logo: </a:t>
+            </a:r>
+            <a:r>
+              <a:rPr lang="de-DE" dirty="0">
+                <a:hlinkClick r:id="rId6"/>
+              </a:rPr>
+              <a:t>https://artillery.io</a:t>
+            </a:r>
+            <a:endParaRPr lang="de-DE" dirty="0"/>
+          </a:p>
+          <a:p>
+            <a:r>
+              <a:rPr lang="de-DE" dirty="0"/>
+              <a:t>k6 Logo: </a:t>
+            </a:r>
+            <a:r>
+              <a:rPr lang="de-DE" dirty="0">
+                <a:hlinkClick r:id="rId7"/>
+              </a:rPr>
+              <a:t>https://k6.io</a:t>
+            </a:r>
+            <a:endParaRPr lang="de-DE" dirty="0"/>
+          </a:p>
+          <a:p>
+            <a:r>
+              <a:rPr lang="de-DE" dirty="0"/>
+              <a:t>Taurus Logo</a:t>
+            </a:r>
+            <a:r>
+              <a:rPr lang="de-DE"/>
+              <a:t>: </a:t>
+            </a:r>
+            <a:r>
+              <a:rPr lang="de-DE">
+                <a:hlinkClick r:id="rId8"/>
+              </a:rPr>
+              <a:t>https://gettaurus.org</a:t>
+            </a:r>
+            <a:endParaRPr lang="de-DE"/>
+          </a:p>
+          <a:p>
+            <a:endParaRPr lang="de-DE" dirty="0"/>
+          </a:p>
+          <a:p>
+            <a:endParaRPr lang="de-DE" dirty="0"/>
+          </a:p>
+          <a:p>
+            <a:endParaRPr lang="de-DE" dirty="0"/>
+          </a:p>
         </p:txBody>
       </p:sp>
       <p:sp>
@@ -7927,7 +5972,7 @@
           <a:p>
             <a:fld id="{928650A1-1A79-48B9-A942-815D58127345}" type="datetime1">
               <a:rPr lang="de-DE" smtClean="0"/>
-              <a:t>14.05.2018</a:t>
+              <a:t>21.05.2018</a:t>
             </a:fld>
             <a:endParaRPr lang="de-DE"/>
           </a:p>
@@ -8073,7 +6118,7 @@
           <a:p>
             <a:fld id="{BBFFFFB7-B427-4FC9-89B5-E815E530C709}" type="datetime1">
               <a:rPr lang="de-DE" smtClean="0"/>
-              <a:t>14.05.2018</a:t>
+              <a:t>21.05.2018</a:t>
             </a:fld>
             <a:endParaRPr lang="de-DE"/>
           </a:p>
@@ -8290,7 +6335,7 @@
           <a:p>
             <a:fld id="{5E3FA0F3-663C-4E4D-A9AD-FCEECA59737D}" type="datetime1">
               <a:rPr lang="de-DE" smtClean="0"/>
-              <a:t>14.05.2018</a:t>
+              <a:t>21.05.2018</a:t>
             </a:fld>
             <a:endParaRPr lang="de-DE"/>
           </a:p>
@@ -8547,7 +6592,7 @@
           <a:p>
             <a:fld id="{5E3FA0F3-663C-4E4D-A9AD-FCEECA59737D}" type="datetime1">
               <a:rPr lang="de-DE" smtClean="0"/>
-              <a:t>14.05.2018</a:t>
+              <a:t>21.05.2018</a:t>
             </a:fld>
             <a:endParaRPr lang="de-DE"/>
           </a:p>
@@ -8688,7 +6733,7 @@
           <a:p>
             <a:fld id="{BBFFFFB7-B427-4FC9-89B5-E815E530C709}" type="datetime1">
               <a:rPr lang="de-DE" smtClean="0"/>
-              <a:t>14.05.2018</a:t>
+              <a:t>21.05.2018</a:t>
             </a:fld>
             <a:endParaRPr lang="de-DE"/>
           </a:p>
@@ -8890,7 +6935,7 @@
           <a:p>
             <a:fld id="{40945502-2D6D-4EF3-B5E9-AD6E136212A6}" type="datetime1">
               <a:rPr lang="de-DE" smtClean="0"/>
-              <a:t>14.05.2018</a:t>
+              <a:t>21.05.2018</a:t>
             </a:fld>
             <a:endParaRPr lang="de-DE"/>
           </a:p>
@@ -9141,7 +7186,7 @@
           <a:p>
             <a:fld id="{BBFFFFB7-B427-4FC9-89B5-E815E530C709}" type="datetime1">
               <a:rPr lang="de-DE" smtClean="0"/>
-              <a:t>14.05.2018</a:t>
+              <a:t>21.05.2018</a:t>
             </a:fld>
             <a:endParaRPr lang="de-DE"/>
           </a:p>
@@ -9359,7 +7404,7 @@
           <a:p>
             <a:fld id="{BBFFFFB7-B427-4FC9-89B5-E815E530C709}" type="datetime1">
               <a:rPr lang="de-DE" smtClean="0"/>
-              <a:t>14.05.2018</a:t>
+              <a:t>21.05.2018</a:t>
             </a:fld>
             <a:endParaRPr lang="de-DE"/>
           </a:p>
@@ -9533,7 +7578,7 @@
           <a:p>
             <a:fld id="{BBFFFFB7-B427-4FC9-89B5-E815E530C709}" type="datetime1">
               <a:rPr lang="de-DE" smtClean="0"/>
-              <a:t>14.05.2018</a:t>
+              <a:t>21.05.2018</a:t>
             </a:fld>
             <a:endParaRPr lang="de-DE"/>
           </a:p>

--- a/sqsdemoserver/LoadTesting.pptx
+++ b/sqsdemoserver/LoadTesting.pptx
@@ -5,26 +5,32 @@
     <p:sldMasterId id="2147483672" r:id="rId1"/>
   </p:sldMasterIdLst>
   <p:notesMasterIdLst>
-    <p:notesMasterId r:id="rId19"/>
+    <p:notesMasterId r:id="rId25"/>
   </p:notesMasterIdLst>
   <p:sldIdLst>
     <p:sldId id="256" r:id="rId2"/>
-    <p:sldId id="261" r:id="rId3"/>
+    <p:sldId id="277" r:id="rId3"/>
     <p:sldId id="264" r:id="rId4"/>
     <p:sldId id="263" r:id="rId5"/>
-    <p:sldId id="260" r:id="rId6"/>
-    <p:sldId id="258" r:id="rId7"/>
+    <p:sldId id="258" r:id="rId6"/>
+    <p:sldId id="278" r:id="rId7"/>
     <p:sldId id="262" r:id="rId8"/>
-    <p:sldId id="266" r:id="rId9"/>
-    <p:sldId id="274" r:id="rId10"/>
-    <p:sldId id="275" r:id="rId11"/>
-    <p:sldId id="276" r:id="rId12"/>
-    <p:sldId id="267" r:id="rId13"/>
-    <p:sldId id="269" r:id="rId14"/>
-    <p:sldId id="265" r:id="rId15"/>
-    <p:sldId id="271" r:id="rId16"/>
-    <p:sldId id="272" r:id="rId17"/>
-    <p:sldId id="259" r:id="rId18"/>
+    <p:sldId id="279" r:id="rId9"/>
+    <p:sldId id="266" r:id="rId10"/>
+    <p:sldId id="280" r:id="rId11"/>
+    <p:sldId id="274" r:id="rId12"/>
+    <p:sldId id="281" r:id="rId13"/>
+    <p:sldId id="275" r:id="rId14"/>
+    <p:sldId id="282" r:id="rId15"/>
+    <p:sldId id="276" r:id="rId16"/>
+    <p:sldId id="283" r:id="rId17"/>
+    <p:sldId id="267" r:id="rId18"/>
+    <p:sldId id="284" r:id="rId19"/>
+    <p:sldId id="269" r:id="rId20"/>
+    <p:sldId id="285" r:id="rId21"/>
+    <p:sldId id="286" r:id="rId22"/>
+    <p:sldId id="272" r:id="rId23"/>
+    <p:sldId id="259" r:id="rId24"/>
   </p:sldIdLst>
   <p:sldSz cx="12192000" cy="6858000"/>
   <p:notesSz cx="6858000" cy="9144000"/>
@@ -217,7 +223,7 @@
           <a:p>
             <a:fld id="{7F7A1CCF-3A8B-40F6-A64D-2A4687177E43}" type="datetimeFigureOut">
               <a:rPr lang="de-DE" smtClean="0"/>
-              <a:t>21.05.2018</a:t>
+              <a:t>31.05.2018</a:t>
             </a:fld>
             <a:endParaRPr lang="de-DE"/>
           </a:p>
@@ -710,7 +716,7 @@
           <a:p>
             <a:fld id="{29B91BC4-5E82-49A6-88C1-D8535ED7D15D}" type="datetime1">
               <a:rPr lang="de-DE" smtClean="0"/>
-              <a:t>21.05.2018</a:t>
+              <a:t>31.05.2018</a:t>
             </a:fld>
             <a:endParaRPr lang="de-DE"/>
           </a:p>
@@ -918,7 +924,7 @@
           <a:p>
             <a:fld id="{32A52664-B2C7-4A1E-B89B-81D348E24B51}" type="datetime1">
               <a:rPr lang="de-DE" smtClean="0"/>
-              <a:t>21.05.2018</a:t>
+              <a:t>31.05.2018</a:t>
             </a:fld>
             <a:endParaRPr lang="de-DE"/>
           </a:p>
@@ -1174,7 +1180,7 @@
           <a:p>
             <a:fld id="{87A80DC5-21AA-41FB-A73E-ED981639E9E3}" type="datetime1">
               <a:rPr lang="de-DE" smtClean="0"/>
-              <a:t>21.05.2018</a:t>
+              <a:t>31.05.2018</a:t>
             </a:fld>
             <a:endParaRPr lang="de-DE"/>
           </a:p>
@@ -1344,7 +1350,7 @@
           <a:p>
             <a:fld id="{BBFFFFB7-B427-4FC9-89B5-E815E530C709}" type="datetime1">
               <a:rPr lang="de-DE" smtClean="0"/>
-              <a:t>21.05.2018</a:t>
+              <a:t>31.05.2018</a:t>
             </a:fld>
             <a:endParaRPr lang="de-DE"/>
           </a:p>
@@ -1687,7 +1693,7 @@
           <a:p>
             <a:fld id="{9B4A11A6-692F-4D3F-A6E0-135304D8649E}" type="datetime1">
               <a:rPr lang="de-DE" smtClean="0"/>
-              <a:t>21.05.2018</a:t>
+              <a:t>31.05.2018</a:t>
             </a:fld>
             <a:endParaRPr lang="de-DE"/>
           </a:p>
@@ -1962,7 +1968,7 @@
           <a:p>
             <a:fld id="{2FF197E6-8FE2-43C3-B517-8EF10A23BA5B}" type="datetime1">
               <a:rPr lang="de-DE" smtClean="0"/>
-              <a:t>21.05.2018</a:t>
+              <a:t>31.05.2018</a:t>
             </a:fld>
             <a:endParaRPr lang="de-DE"/>
           </a:p>
@@ -2341,7 +2347,7 @@
           <a:p>
             <a:fld id="{88AD5C22-0615-445E-B37E-053106C142C7}" type="datetime1">
               <a:rPr lang="de-DE" smtClean="0"/>
-              <a:t>21.05.2018</a:t>
+              <a:t>31.05.2018</a:t>
             </a:fld>
             <a:endParaRPr lang="de-DE"/>
           </a:p>
@@ -2459,7 +2465,7 @@
           <a:p>
             <a:fld id="{393C4718-61D0-4C05-A837-0FF64CDC070F}" type="datetime1">
               <a:rPr lang="de-DE" smtClean="0"/>
-              <a:t>21.05.2018</a:t>
+              <a:t>31.05.2018</a:t>
             </a:fld>
             <a:endParaRPr lang="de-DE"/>
           </a:p>
@@ -2630,7 +2636,7 @@
           <a:p>
             <a:fld id="{E4C68F9C-9493-41F8-A598-7BDB27153DE0}" type="datetime1">
               <a:rPr lang="de-DE" smtClean="0"/>
-              <a:t>21.05.2018</a:t>
+              <a:t>31.05.2018</a:t>
             </a:fld>
             <a:endParaRPr lang="de-DE"/>
           </a:p>
@@ -2984,7 +2990,7 @@
           <a:p>
             <a:fld id="{25B47950-BAF5-4EB0-B7D8-7E5D445A5AF9}" type="datetime1">
               <a:rPr lang="de-DE" smtClean="0"/>
-              <a:t>21.05.2018</a:t>
+              <a:t>31.05.2018</a:t>
             </a:fld>
             <a:endParaRPr lang="de-DE"/>
           </a:p>
@@ -3361,7 +3367,7 @@
           <a:p>
             <a:fld id="{5E3FA0F3-663C-4E4D-A9AD-FCEECA59737D}" type="datetime1">
               <a:rPr lang="de-DE" smtClean="0"/>
-              <a:t>21.05.2018</a:t>
+              <a:t>31.05.2018</a:t>
             </a:fld>
             <a:endParaRPr lang="de-DE"/>
           </a:p>
@@ -3648,7 +3654,7 @@
           <a:p>
             <a:fld id="{7E243A8A-9070-4D02-9F6C-FDBBE4C2268D}" type="datetime1">
               <a:rPr lang="de-DE" smtClean="0"/>
-              <a:t>21.05.2018</a:t>
+              <a:t>31.05.2018</a:t>
             </a:fld>
             <a:endParaRPr lang="de-DE"/>
           </a:p>
@@ -4197,7 +4203,15 @@
             <a:pPr algn="ctr"/>
             <a:r>
               <a:rPr lang="de-DE" dirty="0"/>
-              <a:t>Software Qualitätssicherung</a:t>
+              <a:t>Evaluation und Vergleich </a:t>
+            </a:r>
+            <a:r>
+              <a:rPr lang="de-DE"/>
+              <a:t>von Open-Source </a:t>
+            </a:r>
+            <a:r>
+              <a:rPr lang="de-DE" dirty="0"/>
+              <a:t>Lasttest-Tools</a:t>
             </a:r>
           </a:p>
         </p:txBody>
@@ -4221,33 +4235,9 @@
         <p:spPr/>
         <p:txBody>
           <a:bodyPr>
-            <a:normAutofit fontScale="85000" lnSpcReduction="20000"/>
+            <a:normAutofit/>
           </a:bodyPr>
           <a:lstStyle/>
-          <a:p>
-            <a:pPr algn="ctr"/>
-            <a:r>
-              <a:rPr lang="de-DE" dirty="0"/>
-              <a:t>Durch </a:t>
-            </a:r>
-            <a:r>
-              <a:rPr lang="de-DE" dirty="0" err="1"/>
-              <a:t>performance</a:t>
-            </a:r>
-            <a:r>
-              <a:rPr lang="de-DE" dirty="0"/>
-              <a:t> </a:t>
-            </a:r>
-            <a:r>
-              <a:rPr lang="de-DE" dirty="0" err="1"/>
-              <a:t>testing</a:t>
-            </a:r>
-            <a:endParaRPr lang="de-DE" dirty="0"/>
-          </a:p>
-          <a:p>
-            <a:pPr algn="ctr"/>
-            <a:endParaRPr lang="de-DE" dirty="0"/>
-          </a:p>
           <a:p>
             <a:pPr algn="ctr"/>
             <a:r>
@@ -4300,7 +4290,7 @@
           <p:cNvPr id="2" name="Titel 1">
             <a:extLst>
               <a:ext uri="{FF2B5EF4-FFF2-40B4-BE49-F238E27FC236}">
-                <a16:creationId xmlns:a16="http://schemas.microsoft.com/office/drawing/2014/main" id="{791A2B02-5491-481A-89B6-7E421EAB1E96}"/>
+                <a16:creationId xmlns:a16="http://schemas.microsoft.com/office/drawing/2014/main" id="{677F1F0B-5F71-4455-B323-E4AD049A27BD}"/>
               </a:ext>
             </a:extLst>
           </p:cNvPr>
@@ -4317,8 +4307,12 @@
           <a:lstStyle/>
           <a:p>
             <a:r>
+              <a:rPr lang="de-DE" dirty="0"/>
+              <a:t>Apache Bench - </a:t>
+            </a:r>
+            <a:r>
               <a:rPr lang="de-DE" dirty="0" err="1"/>
-              <a:t>Slapper</a:t>
+              <a:t>QuickCheck</a:t>
             </a:r>
             <a:endParaRPr lang="de-DE" dirty="0"/>
           </a:p>
@@ -4329,7 +4323,7 @@
           <p:cNvPr id="3" name="Inhaltsplatzhalter 2">
             <a:extLst>
               <a:ext uri="{FF2B5EF4-FFF2-40B4-BE49-F238E27FC236}">
-                <a16:creationId xmlns:a16="http://schemas.microsoft.com/office/drawing/2014/main" id="{8EE37BAC-8E0B-4202-A812-97ABED453C31}"/>
+                <a16:creationId xmlns:a16="http://schemas.microsoft.com/office/drawing/2014/main" id="{6461DB32-4D87-412E-8871-22038635D5D9}"/>
               </a:ext>
             </a:extLst>
           </p:cNvPr>
@@ -4345,34 +4339,7 @@
           <a:bodyPr/>
           <a:lstStyle/>
           <a:p>
-            <a:pPr>
-              <a:buFont typeface="Arial" panose="020B0604020202020204" pitchFamily="34" charset="0"/>
-              <a:buChar char="•"/>
-            </a:pPr>
-            <a:r>
-              <a:rPr lang="de-DE" dirty="0"/>
-              <a:t> 2017 gestartet (keine offizielle Versionsnummer)</a:t>
-            </a:r>
-          </a:p>
-          <a:p>
-            <a:pPr>
-              <a:buFont typeface="Arial" panose="020B0604020202020204" pitchFamily="34" charset="0"/>
-              <a:buChar char="•"/>
-            </a:pPr>
-            <a:r>
-              <a:rPr lang="de-DE" dirty="0"/>
-              <a:t> Programmiersprache: GO</a:t>
-            </a:r>
-          </a:p>
-          <a:p>
-            <a:pPr>
-              <a:buFont typeface="Arial" panose="020B0604020202020204" pitchFamily="34" charset="0"/>
-              <a:buChar char="•"/>
-            </a:pPr>
-            <a:r>
-              <a:rPr lang="de-DE" dirty="0"/>
-              <a:t> MIT Lizenz</a:t>
-            </a:r>
+            <a:endParaRPr lang="de-DE" dirty="0"/>
           </a:p>
         </p:txBody>
       </p:sp>
@@ -4381,7 +4348,7 @@
           <p:cNvPr id="4" name="Datumsplatzhalter 3">
             <a:extLst>
               <a:ext uri="{FF2B5EF4-FFF2-40B4-BE49-F238E27FC236}">
-                <a16:creationId xmlns:a16="http://schemas.microsoft.com/office/drawing/2014/main" id="{B508518C-1EF4-4C8C-9793-A0CB377BFA3A}"/>
+                <a16:creationId xmlns:a16="http://schemas.microsoft.com/office/drawing/2014/main" id="{8A34522C-F870-465F-8E66-BF13793D302C}"/>
               </a:ext>
             </a:extLst>
           </p:cNvPr>
@@ -4399,7 +4366,7 @@
           <a:p>
             <a:fld id="{BBFFFFB7-B427-4FC9-89B5-E815E530C709}" type="datetime1">
               <a:rPr lang="de-DE" smtClean="0"/>
-              <a:t>21.05.2018</a:t>
+              <a:t>31.05.2018</a:t>
             </a:fld>
             <a:endParaRPr lang="de-DE"/>
           </a:p>
@@ -4410,7 +4377,7 @@
           <p:cNvPr id="5" name="Foliennummernplatzhalter 4">
             <a:extLst>
               <a:ext uri="{FF2B5EF4-FFF2-40B4-BE49-F238E27FC236}">
-                <a16:creationId xmlns:a16="http://schemas.microsoft.com/office/drawing/2014/main" id="{CA3F5E5F-893B-40E2-B8FC-9D4D715F3F41}"/>
+                <a16:creationId xmlns:a16="http://schemas.microsoft.com/office/drawing/2014/main" id="{38C5E130-CE4A-41D1-8310-302FE5F2EC5F}"/>
               </a:ext>
             </a:extLst>
           </p:cNvPr>
@@ -4434,40 +4401,382 @@
           </a:p>
         </p:txBody>
       </p:sp>
-      <p:pic>
-        <p:nvPicPr>
-          <p:cNvPr id="6" name="Grafik 5">
+      <p:graphicFrame>
+        <p:nvGraphicFramePr>
+          <p:cNvPr id="6" name="Inhaltsplatzhalter 5">
             <a:extLst>
               <a:ext uri="{FF2B5EF4-FFF2-40B4-BE49-F238E27FC236}">
-                <a16:creationId xmlns:a16="http://schemas.microsoft.com/office/drawing/2014/main" id="{353CE577-4D49-496A-B2EB-D15F2A8CA50C}"/>
+                <a16:creationId xmlns:a16="http://schemas.microsoft.com/office/drawing/2014/main" id="{100D1C4F-75B2-49B7-9907-A59470FE03F6}"/>
               </a:ext>
             </a:extLst>
           </p:cNvPr>
-          <p:cNvPicPr>
-            <a:picLocks noChangeAspect="1"/>
-          </p:cNvPicPr>
-          <p:nvPr/>
-        </p:nvPicPr>
-        <p:blipFill>
-          <a:blip r:embed="rId2"/>
-          <a:stretch>
-            <a:fillRect/>
-          </a:stretch>
-        </p:blipFill>
-        <p:spPr>
-          <a:xfrm>
-            <a:off x="1097280" y="3757668"/>
-            <a:ext cx="10115203" cy="2111426"/>
-          </a:xfrm>
-          <a:prstGeom prst="rect">
-            <a:avLst/>
-          </a:prstGeom>
-        </p:spPr>
-      </p:pic>
+          <p:cNvGraphicFramePr>
+            <a:graphicFrameLocks/>
+          </p:cNvGraphicFramePr>
+          <p:nvPr>
+            <p:extLst>
+              <p:ext uri="{D42A27DB-BD31-4B8C-83A1-F6EECF244321}">
+                <p14:modId xmlns:p14="http://schemas.microsoft.com/office/powerpoint/2010/main" val="979254859"/>
+              </p:ext>
+            </p:extLst>
+          </p:nvPr>
+        </p:nvGraphicFramePr>
+        <p:xfrm>
+          <a:off x="1096963" y="1846263"/>
+          <a:ext cx="10058400" cy="3337560"/>
+        </p:xfrm>
+        <a:graphic>
+          <a:graphicData uri="http://schemas.openxmlformats.org/drawingml/2006/table">
+            <a:tbl>
+              <a:tblPr bandRow="1">
+                <a:tableStyleId>{5C22544A-7EE6-4342-B048-85BDC9FD1C3A}</a:tableStyleId>
+              </a:tblPr>
+              <a:tblGrid>
+                <a:gridCol w="5029200">
+                  <a:extLst>
+                    <a:ext uri="{9D8B030D-6E8A-4147-A177-3AD203B41FA5}">
+                      <a16:colId xmlns:a16="http://schemas.microsoft.com/office/drawing/2014/main" val="2643309448"/>
+                    </a:ext>
+                  </a:extLst>
+                </a:gridCol>
+                <a:gridCol w="5029200">
+                  <a:extLst>
+                    <a:ext uri="{9D8B030D-6E8A-4147-A177-3AD203B41FA5}">
+                      <a16:colId xmlns:a16="http://schemas.microsoft.com/office/drawing/2014/main" val="4145462692"/>
+                    </a:ext>
+                  </a:extLst>
+                </a:gridCol>
+              </a:tblGrid>
+              <a:tr h="370840">
+                <a:tc>
+                  <a:txBody>
+                    <a:bodyPr/>
+                    <a:lstStyle/>
+                    <a:p>
+                      <a:r>
+                        <a:rPr lang="de-DE" b="1" dirty="0"/>
+                        <a:t>Lizenz</a:t>
+                      </a:r>
+                    </a:p>
+                  </a:txBody>
+                  <a:tcPr/>
+                </a:tc>
+                <a:tc>
+                  <a:txBody>
+                    <a:bodyPr/>
+                    <a:lstStyle/>
+                    <a:p>
+                      <a:r>
+                        <a:rPr lang="de-DE" dirty="0"/>
+                        <a:t>Apache </a:t>
+                      </a:r>
+                      <a:r>
+                        <a:rPr lang="de-DE" dirty="0" err="1"/>
+                        <a:t>Lizen</a:t>
+                      </a:r>
+                      <a:endParaRPr lang="de-DE" dirty="0"/>
+                    </a:p>
+                  </a:txBody>
+                  <a:tcPr/>
+                </a:tc>
+                <a:extLst>
+                  <a:ext uri="{0D108BD9-81ED-4DB2-BD59-A6C34878D82A}">
+                    <a16:rowId xmlns:a16="http://schemas.microsoft.com/office/drawing/2014/main" val="1184257119"/>
+                  </a:ext>
+                </a:extLst>
+              </a:tr>
+              <a:tr h="370840">
+                <a:tc>
+                  <a:txBody>
+                    <a:bodyPr/>
+                    <a:lstStyle/>
+                    <a:p>
+                      <a:r>
+                        <a:rPr lang="de-DE" b="1" dirty="0" err="1"/>
+                        <a:t>Issue</a:t>
+                      </a:r>
+                      <a:r>
+                        <a:rPr lang="de-DE" b="1" dirty="0"/>
+                        <a:t> Tracker</a:t>
+                      </a:r>
+                    </a:p>
+                  </a:txBody>
+                  <a:tcPr/>
+                </a:tc>
+                <a:tc>
+                  <a:txBody>
+                    <a:bodyPr/>
+                    <a:lstStyle/>
+                    <a:p>
+                      <a:r>
+                        <a:rPr lang="de-DE" dirty="0"/>
+                        <a:t>Mailing List</a:t>
+                      </a:r>
+                    </a:p>
+                  </a:txBody>
+                  <a:tcPr/>
+                </a:tc>
+                <a:extLst>
+                  <a:ext uri="{0D108BD9-81ED-4DB2-BD59-A6C34878D82A}">
+                    <a16:rowId xmlns:a16="http://schemas.microsoft.com/office/drawing/2014/main" val="3089076478"/>
+                  </a:ext>
+                </a:extLst>
+              </a:tr>
+              <a:tr h="370840">
+                <a:tc>
+                  <a:txBody>
+                    <a:bodyPr/>
+                    <a:lstStyle/>
+                    <a:p>
+                      <a:r>
+                        <a:rPr lang="de-DE" b="1" dirty="0"/>
+                        <a:t>Stable Version &gt; 1.0?</a:t>
+                      </a:r>
+                    </a:p>
+                  </a:txBody>
+                  <a:tcPr/>
+                </a:tc>
+                <a:tc>
+                  <a:txBody>
+                    <a:bodyPr/>
+                    <a:lstStyle/>
+                    <a:p>
+                      <a:r>
+                        <a:rPr lang="de-DE" dirty="0"/>
+                        <a:t>2.4.33 (Apache HTTP Server)</a:t>
+                      </a:r>
+                    </a:p>
+                  </a:txBody>
+                  <a:tcPr/>
+                </a:tc>
+                <a:extLst>
+                  <a:ext uri="{0D108BD9-81ED-4DB2-BD59-A6C34878D82A}">
+                    <a16:rowId xmlns:a16="http://schemas.microsoft.com/office/drawing/2014/main" val="1667510319"/>
+                  </a:ext>
+                </a:extLst>
+              </a:tr>
+              <a:tr h="370840">
+                <a:tc>
+                  <a:txBody>
+                    <a:bodyPr/>
+                    <a:lstStyle/>
+                    <a:p>
+                      <a:r>
+                        <a:rPr lang="de-DE" b="1" dirty="0"/>
+                        <a:t>Auf </a:t>
+                      </a:r>
+                      <a:r>
+                        <a:rPr lang="de-DE" b="1" dirty="0" err="1"/>
+                        <a:t>OpenHub</a:t>
+                      </a:r>
+                      <a:r>
+                        <a:rPr lang="de-DE" b="1" dirty="0"/>
+                        <a:t> gelistet?</a:t>
+                      </a:r>
+                    </a:p>
+                  </a:txBody>
+                  <a:tcPr/>
+                </a:tc>
+                <a:tc>
+                  <a:txBody>
+                    <a:bodyPr/>
+                    <a:lstStyle/>
+                    <a:p>
+                      <a:r>
+                        <a:rPr lang="de-DE" dirty="0"/>
+                        <a:t>Ja (Apache HTTP Server)</a:t>
+                      </a:r>
+                    </a:p>
+                  </a:txBody>
+                  <a:tcPr/>
+                </a:tc>
+                <a:extLst>
+                  <a:ext uri="{0D108BD9-81ED-4DB2-BD59-A6C34878D82A}">
+                    <a16:rowId xmlns:a16="http://schemas.microsoft.com/office/drawing/2014/main" val="1435722550"/>
+                  </a:ext>
+                </a:extLst>
+              </a:tr>
+              <a:tr h="370840">
+                <a:tc>
+                  <a:txBody>
+                    <a:bodyPr/>
+                    <a:lstStyle/>
+                    <a:p>
+                      <a:r>
+                        <a:rPr lang="de-DE" b="1" dirty="0"/>
+                        <a:t>Google Trends (Durschnitt letzte 12 Monate)</a:t>
+                      </a:r>
+                    </a:p>
+                  </a:txBody>
+                  <a:tcPr/>
+                </a:tc>
+                <a:tc>
+                  <a:txBody>
+                    <a:bodyPr/>
+                    <a:lstStyle/>
+                    <a:p>
+                      <a:r>
+                        <a:rPr lang="de-DE" dirty="0"/>
+                        <a:t>35</a:t>
+                      </a:r>
+                    </a:p>
+                  </a:txBody>
+                  <a:tcPr/>
+                </a:tc>
+                <a:extLst>
+                  <a:ext uri="{0D108BD9-81ED-4DB2-BD59-A6C34878D82A}">
+                    <a16:rowId xmlns:a16="http://schemas.microsoft.com/office/drawing/2014/main" val="2926144639"/>
+                  </a:ext>
+                </a:extLst>
+              </a:tr>
+              <a:tr h="370840">
+                <a:tc>
+                  <a:txBody>
+                    <a:bodyPr/>
+                    <a:lstStyle/>
+                    <a:p>
+                      <a:r>
+                        <a:rPr lang="de-DE" b="1" dirty="0"/>
+                        <a:t>Release in den letzten 12 Monaten?</a:t>
+                      </a:r>
+                    </a:p>
+                  </a:txBody>
+                  <a:tcPr/>
+                </a:tc>
+                <a:tc>
+                  <a:txBody>
+                    <a:bodyPr/>
+                    <a:lstStyle/>
+                    <a:p>
+                      <a:r>
+                        <a:rPr lang="de-DE" dirty="0"/>
+                        <a:t>Ja, März 2018 (Apache HTTP Server)</a:t>
+                      </a:r>
+                    </a:p>
+                  </a:txBody>
+                  <a:tcPr/>
+                </a:tc>
+                <a:extLst>
+                  <a:ext uri="{0D108BD9-81ED-4DB2-BD59-A6C34878D82A}">
+                    <a16:rowId xmlns:a16="http://schemas.microsoft.com/office/drawing/2014/main" val="3247816977"/>
+                  </a:ext>
+                </a:extLst>
+              </a:tr>
+              <a:tr h="370840">
+                <a:tc>
+                  <a:txBody>
+                    <a:bodyPr/>
+                    <a:lstStyle/>
+                    <a:p>
+                      <a:r>
+                        <a:rPr lang="de-DE" b="1" dirty="0" err="1"/>
+                        <a:t>StackOverflow</a:t>
+                      </a:r>
+                      <a:r>
+                        <a:rPr lang="de-DE" b="1" dirty="0"/>
+                        <a:t> Interesse</a:t>
+                      </a:r>
+                    </a:p>
+                  </a:txBody>
+                  <a:tcPr/>
+                </a:tc>
+                <a:tc>
+                  <a:txBody>
+                    <a:bodyPr/>
+                    <a:lstStyle/>
+                    <a:p>
+                      <a:r>
+                        <a:rPr lang="de-DE" dirty="0"/>
+                        <a:t>394 Fragen</a:t>
+                      </a:r>
+                    </a:p>
+                  </a:txBody>
+                  <a:tcPr/>
+                </a:tc>
+                <a:extLst>
+                  <a:ext uri="{0D108BD9-81ED-4DB2-BD59-A6C34878D82A}">
+                    <a16:rowId xmlns:a16="http://schemas.microsoft.com/office/drawing/2014/main" val="1050846634"/>
+                  </a:ext>
+                </a:extLst>
+              </a:tr>
+              <a:tr h="370840">
+                <a:tc>
+                  <a:txBody>
+                    <a:bodyPr/>
+                    <a:lstStyle/>
+                    <a:p>
+                      <a:r>
+                        <a:rPr lang="de-DE" b="1" dirty="0"/>
+                        <a:t>Projekt älter als 1 Jahr?</a:t>
+                      </a:r>
+                    </a:p>
+                  </a:txBody>
+                  <a:tcPr/>
+                </a:tc>
+                <a:tc>
+                  <a:txBody>
+                    <a:bodyPr/>
+                    <a:lstStyle/>
+                    <a:p>
+                      <a:r>
+                        <a:rPr lang="de-DE" dirty="0"/>
+                        <a:t>Ja, 1995 (Apache HTTP Server)</a:t>
+                      </a:r>
+                    </a:p>
+                  </a:txBody>
+                  <a:tcPr/>
+                </a:tc>
+                <a:extLst>
+                  <a:ext uri="{0D108BD9-81ED-4DB2-BD59-A6C34878D82A}">
+                    <a16:rowId xmlns:a16="http://schemas.microsoft.com/office/drawing/2014/main" val="2354061839"/>
+                  </a:ext>
+                </a:extLst>
+              </a:tr>
+              <a:tr h="370840">
+                <a:tc>
+                  <a:txBody>
+                    <a:bodyPr/>
+                    <a:lstStyle/>
+                    <a:p>
+                      <a:r>
+                        <a:rPr lang="de-DE" b="1" dirty="0" err="1"/>
+                        <a:t>Getting-Started</a:t>
+                      </a:r>
+                      <a:r>
+                        <a:rPr lang="de-DE" b="1" dirty="0"/>
+                        <a:t> / Quickstart vorhanden?</a:t>
+                      </a:r>
+                    </a:p>
+                  </a:txBody>
+                  <a:tcPr/>
+                </a:tc>
+                <a:tc>
+                  <a:txBody>
+                    <a:bodyPr/>
+                    <a:lstStyle/>
+                    <a:p>
+                      <a:r>
+                        <a:rPr lang="de-DE" dirty="0"/>
+                        <a:t>Ja</a:t>
+                      </a:r>
+                    </a:p>
+                  </a:txBody>
+                  <a:tcPr/>
+                </a:tc>
+                <a:extLst>
+                  <a:ext uri="{0D108BD9-81ED-4DB2-BD59-A6C34878D82A}">
+                    <a16:rowId xmlns:a16="http://schemas.microsoft.com/office/drawing/2014/main" val="826233208"/>
+                  </a:ext>
+                </a:extLst>
+              </a:tr>
+            </a:tbl>
+          </a:graphicData>
+        </a:graphic>
+      </p:graphicFrame>
     </p:spTree>
     <p:extLst>
       <p:ext uri="{BB962C8B-B14F-4D97-AF65-F5344CB8AC3E}">
-        <p14:creationId xmlns:p14="http://schemas.microsoft.com/office/powerpoint/2010/main" val="1316422767"/>
+        <p14:creationId xmlns:p14="http://schemas.microsoft.com/office/powerpoint/2010/main" val="4016960367"/>
       </p:ext>
     </p:extLst>
   </p:cSld>
@@ -4499,6 +4808,1439 @@
           <p:cNvPr id="2" name="Titel 1">
             <a:extLst>
               <a:ext uri="{FF2B5EF4-FFF2-40B4-BE49-F238E27FC236}">
+                <a16:creationId xmlns:a16="http://schemas.microsoft.com/office/drawing/2014/main" id="{25465261-E22D-45A7-A775-4EE309F0CB55}"/>
+              </a:ext>
+            </a:extLst>
+          </p:cNvPr>
+          <p:cNvSpPr>
+            <a:spLocks noGrp="1"/>
+          </p:cNvSpPr>
+          <p:nvPr>
+            <p:ph type="title"/>
+          </p:nvPr>
+        </p:nvSpPr>
+        <p:spPr/>
+        <p:txBody>
+          <a:bodyPr/>
+          <a:lstStyle/>
+          <a:p>
+            <a:r>
+              <a:rPr lang="de-DE" dirty="0" err="1"/>
+              <a:t>nGrinder</a:t>
+            </a:r>
+            <a:endParaRPr lang="de-DE" dirty="0"/>
+          </a:p>
+        </p:txBody>
+      </p:sp>
+      <p:sp>
+        <p:nvSpPr>
+          <p:cNvPr id="3" name="Inhaltsplatzhalter 2">
+            <a:extLst>
+              <a:ext uri="{FF2B5EF4-FFF2-40B4-BE49-F238E27FC236}">
+                <a16:creationId xmlns:a16="http://schemas.microsoft.com/office/drawing/2014/main" id="{956F385F-9DDC-4FF5-BDAD-EFBB0A4BEE67}"/>
+              </a:ext>
+            </a:extLst>
+          </p:cNvPr>
+          <p:cNvSpPr>
+            <a:spLocks noGrp="1"/>
+          </p:cNvSpPr>
+          <p:nvPr>
+            <p:ph idx="1"/>
+          </p:nvPr>
+        </p:nvSpPr>
+        <p:spPr/>
+        <p:txBody>
+          <a:bodyPr/>
+          <a:lstStyle/>
+          <a:p>
+            <a:pPr>
+              <a:buFont typeface="Wingdings" panose="05000000000000000000" pitchFamily="2" charset="2"/>
+              <a:buChar char="Ø"/>
+            </a:pPr>
+            <a:r>
+              <a:rPr lang="de-DE" dirty="0"/>
+              <a:t>Programmiersprache: </a:t>
+            </a:r>
+            <a:r>
+              <a:rPr lang="de-DE" dirty="0" err="1"/>
+              <a:t>Jython</a:t>
+            </a:r>
+            <a:endParaRPr lang="de-DE" dirty="0"/>
+          </a:p>
+        </p:txBody>
+      </p:sp>
+      <p:sp>
+        <p:nvSpPr>
+          <p:cNvPr id="4" name="Datumsplatzhalter 3">
+            <a:extLst>
+              <a:ext uri="{FF2B5EF4-FFF2-40B4-BE49-F238E27FC236}">
+                <a16:creationId xmlns:a16="http://schemas.microsoft.com/office/drawing/2014/main" id="{FFB10ED8-02C7-48E8-A738-E334CC3316C4}"/>
+              </a:ext>
+            </a:extLst>
+          </p:cNvPr>
+          <p:cNvSpPr>
+            <a:spLocks noGrp="1"/>
+          </p:cNvSpPr>
+          <p:nvPr>
+            <p:ph type="dt" sz="half" idx="10"/>
+          </p:nvPr>
+        </p:nvSpPr>
+        <p:spPr/>
+        <p:txBody>
+          <a:bodyPr/>
+          <a:lstStyle/>
+          <a:p>
+            <a:fld id="{BBFFFFB7-B427-4FC9-89B5-E815E530C709}" type="datetime1">
+              <a:rPr lang="de-DE" smtClean="0"/>
+              <a:t>31.05.2018</a:t>
+            </a:fld>
+            <a:endParaRPr lang="de-DE"/>
+          </a:p>
+        </p:txBody>
+      </p:sp>
+      <p:sp>
+        <p:nvSpPr>
+          <p:cNvPr id="5" name="Foliennummernplatzhalter 4">
+            <a:extLst>
+              <a:ext uri="{FF2B5EF4-FFF2-40B4-BE49-F238E27FC236}">
+                <a16:creationId xmlns:a16="http://schemas.microsoft.com/office/drawing/2014/main" id="{C1CC5C3A-0BBF-4937-9624-75E72F07D897}"/>
+              </a:ext>
+            </a:extLst>
+          </p:cNvPr>
+          <p:cNvSpPr>
+            <a:spLocks noGrp="1"/>
+          </p:cNvSpPr>
+          <p:nvPr>
+            <p:ph type="sldNum" sz="quarter" idx="12"/>
+          </p:nvPr>
+        </p:nvSpPr>
+        <p:spPr/>
+        <p:txBody>
+          <a:bodyPr/>
+          <a:lstStyle/>
+          <a:p>
+            <a:fld id="{C9BFD74B-BF5B-4F1B-BDFB-3F89FD2A71A6}" type="slidenum">
+              <a:rPr lang="de-DE" smtClean="0"/>
+              <a:t>11</a:t>
+            </a:fld>
+            <a:endParaRPr lang="de-DE"/>
+          </a:p>
+        </p:txBody>
+      </p:sp>
+      <p:pic>
+        <p:nvPicPr>
+          <p:cNvPr id="6" name="Grafik 5">
+            <a:extLst>
+              <a:ext uri="{FF2B5EF4-FFF2-40B4-BE49-F238E27FC236}">
+                <a16:creationId xmlns:a16="http://schemas.microsoft.com/office/drawing/2014/main" id="{85560B9E-5419-44F6-8859-4DCA30933AFF}"/>
+              </a:ext>
+            </a:extLst>
+          </p:cNvPr>
+          <p:cNvPicPr>
+            <a:picLocks noChangeAspect="1"/>
+          </p:cNvPicPr>
+          <p:nvPr/>
+        </p:nvPicPr>
+        <p:blipFill>
+          <a:blip r:embed="rId2"/>
+          <a:stretch>
+            <a:fillRect/>
+          </a:stretch>
+        </p:blipFill>
+        <p:spPr>
+          <a:xfrm>
+            <a:off x="378189" y="2763057"/>
+            <a:ext cx="11558643" cy="2403747"/>
+          </a:xfrm>
+          <a:prstGeom prst="rect">
+            <a:avLst/>
+          </a:prstGeom>
+        </p:spPr>
+      </p:pic>
+      <p:pic>
+        <p:nvPicPr>
+          <p:cNvPr id="1026" name="Picture 2" descr="http://naver.github.io/ngrinder/images/logo_ngrinder_a_header_inv.png">
+            <a:extLst>
+              <a:ext uri="{FF2B5EF4-FFF2-40B4-BE49-F238E27FC236}">
+                <a16:creationId xmlns:a16="http://schemas.microsoft.com/office/drawing/2014/main" id="{EBFBA67F-76A7-4F5E-930B-5F5706F2A4AB}"/>
+              </a:ext>
+            </a:extLst>
+          </p:cNvPr>
+          <p:cNvPicPr>
+            <a:picLocks noChangeAspect="1" noChangeArrowheads="1"/>
+          </p:cNvPicPr>
+          <p:nvPr/>
+        </p:nvPicPr>
+        <p:blipFill>
+          <a:blip r:embed="rId3">
+            <a:extLst>
+              <a:ext uri="{28A0092B-C50C-407E-A947-70E740481C1C}">
+                <a14:useLocalDpi xmlns:a14="http://schemas.microsoft.com/office/drawing/2010/main" val="0"/>
+              </a:ext>
+            </a:extLst>
+          </a:blip>
+          <a:srcRect/>
+          <a:stretch>
+            <a:fillRect/>
+          </a:stretch>
+        </p:blipFill>
+        <p:spPr bwMode="auto">
+          <a:xfrm>
+            <a:off x="7910004" y="982963"/>
+            <a:ext cx="3302479" cy="544159"/>
+          </a:xfrm>
+          <a:prstGeom prst="rect">
+            <a:avLst/>
+          </a:prstGeom>
+          <a:noFill/>
+          <a:extLst>
+            <a:ext uri="{909E8E84-426E-40DD-AFC4-6F175D3DCCD1}">
+              <a14:hiddenFill xmlns:a14="http://schemas.microsoft.com/office/drawing/2010/main">
+                <a:solidFill>
+                  <a:srgbClr val="FFFFFF"/>
+                </a:solidFill>
+              </a14:hiddenFill>
+            </a:ext>
+          </a:extLst>
+        </p:spPr>
+      </p:pic>
+    </p:spTree>
+    <p:extLst>
+      <p:ext uri="{BB962C8B-B14F-4D97-AF65-F5344CB8AC3E}">
+        <p14:creationId xmlns:p14="http://schemas.microsoft.com/office/powerpoint/2010/main" val="3351800027"/>
+      </p:ext>
+    </p:extLst>
+  </p:cSld>
+  <p:clrMapOvr>
+    <a:masterClrMapping/>
+  </p:clrMapOvr>
+</p:sld>
+</file>
+
+<file path=ppt/slides/slide12.xml><?xml version="1.0" encoding="utf-8"?>
+<p:sld xmlns:a="http://schemas.openxmlformats.org/drawingml/2006/main" xmlns:r="http://schemas.openxmlformats.org/officeDocument/2006/relationships" xmlns:p="http://schemas.openxmlformats.org/presentationml/2006/main">
+  <p:cSld>
+    <p:spTree>
+      <p:nvGrpSpPr>
+        <p:cNvPr id="1" name=""/>
+        <p:cNvGrpSpPr/>
+        <p:nvPr/>
+      </p:nvGrpSpPr>
+      <p:grpSpPr>
+        <a:xfrm>
+          <a:off x="0" y="0"/>
+          <a:ext cx="0" cy="0"/>
+          <a:chOff x="0" y="0"/>
+          <a:chExt cx="0" cy="0"/>
+        </a:xfrm>
+      </p:grpSpPr>
+      <p:sp>
+        <p:nvSpPr>
+          <p:cNvPr id="2" name="Titel 1">
+            <a:extLst>
+              <a:ext uri="{FF2B5EF4-FFF2-40B4-BE49-F238E27FC236}">
+                <a16:creationId xmlns:a16="http://schemas.microsoft.com/office/drawing/2014/main" id="{1B029F42-F0AF-4CE4-B144-20A6B49BEE6D}"/>
+              </a:ext>
+            </a:extLst>
+          </p:cNvPr>
+          <p:cNvSpPr>
+            <a:spLocks noGrp="1"/>
+          </p:cNvSpPr>
+          <p:nvPr>
+            <p:ph type="title"/>
+          </p:nvPr>
+        </p:nvSpPr>
+        <p:spPr/>
+        <p:txBody>
+          <a:bodyPr/>
+          <a:lstStyle/>
+          <a:p>
+            <a:r>
+              <a:rPr lang="de-DE" dirty="0" err="1"/>
+              <a:t>nGrinder</a:t>
+            </a:r>
+            <a:r>
+              <a:rPr lang="de-DE" dirty="0"/>
+              <a:t> - </a:t>
+            </a:r>
+            <a:r>
+              <a:rPr lang="de-DE" dirty="0" err="1"/>
+              <a:t>QuickCheck</a:t>
+            </a:r>
+            <a:endParaRPr lang="de-DE" dirty="0"/>
+          </a:p>
+        </p:txBody>
+      </p:sp>
+      <p:sp>
+        <p:nvSpPr>
+          <p:cNvPr id="3" name="Inhaltsplatzhalter 2">
+            <a:extLst>
+              <a:ext uri="{FF2B5EF4-FFF2-40B4-BE49-F238E27FC236}">
+                <a16:creationId xmlns:a16="http://schemas.microsoft.com/office/drawing/2014/main" id="{4778DCB6-37EF-459B-9FD1-145C600E970D}"/>
+              </a:ext>
+            </a:extLst>
+          </p:cNvPr>
+          <p:cNvSpPr>
+            <a:spLocks noGrp="1"/>
+          </p:cNvSpPr>
+          <p:nvPr>
+            <p:ph idx="1"/>
+          </p:nvPr>
+        </p:nvSpPr>
+        <p:spPr/>
+        <p:txBody>
+          <a:bodyPr/>
+          <a:lstStyle/>
+          <a:p>
+            <a:endParaRPr lang="de-DE"/>
+          </a:p>
+        </p:txBody>
+      </p:sp>
+      <p:sp>
+        <p:nvSpPr>
+          <p:cNvPr id="4" name="Datumsplatzhalter 3">
+            <a:extLst>
+              <a:ext uri="{FF2B5EF4-FFF2-40B4-BE49-F238E27FC236}">
+                <a16:creationId xmlns:a16="http://schemas.microsoft.com/office/drawing/2014/main" id="{D5ED55D6-6DD5-4335-987E-C3719156BF48}"/>
+              </a:ext>
+            </a:extLst>
+          </p:cNvPr>
+          <p:cNvSpPr>
+            <a:spLocks noGrp="1"/>
+          </p:cNvSpPr>
+          <p:nvPr>
+            <p:ph type="dt" sz="half" idx="10"/>
+          </p:nvPr>
+        </p:nvSpPr>
+        <p:spPr/>
+        <p:txBody>
+          <a:bodyPr/>
+          <a:lstStyle/>
+          <a:p>
+            <a:fld id="{BBFFFFB7-B427-4FC9-89B5-E815E530C709}" type="datetime1">
+              <a:rPr lang="de-DE" smtClean="0"/>
+              <a:t>31.05.2018</a:t>
+            </a:fld>
+            <a:endParaRPr lang="de-DE"/>
+          </a:p>
+        </p:txBody>
+      </p:sp>
+      <p:sp>
+        <p:nvSpPr>
+          <p:cNvPr id="5" name="Foliennummernplatzhalter 4">
+            <a:extLst>
+              <a:ext uri="{FF2B5EF4-FFF2-40B4-BE49-F238E27FC236}">
+                <a16:creationId xmlns:a16="http://schemas.microsoft.com/office/drawing/2014/main" id="{416A4C49-A75F-430C-9C0B-2EA0E0D8CFBC}"/>
+              </a:ext>
+            </a:extLst>
+          </p:cNvPr>
+          <p:cNvSpPr>
+            <a:spLocks noGrp="1"/>
+          </p:cNvSpPr>
+          <p:nvPr>
+            <p:ph type="sldNum" sz="quarter" idx="12"/>
+          </p:nvPr>
+        </p:nvSpPr>
+        <p:spPr/>
+        <p:txBody>
+          <a:bodyPr/>
+          <a:lstStyle/>
+          <a:p>
+            <a:fld id="{C9BFD74B-BF5B-4F1B-BDFB-3F89FD2A71A6}" type="slidenum">
+              <a:rPr lang="de-DE" smtClean="0"/>
+              <a:t>12</a:t>
+            </a:fld>
+            <a:endParaRPr lang="de-DE"/>
+          </a:p>
+        </p:txBody>
+      </p:sp>
+      <p:graphicFrame>
+        <p:nvGraphicFramePr>
+          <p:cNvPr id="6" name="Inhaltsplatzhalter 5">
+            <a:extLst>
+              <a:ext uri="{FF2B5EF4-FFF2-40B4-BE49-F238E27FC236}">
+                <a16:creationId xmlns:a16="http://schemas.microsoft.com/office/drawing/2014/main" id="{060EE275-105C-4B66-92BA-F9FD6C262C34}"/>
+              </a:ext>
+            </a:extLst>
+          </p:cNvPr>
+          <p:cNvGraphicFramePr>
+            <a:graphicFrameLocks/>
+          </p:cNvGraphicFramePr>
+          <p:nvPr>
+            <p:extLst>
+              <p:ext uri="{D42A27DB-BD31-4B8C-83A1-F6EECF244321}">
+                <p14:modId xmlns:p14="http://schemas.microsoft.com/office/powerpoint/2010/main" val="3798889618"/>
+              </p:ext>
+            </p:extLst>
+          </p:nvPr>
+        </p:nvGraphicFramePr>
+        <p:xfrm>
+          <a:off x="1096963" y="1846263"/>
+          <a:ext cx="10058400" cy="3337560"/>
+        </p:xfrm>
+        <a:graphic>
+          <a:graphicData uri="http://schemas.openxmlformats.org/drawingml/2006/table">
+            <a:tbl>
+              <a:tblPr bandRow="1">
+                <a:tableStyleId>{5C22544A-7EE6-4342-B048-85BDC9FD1C3A}</a:tableStyleId>
+              </a:tblPr>
+              <a:tblGrid>
+                <a:gridCol w="5029200">
+                  <a:extLst>
+                    <a:ext uri="{9D8B030D-6E8A-4147-A177-3AD203B41FA5}">
+                      <a16:colId xmlns:a16="http://schemas.microsoft.com/office/drawing/2014/main" val="2643309448"/>
+                    </a:ext>
+                  </a:extLst>
+                </a:gridCol>
+                <a:gridCol w="5029200">
+                  <a:extLst>
+                    <a:ext uri="{9D8B030D-6E8A-4147-A177-3AD203B41FA5}">
+                      <a16:colId xmlns:a16="http://schemas.microsoft.com/office/drawing/2014/main" val="4145462692"/>
+                    </a:ext>
+                  </a:extLst>
+                </a:gridCol>
+              </a:tblGrid>
+              <a:tr h="370840">
+                <a:tc>
+                  <a:txBody>
+                    <a:bodyPr/>
+                    <a:lstStyle/>
+                    <a:p>
+                      <a:r>
+                        <a:rPr lang="de-DE" b="1" dirty="0"/>
+                        <a:t>Lizenz</a:t>
+                      </a:r>
+                    </a:p>
+                  </a:txBody>
+                  <a:tcPr/>
+                </a:tc>
+                <a:tc>
+                  <a:txBody>
+                    <a:bodyPr/>
+                    <a:lstStyle/>
+                    <a:p>
+                      <a:r>
+                        <a:rPr lang="de-DE" dirty="0"/>
+                        <a:t>Apache Lizenz 2.0</a:t>
+                      </a:r>
+                    </a:p>
+                  </a:txBody>
+                  <a:tcPr/>
+                </a:tc>
+                <a:extLst>
+                  <a:ext uri="{0D108BD9-81ED-4DB2-BD59-A6C34878D82A}">
+                    <a16:rowId xmlns:a16="http://schemas.microsoft.com/office/drawing/2014/main" val="1184257119"/>
+                  </a:ext>
+                </a:extLst>
+              </a:tr>
+              <a:tr h="370840">
+                <a:tc>
+                  <a:txBody>
+                    <a:bodyPr/>
+                    <a:lstStyle/>
+                    <a:p>
+                      <a:r>
+                        <a:rPr lang="de-DE" b="1" dirty="0" err="1"/>
+                        <a:t>Issue</a:t>
+                      </a:r>
+                      <a:r>
+                        <a:rPr lang="de-DE" b="1" dirty="0"/>
+                        <a:t> Tracker</a:t>
+                      </a:r>
+                    </a:p>
+                  </a:txBody>
+                  <a:tcPr/>
+                </a:tc>
+                <a:tc>
+                  <a:txBody>
+                    <a:bodyPr/>
+                    <a:lstStyle/>
+                    <a:p>
+                      <a:r>
+                        <a:rPr lang="de-DE" dirty="0"/>
+                        <a:t>GitHub</a:t>
+                      </a:r>
+                    </a:p>
+                  </a:txBody>
+                  <a:tcPr/>
+                </a:tc>
+                <a:extLst>
+                  <a:ext uri="{0D108BD9-81ED-4DB2-BD59-A6C34878D82A}">
+                    <a16:rowId xmlns:a16="http://schemas.microsoft.com/office/drawing/2014/main" val="3089076478"/>
+                  </a:ext>
+                </a:extLst>
+              </a:tr>
+              <a:tr h="370840">
+                <a:tc>
+                  <a:txBody>
+                    <a:bodyPr/>
+                    <a:lstStyle/>
+                    <a:p>
+                      <a:r>
+                        <a:rPr lang="de-DE" b="1" dirty="0"/>
+                        <a:t>Stable Version &gt; 1.0?</a:t>
+                      </a:r>
+                    </a:p>
+                  </a:txBody>
+                  <a:tcPr/>
+                </a:tc>
+                <a:tc>
+                  <a:txBody>
+                    <a:bodyPr/>
+                    <a:lstStyle/>
+                    <a:p>
+                      <a:r>
+                        <a:rPr lang="de-DE" dirty="0"/>
+                        <a:t>3.4.1</a:t>
+                      </a:r>
+                    </a:p>
+                  </a:txBody>
+                  <a:tcPr/>
+                </a:tc>
+                <a:extLst>
+                  <a:ext uri="{0D108BD9-81ED-4DB2-BD59-A6C34878D82A}">
+                    <a16:rowId xmlns:a16="http://schemas.microsoft.com/office/drawing/2014/main" val="1667510319"/>
+                  </a:ext>
+                </a:extLst>
+              </a:tr>
+              <a:tr h="370840">
+                <a:tc>
+                  <a:txBody>
+                    <a:bodyPr/>
+                    <a:lstStyle/>
+                    <a:p>
+                      <a:r>
+                        <a:rPr lang="de-DE" b="1" dirty="0"/>
+                        <a:t>Auf </a:t>
+                      </a:r>
+                      <a:r>
+                        <a:rPr lang="de-DE" b="1" dirty="0" err="1"/>
+                        <a:t>OpenHub</a:t>
+                      </a:r>
+                      <a:r>
+                        <a:rPr lang="de-DE" b="1" dirty="0"/>
+                        <a:t> gelistet?</a:t>
+                      </a:r>
+                    </a:p>
+                  </a:txBody>
+                  <a:tcPr/>
+                </a:tc>
+                <a:tc>
+                  <a:txBody>
+                    <a:bodyPr/>
+                    <a:lstStyle/>
+                    <a:p>
+                      <a:r>
+                        <a:rPr lang="de-DE" dirty="0"/>
+                        <a:t>Ja</a:t>
+                      </a:r>
+                    </a:p>
+                  </a:txBody>
+                  <a:tcPr/>
+                </a:tc>
+                <a:extLst>
+                  <a:ext uri="{0D108BD9-81ED-4DB2-BD59-A6C34878D82A}">
+                    <a16:rowId xmlns:a16="http://schemas.microsoft.com/office/drawing/2014/main" val="1435722550"/>
+                  </a:ext>
+                </a:extLst>
+              </a:tr>
+              <a:tr h="370840">
+                <a:tc>
+                  <a:txBody>
+                    <a:bodyPr/>
+                    <a:lstStyle/>
+                    <a:p>
+                      <a:r>
+                        <a:rPr lang="de-DE" b="1" dirty="0"/>
+                        <a:t>Google Trends (Durschnitt letzte 12 Monate)</a:t>
+                      </a:r>
+                    </a:p>
+                  </a:txBody>
+                  <a:tcPr/>
+                </a:tc>
+                <a:tc>
+                  <a:txBody>
+                    <a:bodyPr/>
+                    <a:lstStyle/>
+                    <a:p>
+                      <a:r>
+                        <a:rPr lang="de-DE" dirty="0"/>
+                        <a:t>4</a:t>
+                      </a:r>
+                    </a:p>
+                  </a:txBody>
+                  <a:tcPr/>
+                </a:tc>
+                <a:extLst>
+                  <a:ext uri="{0D108BD9-81ED-4DB2-BD59-A6C34878D82A}">
+                    <a16:rowId xmlns:a16="http://schemas.microsoft.com/office/drawing/2014/main" val="2926144639"/>
+                  </a:ext>
+                </a:extLst>
+              </a:tr>
+              <a:tr h="370840">
+                <a:tc>
+                  <a:txBody>
+                    <a:bodyPr/>
+                    <a:lstStyle/>
+                    <a:p>
+                      <a:r>
+                        <a:rPr lang="de-DE" b="1" dirty="0"/>
+                        <a:t>Release in den letzten 12 Monaten?</a:t>
+                      </a:r>
+                    </a:p>
+                  </a:txBody>
+                  <a:tcPr/>
+                </a:tc>
+                <a:tc>
+                  <a:txBody>
+                    <a:bodyPr/>
+                    <a:lstStyle/>
+                    <a:p>
+                      <a:r>
+                        <a:rPr lang="de-DE" dirty="0"/>
+                        <a:t>Nein, Februar 2017</a:t>
+                      </a:r>
+                    </a:p>
+                  </a:txBody>
+                  <a:tcPr/>
+                </a:tc>
+                <a:extLst>
+                  <a:ext uri="{0D108BD9-81ED-4DB2-BD59-A6C34878D82A}">
+                    <a16:rowId xmlns:a16="http://schemas.microsoft.com/office/drawing/2014/main" val="3247816977"/>
+                  </a:ext>
+                </a:extLst>
+              </a:tr>
+              <a:tr h="370840">
+                <a:tc>
+                  <a:txBody>
+                    <a:bodyPr/>
+                    <a:lstStyle/>
+                    <a:p>
+                      <a:r>
+                        <a:rPr lang="de-DE" b="1" dirty="0" err="1"/>
+                        <a:t>StackOverflow</a:t>
+                      </a:r>
+                      <a:r>
+                        <a:rPr lang="de-DE" b="1" dirty="0"/>
+                        <a:t> Interesse</a:t>
+                      </a:r>
+                    </a:p>
+                  </a:txBody>
+                  <a:tcPr/>
+                </a:tc>
+                <a:tc>
+                  <a:txBody>
+                    <a:bodyPr/>
+                    <a:lstStyle/>
+                    <a:p>
+                      <a:r>
+                        <a:rPr lang="de-DE" dirty="0"/>
+                        <a:t>13 Fragen</a:t>
+                      </a:r>
+                    </a:p>
+                  </a:txBody>
+                  <a:tcPr/>
+                </a:tc>
+                <a:extLst>
+                  <a:ext uri="{0D108BD9-81ED-4DB2-BD59-A6C34878D82A}">
+                    <a16:rowId xmlns:a16="http://schemas.microsoft.com/office/drawing/2014/main" val="1050846634"/>
+                  </a:ext>
+                </a:extLst>
+              </a:tr>
+              <a:tr h="370840">
+                <a:tc>
+                  <a:txBody>
+                    <a:bodyPr/>
+                    <a:lstStyle/>
+                    <a:p>
+                      <a:r>
+                        <a:rPr lang="de-DE" b="1" dirty="0"/>
+                        <a:t>Projekt älter als 1 Jahr?</a:t>
+                      </a:r>
+                    </a:p>
+                  </a:txBody>
+                  <a:tcPr/>
+                </a:tc>
+                <a:tc>
+                  <a:txBody>
+                    <a:bodyPr/>
+                    <a:lstStyle/>
+                    <a:p>
+                      <a:r>
+                        <a:rPr lang="de-DE" dirty="0"/>
+                        <a:t>Ja, 2012</a:t>
+                      </a:r>
+                    </a:p>
+                  </a:txBody>
+                  <a:tcPr/>
+                </a:tc>
+                <a:extLst>
+                  <a:ext uri="{0D108BD9-81ED-4DB2-BD59-A6C34878D82A}">
+                    <a16:rowId xmlns:a16="http://schemas.microsoft.com/office/drawing/2014/main" val="2354061839"/>
+                  </a:ext>
+                </a:extLst>
+              </a:tr>
+              <a:tr h="370840">
+                <a:tc>
+                  <a:txBody>
+                    <a:bodyPr/>
+                    <a:lstStyle/>
+                    <a:p>
+                      <a:r>
+                        <a:rPr lang="de-DE" b="1" dirty="0" err="1"/>
+                        <a:t>Getting-Started</a:t>
+                      </a:r>
+                      <a:r>
+                        <a:rPr lang="de-DE" b="1" dirty="0"/>
+                        <a:t> / Quickstart vorhanden?</a:t>
+                      </a:r>
+                    </a:p>
+                  </a:txBody>
+                  <a:tcPr/>
+                </a:tc>
+                <a:tc>
+                  <a:txBody>
+                    <a:bodyPr/>
+                    <a:lstStyle/>
+                    <a:p>
+                      <a:endParaRPr lang="de-DE" dirty="0"/>
+                    </a:p>
+                  </a:txBody>
+                  <a:tcPr/>
+                </a:tc>
+                <a:extLst>
+                  <a:ext uri="{0D108BD9-81ED-4DB2-BD59-A6C34878D82A}">
+                    <a16:rowId xmlns:a16="http://schemas.microsoft.com/office/drawing/2014/main" val="1336357076"/>
+                  </a:ext>
+                </a:extLst>
+              </a:tr>
+            </a:tbl>
+          </a:graphicData>
+        </a:graphic>
+      </p:graphicFrame>
+    </p:spTree>
+    <p:extLst>
+      <p:ext uri="{BB962C8B-B14F-4D97-AF65-F5344CB8AC3E}">
+        <p14:creationId xmlns:p14="http://schemas.microsoft.com/office/powerpoint/2010/main" val="1117355726"/>
+      </p:ext>
+    </p:extLst>
+  </p:cSld>
+  <p:clrMapOvr>
+    <a:masterClrMapping/>
+  </p:clrMapOvr>
+</p:sld>
+</file>
+
+<file path=ppt/slides/slide13.xml><?xml version="1.0" encoding="utf-8"?>
+<p:sld xmlns:a="http://schemas.openxmlformats.org/drawingml/2006/main" xmlns:r="http://schemas.openxmlformats.org/officeDocument/2006/relationships" xmlns:p="http://schemas.openxmlformats.org/presentationml/2006/main">
+  <p:cSld>
+    <p:spTree>
+      <p:nvGrpSpPr>
+        <p:cNvPr id="1" name=""/>
+        <p:cNvGrpSpPr/>
+        <p:nvPr/>
+      </p:nvGrpSpPr>
+      <p:grpSpPr>
+        <a:xfrm>
+          <a:off x="0" y="0"/>
+          <a:ext cx="0" cy="0"/>
+          <a:chOff x="0" y="0"/>
+          <a:chExt cx="0" cy="0"/>
+        </a:xfrm>
+      </p:grpSpPr>
+      <p:sp>
+        <p:nvSpPr>
+          <p:cNvPr id="2" name="Titel 1">
+            <a:extLst>
+              <a:ext uri="{FF2B5EF4-FFF2-40B4-BE49-F238E27FC236}">
+                <a16:creationId xmlns:a16="http://schemas.microsoft.com/office/drawing/2014/main" id="{791A2B02-5491-481A-89B6-7E421EAB1E96}"/>
+              </a:ext>
+            </a:extLst>
+          </p:cNvPr>
+          <p:cNvSpPr>
+            <a:spLocks noGrp="1"/>
+          </p:cNvSpPr>
+          <p:nvPr>
+            <p:ph type="title"/>
+          </p:nvPr>
+        </p:nvSpPr>
+        <p:spPr/>
+        <p:txBody>
+          <a:bodyPr/>
+          <a:lstStyle/>
+          <a:p>
+            <a:r>
+              <a:rPr lang="de-DE" dirty="0" err="1"/>
+              <a:t>Slapper</a:t>
+            </a:r>
+            <a:endParaRPr lang="de-DE" dirty="0"/>
+          </a:p>
+        </p:txBody>
+      </p:sp>
+      <p:sp>
+        <p:nvSpPr>
+          <p:cNvPr id="3" name="Inhaltsplatzhalter 2">
+            <a:extLst>
+              <a:ext uri="{FF2B5EF4-FFF2-40B4-BE49-F238E27FC236}">
+                <a16:creationId xmlns:a16="http://schemas.microsoft.com/office/drawing/2014/main" id="{8EE37BAC-8E0B-4202-A812-97ABED453C31}"/>
+              </a:ext>
+            </a:extLst>
+          </p:cNvPr>
+          <p:cNvSpPr>
+            <a:spLocks noGrp="1"/>
+          </p:cNvSpPr>
+          <p:nvPr>
+            <p:ph idx="1"/>
+          </p:nvPr>
+        </p:nvSpPr>
+        <p:spPr/>
+        <p:txBody>
+          <a:bodyPr/>
+          <a:lstStyle/>
+          <a:p>
+            <a:pPr>
+              <a:buFont typeface="Wingdings" panose="05000000000000000000" pitchFamily="2" charset="2"/>
+              <a:buChar char="Ø"/>
+            </a:pPr>
+            <a:r>
+              <a:rPr lang="de-DE" dirty="0"/>
+              <a:t> Programmiersprache: GO</a:t>
+            </a:r>
+          </a:p>
+        </p:txBody>
+      </p:sp>
+      <p:sp>
+        <p:nvSpPr>
+          <p:cNvPr id="4" name="Datumsplatzhalter 3">
+            <a:extLst>
+              <a:ext uri="{FF2B5EF4-FFF2-40B4-BE49-F238E27FC236}">
+                <a16:creationId xmlns:a16="http://schemas.microsoft.com/office/drawing/2014/main" id="{B508518C-1EF4-4C8C-9793-A0CB377BFA3A}"/>
+              </a:ext>
+            </a:extLst>
+          </p:cNvPr>
+          <p:cNvSpPr>
+            <a:spLocks noGrp="1"/>
+          </p:cNvSpPr>
+          <p:nvPr>
+            <p:ph type="dt" sz="half" idx="10"/>
+          </p:nvPr>
+        </p:nvSpPr>
+        <p:spPr/>
+        <p:txBody>
+          <a:bodyPr/>
+          <a:lstStyle/>
+          <a:p>
+            <a:fld id="{BBFFFFB7-B427-4FC9-89B5-E815E530C709}" type="datetime1">
+              <a:rPr lang="de-DE" smtClean="0"/>
+              <a:t>31.05.2018</a:t>
+            </a:fld>
+            <a:endParaRPr lang="de-DE"/>
+          </a:p>
+        </p:txBody>
+      </p:sp>
+      <p:sp>
+        <p:nvSpPr>
+          <p:cNvPr id="5" name="Foliennummernplatzhalter 4">
+            <a:extLst>
+              <a:ext uri="{FF2B5EF4-FFF2-40B4-BE49-F238E27FC236}">
+                <a16:creationId xmlns:a16="http://schemas.microsoft.com/office/drawing/2014/main" id="{CA3F5E5F-893B-40E2-B8FC-9D4D715F3F41}"/>
+              </a:ext>
+            </a:extLst>
+          </p:cNvPr>
+          <p:cNvSpPr>
+            <a:spLocks noGrp="1"/>
+          </p:cNvSpPr>
+          <p:nvPr>
+            <p:ph type="sldNum" sz="quarter" idx="12"/>
+          </p:nvPr>
+        </p:nvSpPr>
+        <p:spPr/>
+        <p:txBody>
+          <a:bodyPr/>
+          <a:lstStyle/>
+          <a:p>
+            <a:fld id="{C9BFD74B-BF5B-4F1B-BDFB-3F89FD2A71A6}" type="slidenum">
+              <a:rPr lang="de-DE" smtClean="0"/>
+              <a:t>13</a:t>
+            </a:fld>
+            <a:endParaRPr lang="de-DE"/>
+          </a:p>
+        </p:txBody>
+      </p:sp>
+      <p:pic>
+        <p:nvPicPr>
+          <p:cNvPr id="6" name="Grafik 5">
+            <a:extLst>
+              <a:ext uri="{FF2B5EF4-FFF2-40B4-BE49-F238E27FC236}">
+                <a16:creationId xmlns:a16="http://schemas.microsoft.com/office/drawing/2014/main" id="{353CE577-4D49-496A-B2EB-D15F2A8CA50C}"/>
+              </a:ext>
+            </a:extLst>
+          </p:cNvPr>
+          <p:cNvPicPr>
+            <a:picLocks noChangeAspect="1"/>
+          </p:cNvPicPr>
+          <p:nvPr/>
+        </p:nvPicPr>
+        <p:blipFill>
+          <a:blip r:embed="rId2"/>
+          <a:stretch>
+            <a:fillRect/>
+          </a:stretch>
+        </p:blipFill>
+        <p:spPr>
+          <a:xfrm>
+            <a:off x="414634" y="3011943"/>
+            <a:ext cx="11258948" cy="2350169"/>
+          </a:xfrm>
+          <a:prstGeom prst="rect">
+            <a:avLst/>
+          </a:prstGeom>
+        </p:spPr>
+      </p:pic>
+    </p:spTree>
+    <p:extLst>
+      <p:ext uri="{BB962C8B-B14F-4D97-AF65-F5344CB8AC3E}">
+        <p14:creationId xmlns:p14="http://schemas.microsoft.com/office/powerpoint/2010/main" val="1316422767"/>
+      </p:ext>
+    </p:extLst>
+  </p:cSld>
+  <p:clrMapOvr>
+    <a:masterClrMapping/>
+  </p:clrMapOvr>
+</p:sld>
+</file>
+
+<file path=ppt/slides/slide14.xml><?xml version="1.0" encoding="utf-8"?>
+<p:sld xmlns:a="http://schemas.openxmlformats.org/drawingml/2006/main" xmlns:r="http://schemas.openxmlformats.org/officeDocument/2006/relationships" xmlns:p="http://schemas.openxmlformats.org/presentationml/2006/main">
+  <p:cSld>
+    <p:spTree>
+      <p:nvGrpSpPr>
+        <p:cNvPr id="1" name=""/>
+        <p:cNvGrpSpPr/>
+        <p:nvPr/>
+      </p:nvGrpSpPr>
+      <p:grpSpPr>
+        <a:xfrm>
+          <a:off x="0" y="0"/>
+          <a:ext cx="0" cy="0"/>
+          <a:chOff x="0" y="0"/>
+          <a:chExt cx="0" cy="0"/>
+        </a:xfrm>
+      </p:grpSpPr>
+      <p:sp>
+        <p:nvSpPr>
+          <p:cNvPr id="2" name="Titel 1">
+            <a:extLst>
+              <a:ext uri="{FF2B5EF4-FFF2-40B4-BE49-F238E27FC236}">
+                <a16:creationId xmlns:a16="http://schemas.microsoft.com/office/drawing/2014/main" id="{00FA5BE9-4784-4495-94AF-09064FB95125}"/>
+              </a:ext>
+            </a:extLst>
+          </p:cNvPr>
+          <p:cNvSpPr>
+            <a:spLocks noGrp="1"/>
+          </p:cNvSpPr>
+          <p:nvPr>
+            <p:ph type="title"/>
+          </p:nvPr>
+        </p:nvSpPr>
+        <p:spPr/>
+        <p:txBody>
+          <a:bodyPr/>
+          <a:lstStyle/>
+          <a:p>
+            <a:r>
+              <a:rPr lang="de-DE" dirty="0" err="1"/>
+              <a:t>Slapper</a:t>
+            </a:r>
+            <a:r>
+              <a:rPr lang="de-DE" dirty="0"/>
+              <a:t> - Quickcheck</a:t>
+            </a:r>
+          </a:p>
+        </p:txBody>
+      </p:sp>
+      <p:sp>
+        <p:nvSpPr>
+          <p:cNvPr id="3" name="Inhaltsplatzhalter 2">
+            <a:extLst>
+              <a:ext uri="{FF2B5EF4-FFF2-40B4-BE49-F238E27FC236}">
+                <a16:creationId xmlns:a16="http://schemas.microsoft.com/office/drawing/2014/main" id="{29E43A7C-DE44-4CE9-AE1F-B4880B6B73B4}"/>
+              </a:ext>
+            </a:extLst>
+          </p:cNvPr>
+          <p:cNvSpPr>
+            <a:spLocks noGrp="1"/>
+          </p:cNvSpPr>
+          <p:nvPr>
+            <p:ph idx="1"/>
+          </p:nvPr>
+        </p:nvSpPr>
+        <p:spPr/>
+        <p:txBody>
+          <a:bodyPr/>
+          <a:lstStyle/>
+          <a:p>
+            <a:endParaRPr lang="de-DE"/>
+          </a:p>
+        </p:txBody>
+      </p:sp>
+      <p:sp>
+        <p:nvSpPr>
+          <p:cNvPr id="4" name="Datumsplatzhalter 3">
+            <a:extLst>
+              <a:ext uri="{FF2B5EF4-FFF2-40B4-BE49-F238E27FC236}">
+                <a16:creationId xmlns:a16="http://schemas.microsoft.com/office/drawing/2014/main" id="{C0C4AD7D-857E-4D72-8BD1-831D7A24833C}"/>
+              </a:ext>
+            </a:extLst>
+          </p:cNvPr>
+          <p:cNvSpPr>
+            <a:spLocks noGrp="1"/>
+          </p:cNvSpPr>
+          <p:nvPr>
+            <p:ph type="dt" sz="half" idx="10"/>
+          </p:nvPr>
+        </p:nvSpPr>
+        <p:spPr/>
+        <p:txBody>
+          <a:bodyPr/>
+          <a:lstStyle/>
+          <a:p>
+            <a:fld id="{BBFFFFB7-B427-4FC9-89B5-E815E530C709}" type="datetime1">
+              <a:rPr lang="de-DE" smtClean="0"/>
+              <a:t>31.05.2018</a:t>
+            </a:fld>
+            <a:endParaRPr lang="de-DE"/>
+          </a:p>
+        </p:txBody>
+      </p:sp>
+      <p:sp>
+        <p:nvSpPr>
+          <p:cNvPr id="5" name="Foliennummernplatzhalter 4">
+            <a:extLst>
+              <a:ext uri="{FF2B5EF4-FFF2-40B4-BE49-F238E27FC236}">
+                <a16:creationId xmlns:a16="http://schemas.microsoft.com/office/drawing/2014/main" id="{8891D52B-49C3-49B3-87C1-E3A94ECD2039}"/>
+              </a:ext>
+            </a:extLst>
+          </p:cNvPr>
+          <p:cNvSpPr>
+            <a:spLocks noGrp="1"/>
+          </p:cNvSpPr>
+          <p:nvPr>
+            <p:ph type="sldNum" sz="quarter" idx="12"/>
+          </p:nvPr>
+        </p:nvSpPr>
+        <p:spPr/>
+        <p:txBody>
+          <a:bodyPr/>
+          <a:lstStyle/>
+          <a:p>
+            <a:fld id="{C9BFD74B-BF5B-4F1B-BDFB-3F89FD2A71A6}" type="slidenum">
+              <a:rPr lang="de-DE" smtClean="0"/>
+              <a:t>14</a:t>
+            </a:fld>
+            <a:endParaRPr lang="de-DE"/>
+          </a:p>
+        </p:txBody>
+      </p:sp>
+      <p:graphicFrame>
+        <p:nvGraphicFramePr>
+          <p:cNvPr id="6" name="Inhaltsplatzhalter 5">
+            <a:extLst>
+              <a:ext uri="{FF2B5EF4-FFF2-40B4-BE49-F238E27FC236}">
+                <a16:creationId xmlns:a16="http://schemas.microsoft.com/office/drawing/2014/main" id="{9F184563-0674-4E70-9A0F-777F8D06BE9F}"/>
+              </a:ext>
+            </a:extLst>
+          </p:cNvPr>
+          <p:cNvGraphicFramePr>
+            <a:graphicFrameLocks/>
+          </p:cNvGraphicFramePr>
+          <p:nvPr>
+            <p:extLst>
+              <p:ext uri="{D42A27DB-BD31-4B8C-83A1-F6EECF244321}">
+                <p14:modId xmlns:p14="http://schemas.microsoft.com/office/powerpoint/2010/main" val="3102135824"/>
+              </p:ext>
+            </p:extLst>
+          </p:nvPr>
+        </p:nvGraphicFramePr>
+        <p:xfrm>
+          <a:off x="1096963" y="1846263"/>
+          <a:ext cx="10058400" cy="3337560"/>
+        </p:xfrm>
+        <a:graphic>
+          <a:graphicData uri="http://schemas.openxmlformats.org/drawingml/2006/table">
+            <a:tbl>
+              <a:tblPr bandRow="1">
+                <a:tableStyleId>{5C22544A-7EE6-4342-B048-85BDC9FD1C3A}</a:tableStyleId>
+              </a:tblPr>
+              <a:tblGrid>
+                <a:gridCol w="5029200">
+                  <a:extLst>
+                    <a:ext uri="{9D8B030D-6E8A-4147-A177-3AD203B41FA5}">
+                      <a16:colId xmlns:a16="http://schemas.microsoft.com/office/drawing/2014/main" val="2643309448"/>
+                    </a:ext>
+                  </a:extLst>
+                </a:gridCol>
+                <a:gridCol w="5029200">
+                  <a:extLst>
+                    <a:ext uri="{9D8B030D-6E8A-4147-A177-3AD203B41FA5}">
+                      <a16:colId xmlns:a16="http://schemas.microsoft.com/office/drawing/2014/main" val="4145462692"/>
+                    </a:ext>
+                  </a:extLst>
+                </a:gridCol>
+              </a:tblGrid>
+              <a:tr h="370840">
+                <a:tc>
+                  <a:txBody>
+                    <a:bodyPr/>
+                    <a:lstStyle/>
+                    <a:p>
+                      <a:r>
+                        <a:rPr lang="de-DE" b="1" dirty="0"/>
+                        <a:t>Lizenz</a:t>
+                      </a:r>
+                    </a:p>
+                  </a:txBody>
+                  <a:tcPr/>
+                </a:tc>
+                <a:tc>
+                  <a:txBody>
+                    <a:bodyPr/>
+                    <a:lstStyle/>
+                    <a:p>
+                      <a:r>
+                        <a:rPr lang="de-DE" dirty="0"/>
+                        <a:t>MIT Lizenz</a:t>
+                      </a:r>
+                    </a:p>
+                  </a:txBody>
+                  <a:tcPr/>
+                </a:tc>
+                <a:extLst>
+                  <a:ext uri="{0D108BD9-81ED-4DB2-BD59-A6C34878D82A}">
+                    <a16:rowId xmlns:a16="http://schemas.microsoft.com/office/drawing/2014/main" val="1184257119"/>
+                  </a:ext>
+                </a:extLst>
+              </a:tr>
+              <a:tr h="370840">
+                <a:tc>
+                  <a:txBody>
+                    <a:bodyPr/>
+                    <a:lstStyle/>
+                    <a:p>
+                      <a:r>
+                        <a:rPr lang="de-DE" b="1" dirty="0" err="1"/>
+                        <a:t>Issue</a:t>
+                      </a:r>
+                      <a:r>
+                        <a:rPr lang="de-DE" b="1" dirty="0"/>
+                        <a:t> Tracker</a:t>
+                      </a:r>
+                    </a:p>
+                  </a:txBody>
+                  <a:tcPr/>
+                </a:tc>
+                <a:tc>
+                  <a:txBody>
+                    <a:bodyPr/>
+                    <a:lstStyle/>
+                    <a:p>
+                      <a:r>
+                        <a:rPr lang="de-DE" dirty="0"/>
+                        <a:t>GitHub</a:t>
+                      </a:r>
+                    </a:p>
+                  </a:txBody>
+                  <a:tcPr/>
+                </a:tc>
+                <a:extLst>
+                  <a:ext uri="{0D108BD9-81ED-4DB2-BD59-A6C34878D82A}">
+                    <a16:rowId xmlns:a16="http://schemas.microsoft.com/office/drawing/2014/main" val="3089076478"/>
+                  </a:ext>
+                </a:extLst>
+              </a:tr>
+              <a:tr h="370840">
+                <a:tc>
+                  <a:txBody>
+                    <a:bodyPr/>
+                    <a:lstStyle/>
+                    <a:p>
+                      <a:r>
+                        <a:rPr lang="de-DE" b="1" dirty="0"/>
+                        <a:t>Stable Version &gt; 1.0?</a:t>
+                      </a:r>
+                    </a:p>
+                  </a:txBody>
+                  <a:tcPr/>
+                </a:tc>
+                <a:tc>
+                  <a:txBody>
+                    <a:bodyPr/>
+                    <a:lstStyle/>
+                    <a:p>
+                      <a:r>
+                        <a:rPr lang="de-DE" dirty="0"/>
+                        <a:t>Nein, keine Releases</a:t>
+                      </a:r>
+                    </a:p>
+                  </a:txBody>
+                  <a:tcPr/>
+                </a:tc>
+                <a:extLst>
+                  <a:ext uri="{0D108BD9-81ED-4DB2-BD59-A6C34878D82A}">
+                    <a16:rowId xmlns:a16="http://schemas.microsoft.com/office/drawing/2014/main" val="1667510319"/>
+                  </a:ext>
+                </a:extLst>
+              </a:tr>
+              <a:tr h="370840">
+                <a:tc>
+                  <a:txBody>
+                    <a:bodyPr/>
+                    <a:lstStyle/>
+                    <a:p>
+                      <a:r>
+                        <a:rPr lang="de-DE" b="1" dirty="0"/>
+                        <a:t>Auf </a:t>
+                      </a:r>
+                      <a:r>
+                        <a:rPr lang="de-DE" b="1" dirty="0" err="1"/>
+                        <a:t>OpenHub</a:t>
+                      </a:r>
+                      <a:r>
+                        <a:rPr lang="de-DE" b="1" dirty="0"/>
+                        <a:t> gelistet?</a:t>
+                      </a:r>
+                    </a:p>
+                  </a:txBody>
+                  <a:tcPr/>
+                </a:tc>
+                <a:tc>
+                  <a:txBody>
+                    <a:bodyPr/>
+                    <a:lstStyle/>
+                    <a:p>
+                      <a:r>
+                        <a:rPr lang="de-DE" dirty="0"/>
+                        <a:t>Nein</a:t>
+                      </a:r>
+                    </a:p>
+                  </a:txBody>
+                  <a:tcPr/>
+                </a:tc>
+                <a:extLst>
+                  <a:ext uri="{0D108BD9-81ED-4DB2-BD59-A6C34878D82A}">
+                    <a16:rowId xmlns:a16="http://schemas.microsoft.com/office/drawing/2014/main" val="1435722550"/>
+                  </a:ext>
+                </a:extLst>
+              </a:tr>
+              <a:tr h="370840">
+                <a:tc>
+                  <a:txBody>
+                    <a:bodyPr/>
+                    <a:lstStyle/>
+                    <a:p>
+                      <a:r>
+                        <a:rPr lang="de-DE" b="1" dirty="0"/>
+                        <a:t>Google Trends (Durschnitt letzte 12 Monate)</a:t>
+                      </a:r>
+                    </a:p>
+                  </a:txBody>
+                  <a:tcPr/>
+                </a:tc>
+                <a:tc>
+                  <a:txBody>
+                    <a:bodyPr/>
+                    <a:lstStyle/>
+                    <a:p>
+                      <a:r>
+                        <a:rPr lang="de-DE" dirty="0"/>
+                        <a:t>5</a:t>
+                      </a:r>
+                    </a:p>
+                  </a:txBody>
+                  <a:tcPr/>
+                </a:tc>
+                <a:extLst>
+                  <a:ext uri="{0D108BD9-81ED-4DB2-BD59-A6C34878D82A}">
+                    <a16:rowId xmlns:a16="http://schemas.microsoft.com/office/drawing/2014/main" val="2926144639"/>
+                  </a:ext>
+                </a:extLst>
+              </a:tr>
+              <a:tr h="370840">
+                <a:tc>
+                  <a:txBody>
+                    <a:bodyPr/>
+                    <a:lstStyle/>
+                    <a:p>
+                      <a:r>
+                        <a:rPr lang="de-DE" b="1" dirty="0"/>
+                        <a:t>Release in den letzten 12 Monaten?</a:t>
+                      </a:r>
+                    </a:p>
+                  </a:txBody>
+                  <a:tcPr/>
+                </a:tc>
+                <a:tc>
+                  <a:txBody>
+                    <a:bodyPr/>
+                    <a:lstStyle/>
+                    <a:p>
+                      <a:r>
+                        <a:rPr lang="de-DE" dirty="0"/>
+                        <a:t>Kein Release</a:t>
+                      </a:r>
+                    </a:p>
+                  </a:txBody>
+                  <a:tcPr/>
+                </a:tc>
+                <a:extLst>
+                  <a:ext uri="{0D108BD9-81ED-4DB2-BD59-A6C34878D82A}">
+                    <a16:rowId xmlns:a16="http://schemas.microsoft.com/office/drawing/2014/main" val="3247816977"/>
+                  </a:ext>
+                </a:extLst>
+              </a:tr>
+              <a:tr h="370840">
+                <a:tc>
+                  <a:txBody>
+                    <a:bodyPr/>
+                    <a:lstStyle/>
+                    <a:p>
+                      <a:r>
+                        <a:rPr lang="de-DE" b="1" dirty="0" err="1"/>
+                        <a:t>StackOverflow</a:t>
+                      </a:r>
+                      <a:r>
+                        <a:rPr lang="de-DE" b="1" dirty="0"/>
+                        <a:t> Interesse</a:t>
+                      </a:r>
+                    </a:p>
+                  </a:txBody>
+                  <a:tcPr/>
+                </a:tc>
+                <a:tc>
+                  <a:txBody>
+                    <a:bodyPr/>
+                    <a:lstStyle/>
+                    <a:p>
+                      <a:r>
+                        <a:rPr lang="de-DE" dirty="0"/>
+                        <a:t>&gt; 500 Fragen</a:t>
+                      </a:r>
+                    </a:p>
+                  </a:txBody>
+                  <a:tcPr/>
+                </a:tc>
+                <a:extLst>
+                  <a:ext uri="{0D108BD9-81ED-4DB2-BD59-A6C34878D82A}">
+                    <a16:rowId xmlns:a16="http://schemas.microsoft.com/office/drawing/2014/main" val="1050846634"/>
+                  </a:ext>
+                </a:extLst>
+              </a:tr>
+              <a:tr h="370840">
+                <a:tc>
+                  <a:txBody>
+                    <a:bodyPr/>
+                    <a:lstStyle/>
+                    <a:p>
+                      <a:r>
+                        <a:rPr lang="de-DE" b="1" dirty="0"/>
+                        <a:t>Projekt älter als 1 Jahr?</a:t>
+                      </a:r>
+                    </a:p>
+                  </a:txBody>
+                  <a:tcPr/>
+                </a:tc>
+                <a:tc>
+                  <a:txBody>
+                    <a:bodyPr/>
+                    <a:lstStyle/>
+                    <a:p>
+                      <a:r>
+                        <a:rPr lang="de-DE" dirty="0"/>
+                        <a:t>Ja, 2017</a:t>
+                      </a:r>
+                    </a:p>
+                  </a:txBody>
+                  <a:tcPr/>
+                </a:tc>
+                <a:extLst>
+                  <a:ext uri="{0D108BD9-81ED-4DB2-BD59-A6C34878D82A}">
+                    <a16:rowId xmlns:a16="http://schemas.microsoft.com/office/drawing/2014/main" val="2354061839"/>
+                  </a:ext>
+                </a:extLst>
+              </a:tr>
+              <a:tr h="370840">
+                <a:tc>
+                  <a:txBody>
+                    <a:bodyPr/>
+                    <a:lstStyle/>
+                    <a:p>
+                      <a:r>
+                        <a:rPr lang="de-DE" b="1" dirty="0" err="1"/>
+                        <a:t>Getting-Started</a:t>
+                      </a:r>
+                      <a:r>
+                        <a:rPr lang="de-DE" b="1" dirty="0"/>
+                        <a:t> / Quickstart vorhanden?</a:t>
+                      </a:r>
+                    </a:p>
+                  </a:txBody>
+                  <a:tcPr/>
+                </a:tc>
+                <a:tc>
+                  <a:txBody>
+                    <a:bodyPr/>
+                    <a:lstStyle/>
+                    <a:p>
+                      <a:endParaRPr lang="de-DE" dirty="0"/>
+                    </a:p>
+                  </a:txBody>
+                  <a:tcPr/>
+                </a:tc>
+                <a:extLst>
+                  <a:ext uri="{0D108BD9-81ED-4DB2-BD59-A6C34878D82A}">
+                    <a16:rowId xmlns:a16="http://schemas.microsoft.com/office/drawing/2014/main" val="3717300869"/>
+                  </a:ext>
+                </a:extLst>
+              </a:tr>
+            </a:tbl>
+          </a:graphicData>
+        </a:graphic>
+      </p:graphicFrame>
+    </p:spTree>
+    <p:extLst>
+      <p:ext uri="{BB962C8B-B14F-4D97-AF65-F5344CB8AC3E}">
+        <p14:creationId xmlns:p14="http://schemas.microsoft.com/office/powerpoint/2010/main" val="1047803051"/>
+      </p:ext>
+    </p:extLst>
+  </p:cSld>
+  <p:clrMapOvr>
+    <a:masterClrMapping/>
+  </p:clrMapOvr>
+</p:sld>
+</file>
+
+<file path=ppt/slides/slide15.xml><?xml version="1.0" encoding="utf-8"?>
+<p:sld xmlns:a="http://schemas.openxmlformats.org/drawingml/2006/main" xmlns:r="http://schemas.openxmlformats.org/officeDocument/2006/relationships" xmlns:p="http://schemas.openxmlformats.org/presentationml/2006/main">
+  <p:cSld>
+    <p:spTree>
+      <p:nvGrpSpPr>
+        <p:cNvPr id="1" name=""/>
+        <p:cNvGrpSpPr/>
+        <p:nvPr/>
+      </p:nvGrpSpPr>
+      <p:grpSpPr>
+        <a:xfrm>
+          <a:off x="0" y="0"/>
+          <a:ext cx="0" cy="0"/>
+          <a:chOff x="0" y="0"/>
+          <a:chExt cx="0" cy="0"/>
+        </a:xfrm>
+      </p:grpSpPr>
+      <p:sp>
+        <p:nvSpPr>
+          <p:cNvPr id="2" name="Titel 1">
+            <a:extLst>
+              <a:ext uri="{FF2B5EF4-FFF2-40B4-BE49-F238E27FC236}">
                 <a16:creationId xmlns:a16="http://schemas.microsoft.com/office/drawing/2014/main" id="{53F591E6-C222-4F39-91C1-C18A6B94B52E}"/>
               </a:ext>
             </a:extLst>
@@ -4545,32 +6287,12 @@
           <a:lstStyle/>
           <a:p>
             <a:pPr>
-              <a:buFont typeface="Arial" panose="020B0604020202020204" pitchFamily="34" charset="0"/>
-              <a:buChar char="•"/>
+              <a:buFont typeface="Wingdings" panose="05000000000000000000" pitchFamily="2" charset="2"/>
+              <a:buChar char="Ø"/>
             </a:pPr>
             <a:r>
               <a:rPr lang="de-DE" dirty="0"/>
-              <a:t> 2016 veröffentlicht (aktuell in Version 1.5.6)</a:t>
-            </a:r>
-          </a:p>
-          <a:p>
-            <a:pPr>
-              <a:buFont typeface="Arial" panose="020B0604020202020204" pitchFamily="34" charset="0"/>
-              <a:buChar char="•"/>
-            </a:pPr>
-            <a:r>
-              <a:rPr lang="de-DE" dirty="0"/>
-              <a:t> MPL-2.0 Lizenz</a:t>
-            </a:r>
-          </a:p>
-          <a:p>
-            <a:pPr>
-              <a:buFont typeface="Arial" panose="020B0604020202020204" pitchFamily="34" charset="0"/>
-              <a:buChar char="•"/>
-            </a:pPr>
-            <a:r>
-              <a:rPr lang="de-DE" dirty="0"/>
-              <a:t> Programmiersprache: Node.js</a:t>
+              <a:t>Programmiersprache: Node.js</a:t>
             </a:r>
           </a:p>
           <a:p>
@@ -4604,7 +6326,7 @@
           <a:p>
             <a:fld id="{BBFFFFB7-B427-4FC9-89B5-E815E530C709}" type="datetime1">
               <a:rPr lang="de-DE" smtClean="0"/>
-              <a:t>21.05.2018</a:t>
+              <a:t>31.05.2018</a:t>
             </a:fld>
             <a:endParaRPr lang="de-DE"/>
           </a:p>
@@ -4633,7 +6355,7 @@
           <a:p>
             <a:fld id="{C9BFD74B-BF5B-4F1B-BDFB-3F89FD2A71A6}" type="slidenum">
               <a:rPr lang="de-DE" smtClean="0"/>
-              <a:t>11</a:t>
+              <a:t>15</a:t>
             </a:fld>
             <a:endParaRPr lang="de-DE"/>
           </a:p>
@@ -4661,8 +6383,8 @@
         </p:blipFill>
         <p:spPr>
           <a:xfrm>
-            <a:off x="1097280" y="3598385"/>
-            <a:ext cx="10115203" cy="2379083"/>
+            <a:off x="511354" y="2674280"/>
+            <a:ext cx="11201446" cy="2634566"/>
           </a:xfrm>
           <a:prstGeom prst="rect">
             <a:avLst/>
@@ -4729,7 +6451,7 @@
 </p:sld>
 </file>
 
-<file path=ppt/slides/slide12.xml><?xml version="1.0" encoding="utf-8"?>
+<file path=ppt/slides/slide16.xml><?xml version="1.0" encoding="utf-8"?>
 <p:sld xmlns:a="http://schemas.openxmlformats.org/drawingml/2006/main" xmlns:r="http://schemas.openxmlformats.org/officeDocument/2006/relationships" xmlns:p="http://schemas.openxmlformats.org/presentationml/2006/main">
   <p:cSld>
     <p:spTree>
@@ -4751,6 +6473,520 @@
           <p:cNvPr id="2" name="Titel 1">
             <a:extLst>
               <a:ext uri="{FF2B5EF4-FFF2-40B4-BE49-F238E27FC236}">
+                <a16:creationId xmlns:a16="http://schemas.microsoft.com/office/drawing/2014/main" id="{4709B6BE-51C0-4BB9-87BA-E63413DE7EDC}"/>
+              </a:ext>
+            </a:extLst>
+          </p:cNvPr>
+          <p:cNvSpPr>
+            <a:spLocks noGrp="1"/>
+          </p:cNvSpPr>
+          <p:nvPr>
+            <p:ph type="title"/>
+          </p:nvPr>
+        </p:nvSpPr>
+        <p:spPr/>
+        <p:txBody>
+          <a:bodyPr/>
+          <a:lstStyle/>
+          <a:p>
+            <a:r>
+              <a:rPr lang="de-DE" dirty="0" err="1"/>
+              <a:t>Artillery</a:t>
+            </a:r>
+            <a:r>
+              <a:rPr lang="de-DE" dirty="0"/>
+              <a:t> - </a:t>
+            </a:r>
+            <a:r>
+              <a:rPr lang="de-DE" dirty="0" err="1"/>
+              <a:t>QuickCheck</a:t>
+            </a:r>
+            <a:endParaRPr lang="de-DE" dirty="0"/>
+          </a:p>
+        </p:txBody>
+      </p:sp>
+      <p:sp>
+        <p:nvSpPr>
+          <p:cNvPr id="3" name="Inhaltsplatzhalter 2">
+            <a:extLst>
+              <a:ext uri="{FF2B5EF4-FFF2-40B4-BE49-F238E27FC236}">
+                <a16:creationId xmlns:a16="http://schemas.microsoft.com/office/drawing/2014/main" id="{EA3E6EED-554E-4EC0-9A86-60D95ECC80F5}"/>
+              </a:ext>
+            </a:extLst>
+          </p:cNvPr>
+          <p:cNvSpPr>
+            <a:spLocks noGrp="1"/>
+          </p:cNvSpPr>
+          <p:nvPr>
+            <p:ph idx="1"/>
+          </p:nvPr>
+        </p:nvSpPr>
+        <p:spPr/>
+        <p:txBody>
+          <a:bodyPr/>
+          <a:lstStyle/>
+          <a:p>
+            <a:endParaRPr lang="de-DE"/>
+          </a:p>
+        </p:txBody>
+      </p:sp>
+      <p:sp>
+        <p:nvSpPr>
+          <p:cNvPr id="4" name="Datumsplatzhalter 3">
+            <a:extLst>
+              <a:ext uri="{FF2B5EF4-FFF2-40B4-BE49-F238E27FC236}">
+                <a16:creationId xmlns:a16="http://schemas.microsoft.com/office/drawing/2014/main" id="{9D115AC4-DABB-4A43-B524-71FC6FCD4245}"/>
+              </a:ext>
+            </a:extLst>
+          </p:cNvPr>
+          <p:cNvSpPr>
+            <a:spLocks noGrp="1"/>
+          </p:cNvSpPr>
+          <p:nvPr>
+            <p:ph type="dt" sz="half" idx="10"/>
+          </p:nvPr>
+        </p:nvSpPr>
+        <p:spPr/>
+        <p:txBody>
+          <a:bodyPr/>
+          <a:lstStyle/>
+          <a:p>
+            <a:fld id="{BBFFFFB7-B427-4FC9-89B5-E815E530C709}" type="datetime1">
+              <a:rPr lang="de-DE" smtClean="0"/>
+              <a:t>31.05.2018</a:t>
+            </a:fld>
+            <a:endParaRPr lang="de-DE"/>
+          </a:p>
+        </p:txBody>
+      </p:sp>
+      <p:sp>
+        <p:nvSpPr>
+          <p:cNvPr id="5" name="Foliennummernplatzhalter 4">
+            <a:extLst>
+              <a:ext uri="{FF2B5EF4-FFF2-40B4-BE49-F238E27FC236}">
+                <a16:creationId xmlns:a16="http://schemas.microsoft.com/office/drawing/2014/main" id="{C75D22A0-816C-4C02-A318-CA04E2D99D08}"/>
+              </a:ext>
+            </a:extLst>
+          </p:cNvPr>
+          <p:cNvSpPr>
+            <a:spLocks noGrp="1"/>
+          </p:cNvSpPr>
+          <p:nvPr>
+            <p:ph type="sldNum" sz="quarter" idx="12"/>
+          </p:nvPr>
+        </p:nvSpPr>
+        <p:spPr/>
+        <p:txBody>
+          <a:bodyPr/>
+          <a:lstStyle/>
+          <a:p>
+            <a:fld id="{C9BFD74B-BF5B-4F1B-BDFB-3F89FD2A71A6}" type="slidenum">
+              <a:rPr lang="de-DE" smtClean="0"/>
+              <a:t>16</a:t>
+            </a:fld>
+            <a:endParaRPr lang="de-DE"/>
+          </a:p>
+        </p:txBody>
+      </p:sp>
+      <p:graphicFrame>
+        <p:nvGraphicFramePr>
+          <p:cNvPr id="6" name="Inhaltsplatzhalter 5">
+            <a:extLst>
+              <a:ext uri="{FF2B5EF4-FFF2-40B4-BE49-F238E27FC236}">
+                <a16:creationId xmlns:a16="http://schemas.microsoft.com/office/drawing/2014/main" id="{72DE36C6-7A71-4BA2-9D9C-A41EF2793DAE}"/>
+              </a:ext>
+            </a:extLst>
+          </p:cNvPr>
+          <p:cNvGraphicFramePr>
+            <a:graphicFrameLocks/>
+          </p:cNvGraphicFramePr>
+          <p:nvPr>
+            <p:extLst>
+              <p:ext uri="{D42A27DB-BD31-4B8C-83A1-F6EECF244321}">
+                <p14:modId xmlns:p14="http://schemas.microsoft.com/office/powerpoint/2010/main" val="2728935962"/>
+              </p:ext>
+            </p:extLst>
+          </p:nvPr>
+        </p:nvGraphicFramePr>
+        <p:xfrm>
+          <a:off x="1096963" y="1846263"/>
+          <a:ext cx="10058400" cy="3337560"/>
+        </p:xfrm>
+        <a:graphic>
+          <a:graphicData uri="http://schemas.openxmlformats.org/drawingml/2006/table">
+            <a:tbl>
+              <a:tblPr bandRow="1">
+                <a:tableStyleId>{5C22544A-7EE6-4342-B048-85BDC9FD1C3A}</a:tableStyleId>
+              </a:tblPr>
+              <a:tblGrid>
+                <a:gridCol w="5029200">
+                  <a:extLst>
+                    <a:ext uri="{9D8B030D-6E8A-4147-A177-3AD203B41FA5}">
+                      <a16:colId xmlns:a16="http://schemas.microsoft.com/office/drawing/2014/main" val="2643309448"/>
+                    </a:ext>
+                  </a:extLst>
+                </a:gridCol>
+                <a:gridCol w="5029200">
+                  <a:extLst>
+                    <a:ext uri="{9D8B030D-6E8A-4147-A177-3AD203B41FA5}">
+                      <a16:colId xmlns:a16="http://schemas.microsoft.com/office/drawing/2014/main" val="4145462692"/>
+                    </a:ext>
+                  </a:extLst>
+                </a:gridCol>
+              </a:tblGrid>
+              <a:tr h="370840">
+                <a:tc>
+                  <a:txBody>
+                    <a:bodyPr/>
+                    <a:lstStyle/>
+                    <a:p>
+                      <a:r>
+                        <a:rPr lang="de-DE" b="1" dirty="0"/>
+                        <a:t>Lizenz</a:t>
+                      </a:r>
+                    </a:p>
+                  </a:txBody>
+                  <a:tcPr/>
+                </a:tc>
+                <a:tc>
+                  <a:txBody>
+                    <a:bodyPr/>
+                    <a:lstStyle/>
+                    <a:p>
+                      <a:r>
+                        <a:rPr lang="de-DE" dirty="0"/>
+                        <a:t>MPL-2.0</a:t>
+                      </a:r>
+                    </a:p>
+                  </a:txBody>
+                  <a:tcPr/>
+                </a:tc>
+                <a:extLst>
+                  <a:ext uri="{0D108BD9-81ED-4DB2-BD59-A6C34878D82A}">
+                    <a16:rowId xmlns:a16="http://schemas.microsoft.com/office/drawing/2014/main" val="1184257119"/>
+                  </a:ext>
+                </a:extLst>
+              </a:tr>
+              <a:tr h="370840">
+                <a:tc>
+                  <a:txBody>
+                    <a:bodyPr/>
+                    <a:lstStyle/>
+                    <a:p>
+                      <a:r>
+                        <a:rPr lang="de-DE" b="1" dirty="0" err="1"/>
+                        <a:t>Issue</a:t>
+                      </a:r>
+                      <a:r>
+                        <a:rPr lang="de-DE" b="1" dirty="0"/>
+                        <a:t> Tracker</a:t>
+                      </a:r>
+                    </a:p>
+                  </a:txBody>
+                  <a:tcPr/>
+                </a:tc>
+                <a:tc>
+                  <a:txBody>
+                    <a:bodyPr/>
+                    <a:lstStyle/>
+                    <a:p>
+                      <a:r>
+                        <a:rPr lang="de-DE" dirty="0"/>
+                        <a:t>GitHub</a:t>
+                      </a:r>
+                    </a:p>
+                  </a:txBody>
+                  <a:tcPr/>
+                </a:tc>
+                <a:extLst>
+                  <a:ext uri="{0D108BD9-81ED-4DB2-BD59-A6C34878D82A}">
+                    <a16:rowId xmlns:a16="http://schemas.microsoft.com/office/drawing/2014/main" val="3089076478"/>
+                  </a:ext>
+                </a:extLst>
+              </a:tr>
+              <a:tr h="370840">
+                <a:tc>
+                  <a:txBody>
+                    <a:bodyPr/>
+                    <a:lstStyle/>
+                    <a:p>
+                      <a:r>
+                        <a:rPr lang="de-DE" b="1" dirty="0"/>
+                        <a:t>Stable Version &gt; 1.0?</a:t>
+                      </a:r>
+                    </a:p>
+                  </a:txBody>
+                  <a:tcPr/>
+                </a:tc>
+                <a:tc>
+                  <a:txBody>
+                    <a:bodyPr/>
+                    <a:lstStyle/>
+                    <a:p>
+                      <a:r>
+                        <a:rPr lang="de-DE" dirty="0"/>
+                        <a:t>1.5.6</a:t>
+                      </a:r>
+                    </a:p>
+                  </a:txBody>
+                  <a:tcPr/>
+                </a:tc>
+                <a:extLst>
+                  <a:ext uri="{0D108BD9-81ED-4DB2-BD59-A6C34878D82A}">
+                    <a16:rowId xmlns:a16="http://schemas.microsoft.com/office/drawing/2014/main" val="1667510319"/>
+                  </a:ext>
+                </a:extLst>
+              </a:tr>
+              <a:tr h="370840">
+                <a:tc>
+                  <a:txBody>
+                    <a:bodyPr/>
+                    <a:lstStyle/>
+                    <a:p>
+                      <a:r>
+                        <a:rPr lang="de-DE" b="1" dirty="0"/>
+                        <a:t>Auf </a:t>
+                      </a:r>
+                      <a:r>
+                        <a:rPr lang="de-DE" b="1" dirty="0" err="1"/>
+                        <a:t>OpenHub</a:t>
+                      </a:r>
+                      <a:r>
+                        <a:rPr lang="de-DE" b="1" dirty="0"/>
+                        <a:t> gelistet?</a:t>
+                      </a:r>
+                    </a:p>
+                  </a:txBody>
+                  <a:tcPr/>
+                </a:tc>
+                <a:tc>
+                  <a:txBody>
+                    <a:bodyPr/>
+                    <a:lstStyle/>
+                    <a:p>
+                      <a:r>
+                        <a:rPr lang="de-DE" dirty="0"/>
+                        <a:t>Nein</a:t>
+                      </a:r>
+                    </a:p>
+                  </a:txBody>
+                  <a:tcPr/>
+                </a:tc>
+                <a:extLst>
+                  <a:ext uri="{0D108BD9-81ED-4DB2-BD59-A6C34878D82A}">
+                    <a16:rowId xmlns:a16="http://schemas.microsoft.com/office/drawing/2014/main" val="1435722550"/>
+                  </a:ext>
+                </a:extLst>
+              </a:tr>
+              <a:tr h="370840">
+                <a:tc>
+                  <a:txBody>
+                    <a:bodyPr/>
+                    <a:lstStyle/>
+                    <a:p>
+                      <a:r>
+                        <a:rPr lang="de-DE" b="1" dirty="0"/>
+                        <a:t>Google Trends (Durschnitt letzte 12 Monate)</a:t>
+                      </a:r>
+                    </a:p>
+                  </a:txBody>
+                  <a:tcPr/>
+                </a:tc>
+                <a:tc>
+                  <a:txBody>
+                    <a:bodyPr/>
+                    <a:lstStyle/>
+                    <a:p>
+                      <a:r>
+                        <a:rPr lang="de-DE" dirty="0"/>
+                        <a:t>30</a:t>
+                      </a:r>
+                    </a:p>
+                  </a:txBody>
+                  <a:tcPr/>
+                </a:tc>
+                <a:extLst>
+                  <a:ext uri="{0D108BD9-81ED-4DB2-BD59-A6C34878D82A}">
+                    <a16:rowId xmlns:a16="http://schemas.microsoft.com/office/drawing/2014/main" val="2926144639"/>
+                  </a:ext>
+                </a:extLst>
+              </a:tr>
+              <a:tr h="370840">
+                <a:tc>
+                  <a:txBody>
+                    <a:bodyPr/>
+                    <a:lstStyle/>
+                    <a:p>
+                      <a:r>
+                        <a:rPr lang="de-DE" b="1" dirty="0"/>
+                        <a:t>Release in den letzten 12 Monaten?</a:t>
+                      </a:r>
+                    </a:p>
+                  </a:txBody>
+                  <a:tcPr/>
+                </a:tc>
+                <a:tc>
+                  <a:txBody>
+                    <a:bodyPr/>
+                    <a:lstStyle/>
+                    <a:p>
+                      <a:r>
+                        <a:rPr lang="de-DE" dirty="0"/>
+                        <a:t>Ja, März 2018</a:t>
+                      </a:r>
+                    </a:p>
+                  </a:txBody>
+                  <a:tcPr/>
+                </a:tc>
+                <a:extLst>
+                  <a:ext uri="{0D108BD9-81ED-4DB2-BD59-A6C34878D82A}">
+                    <a16:rowId xmlns:a16="http://schemas.microsoft.com/office/drawing/2014/main" val="3247816977"/>
+                  </a:ext>
+                </a:extLst>
+              </a:tr>
+              <a:tr h="370840">
+                <a:tc>
+                  <a:txBody>
+                    <a:bodyPr/>
+                    <a:lstStyle/>
+                    <a:p>
+                      <a:r>
+                        <a:rPr lang="de-DE" b="1" dirty="0" err="1"/>
+                        <a:t>StackOverflow</a:t>
+                      </a:r>
+                      <a:r>
+                        <a:rPr lang="de-DE" b="1" dirty="0"/>
+                        <a:t> Interesse</a:t>
+                      </a:r>
+                    </a:p>
+                  </a:txBody>
+                  <a:tcPr/>
+                </a:tc>
+                <a:tc>
+                  <a:txBody>
+                    <a:bodyPr/>
+                    <a:lstStyle/>
+                    <a:p>
+                      <a:r>
+                        <a:rPr lang="de-DE" dirty="0"/>
+                        <a:t>222 Fragen</a:t>
+                      </a:r>
+                    </a:p>
+                  </a:txBody>
+                  <a:tcPr/>
+                </a:tc>
+                <a:extLst>
+                  <a:ext uri="{0D108BD9-81ED-4DB2-BD59-A6C34878D82A}">
+                    <a16:rowId xmlns:a16="http://schemas.microsoft.com/office/drawing/2014/main" val="1050846634"/>
+                  </a:ext>
+                </a:extLst>
+              </a:tr>
+              <a:tr h="370840">
+                <a:tc>
+                  <a:txBody>
+                    <a:bodyPr/>
+                    <a:lstStyle/>
+                    <a:p>
+                      <a:r>
+                        <a:rPr lang="de-DE" b="1" dirty="0"/>
+                        <a:t>Projekt älter als 1 Jahr?</a:t>
+                      </a:r>
+                    </a:p>
+                  </a:txBody>
+                  <a:tcPr/>
+                </a:tc>
+                <a:tc>
+                  <a:txBody>
+                    <a:bodyPr/>
+                    <a:lstStyle/>
+                    <a:p>
+                      <a:r>
+                        <a:rPr lang="de-DE" dirty="0"/>
+                        <a:t>Ja, 2016</a:t>
+                      </a:r>
+                    </a:p>
+                  </a:txBody>
+                  <a:tcPr/>
+                </a:tc>
+                <a:extLst>
+                  <a:ext uri="{0D108BD9-81ED-4DB2-BD59-A6C34878D82A}">
+                    <a16:rowId xmlns:a16="http://schemas.microsoft.com/office/drawing/2014/main" val="2354061839"/>
+                  </a:ext>
+                </a:extLst>
+              </a:tr>
+              <a:tr h="370840">
+                <a:tc>
+                  <a:txBody>
+                    <a:bodyPr/>
+                    <a:lstStyle/>
+                    <a:p>
+                      <a:r>
+                        <a:rPr lang="de-DE" b="1" dirty="0" err="1"/>
+                        <a:t>Getting-Started</a:t>
+                      </a:r>
+                      <a:r>
+                        <a:rPr lang="de-DE" b="1" dirty="0"/>
+                        <a:t> / Quickstart vorhanden?</a:t>
+                      </a:r>
+                    </a:p>
+                  </a:txBody>
+                  <a:tcPr/>
+                </a:tc>
+                <a:tc>
+                  <a:txBody>
+                    <a:bodyPr/>
+                    <a:lstStyle/>
+                    <a:p>
+                      <a:endParaRPr lang="de-DE" dirty="0"/>
+                    </a:p>
+                  </a:txBody>
+                  <a:tcPr/>
+                </a:tc>
+                <a:extLst>
+                  <a:ext uri="{0D108BD9-81ED-4DB2-BD59-A6C34878D82A}">
+                    <a16:rowId xmlns:a16="http://schemas.microsoft.com/office/drawing/2014/main" val="176831948"/>
+                  </a:ext>
+                </a:extLst>
+              </a:tr>
+            </a:tbl>
+          </a:graphicData>
+        </a:graphic>
+      </p:graphicFrame>
+    </p:spTree>
+    <p:extLst>
+      <p:ext uri="{BB962C8B-B14F-4D97-AF65-F5344CB8AC3E}">
+        <p14:creationId xmlns:p14="http://schemas.microsoft.com/office/powerpoint/2010/main" val="1612095007"/>
+      </p:ext>
+    </p:extLst>
+  </p:cSld>
+  <p:clrMapOvr>
+    <a:masterClrMapping/>
+  </p:clrMapOvr>
+</p:sld>
+</file>
+
+<file path=ppt/slides/slide17.xml><?xml version="1.0" encoding="utf-8"?>
+<p:sld xmlns:a="http://schemas.openxmlformats.org/drawingml/2006/main" xmlns:r="http://schemas.openxmlformats.org/officeDocument/2006/relationships" xmlns:p="http://schemas.openxmlformats.org/presentationml/2006/main">
+  <p:cSld>
+    <p:spTree>
+      <p:nvGrpSpPr>
+        <p:cNvPr id="1" name=""/>
+        <p:cNvGrpSpPr/>
+        <p:nvPr/>
+      </p:nvGrpSpPr>
+      <p:grpSpPr>
+        <a:xfrm>
+          <a:off x="0" y="0"/>
+          <a:ext cx="0" cy="0"/>
+          <a:chOff x="0" y="0"/>
+          <a:chExt cx="0" cy="0"/>
+        </a:xfrm>
+      </p:grpSpPr>
+      <p:sp>
+        <p:nvSpPr>
+          <p:cNvPr id="2" name="Titel 1">
+            <a:extLst>
+              <a:ext uri="{FF2B5EF4-FFF2-40B4-BE49-F238E27FC236}">
                 <a16:creationId xmlns:a16="http://schemas.microsoft.com/office/drawing/2014/main" id="{FC5E778E-2A11-4C1E-8D8C-273067E4E86A}"/>
               </a:ext>
             </a:extLst>
@@ -4797,7 +7033,7 @@
           <a:p>
             <a:fld id="{BBFFFFB7-B427-4FC9-89B5-E815E530C709}" type="datetime1">
               <a:rPr lang="de-DE" smtClean="0"/>
-              <a:t>21.05.2018</a:t>
+              <a:t>31.05.2018</a:t>
             </a:fld>
             <a:endParaRPr lang="de-DE"/>
           </a:p>
@@ -4826,7 +7062,7 @@
           <a:p>
             <a:fld id="{C9BFD74B-BF5B-4F1B-BDFB-3F89FD2A71A6}" type="slidenum">
               <a:rPr lang="de-DE" smtClean="0"/>
-              <a:t>12</a:t>
+              <a:t>17</a:t>
             </a:fld>
             <a:endParaRPr lang="de-DE"/>
           </a:p>
@@ -4854,32 +7090,12 @@
           <a:lstStyle/>
           <a:p>
             <a:pPr>
-              <a:buFont typeface="Arial" panose="020B0604020202020204" pitchFamily="34" charset="0"/>
-              <a:buChar char="•"/>
+              <a:buFont typeface="Wingdings" panose="05000000000000000000" pitchFamily="2" charset="2"/>
+              <a:buChar char="Ø"/>
             </a:pPr>
             <a:r>
               <a:rPr lang="de-DE" dirty="0"/>
-              <a:t> 2016 veröffentlicht (aktuell in Version 0.20.0)</a:t>
-            </a:r>
-          </a:p>
-          <a:p>
-            <a:pPr>
-              <a:buFont typeface="Arial" panose="020B0604020202020204" pitchFamily="34" charset="0"/>
-              <a:buChar char="•"/>
-            </a:pPr>
-            <a:r>
-              <a:rPr lang="de-DE" dirty="0"/>
-              <a:t> AGPL Lizenz</a:t>
-            </a:r>
-          </a:p>
-          <a:p>
-            <a:pPr>
-              <a:buFont typeface="Arial" panose="020B0604020202020204" pitchFamily="34" charset="0"/>
-              <a:buChar char="•"/>
-            </a:pPr>
-            <a:r>
-              <a:rPr lang="de-DE" dirty="0"/>
-              <a:t> Programmiersprache: JavaScript und GO</a:t>
+              <a:t>Programmiersprache: JavaScript und GO</a:t>
             </a:r>
           </a:p>
         </p:txBody>
@@ -4906,8 +7122,8 @@
         </p:blipFill>
         <p:spPr>
           <a:xfrm>
-            <a:off x="1097280" y="3397718"/>
-            <a:ext cx="10058400" cy="2471376"/>
+            <a:off x="364905" y="2741461"/>
+            <a:ext cx="11280186" cy="2771572"/>
           </a:xfrm>
           <a:prstGeom prst="rect">
             <a:avLst/>
@@ -4927,7 +7143,7 @@
 </p:sld>
 </file>
 
-<file path=ppt/slides/slide13.xml><?xml version="1.0" encoding="utf-8"?>
+<file path=ppt/slides/slide18.xml><?xml version="1.0" encoding="utf-8"?>
 <p:sld xmlns:a="http://schemas.openxmlformats.org/drawingml/2006/main" xmlns:r="http://schemas.openxmlformats.org/officeDocument/2006/relationships" xmlns:p="http://schemas.openxmlformats.org/presentationml/2006/main">
   <p:cSld>
     <p:spTree>
@@ -4949,6 +7165,516 @@
           <p:cNvPr id="2" name="Titel 1">
             <a:extLst>
               <a:ext uri="{FF2B5EF4-FFF2-40B4-BE49-F238E27FC236}">
+                <a16:creationId xmlns:a16="http://schemas.microsoft.com/office/drawing/2014/main" id="{1C8AF38A-A504-4C49-BFF8-63A489A15EF1}"/>
+              </a:ext>
+            </a:extLst>
+          </p:cNvPr>
+          <p:cNvSpPr>
+            <a:spLocks noGrp="1"/>
+          </p:cNvSpPr>
+          <p:nvPr>
+            <p:ph type="title"/>
+          </p:nvPr>
+        </p:nvSpPr>
+        <p:spPr/>
+        <p:txBody>
+          <a:bodyPr/>
+          <a:lstStyle/>
+          <a:p>
+            <a:r>
+              <a:rPr lang="de-DE" dirty="0"/>
+              <a:t>k6 - </a:t>
+            </a:r>
+            <a:r>
+              <a:rPr lang="de-DE" dirty="0" err="1"/>
+              <a:t>QuickCheck</a:t>
+            </a:r>
+            <a:endParaRPr lang="de-DE" dirty="0"/>
+          </a:p>
+        </p:txBody>
+      </p:sp>
+      <p:sp>
+        <p:nvSpPr>
+          <p:cNvPr id="3" name="Inhaltsplatzhalter 2">
+            <a:extLst>
+              <a:ext uri="{FF2B5EF4-FFF2-40B4-BE49-F238E27FC236}">
+                <a16:creationId xmlns:a16="http://schemas.microsoft.com/office/drawing/2014/main" id="{6A5DDB81-85AC-4717-A575-A372719D4D95}"/>
+              </a:ext>
+            </a:extLst>
+          </p:cNvPr>
+          <p:cNvSpPr>
+            <a:spLocks noGrp="1"/>
+          </p:cNvSpPr>
+          <p:nvPr>
+            <p:ph idx="1"/>
+          </p:nvPr>
+        </p:nvSpPr>
+        <p:spPr/>
+        <p:txBody>
+          <a:bodyPr/>
+          <a:lstStyle/>
+          <a:p>
+            <a:endParaRPr lang="de-DE"/>
+          </a:p>
+        </p:txBody>
+      </p:sp>
+      <p:sp>
+        <p:nvSpPr>
+          <p:cNvPr id="4" name="Datumsplatzhalter 3">
+            <a:extLst>
+              <a:ext uri="{FF2B5EF4-FFF2-40B4-BE49-F238E27FC236}">
+                <a16:creationId xmlns:a16="http://schemas.microsoft.com/office/drawing/2014/main" id="{F8C35E58-9ECF-4CB6-9B25-E7ADF39D5773}"/>
+              </a:ext>
+            </a:extLst>
+          </p:cNvPr>
+          <p:cNvSpPr>
+            <a:spLocks noGrp="1"/>
+          </p:cNvSpPr>
+          <p:nvPr>
+            <p:ph type="dt" sz="half" idx="10"/>
+          </p:nvPr>
+        </p:nvSpPr>
+        <p:spPr/>
+        <p:txBody>
+          <a:bodyPr/>
+          <a:lstStyle/>
+          <a:p>
+            <a:fld id="{BBFFFFB7-B427-4FC9-89B5-E815E530C709}" type="datetime1">
+              <a:rPr lang="de-DE" smtClean="0"/>
+              <a:t>31.05.2018</a:t>
+            </a:fld>
+            <a:endParaRPr lang="de-DE"/>
+          </a:p>
+        </p:txBody>
+      </p:sp>
+      <p:sp>
+        <p:nvSpPr>
+          <p:cNvPr id="5" name="Foliennummernplatzhalter 4">
+            <a:extLst>
+              <a:ext uri="{FF2B5EF4-FFF2-40B4-BE49-F238E27FC236}">
+                <a16:creationId xmlns:a16="http://schemas.microsoft.com/office/drawing/2014/main" id="{CDC0E683-8799-4792-9FDD-3EE32CEAA87B}"/>
+              </a:ext>
+            </a:extLst>
+          </p:cNvPr>
+          <p:cNvSpPr>
+            <a:spLocks noGrp="1"/>
+          </p:cNvSpPr>
+          <p:nvPr>
+            <p:ph type="sldNum" sz="quarter" idx="12"/>
+          </p:nvPr>
+        </p:nvSpPr>
+        <p:spPr/>
+        <p:txBody>
+          <a:bodyPr/>
+          <a:lstStyle/>
+          <a:p>
+            <a:fld id="{C9BFD74B-BF5B-4F1B-BDFB-3F89FD2A71A6}" type="slidenum">
+              <a:rPr lang="de-DE" smtClean="0"/>
+              <a:t>18</a:t>
+            </a:fld>
+            <a:endParaRPr lang="de-DE"/>
+          </a:p>
+        </p:txBody>
+      </p:sp>
+      <p:graphicFrame>
+        <p:nvGraphicFramePr>
+          <p:cNvPr id="6" name="Inhaltsplatzhalter 5">
+            <a:extLst>
+              <a:ext uri="{FF2B5EF4-FFF2-40B4-BE49-F238E27FC236}">
+                <a16:creationId xmlns:a16="http://schemas.microsoft.com/office/drawing/2014/main" id="{B721D193-89A1-421A-95FD-72CF34961E29}"/>
+              </a:ext>
+            </a:extLst>
+          </p:cNvPr>
+          <p:cNvGraphicFramePr>
+            <a:graphicFrameLocks/>
+          </p:cNvGraphicFramePr>
+          <p:nvPr>
+            <p:extLst>
+              <p:ext uri="{D42A27DB-BD31-4B8C-83A1-F6EECF244321}">
+                <p14:modId xmlns:p14="http://schemas.microsoft.com/office/powerpoint/2010/main" val="162158958"/>
+              </p:ext>
+            </p:extLst>
+          </p:nvPr>
+        </p:nvGraphicFramePr>
+        <p:xfrm>
+          <a:off x="1096963" y="1846263"/>
+          <a:ext cx="10058400" cy="3337560"/>
+        </p:xfrm>
+        <a:graphic>
+          <a:graphicData uri="http://schemas.openxmlformats.org/drawingml/2006/table">
+            <a:tbl>
+              <a:tblPr bandRow="1">
+                <a:tableStyleId>{5C22544A-7EE6-4342-B048-85BDC9FD1C3A}</a:tableStyleId>
+              </a:tblPr>
+              <a:tblGrid>
+                <a:gridCol w="5029200">
+                  <a:extLst>
+                    <a:ext uri="{9D8B030D-6E8A-4147-A177-3AD203B41FA5}">
+                      <a16:colId xmlns:a16="http://schemas.microsoft.com/office/drawing/2014/main" val="2643309448"/>
+                    </a:ext>
+                  </a:extLst>
+                </a:gridCol>
+                <a:gridCol w="5029200">
+                  <a:extLst>
+                    <a:ext uri="{9D8B030D-6E8A-4147-A177-3AD203B41FA5}">
+                      <a16:colId xmlns:a16="http://schemas.microsoft.com/office/drawing/2014/main" val="4145462692"/>
+                    </a:ext>
+                  </a:extLst>
+                </a:gridCol>
+              </a:tblGrid>
+              <a:tr h="370840">
+                <a:tc>
+                  <a:txBody>
+                    <a:bodyPr/>
+                    <a:lstStyle/>
+                    <a:p>
+                      <a:r>
+                        <a:rPr lang="de-DE" b="1" dirty="0"/>
+                        <a:t>Lizenz</a:t>
+                      </a:r>
+                    </a:p>
+                  </a:txBody>
+                  <a:tcPr/>
+                </a:tc>
+                <a:tc>
+                  <a:txBody>
+                    <a:bodyPr/>
+                    <a:lstStyle/>
+                    <a:p>
+                      <a:r>
+                        <a:rPr lang="de-DE" dirty="0"/>
+                        <a:t>AGPL</a:t>
+                      </a:r>
+                    </a:p>
+                  </a:txBody>
+                  <a:tcPr/>
+                </a:tc>
+                <a:extLst>
+                  <a:ext uri="{0D108BD9-81ED-4DB2-BD59-A6C34878D82A}">
+                    <a16:rowId xmlns:a16="http://schemas.microsoft.com/office/drawing/2014/main" val="1184257119"/>
+                  </a:ext>
+                </a:extLst>
+              </a:tr>
+              <a:tr h="370840">
+                <a:tc>
+                  <a:txBody>
+                    <a:bodyPr/>
+                    <a:lstStyle/>
+                    <a:p>
+                      <a:r>
+                        <a:rPr lang="de-DE" b="1" dirty="0" err="1"/>
+                        <a:t>Issue</a:t>
+                      </a:r>
+                      <a:r>
+                        <a:rPr lang="de-DE" b="1" dirty="0"/>
+                        <a:t> Tracker</a:t>
+                      </a:r>
+                    </a:p>
+                  </a:txBody>
+                  <a:tcPr/>
+                </a:tc>
+                <a:tc>
+                  <a:txBody>
+                    <a:bodyPr/>
+                    <a:lstStyle/>
+                    <a:p>
+                      <a:r>
+                        <a:rPr lang="de-DE" dirty="0"/>
+                        <a:t>GitHub</a:t>
+                      </a:r>
+                    </a:p>
+                  </a:txBody>
+                  <a:tcPr/>
+                </a:tc>
+                <a:extLst>
+                  <a:ext uri="{0D108BD9-81ED-4DB2-BD59-A6C34878D82A}">
+                    <a16:rowId xmlns:a16="http://schemas.microsoft.com/office/drawing/2014/main" val="3089076478"/>
+                  </a:ext>
+                </a:extLst>
+              </a:tr>
+              <a:tr h="370840">
+                <a:tc>
+                  <a:txBody>
+                    <a:bodyPr/>
+                    <a:lstStyle/>
+                    <a:p>
+                      <a:r>
+                        <a:rPr lang="de-DE" b="1" dirty="0"/>
+                        <a:t>Stable Version &gt; 1.0?</a:t>
+                      </a:r>
+                    </a:p>
+                  </a:txBody>
+                  <a:tcPr/>
+                </a:tc>
+                <a:tc>
+                  <a:txBody>
+                    <a:bodyPr/>
+                    <a:lstStyle/>
+                    <a:p>
+                      <a:r>
+                        <a:rPr lang="de-DE" dirty="0"/>
+                        <a:t>0.20.0</a:t>
+                      </a:r>
+                    </a:p>
+                  </a:txBody>
+                  <a:tcPr/>
+                </a:tc>
+                <a:extLst>
+                  <a:ext uri="{0D108BD9-81ED-4DB2-BD59-A6C34878D82A}">
+                    <a16:rowId xmlns:a16="http://schemas.microsoft.com/office/drawing/2014/main" val="1667510319"/>
+                  </a:ext>
+                </a:extLst>
+              </a:tr>
+              <a:tr h="370840">
+                <a:tc>
+                  <a:txBody>
+                    <a:bodyPr/>
+                    <a:lstStyle/>
+                    <a:p>
+                      <a:r>
+                        <a:rPr lang="de-DE" b="1" dirty="0"/>
+                        <a:t>Auf </a:t>
+                      </a:r>
+                      <a:r>
+                        <a:rPr lang="de-DE" b="1" dirty="0" err="1"/>
+                        <a:t>OpenHub</a:t>
+                      </a:r>
+                      <a:r>
+                        <a:rPr lang="de-DE" b="1" dirty="0"/>
+                        <a:t> gelistet?</a:t>
+                      </a:r>
+                    </a:p>
+                  </a:txBody>
+                  <a:tcPr/>
+                </a:tc>
+                <a:tc>
+                  <a:txBody>
+                    <a:bodyPr/>
+                    <a:lstStyle/>
+                    <a:p>
+                      <a:r>
+                        <a:rPr lang="de-DE" dirty="0"/>
+                        <a:t>Nein</a:t>
+                      </a:r>
+                    </a:p>
+                  </a:txBody>
+                  <a:tcPr/>
+                </a:tc>
+                <a:extLst>
+                  <a:ext uri="{0D108BD9-81ED-4DB2-BD59-A6C34878D82A}">
+                    <a16:rowId xmlns:a16="http://schemas.microsoft.com/office/drawing/2014/main" val="1435722550"/>
+                  </a:ext>
+                </a:extLst>
+              </a:tr>
+              <a:tr h="370840">
+                <a:tc>
+                  <a:txBody>
+                    <a:bodyPr/>
+                    <a:lstStyle/>
+                    <a:p>
+                      <a:r>
+                        <a:rPr lang="de-DE" b="1" dirty="0"/>
+                        <a:t>Google Trends (Durschnitt letzte 12 Monate)</a:t>
+                      </a:r>
+                    </a:p>
+                  </a:txBody>
+                  <a:tcPr/>
+                </a:tc>
+                <a:tc>
+                  <a:txBody>
+                    <a:bodyPr/>
+                    <a:lstStyle/>
+                    <a:p>
+                      <a:r>
+                        <a:rPr lang="de-DE" dirty="0"/>
+                        <a:t>57</a:t>
+                      </a:r>
+                    </a:p>
+                  </a:txBody>
+                  <a:tcPr/>
+                </a:tc>
+                <a:extLst>
+                  <a:ext uri="{0D108BD9-81ED-4DB2-BD59-A6C34878D82A}">
+                    <a16:rowId xmlns:a16="http://schemas.microsoft.com/office/drawing/2014/main" val="2926144639"/>
+                  </a:ext>
+                </a:extLst>
+              </a:tr>
+              <a:tr h="370840">
+                <a:tc>
+                  <a:txBody>
+                    <a:bodyPr/>
+                    <a:lstStyle/>
+                    <a:p>
+                      <a:r>
+                        <a:rPr lang="de-DE" b="1" dirty="0"/>
+                        <a:t>Release in den letzten 12 Monaten?</a:t>
+                      </a:r>
+                    </a:p>
+                  </a:txBody>
+                  <a:tcPr/>
+                </a:tc>
+                <a:tc>
+                  <a:txBody>
+                    <a:bodyPr/>
+                    <a:lstStyle/>
+                    <a:p>
+                      <a:r>
+                        <a:rPr lang="de-DE" dirty="0"/>
+                        <a:t>Ja, Mai 2018</a:t>
+                      </a:r>
+                    </a:p>
+                  </a:txBody>
+                  <a:tcPr/>
+                </a:tc>
+                <a:extLst>
+                  <a:ext uri="{0D108BD9-81ED-4DB2-BD59-A6C34878D82A}">
+                    <a16:rowId xmlns:a16="http://schemas.microsoft.com/office/drawing/2014/main" val="3247816977"/>
+                  </a:ext>
+                </a:extLst>
+              </a:tr>
+              <a:tr h="370840">
+                <a:tc>
+                  <a:txBody>
+                    <a:bodyPr/>
+                    <a:lstStyle/>
+                    <a:p>
+                      <a:r>
+                        <a:rPr lang="de-DE" b="1" dirty="0" err="1"/>
+                        <a:t>StackOverflow</a:t>
+                      </a:r>
+                      <a:r>
+                        <a:rPr lang="de-DE" b="1" dirty="0"/>
+                        <a:t> Interesse</a:t>
+                      </a:r>
+                    </a:p>
+                  </a:txBody>
+                  <a:tcPr/>
+                </a:tc>
+                <a:tc>
+                  <a:txBody>
+                    <a:bodyPr/>
+                    <a:lstStyle/>
+                    <a:p>
+                      <a:r>
+                        <a:rPr lang="de-DE" dirty="0"/>
+                        <a:t>&gt; 500 Fragen</a:t>
+                      </a:r>
+                    </a:p>
+                  </a:txBody>
+                  <a:tcPr/>
+                </a:tc>
+                <a:extLst>
+                  <a:ext uri="{0D108BD9-81ED-4DB2-BD59-A6C34878D82A}">
+                    <a16:rowId xmlns:a16="http://schemas.microsoft.com/office/drawing/2014/main" val="1050846634"/>
+                  </a:ext>
+                </a:extLst>
+              </a:tr>
+              <a:tr h="370840">
+                <a:tc>
+                  <a:txBody>
+                    <a:bodyPr/>
+                    <a:lstStyle/>
+                    <a:p>
+                      <a:r>
+                        <a:rPr lang="de-DE" b="1" dirty="0"/>
+                        <a:t>Projekt älter als 1 Jahr?</a:t>
+                      </a:r>
+                    </a:p>
+                  </a:txBody>
+                  <a:tcPr/>
+                </a:tc>
+                <a:tc>
+                  <a:txBody>
+                    <a:bodyPr/>
+                    <a:lstStyle/>
+                    <a:p>
+                      <a:r>
+                        <a:rPr lang="de-DE" dirty="0"/>
+                        <a:t>Ja, 2016</a:t>
+                      </a:r>
+                    </a:p>
+                  </a:txBody>
+                  <a:tcPr/>
+                </a:tc>
+                <a:extLst>
+                  <a:ext uri="{0D108BD9-81ED-4DB2-BD59-A6C34878D82A}">
+                    <a16:rowId xmlns:a16="http://schemas.microsoft.com/office/drawing/2014/main" val="2354061839"/>
+                  </a:ext>
+                </a:extLst>
+              </a:tr>
+              <a:tr h="370840">
+                <a:tc>
+                  <a:txBody>
+                    <a:bodyPr/>
+                    <a:lstStyle/>
+                    <a:p>
+                      <a:r>
+                        <a:rPr lang="de-DE" b="1" dirty="0" err="1"/>
+                        <a:t>Getting-Started</a:t>
+                      </a:r>
+                      <a:r>
+                        <a:rPr lang="de-DE" b="1" dirty="0"/>
+                        <a:t> / Quickstart vorhanden?</a:t>
+                      </a:r>
+                    </a:p>
+                  </a:txBody>
+                  <a:tcPr/>
+                </a:tc>
+                <a:tc>
+                  <a:txBody>
+                    <a:bodyPr/>
+                    <a:lstStyle/>
+                    <a:p>
+                      <a:endParaRPr lang="de-DE" dirty="0"/>
+                    </a:p>
+                  </a:txBody>
+                  <a:tcPr/>
+                </a:tc>
+                <a:extLst>
+                  <a:ext uri="{0D108BD9-81ED-4DB2-BD59-A6C34878D82A}">
+                    <a16:rowId xmlns:a16="http://schemas.microsoft.com/office/drawing/2014/main" val="3439396982"/>
+                  </a:ext>
+                </a:extLst>
+              </a:tr>
+            </a:tbl>
+          </a:graphicData>
+        </a:graphic>
+      </p:graphicFrame>
+    </p:spTree>
+    <p:extLst>
+      <p:ext uri="{BB962C8B-B14F-4D97-AF65-F5344CB8AC3E}">
+        <p14:creationId xmlns:p14="http://schemas.microsoft.com/office/powerpoint/2010/main" val="392245924"/>
+      </p:ext>
+    </p:extLst>
+  </p:cSld>
+  <p:clrMapOvr>
+    <a:masterClrMapping/>
+  </p:clrMapOvr>
+</p:sld>
+</file>
+
+<file path=ppt/slides/slide19.xml><?xml version="1.0" encoding="utf-8"?>
+<p:sld xmlns:a="http://schemas.openxmlformats.org/drawingml/2006/main" xmlns:r="http://schemas.openxmlformats.org/officeDocument/2006/relationships" xmlns:p="http://schemas.openxmlformats.org/presentationml/2006/main">
+  <p:cSld>
+    <p:spTree>
+      <p:nvGrpSpPr>
+        <p:cNvPr id="1" name=""/>
+        <p:cNvGrpSpPr/>
+        <p:nvPr/>
+      </p:nvGrpSpPr>
+      <p:grpSpPr>
+        <a:xfrm>
+          <a:off x="0" y="0"/>
+          <a:ext cx="0" cy="0"/>
+          <a:chOff x="0" y="0"/>
+          <a:chExt cx="0" cy="0"/>
+        </a:xfrm>
+      </p:grpSpPr>
+      <p:sp>
+        <p:nvSpPr>
+          <p:cNvPr id="2" name="Titel 1">
+            <a:extLst>
+              <a:ext uri="{FF2B5EF4-FFF2-40B4-BE49-F238E27FC236}">
                 <a16:creationId xmlns:a16="http://schemas.microsoft.com/office/drawing/2014/main" id="{C4669713-177A-4D6B-882A-BE4F89EE0579}"/>
               </a:ext>
             </a:extLst>
@@ -4993,7 +7719,14 @@
           <a:bodyPr/>
           <a:lstStyle/>
           <a:p>
-            <a:endParaRPr lang="de-DE"/>
+            <a:pPr>
+              <a:buFont typeface="Wingdings" panose="05000000000000000000" pitchFamily="2" charset="2"/>
+              <a:buChar char="Ø"/>
+            </a:pPr>
+            <a:r>
+              <a:rPr lang="de-DE" dirty="0"/>
+              <a:t> </a:t>
+            </a:r>
           </a:p>
         </p:txBody>
       </p:sp>
@@ -5020,7 +7753,7 @@
           <a:p>
             <a:fld id="{BBFFFFB7-B427-4FC9-89B5-E815E530C709}" type="datetime1">
               <a:rPr lang="de-DE" smtClean="0"/>
-              <a:t>21.05.2018</a:t>
+              <a:t>31.05.2018</a:t>
             </a:fld>
             <a:endParaRPr lang="de-DE"/>
           </a:p>
@@ -5049,7 +7782,7 @@
           <a:p>
             <a:fld id="{C9BFD74B-BF5B-4F1B-BDFB-3F89FD2A71A6}" type="slidenum">
               <a:rPr lang="de-DE" smtClean="0"/>
-              <a:t>13</a:t>
+              <a:t>19</a:t>
             </a:fld>
             <a:endParaRPr lang="de-DE"/>
           </a:p>
@@ -5145,881 +7878,6 @@
 </p:sld>
 </file>
 
-<file path=ppt/slides/slide14.xml><?xml version="1.0" encoding="utf-8"?>
-<p:sld xmlns:a="http://schemas.openxmlformats.org/drawingml/2006/main" xmlns:r="http://schemas.openxmlformats.org/officeDocument/2006/relationships" xmlns:p="http://schemas.openxmlformats.org/presentationml/2006/main">
-  <p:cSld>
-    <p:spTree>
-      <p:nvGrpSpPr>
-        <p:cNvPr id="1" name=""/>
-        <p:cNvGrpSpPr/>
-        <p:nvPr/>
-      </p:nvGrpSpPr>
-      <p:grpSpPr>
-        <a:xfrm>
-          <a:off x="0" y="0"/>
-          <a:ext cx="0" cy="0"/>
-          <a:chOff x="0" y="0"/>
-          <a:chExt cx="0" cy="0"/>
-        </a:xfrm>
-      </p:grpSpPr>
-      <p:sp>
-        <p:nvSpPr>
-          <p:cNvPr id="6" name="Titel 5">
-            <a:extLst>
-              <a:ext uri="{FF2B5EF4-FFF2-40B4-BE49-F238E27FC236}">
-                <a16:creationId xmlns:a16="http://schemas.microsoft.com/office/drawing/2014/main" id="{22AB5B7E-3B8E-4ED7-9439-693E405919FA}"/>
-              </a:ext>
-            </a:extLst>
-          </p:cNvPr>
-          <p:cNvSpPr>
-            <a:spLocks noGrp="1"/>
-          </p:cNvSpPr>
-          <p:nvPr>
-            <p:ph type="title"/>
-          </p:nvPr>
-        </p:nvSpPr>
-        <p:spPr/>
-        <p:txBody>
-          <a:bodyPr/>
-          <a:lstStyle/>
-          <a:p>
-            <a:r>
-              <a:rPr lang="de-DE" dirty="0"/>
-              <a:t>Bewertung</a:t>
-            </a:r>
-          </a:p>
-        </p:txBody>
-      </p:sp>
-      <p:sp>
-        <p:nvSpPr>
-          <p:cNvPr id="8" name="Textplatzhalter 7">
-            <a:extLst>
-              <a:ext uri="{FF2B5EF4-FFF2-40B4-BE49-F238E27FC236}">
-                <a16:creationId xmlns:a16="http://schemas.microsoft.com/office/drawing/2014/main" id="{1699F578-4ABC-469B-9FF1-D80EF5DAB0C6}"/>
-              </a:ext>
-            </a:extLst>
-          </p:cNvPr>
-          <p:cNvSpPr>
-            <a:spLocks noGrp="1"/>
-          </p:cNvSpPr>
-          <p:nvPr>
-            <p:ph type="body" sz="half" idx="2"/>
-          </p:nvPr>
-        </p:nvSpPr>
-        <p:spPr/>
-        <p:txBody>
-          <a:bodyPr/>
-          <a:lstStyle/>
-          <a:p>
-            <a:endParaRPr lang="de-DE"/>
-          </a:p>
-        </p:txBody>
-      </p:sp>
-      <p:sp>
-        <p:nvSpPr>
-          <p:cNvPr id="4" name="Datumsplatzhalter 3">
-            <a:extLst>
-              <a:ext uri="{FF2B5EF4-FFF2-40B4-BE49-F238E27FC236}">
-                <a16:creationId xmlns:a16="http://schemas.microsoft.com/office/drawing/2014/main" id="{724E831A-061A-4E6C-88C5-EC35B833A962}"/>
-              </a:ext>
-            </a:extLst>
-          </p:cNvPr>
-          <p:cNvSpPr>
-            <a:spLocks noGrp="1"/>
-          </p:cNvSpPr>
-          <p:nvPr>
-            <p:ph type="dt" sz="half" idx="10"/>
-          </p:nvPr>
-        </p:nvSpPr>
-        <p:spPr/>
-        <p:txBody>
-          <a:bodyPr/>
-          <a:lstStyle/>
-          <a:p>
-            <a:fld id="{BBFFFFB7-B427-4FC9-89B5-E815E530C709}" type="datetime1">
-              <a:rPr lang="de-DE" smtClean="0"/>
-              <a:t>21.05.2018</a:t>
-            </a:fld>
-            <a:endParaRPr lang="de-DE"/>
-          </a:p>
-        </p:txBody>
-      </p:sp>
-      <p:sp>
-        <p:nvSpPr>
-          <p:cNvPr id="5" name="Foliennummernplatzhalter 4">
-            <a:extLst>
-              <a:ext uri="{FF2B5EF4-FFF2-40B4-BE49-F238E27FC236}">
-                <a16:creationId xmlns:a16="http://schemas.microsoft.com/office/drawing/2014/main" id="{29114516-61D9-42D0-BBCB-7403D0774E49}"/>
-              </a:ext>
-            </a:extLst>
-          </p:cNvPr>
-          <p:cNvSpPr>
-            <a:spLocks noGrp="1"/>
-          </p:cNvSpPr>
-          <p:nvPr>
-            <p:ph type="sldNum" sz="quarter" idx="12"/>
-          </p:nvPr>
-        </p:nvSpPr>
-        <p:spPr/>
-        <p:txBody>
-          <a:bodyPr/>
-          <a:lstStyle/>
-          <a:p>
-            <a:fld id="{C9BFD74B-BF5B-4F1B-BDFB-3F89FD2A71A6}" type="slidenum">
-              <a:rPr lang="de-DE" smtClean="0"/>
-              <a:t>14</a:t>
-            </a:fld>
-            <a:endParaRPr lang="de-DE"/>
-          </a:p>
-        </p:txBody>
-      </p:sp>
-      <p:pic>
-        <p:nvPicPr>
-          <p:cNvPr id="1028" name="Picture 4" descr="check, class, desk">
-            <a:extLst>
-              <a:ext uri="{FF2B5EF4-FFF2-40B4-BE49-F238E27FC236}">
-                <a16:creationId xmlns:a16="http://schemas.microsoft.com/office/drawing/2014/main" id="{8ABBD1AA-FCC8-4DF6-9533-0321CAD81A10}"/>
-              </a:ext>
-            </a:extLst>
-          </p:cNvPr>
-          <p:cNvPicPr>
-            <a:picLocks noGrp="1" noChangeAspect="1" noChangeArrowheads="1"/>
-          </p:cNvPicPr>
-          <p:nvPr>
-            <p:ph type="pic" idx="1"/>
-          </p:nvPr>
-        </p:nvPicPr>
-        <p:blipFill>
-          <a:blip r:embed="rId2">
-            <a:extLst>
-              <a:ext uri="{28A0092B-C50C-407E-A947-70E740481C1C}">
-                <a14:useLocalDpi xmlns:a14="http://schemas.microsoft.com/office/drawing/2010/main" val="0"/>
-              </a:ext>
-            </a:extLst>
-          </a:blip>
-          <a:srcRect t="15923" b="15923"/>
-          <a:stretch>
-            <a:fillRect/>
-          </a:stretch>
-        </p:blipFill>
-        <p:spPr bwMode="auto">
-          <a:xfrm>
-            <a:off x="0" y="-34925"/>
-            <a:ext cx="12192000" cy="4914900"/>
-          </a:xfrm>
-          <a:prstGeom prst="rect">
-            <a:avLst/>
-          </a:prstGeom>
-          <a:noFill/>
-          <a:extLst>
-            <a:ext uri="{909E8E84-426E-40DD-AFC4-6F175D3DCCD1}">
-              <a14:hiddenFill xmlns:a14="http://schemas.microsoft.com/office/drawing/2010/main">
-                <a:solidFill>
-                  <a:srgbClr val="FFFFFF"/>
-                </a:solidFill>
-              </a14:hiddenFill>
-            </a:ext>
-          </a:extLst>
-        </p:spPr>
-      </p:pic>
-    </p:spTree>
-    <p:extLst>
-      <p:ext uri="{BB962C8B-B14F-4D97-AF65-F5344CB8AC3E}">
-        <p14:creationId xmlns:p14="http://schemas.microsoft.com/office/powerpoint/2010/main" val="3409383612"/>
-      </p:ext>
-    </p:extLst>
-  </p:cSld>
-  <p:clrMapOvr>
-    <a:masterClrMapping/>
-  </p:clrMapOvr>
-</p:sld>
-</file>
-
-<file path=ppt/slides/slide15.xml><?xml version="1.0" encoding="utf-8"?>
-<p:sld xmlns:a="http://schemas.openxmlformats.org/drawingml/2006/main" xmlns:r="http://schemas.openxmlformats.org/officeDocument/2006/relationships" xmlns:p="http://schemas.openxmlformats.org/presentationml/2006/main">
-  <p:cSld>
-    <p:spTree>
-      <p:nvGrpSpPr>
-        <p:cNvPr id="1" name=""/>
-        <p:cNvGrpSpPr/>
-        <p:nvPr/>
-      </p:nvGrpSpPr>
-      <p:grpSpPr>
-        <a:xfrm>
-          <a:off x="0" y="0"/>
-          <a:ext cx="0" cy="0"/>
-          <a:chOff x="0" y="0"/>
-          <a:chExt cx="0" cy="0"/>
-        </a:xfrm>
-      </p:grpSpPr>
-      <p:sp>
-        <p:nvSpPr>
-          <p:cNvPr id="6" name="Titel 5">
-            <a:extLst>
-              <a:ext uri="{FF2B5EF4-FFF2-40B4-BE49-F238E27FC236}">
-                <a16:creationId xmlns:a16="http://schemas.microsoft.com/office/drawing/2014/main" id="{E9381CB7-A92A-4FBC-BD2A-5C8CD9471EAB}"/>
-              </a:ext>
-            </a:extLst>
-          </p:cNvPr>
-          <p:cNvSpPr>
-            <a:spLocks noGrp="1"/>
-          </p:cNvSpPr>
-          <p:nvPr>
-            <p:ph type="title"/>
-          </p:nvPr>
-        </p:nvSpPr>
-        <p:spPr/>
-        <p:txBody>
-          <a:bodyPr/>
-          <a:lstStyle/>
-          <a:p>
-            <a:r>
-              <a:rPr lang="de-DE" dirty="0" err="1"/>
-              <a:t>Let‘s</a:t>
-            </a:r>
-            <a:r>
-              <a:rPr lang="de-DE" dirty="0"/>
-              <a:t> </a:t>
-            </a:r>
-            <a:r>
-              <a:rPr lang="de-DE" dirty="0" err="1"/>
-              <a:t>look</a:t>
-            </a:r>
-            <a:r>
-              <a:rPr lang="de-DE" dirty="0"/>
-              <a:t> at </a:t>
-            </a:r>
-            <a:r>
-              <a:rPr lang="de-DE" dirty="0" err="1"/>
-              <a:t>some</a:t>
-            </a:r>
-            <a:r>
-              <a:rPr lang="de-DE" dirty="0"/>
-              <a:t> </a:t>
-            </a:r>
-            <a:r>
-              <a:rPr lang="de-DE" dirty="0" err="1"/>
-              <a:t>code</a:t>
-            </a:r>
-            <a:r>
-              <a:rPr lang="de-DE" dirty="0"/>
-              <a:t> </a:t>
-            </a:r>
-            <a:r>
-              <a:rPr lang="de-DE" dirty="0">
-                <a:sym typeface="Wingdings" panose="05000000000000000000" pitchFamily="2" charset="2"/>
-              </a:rPr>
-              <a:t></a:t>
-            </a:r>
-            <a:endParaRPr lang="de-DE" dirty="0"/>
-          </a:p>
-        </p:txBody>
-      </p:sp>
-      <p:sp>
-        <p:nvSpPr>
-          <p:cNvPr id="8" name="Textplatzhalter 7">
-            <a:extLst>
-              <a:ext uri="{FF2B5EF4-FFF2-40B4-BE49-F238E27FC236}">
-                <a16:creationId xmlns:a16="http://schemas.microsoft.com/office/drawing/2014/main" id="{26C2EE20-D830-43E3-9122-8FEAEF10B203}"/>
-              </a:ext>
-            </a:extLst>
-          </p:cNvPr>
-          <p:cNvSpPr>
-            <a:spLocks noGrp="1"/>
-          </p:cNvSpPr>
-          <p:nvPr>
-            <p:ph type="body" sz="half" idx="2"/>
-          </p:nvPr>
-        </p:nvSpPr>
-        <p:spPr/>
-        <p:txBody>
-          <a:bodyPr/>
-          <a:lstStyle/>
-          <a:p>
-            <a:endParaRPr lang="de-DE"/>
-          </a:p>
-        </p:txBody>
-      </p:sp>
-      <p:sp>
-        <p:nvSpPr>
-          <p:cNvPr id="4" name="Datumsplatzhalter 3">
-            <a:extLst>
-              <a:ext uri="{FF2B5EF4-FFF2-40B4-BE49-F238E27FC236}">
-                <a16:creationId xmlns:a16="http://schemas.microsoft.com/office/drawing/2014/main" id="{AC6D61FC-84ED-4D65-99D8-08539C5C1A93}"/>
-              </a:ext>
-            </a:extLst>
-          </p:cNvPr>
-          <p:cNvSpPr>
-            <a:spLocks noGrp="1"/>
-          </p:cNvSpPr>
-          <p:nvPr>
-            <p:ph type="dt" sz="half" idx="10"/>
-          </p:nvPr>
-        </p:nvSpPr>
-        <p:spPr/>
-        <p:txBody>
-          <a:bodyPr/>
-          <a:lstStyle/>
-          <a:p>
-            <a:fld id="{BBFFFFB7-B427-4FC9-89B5-E815E530C709}" type="datetime1">
-              <a:rPr lang="de-DE" smtClean="0"/>
-              <a:t>21.05.2018</a:t>
-            </a:fld>
-            <a:endParaRPr lang="de-DE"/>
-          </a:p>
-        </p:txBody>
-      </p:sp>
-      <p:sp>
-        <p:nvSpPr>
-          <p:cNvPr id="5" name="Foliennummernplatzhalter 4">
-            <a:extLst>
-              <a:ext uri="{FF2B5EF4-FFF2-40B4-BE49-F238E27FC236}">
-                <a16:creationId xmlns:a16="http://schemas.microsoft.com/office/drawing/2014/main" id="{BAB22467-8233-40B2-8B89-4886E8DC8EC8}"/>
-              </a:ext>
-            </a:extLst>
-          </p:cNvPr>
-          <p:cNvSpPr>
-            <a:spLocks noGrp="1"/>
-          </p:cNvSpPr>
-          <p:nvPr>
-            <p:ph type="sldNum" sz="quarter" idx="12"/>
-          </p:nvPr>
-        </p:nvSpPr>
-        <p:spPr/>
-        <p:txBody>
-          <a:bodyPr/>
-          <a:lstStyle/>
-          <a:p>
-            <a:fld id="{C9BFD74B-BF5B-4F1B-BDFB-3F89FD2A71A6}" type="slidenum">
-              <a:rPr lang="de-DE" smtClean="0"/>
-              <a:t>15</a:t>
-            </a:fld>
-            <a:endParaRPr lang="de-DE"/>
-          </a:p>
-        </p:txBody>
-      </p:sp>
-      <p:pic>
-        <p:nvPicPr>
-          <p:cNvPr id="9" name="Bildplatzhalter 8">
-            <a:extLst>
-              <a:ext uri="{FF2B5EF4-FFF2-40B4-BE49-F238E27FC236}">
-                <a16:creationId xmlns:a16="http://schemas.microsoft.com/office/drawing/2014/main" id="{F737AE18-3A4A-4E5D-B1D7-6A5C7FB15CFC}"/>
-              </a:ext>
-            </a:extLst>
-          </p:cNvPr>
-          <p:cNvPicPr>
-            <a:picLocks noGrp="1" noChangeAspect="1"/>
-          </p:cNvPicPr>
-          <p:nvPr>
-            <p:ph type="pic" idx="1"/>
-          </p:nvPr>
-        </p:nvPicPr>
-        <p:blipFill>
-          <a:blip r:embed="rId2">
-            <a:extLst>
-              <a:ext uri="{28A0092B-C50C-407E-A947-70E740481C1C}">
-                <a14:useLocalDpi xmlns:a14="http://schemas.microsoft.com/office/drawing/2010/main" val="0"/>
-              </a:ext>
-            </a:extLst>
-          </a:blip>
-          <a:srcRect t="19652" b="19652"/>
-          <a:stretch>
-            <a:fillRect/>
-          </a:stretch>
-        </p:blipFill>
-        <p:spPr>
-          <a:xfrm>
-            <a:off x="0" y="0"/>
-            <a:ext cx="12192000" cy="4914900"/>
-          </a:xfrm>
-        </p:spPr>
-      </p:pic>
-    </p:spTree>
-    <p:extLst>
-      <p:ext uri="{BB962C8B-B14F-4D97-AF65-F5344CB8AC3E}">
-        <p14:creationId xmlns:p14="http://schemas.microsoft.com/office/powerpoint/2010/main" val="2999095210"/>
-      </p:ext>
-    </p:extLst>
-  </p:cSld>
-  <p:clrMapOvr>
-    <a:masterClrMapping/>
-  </p:clrMapOvr>
-</p:sld>
-</file>
-
-<file path=ppt/slides/slide16.xml><?xml version="1.0" encoding="utf-8"?>
-<p:sld xmlns:a="http://schemas.openxmlformats.org/drawingml/2006/main" xmlns:r="http://schemas.openxmlformats.org/officeDocument/2006/relationships" xmlns:p="http://schemas.openxmlformats.org/presentationml/2006/main">
-  <p:cSld>
-    <p:spTree>
-      <p:nvGrpSpPr>
-        <p:cNvPr id="1" name=""/>
-        <p:cNvGrpSpPr/>
-        <p:nvPr/>
-      </p:nvGrpSpPr>
-      <p:grpSpPr>
-        <a:xfrm>
-          <a:off x="0" y="0"/>
-          <a:ext cx="0" cy="0"/>
-          <a:chOff x="0" y="0"/>
-          <a:chExt cx="0" cy="0"/>
-        </a:xfrm>
-      </p:grpSpPr>
-      <p:sp>
-        <p:nvSpPr>
-          <p:cNvPr id="7" name="Titel 6">
-            <a:extLst>
-              <a:ext uri="{FF2B5EF4-FFF2-40B4-BE49-F238E27FC236}">
-                <a16:creationId xmlns:a16="http://schemas.microsoft.com/office/drawing/2014/main" id="{767599E4-6E36-4F73-BCFA-D5FDF915B10B}"/>
-              </a:ext>
-            </a:extLst>
-          </p:cNvPr>
-          <p:cNvSpPr>
-            <a:spLocks noGrp="1"/>
-          </p:cNvSpPr>
-          <p:nvPr>
-            <p:ph type="title"/>
-          </p:nvPr>
-        </p:nvSpPr>
-        <p:spPr/>
-        <p:txBody>
-          <a:bodyPr/>
-          <a:lstStyle/>
-          <a:p>
-            <a:r>
-              <a:rPr lang="de-DE" dirty="0"/>
-              <a:t>Vorgehen</a:t>
-            </a:r>
-          </a:p>
-        </p:txBody>
-      </p:sp>
-      <p:sp>
-        <p:nvSpPr>
-          <p:cNvPr id="8" name="Inhaltsplatzhalter 7">
-            <a:extLst>
-              <a:ext uri="{FF2B5EF4-FFF2-40B4-BE49-F238E27FC236}">
-                <a16:creationId xmlns:a16="http://schemas.microsoft.com/office/drawing/2014/main" id="{CA22FE36-884A-4AF4-8ACB-5C0B855947EC}"/>
-              </a:ext>
-            </a:extLst>
-          </p:cNvPr>
-          <p:cNvSpPr>
-            <a:spLocks noGrp="1"/>
-          </p:cNvSpPr>
-          <p:nvPr>
-            <p:ph idx="1"/>
-          </p:nvPr>
-        </p:nvSpPr>
-        <p:spPr>
-          <a:xfrm>
-            <a:off x="1097280" y="1881244"/>
-            <a:ext cx="10058400" cy="4023360"/>
-          </a:xfrm>
-        </p:spPr>
-        <p:txBody>
-          <a:bodyPr/>
-          <a:lstStyle/>
-          <a:p>
-            <a:pPr>
-              <a:buFont typeface="Arial" panose="020B0604020202020204" pitchFamily="34" charset="0"/>
-              <a:buChar char="•"/>
-            </a:pPr>
-            <a:r>
-              <a:rPr lang="de-DE" dirty="0"/>
-              <a:t> REST-Webservice (Car-Repository) mit </a:t>
-            </a:r>
-            <a:r>
-              <a:rPr lang="de-DE" dirty="0" err="1"/>
-              <a:t>docker-compose</a:t>
-            </a:r>
-            <a:r>
-              <a:rPr lang="de-DE" dirty="0"/>
-              <a:t> (</a:t>
-            </a:r>
-            <a:r>
-              <a:rPr lang="de-DE" dirty="0" err="1"/>
-              <a:t>Postgres</a:t>
-            </a:r>
-            <a:r>
-              <a:rPr lang="de-DE" dirty="0"/>
-              <a:t>-Datenbank, </a:t>
-            </a:r>
-            <a:r>
-              <a:rPr lang="de-DE" dirty="0" err="1"/>
-              <a:t>WebService</a:t>
-            </a:r>
-            <a:r>
-              <a:rPr lang="de-DE" dirty="0"/>
-              <a:t>)</a:t>
-            </a:r>
-          </a:p>
-          <a:p>
-            <a:pPr>
-              <a:buFont typeface="Arial" panose="020B0604020202020204" pitchFamily="34" charset="0"/>
-              <a:buChar char="•"/>
-            </a:pPr>
-            <a:r>
-              <a:rPr lang="de-DE" dirty="0"/>
-              <a:t> Lasttest-Implementierungen in den jeweiligen Technologien als </a:t>
-            </a:r>
-            <a:r>
-              <a:rPr lang="de-DE" dirty="0" err="1"/>
-              <a:t>IntelliJ</a:t>
-            </a:r>
-            <a:r>
-              <a:rPr lang="de-DE" dirty="0"/>
-              <a:t>-Projekt</a:t>
-            </a:r>
-          </a:p>
-          <a:p>
-            <a:pPr>
-              <a:buFont typeface="Arial" panose="020B0604020202020204" pitchFamily="34" charset="0"/>
-              <a:buChar char="•"/>
-            </a:pPr>
-            <a:r>
-              <a:rPr lang="de-DE" dirty="0"/>
-              <a:t> Durchführung der einzelnen Tests mithilfe von </a:t>
-            </a:r>
-            <a:r>
-              <a:rPr lang="de-DE" dirty="0" err="1"/>
-              <a:t>Gradle</a:t>
-            </a:r>
-            <a:r>
-              <a:rPr lang="de-DE" dirty="0"/>
-              <a:t> Tasks</a:t>
-            </a:r>
-          </a:p>
-        </p:txBody>
-      </p:sp>
-      <p:sp>
-        <p:nvSpPr>
-          <p:cNvPr id="5" name="Datumsplatzhalter 4">
-            <a:extLst>
-              <a:ext uri="{FF2B5EF4-FFF2-40B4-BE49-F238E27FC236}">
-                <a16:creationId xmlns:a16="http://schemas.microsoft.com/office/drawing/2014/main" id="{439FB78A-3BF6-46CE-B4AB-9984D8C2C860}"/>
-              </a:ext>
-            </a:extLst>
-          </p:cNvPr>
-          <p:cNvSpPr>
-            <a:spLocks noGrp="1"/>
-          </p:cNvSpPr>
-          <p:nvPr>
-            <p:ph type="dt" sz="half" idx="10"/>
-          </p:nvPr>
-        </p:nvSpPr>
-        <p:spPr/>
-        <p:txBody>
-          <a:bodyPr/>
-          <a:lstStyle/>
-          <a:p>
-            <a:fld id="{5E3FA0F3-663C-4E4D-A9AD-FCEECA59737D}" type="datetime1">
-              <a:rPr lang="de-DE" smtClean="0"/>
-              <a:t>21.05.2018</a:t>
-            </a:fld>
-            <a:endParaRPr lang="de-DE"/>
-          </a:p>
-        </p:txBody>
-      </p:sp>
-      <p:sp>
-        <p:nvSpPr>
-          <p:cNvPr id="6" name="Foliennummernplatzhalter 5">
-            <a:extLst>
-              <a:ext uri="{FF2B5EF4-FFF2-40B4-BE49-F238E27FC236}">
-                <a16:creationId xmlns:a16="http://schemas.microsoft.com/office/drawing/2014/main" id="{01017A2E-4076-4D7B-83DB-B9BC98A3E9C4}"/>
-              </a:ext>
-            </a:extLst>
-          </p:cNvPr>
-          <p:cNvSpPr>
-            <a:spLocks noGrp="1"/>
-          </p:cNvSpPr>
-          <p:nvPr>
-            <p:ph type="sldNum" sz="quarter" idx="12"/>
-          </p:nvPr>
-        </p:nvSpPr>
-        <p:spPr/>
-        <p:txBody>
-          <a:bodyPr/>
-          <a:lstStyle/>
-          <a:p>
-            <a:fld id="{C9BFD74B-BF5B-4F1B-BDFB-3F89FD2A71A6}" type="slidenum">
-              <a:rPr lang="de-DE" smtClean="0"/>
-              <a:t>16</a:t>
-            </a:fld>
-            <a:endParaRPr lang="de-DE"/>
-          </a:p>
-        </p:txBody>
-      </p:sp>
-    </p:spTree>
-    <p:extLst>
-      <p:ext uri="{BB962C8B-B14F-4D97-AF65-F5344CB8AC3E}">
-        <p14:creationId xmlns:p14="http://schemas.microsoft.com/office/powerpoint/2010/main" val="2829847060"/>
-      </p:ext>
-    </p:extLst>
-  </p:cSld>
-  <p:clrMapOvr>
-    <a:masterClrMapping/>
-  </p:clrMapOvr>
-</p:sld>
-</file>
-
-<file path=ppt/slides/slide17.xml><?xml version="1.0" encoding="utf-8"?>
-<p:sld xmlns:a="http://schemas.openxmlformats.org/drawingml/2006/main" xmlns:r="http://schemas.openxmlformats.org/officeDocument/2006/relationships" xmlns:p="http://schemas.openxmlformats.org/presentationml/2006/main">
-  <p:cSld>
-    <p:spTree>
-      <p:nvGrpSpPr>
-        <p:cNvPr id="1" name=""/>
-        <p:cNvGrpSpPr/>
-        <p:nvPr/>
-      </p:nvGrpSpPr>
-      <p:grpSpPr>
-        <a:xfrm>
-          <a:off x="0" y="0"/>
-          <a:ext cx="0" cy="0"/>
-          <a:chOff x="0" y="0"/>
-          <a:chExt cx="0" cy="0"/>
-        </a:xfrm>
-      </p:grpSpPr>
-      <p:sp>
-        <p:nvSpPr>
-          <p:cNvPr id="2" name="Titel 1">
-            <a:extLst>
-              <a:ext uri="{FF2B5EF4-FFF2-40B4-BE49-F238E27FC236}">
-                <a16:creationId xmlns:a16="http://schemas.microsoft.com/office/drawing/2014/main" id="{CFA6FC09-FD2A-4DC6-AA0E-AD0A47762821}"/>
-              </a:ext>
-            </a:extLst>
-          </p:cNvPr>
-          <p:cNvSpPr>
-            <a:spLocks noGrp="1"/>
-          </p:cNvSpPr>
-          <p:nvPr>
-            <p:ph type="title"/>
-          </p:nvPr>
-        </p:nvSpPr>
-        <p:spPr/>
-        <p:txBody>
-          <a:bodyPr/>
-          <a:lstStyle/>
-          <a:p>
-            <a:r>
-              <a:rPr lang="de-DE" dirty="0"/>
-              <a:t>Quellenverzeichnis</a:t>
-            </a:r>
-          </a:p>
-        </p:txBody>
-      </p:sp>
-      <p:sp>
-        <p:nvSpPr>
-          <p:cNvPr id="3" name="Inhaltsplatzhalter 2">
-            <a:extLst>
-              <a:ext uri="{FF2B5EF4-FFF2-40B4-BE49-F238E27FC236}">
-                <a16:creationId xmlns:a16="http://schemas.microsoft.com/office/drawing/2014/main" id="{F926B786-52E8-4D73-810F-00938F8555A6}"/>
-              </a:ext>
-            </a:extLst>
-          </p:cNvPr>
-          <p:cNvSpPr>
-            <a:spLocks noGrp="1"/>
-          </p:cNvSpPr>
-          <p:nvPr>
-            <p:ph idx="1"/>
-          </p:nvPr>
-        </p:nvSpPr>
-        <p:spPr/>
-        <p:txBody>
-          <a:bodyPr/>
-          <a:lstStyle/>
-          <a:p>
-            <a:pPr marL="0" indent="0">
-              <a:buNone/>
-            </a:pPr>
-            <a:r>
-              <a:rPr lang="de-DE" dirty="0"/>
-              <a:t>  Bilder der Trennfolien: </a:t>
-            </a:r>
-            <a:r>
-              <a:rPr lang="de-DE" dirty="0">
-                <a:hlinkClick r:id="rId2"/>
-              </a:rPr>
-              <a:t>https://www.pexels.com</a:t>
-            </a:r>
-            <a:r>
-              <a:rPr lang="de-DE" dirty="0"/>
-              <a:t> (frei ohne Namensnennung nutzbar; CC0 Lizenz)</a:t>
-            </a:r>
-          </a:p>
-          <a:p>
-            <a:r>
-              <a:rPr lang="de-DE" dirty="0"/>
-              <a:t>Gatling Logo: </a:t>
-            </a:r>
-            <a:r>
-              <a:rPr lang="de-DE" dirty="0">
-                <a:hlinkClick r:id="rId3"/>
-              </a:rPr>
-              <a:t>https://gatling.io</a:t>
-            </a:r>
-            <a:endParaRPr lang="de-DE" dirty="0"/>
-          </a:p>
-          <a:p>
-            <a:r>
-              <a:rPr lang="de-DE" dirty="0" err="1"/>
-              <a:t>Locust</a:t>
-            </a:r>
-            <a:r>
-              <a:rPr lang="de-DE" dirty="0"/>
-              <a:t> Logo: </a:t>
-            </a:r>
-            <a:r>
-              <a:rPr lang="de-DE" dirty="0">
-                <a:hlinkClick r:id="rId4"/>
-              </a:rPr>
-              <a:t>https://locust.io</a:t>
-            </a:r>
-            <a:endParaRPr lang="de-DE" dirty="0"/>
-          </a:p>
-          <a:p>
-            <a:r>
-              <a:rPr lang="de-DE" dirty="0" err="1"/>
-              <a:t>NGrinder</a:t>
-            </a:r>
-            <a:r>
-              <a:rPr lang="de-DE" dirty="0"/>
-              <a:t> Logo: </a:t>
-            </a:r>
-            <a:r>
-              <a:rPr lang="de-DE" dirty="0">
-                <a:hlinkClick r:id="rId5"/>
-              </a:rPr>
-              <a:t>http://naver.github.io/ngrinder/</a:t>
-            </a:r>
-            <a:endParaRPr lang="de-DE" dirty="0"/>
-          </a:p>
-          <a:p>
-            <a:r>
-              <a:rPr lang="de-DE" dirty="0" err="1"/>
-              <a:t>Artillery</a:t>
-            </a:r>
-            <a:r>
-              <a:rPr lang="de-DE" dirty="0"/>
-              <a:t> Logo: </a:t>
-            </a:r>
-            <a:r>
-              <a:rPr lang="de-DE" dirty="0">
-                <a:hlinkClick r:id="rId6"/>
-              </a:rPr>
-              <a:t>https://artillery.io</a:t>
-            </a:r>
-            <a:endParaRPr lang="de-DE" dirty="0"/>
-          </a:p>
-          <a:p>
-            <a:r>
-              <a:rPr lang="de-DE" dirty="0"/>
-              <a:t>k6 Logo: </a:t>
-            </a:r>
-            <a:r>
-              <a:rPr lang="de-DE" dirty="0">
-                <a:hlinkClick r:id="rId7"/>
-              </a:rPr>
-              <a:t>https://k6.io</a:t>
-            </a:r>
-            <a:endParaRPr lang="de-DE" dirty="0"/>
-          </a:p>
-          <a:p>
-            <a:r>
-              <a:rPr lang="de-DE" dirty="0"/>
-              <a:t>Taurus Logo</a:t>
-            </a:r>
-            <a:r>
-              <a:rPr lang="de-DE"/>
-              <a:t>: </a:t>
-            </a:r>
-            <a:r>
-              <a:rPr lang="de-DE">
-                <a:hlinkClick r:id="rId8"/>
-              </a:rPr>
-              <a:t>https://gettaurus.org</a:t>
-            </a:r>
-            <a:endParaRPr lang="de-DE"/>
-          </a:p>
-          <a:p>
-            <a:endParaRPr lang="de-DE" dirty="0"/>
-          </a:p>
-          <a:p>
-            <a:endParaRPr lang="de-DE" dirty="0"/>
-          </a:p>
-          <a:p>
-            <a:endParaRPr lang="de-DE" dirty="0"/>
-          </a:p>
-        </p:txBody>
-      </p:sp>
-      <p:sp>
-        <p:nvSpPr>
-          <p:cNvPr id="4" name="Datumsplatzhalter 3">
-            <a:extLst>
-              <a:ext uri="{FF2B5EF4-FFF2-40B4-BE49-F238E27FC236}">
-                <a16:creationId xmlns:a16="http://schemas.microsoft.com/office/drawing/2014/main" id="{3E9F0B9F-17E5-4703-8283-92A0990D0830}"/>
-              </a:ext>
-            </a:extLst>
-          </p:cNvPr>
-          <p:cNvSpPr>
-            <a:spLocks noGrp="1"/>
-          </p:cNvSpPr>
-          <p:nvPr>
-            <p:ph type="dt" sz="half" idx="10"/>
-          </p:nvPr>
-        </p:nvSpPr>
-        <p:spPr/>
-        <p:txBody>
-          <a:bodyPr/>
-          <a:lstStyle/>
-          <a:p>
-            <a:fld id="{928650A1-1A79-48B9-A942-815D58127345}" type="datetime1">
-              <a:rPr lang="de-DE" smtClean="0"/>
-              <a:t>21.05.2018</a:t>
-            </a:fld>
-            <a:endParaRPr lang="de-DE"/>
-          </a:p>
-        </p:txBody>
-      </p:sp>
-      <p:sp>
-        <p:nvSpPr>
-          <p:cNvPr id="5" name="Foliennummernplatzhalter 4">
-            <a:extLst>
-              <a:ext uri="{FF2B5EF4-FFF2-40B4-BE49-F238E27FC236}">
-                <a16:creationId xmlns:a16="http://schemas.microsoft.com/office/drawing/2014/main" id="{81891E25-DF85-4697-83D5-B83859A51B2C}"/>
-              </a:ext>
-            </a:extLst>
-          </p:cNvPr>
-          <p:cNvSpPr>
-            <a:spLocks noGrp="1"/>
-          </p:cNvSpPr>
-          <p:nvPr>
-            <p:ph type="sldNum" sz="quarter" idx="12"/>
-          </p:nvPr>
-        </p:nvSpPr>
-        <p:spPr/>
-        <p:txBody>
-          <a:bodyPr/>
-          <a:lstStyle/>
-          <a:p>
-            <a:fld id="{C9BFD74B-BF5B-4F1B-BDFB-3F89FD2A71A6}" type="slidenum">
-              <a:rPr lang="de-DE" smtClean="0"/>
-              <a:t>17</a:t>
-            </a:fld>
-            <a:endParaRPr lang="de-DE"/>
-          </a:p>
-        </p:txBody>
-      </p:sp>
-    </p:spTree>
-    <p:extLst>
-      <p:ext uri="{BB962C8B-B14F-4D97-AF65-F5344CB8AC3E}">
-        <p14:creationId xmlns:p14="http://schemas.microsoft.com/office/powerpoint/2010/main" val="78394033"/>
-      </p:ext>
-    </p:extLst>
-  </p:cSld>
-  <p:clrMapOvr>
-    <a:masterClrMapping/>
-  </p:clrMapOvr>
-</p:sld>
-</file>
-
 <file path=ppt/slides/slide2.xml><?xml version="1.0" encoding="utf-8"?>
 <p:sld xmlns:a="http://schemas.openxmlformats.org/drawingml/2006/main" xmlns:r="http://schemas.openxmlformats.org/officeDocument/2006/relationships" xmlns:p="http://schemas.openxmlformats.org/presentationml/2006/main">
   <p:cSld>
@@ -6039,10 +7897,10 @@
       </p:grpSpPr>
       <p:sp>
         <p:nvSpPr>
-          <p:cNvPr id="6" name="Titel 5">
+          <p:cNvPr id="2" name="Titel 1">
             <a:extLst>
               <a:ext uri="{FF2B5EF4-FFF2-40B4-BE49-F238E27FC236}">
-                <a16:creationId xmlns:a16="http://schemas.microsoft.com/office/drawing/2014/main" id="{2A03E8ED-0A30-4A29-9A05-8A5A39B58E91}"/>
+                <a16:creationId xmlns:a16="http://schemas.microsoft.com/office/drawing/2014/main" id="{D2B99C6D-C9D8-4DA9-8F56-D9BD3B321166}"/>
               </a:ext>
             </a:extLst>
           </p:cNvPr>
@@ -6060,22 +7918,17 @@
           <a:p>
             <a:r>
               <a:rPr lang="de-DE" dirty="0"/>
-              <a:t>Performance- / </a:t>
-            </a:r>
-            <a:r>
-              <a:rPr lang="de-DE" dirty="0" err="1"/>
-              <a:t>Lasttest</a:t>
-            </a:r>
-            <a:endParaRPr lang="de-DE" dirty="0"/>
-          </a:p>
-        </p:txBody>
-      </p:sp>
-      <p:sp>
-        <p:nvSpPr>
-          <p:cNvPr id="8" name="Textplatzhalter 7">
+              <a:t>Agenda</a:t>
+            </a:r>
+          </a:p>
+        </p:txBody>
+      </p:sp>
+      <p:sp>
+        <p:nvSpPr>
+          <p:cNvPr id="3" name="Inhaltsplatzhalter 2">
             <a:extLst>
               <a:ext uri="{FF2B5EF4-FFF2-40B4-BE49-F238E27FC236}">
-                <a16:creationId xmlns:a16="http://schemas.microsoft.com/office/drawing/2014/main" id="{03C1D009-CC27-45BC-AC29-32A1B1A242FE}"/>
+                <a16:creationId xmlns:a16="http://schemas.microsoft.com/office/drawing/2014/main" id="{413CDB15-8B96-4D6A-A253-C4FD91F32E90}"/>
               </a:ext>
             </a:extLst>
           </p:cNvPr>
@@ -6083,15 +7936,62 @@
             <a:spLocks noGrp="1"/>
           </p:cNvSpPr>
           <p:nvPr>
-            <p:ph type="body" sz="half" idx="2"/>
-          </p:nvPr>
-        </p:nvSpPr>
-        <p:spPr/>
-        <p:txBody>
-          <a:bodyPr/>
-          <a:lstStyle/>
-          <a:p>
-            <a:endParaRPr lang="de-DE"/>
+            <p:ph idx="1"/>
+          </p:nvPr>
+        </p:nvSpPr>
+        <p:spPr/>
+        <p:txBody>
+          <a:bodyPr/>
+          <a:lstStyle/>
+          <a:p>
+            <a:pPr>
+              <a:buFont typeface="Courier New" panose="02070309020205020404" pitchFamily="49" charset="0"/>
+              <a:buChar char="o"/>
+            </a:pPr>
+            <a:r>
+              <a:rPr lang="de-DE" dirty="0"/>
+              <a:t> Performance- / </a:t>
+            </a:r>
+            <a:r>
+              <a:rPr lang="de-DE" dirty="0" err="1"/>
+              <a:t>Lasttest</a:t>
+            </a:r>
+            <a:endParaRPr lang="de-DE" dirty="0"/>
+          </a:p>
+          <a:p>
+            <a:pPr>
+              <a:buFont typeface="Courier New" panose="02070309020205020404" pitchFamily="49" charset="0"/>
+              <a:buChar char="o"/>
+            </a:pPr>
+            <a:r>
+              <a:rPr lang="de-DE" dirty="0"/>
+              <a:t> Vorstellung von Open Source Tools für Lasttests inkl. Kurzem </a:t>
+            </a:r>
+            <a:r>
+              <a:rPr lang="de-DE" dirty="0" err="1"/>
+              <a:t>QuickCheck</a:t>
+            </a:r>
+            <a:endParaRPr lang="de-DE" dirty="0"/>
+          </a:p>
+          <a:p>
+            <a:pPr>
+              <a:buFont typeface="Courier New" panose="02070309020205020404" pitchFamily="49" charset="0"/>
+              <a:buChar char="o"/>
+            </a:pPr>
+            <a:r>
+              <a:rPr lang="de-DE" dirty="0"/>
+              <a:t> Vergleich der Features</a:t>
+            </a:r>
+          </a:p>
+          <a:p>
+            <a:pPr>
+              <a:buFont typeface="Courier New" panose="02070309020205020404" pitchFamily="49" charset="0"/>
+              <a:buChar char="o"/>
+            </a:pPr>
+            <a:r>
+              <a:rPr lang="de-DE" dirty="0"/>
+              <a:t> Codebeispiel</a:t>
+            </a:r>
           </a:p>
         </p:txBody>
       </p:sp>
@@ -6100,7 +8000,7 @@
           <p:cNvPr id="4" name="Datumsplatzhalter 3">
             <a:extLst>
               <a:ext uri="{FF2B5EF4-FFF2-40B4-BE49-F238E27FC236}">
-                <a16:creationId xmlns:a16="http://schemas.microsoft.com/office/drawing/2014/main" id="{CD69C026-0A13-434C-A0EA-CA014BC6F8F5}"/>
+                <a16:creationId xmlns:a16="http://schemas.microsoft.com/office/drawing/2014/main" id="{75CBE0C4-0800-40C5-8092-8ACAD0DC653C}"/>
               </a:ext>
             </a:extLst>
           </p:cNvPr>
@@ -6118,7 +8018,7 @@
           <a:p>
             <a:fld id="{BBFFFFB7-B427-4FC9-89B5-E815E530C709}" type="datetime1">
               <a:rPr lang="de-DE" smtClean="0"/>
-              <a:t>21.05.2018</a:t>
+              <a:t>31.05.2018</a:t>
             </a:fld>
             <a:endParaRPr lang="de-DE"/>
           </a:p>
@@ -6129,7 +8029,7 @@
           <p:cNvPr id="5" name="Foliennummernplatzhalter 4">
             <a:extLst>
               <a:ext uri="{FF2B5EF4-FFF2-40B4-BE49-F238E27FC236}">
-                <a16:creationId xmlns:a16="http://schemas.microsoft.com/office/drawing/2014/main" id="{5AD242A8-D804-4268-A1AE-8068C91F83D2}"/>
+                <a16:creationId xmlns:a16="http://schemas.microsoft.com/office/drawing/2014/main" id="{0CBD8DDD-D697-4E9F-9624-4B943CEC6922}"/>
               </a:ext>
             </a:extLst>
           </p:cNvPr>
@@ -6153,41 +8053,1111 @@
           </a:p>
         </p:txBody>
       </p:sp>
-      <p:pic>
-        <p:nvPicPr>
-          <p:cNvPr id="12" name="Bildplatzhalter 11">
+    </p:spTree>
+    <p:extLst>
+      <p:ext uri="{BB962C8B-B14F-4D97-AF65-F5344CB8AC3E}">
+        <p14:creationId xmlns:p14="http://schemas.microsoft.com/office/powerpoint/2010/main" val="3840613787"/>
+      </p:ext>
+    </p:extLst>
+  </p:cSld>
+  <p:clrMapOvr>
+    <a:masterClrMapping/>
+  </p:clrMapOvr>
+</p:sld>
+</file>
+
+<file path=ppt/slides/slide20.xml><?xml version="1.0" encoding="utf-8"?>
+<p:sld xmlns:a="http://schemas.openxmlformats.org/drawingml/2006/main" xmlns:r="http://schemas.openxmlformats.org/officeDocument/2006/relationships" xmlns:p="http://schemas.openxmlformats.org/presentationml/2006/main">
+  <p:cSld>
+    <p:spTree>
+      <p:nvGrpSpPr>
+        <p:cNvPr id="1" name=""/>
+        <p:cNvGrpSpPr/>
+        <p:nvPr/>
+      </p:nvGrpSpPr>
+      <p:grpSpPr>
+        <a:xfrm>
+          <a:off x="0" y="0"/>
+          <a:ext cx="0" cy="0"/>
+          <a:chOff x="0" y="0"/>
+          <a:chExt cx="0" cy="0"/>
+        </a:xfrm>
+      </p:grpSpPr>
+      <p:sp>
+        <p:nvSpPr>
+          <p:cNvPr id="2" name="Titel 1">
             <a:extLst>
               <a:ext uri="{FF2B5EF4-FFF2-40B4-BE49-F238E27FC236}">
-                <a16:creationId xmlns:a16="http://schemas.microsoft.com/office/drawing/2014/main" id="{9479EC8B-CA99-47EE-87CA-4783F2B8A74C}"/>
+                <a16:creationId xmlns:a16="http://schemas.microsoft.com/office/drawing/2014/main" id="{322A0B80-0819-49BC-A6CD-B557BBE57D9B}"/>
               </a:ext>
             </a:extLst>
           </p:cNvPr>
-          <p:cNvPicPr>
-            <a:picLocks noGrp="1" noChangeAspect="1"/>
-          </p:cNvPicPr>
-          <p:nvPr>
-            <p:ph type="pic" idx="1"/>
-          </p:nvPr>
-        </p:nvPicPr>
-        <p:blipFill>
-          <a:blip r:embed="rId2">
+          <p:cNvSpPr>
+            <a:spLocks noGrp="1"/>
+          </p:cNvSpPr>
+          <p:nvPr>
+            <p:ph type="title"/>
+          </p:nvPr>
+        </p:nvSpPr>
+        <p:spPr/>
+        <p:txBody>
+          <a:bodyPr/>
+          <a:lstStyle/>
+          <a:p>
+            <a:r>
+              <a:rPr lang="de-DE" dirty="0"/>
+              <a:t>Taurus - </a:t>
+            </a:r>
+            <a:r>
+              <a:rPr lang="de-DE" dirty="0" err="1"/>
+              <a:t>QuickCheck</a:t>
+            </a:r>
+            <a:endParaRPr lang="de-DE" dirty="0"/>
+          </a:p>
+        </p:txBody>
+      </p:sp>
+      <p:sp>
+        <p:nvSpPr>
+          <p:cNvPr id="3" name="Inhaltsplatzhalter 2">
             <a:extLst>
-              <a:ext uri="{28A0092B-C50C-407E-A947-70E740481C1C}">
-                <a14:useLocalDpi xmlns:a14="http://schemas.microsoft.com/office/drawing/2010/main" val="0"/>
+              <a:ext uri="{FF2B5EF4-FFF2-40B4-BE49-F238E27FC236}">
+                <a16:creationId xmlns:a16="http://schemas.microsoft.com/office/drawing/2014/main" id="{029CC6A3-08DB-4931-BF73-0D09CE392D40}"/>
               </a:ext>
             </a:extLst>
-          </a:blip>
-          <a:srcRect t="19771" b="19771"/>
-          <a:stretch>
-            <a:fillRect/>
-          </a:stretch>
-        </p:blipFill>
-        <p:spPr/>
-      </p:pic>
+          </p:cNvPr>
+          <p:cNvSpPr>
+            <a:spLocks noGrp="1"/>
+          </p:cNvSpPr>
+          <p:nvPr>
+            <p:ph idx="1"/>
+          </p:nvPr>
+        </p:nvSpPr>
+        <p:spPr/>
+        <p:txBody>
+          <a:bodyPr/>
+          <a:lstStyle/>
+          <a:p>
+            <a:endParaRPr lang="de-DE"/>
+          </a:p>
+        </p:txBody>
+      </p:sp>
+      <p:sp>
+        <p:nvSpPr>
+          <p:cNvPr id="4" name="Datumsplatzhalter 3">
+            <a:extLst>
+              <a:ext uri="{FF2B5EF4-FFF2-40B4-BE49-F238E27FC236}">
+                <a16:creationId xmlns:a16="http://schemas.microsoft.com/office/drawing/2014/main" id="{4DA3D42C-D7BA-4DFC-A56C-E0CF5CD52F00}"/>
+              </a:ext>
+            </a:extLst>
+          </p:cNvPr>
+          <p:cNvSpPr>
+            <a:spLocks noGrp="1"/>
+          </p:cNvSpPr>
+          <p:nvPr>
+            <p:ph type="dt" sz="half" idx="10"/>
+          </p:nvPr>
+        </p:nvSpPr>
+        <p:spPr/>
+        <p:txBody>
+          <a:bodyPr/>
+          <a:lstStyle/>
+          <a:p>
+            <a:fld id="{BBFFFFB7-B427-4FC9-89B5-E815E530C709}" type="datetime1">
+              <a:rPr lang="de-DE" smtClean="0"/>
+              <a:t>31.05.2018</a:t>
+            </a:fld>
+            <a:endParaRPr lang="de-DE"/>
+          </a:p>
+        </p:txBody>
+      </p:sp>
+      <p:sp>
+        <p:nvSpPr>
+          <p:cNvPr id="5" name="Foliennummernplatzhalter 4">
+            <a:extLst>
+              <a:ext uri="{FF2B5EF4-FFF2-40B4-BE49-F238E27FC236}">
+                <a16:creationId xmlns:a16="http://schemas.microsoft.com/office/drawing/2014/main" id="{EBFDD120-4D86-4902-8C6E-9FFF927C4673}"/>
+              </a:ext>
+            </a:extLst>
+          </p:cNvPr>
+          <p:cNvSpPr>
+            <a:spLocks noGrp="1"/>
+          </p:cNvSpPr>
+          <p:nvPr>
+            <p:ph type="sldNum" sz="quarter" idx="12"/>
+          </p:nvPr>
+        </p:nvSpPr>
+        <p:spPr/>
+        <p:txBody>
+          <a:bodyPr/>
+          <a:lstStyle/>
+          <a:p>
+            <a:fld id="{C9BFD74B-BF5B-4F1B-BDFB-3F89FD2A71A6}" type="slidenum">
+              <a:rPr lang="de-DE" smtClean="0"/>
+              <a:t>20</a:t>
+            </a:fld>
+            <a:endParaRPr lang="de-DE"/>
+          </a:p>
+        </p:txBody>
+      </p:sp>
+      <p:graphicFrame>
+        <p:nvGraphicFramePr>
+          <p:cNvPr id="6" name="Inhaltsplatzhalter 5">
+            <a:extLst>
+              <a:ext uri="{FF2B5EF4-FFF2-40B4-BE49-F238E27FC236}">
+                <a16:creationId xmlns:a16="http://schemas.microsoft.com/office/drawing/2014/main" id="{FF00A3D9-267B-4AFB-8125-6AE81E2A5D83}"/>
+              </a:ext>
+            </a:extLst>
+          </p:cNvPr>
+          <p:cNvGraphicFramePr>
+            <a:graphicFrameLocks/>
+          </p:cNvGraphicFramePr>
+          <p:nvPr>
+            <p:extLst>
+              <p:ext uri="{D42A27DB-BD31-4B8C-83A1-F6EECF244321}">
+                <p14:modId xmlns:p14="http://schemas.microsoft.com/office/powerpoint/2010/main" val="2862095619"/>
+              </p:ext>
+            </p:extLst>
+          </p:nvPr>
+        </p:nvGraphicFramePr>
+        <p:xfrm>
+          <a:off x="1096963" y="1846263"/>
+          <a:ext cx="10058400" cy="3337560"/>
+        </p:xfrm>
+        <a:graphic>
+          <a:graphicData uri="http://schemas.openxmlformats.org/drawingml/2006/table">
+            <a:tbl>
+              <a:tblPr bandRow="1">
+                <a:tableStyleId>{5C22544A-7EE6-4342-B048-85BDC9FD1C3A}</a:tableStyleId>
+              </a:tblPr>
+              <a:tblGrid>
+                <a:gridCol w="5029200">
+                  <a:extLst>
+                    <a:ext uri="{9D8B030D-6E8A-4147-A177-3AD203B41FA5}">
+                      <a16:colId xmlns:a16="http://schemas.microsoft.com/office/drawing/2014/main" val="2643309448"/>
+                    </a:ext>
+                  </a:extLst>
+                </a:gridCol>
+                <a:gridCol w="5029200">
+                  <a:extLst>
+                    <a:ext uri="{9D8B030D-6E8A-4147-A177-3AD203B41FA5}">
+                      <a16:colId xmlns:a16="http://schemas.microsoft.com/office/drawing/2014/main" val="4145462692"/>
+                    </a:ext>
+                  </a:extLst>
+                </a:gridCol>
+              </a:tblGrid>
+              <a:tr h="370840">
+                <a:tc>
+                  <a:txBody>
+                    <a:bodyPr/>
+                    <a:lstStyle/>
+                    <a:p>
+                      <a:r>
+                        <a:rPr lang="de-DE" b="1" dirty="0"/>
+                        <a:t>Lizenz</a:t>
+                      </a:r>
+                    </a:p>
+                  </a:txBody>
+                  <a:tcPr/>
+                </a:tc>
+                <a:tc>
+                  <a:txBody>
+                    <a:bodyPr/>
+                    <a:lstStyle/>
+                    <a:p>
+                      <a:r>
+                        <a:rPr lang="de-DE" dirty="0"/>
+                        <a:t>Apache Lizenz 2.0</a:t>
+                      </a:r>
+                    </a:p>
+                  </a:txBody>
+                  <a:tcPr/>
+                </a:tc>
+                <a:extLst>
+                  <a:ext uri="{0D108BD9-81ED-4DB2-BD59-A6C34878D82A}">
+                    <a16:rowId xmlns:a16="http://schemas.microsoft.com/office/drawing/2014/main" val="1184257119"/>
+                  </a:ext>
+                </a:extLst>
+              </a:tr>
+              <a:tr h="370840">
+                <a:tc>
+                  <a:txBody>
+                    <a:bodyPr/>
+                    <a:lstStyle/>
+                    <a:p>
+                      <a:r>
+                        <a:rPr lang="de-DE" b="1" dirty="0" err="1"/>
+                        <a:t>Issue</a:t>
+                      </a:r>
+                      <a:r>
+                        <a:rPr lang="de-DE" b="1" dirty="0"/>
+                        <a:t> Tracker</a:t>
+                      </a:r>
+                    </a:p>
+                  </a:txBody>
+                  <a:tcPr/>
+                </a:tc>
+                <a:tc>
+                  <a:txBody>
+                    <a:bodyPr/>
+                    <a:lstStyle/>
+                    <a:p>
+                      <a:r>
+                        <a:rPr lang="de-DE" dirty="0"/>
+                        <a:t>Nein</a:t>
+                      </a:r>
+                    </a:p>
+                  </a:txBody>
+                  <a:tcPr/>
+                </a:tc>
+                <a:extLst>
+                  <a:ext uri="{0D108BD9-81ED-4DB2-BD59-A6C34878D82A}">
+                    <a16:rowId xmlns:a16="http://schemas.microsoft.com/office/drawing/2014/main" val="3089076478"/>
+                  </a:ext>
+                </a:extLst>
+              </a:tr>
+              <a:tr h="370840">
+                <a:tc>
+                  <a:txBody>
+                    <a:bodyPr/>
+                    <a:lstStyle/>
+                    <a:p>
+                      <a:r>
+                        <a:rPr lang="de-DE" b="1" dirty="0"/>
+                        <a:t>Stable Version &gt; 1.0?</a:t>
+                      </a:r>
+                    </a:p>
+                  </a:txBody>
+                  <a:tcPr/>
+                </a:tc>
+                <a:tc>
+                  <a:txBody>
+                    <a:bodyPr/>
+                    <a:lstStyle/>
+                    <a:p>
+                      <a:r>
+                        <a:rPr lang="de-DE" dirty="0"/>
+                        <a:t>1.11.1</a:t>
+                      </a:r>
+                    </a:p>
+                  </a:txBody>
+                  <a:tcPr/>
+                </a:tc>
+                <a:extLst>
+                  <a:ext uri="{0D108BD9-81ED-4DB2-BD59-A6C34878D82A}">
+                    <a16:rowId xmlns:a16="http://schemas.microsoft.com/office/drawing/2014/main" val="1667510319"/>
+                  </a:ext>
+                </a:extLst>
+              </a:tr>
+              <a:tr h="370840">
+                <a:tc>
+                  <a:txBody>
+                    <a:bodyPr/>
+                    <a:lstStyle/>
+                    <a:p>
+                      <a:r>
+                        <a:rPr lang="de-DE" b="1" dirty="0"/>
+                        <a:t>Auf </a:t>
+                      </a:r>
+                      <a:r>
+                        <a:rPr lang="de-DE" b="1" dirty="0" err="1"/>
+                        <a:t>OpenHub</a:t>
+                      </a:r>
+                      <a:r>
+                        <a:rPr lang="de-DE" b="1" dirty="0"/>
+                        <a:t> gelistet?</a:t>
+                      </a:r>
+                    </a:p>
+                  </a:txBody>
+                  <a:tcPr/>
+                </a:tc>
+                <a:tc>
+                  <a:txBody>
+                    <a:bodyPr/>
+                    <a:lstStyle/>
+                    <a:p>
+                      <a:r>
+                        <a:rPr lang="de-DE" dirty="0"/>
+                        <a:t>Nein</a:t>
+                      </a:r>
+                    </a:p>
+                  </a:txBody>
+                  <a:tcPr/>
+                </a:tc>
+                <a:extLst>
+                  <a:ext uri="{0D108BD9-81ED-4DB2-BD59-A6C34878D82A}">
+                    <a16:rowId xmlns:a16="http://schemas.microsoft.com/office/drawing/2014/main" val="1435722550"/>
+                  </a:ext>
+                </a:extLst>
+              </a:tr>
+              <a:tr h="370840">
+                <a:tc>
+                  <a:txBody>
+                    <a:bodyPr/>
+                    <a:lstStyle/>
+                    <a:p>
+                      <a:r>
+                        <a:rPr lang="de-DE" b="1" dirty="0"/>
+                        <a:t>Google Trends (Durschnitt letzte 12 Monate)</a:t>
+                      </a:r>
+                    </a:p>
+                  </a:txBody>
+                  <a:tcPr/>
+                </a:tc>
+                <a:tc>
+                  <a:txBody>
+                    <a:bodyPr/>
+                    <a:lstStyle/>
+                    <a:p>
+                      <a:r>
+                        <a:rPr lang="de-DE" dirty="0"/>
+                        <a:t>24</a:t>
+                      </a:r>
+                    </a:p>
+                  </a:txBody>
+                  <a:tcPr/>
+                </a:tc>
+                <a:extLst>
+                  <a:ext uri="{0D108BD9-81ED-4DB2-BD59-A6C34878D82A}">
+                    <a16:rowId xmlns:a16="http://schemas.microsoft.com/office/drawing/2014/main" val="2926144639"/>
+                  </a:ext>
+                </a:extLst>
+              </a:tr>
+              <a:tr h="370840">
+                <a:tc>
+                  <a:txBody>
+                    <a:bodyPr/>
+                    <a:lstStyle/>
+                    <a:p>
+                      <a:r>
+                        <a:rPr lang="de-DE" b="1" dirty="0"/>
+                        <a:t>Release in den letzten 12 Monaten?</a:t>
+                      </a:r>
+                    </a:p>
+                  </a:txBody>
+                  <a:tcPr/>
+                </a:tc>
+                <a:tc>
+                  <a:txBody>
+                    <a:bodyPr/>
+                    <a:lstStyle/>
+                    <a:p>
+                      <a:r>
+                        <a:rPr lang="de-DE" dirty="0"/>
+                        <a:t>Ja, April 2018</a:t>
+                      </a:r>
+                    </a:p>
+                  </a:txBody>
+                  <a:tcPr/>
+                </a:tc>
+                <a:extLst>
+                  <a:ext uri="{0D108BD9-81ED-4DB2-BD59-A6C34878D82A}">
+                    <a16:rowId xmlns:a16="http://schemas.microsoft.com/office/drawing/2014/main" val="3247816977"/>
+                  </a:ext>
+                </a:extLst>
+              </a:tr>
+              <a:tr h="370840">
+                <a:tc>
+                  <a:txBody>
+                    <a:bodyPr/>
+                    <a:lstStyle/>
+                    <a:p>
+                      <a:r>
+                        <a:rPr lang="de-DE" b="1" dirty="0" err="1"/>
+                        <a:t>StackOverflow</a:t>
+                      </a:r>
+                      <a:r>
+                        <a:rPr lang="de-DE" b="1" dirty="0"/>
+                        <a:t> Interesse</a:t>
+                      </a:r>
+                    </a:p>
+                  </a:txBody>
+                  <a:tcPr/>
+                </a:tc>
+                <a:tc>
+                  <a:txBody>
+                    <a:bodyPr/>
+                    <a:lstStyle/>
+                    <a:p>
+                      <a:r>
+                        <a:rPr lang="de-DE" dirty="0"/>
+                        <a:t>&gt; 500 Fragen</a:t>
+                      </a:r>
+                    </a:p>
+                  </a:txBody>
+                  <a:tcPr/>
+                </a:tc>
+                <a:extLst>
+                  <a:ext uri="{0D108BD9-81ED-4DB2-BD59-A6C34878D82A}">
+                    <a16:rowId xmlns:a16="http://schemas.microsoft.com/office/drawing/2014/main" val="1050846634"/>
+                  </a:ext>
+                </a:extLst>
+              </a:tr>
+              <a:tr h="370840">
+                <a:tc>
+                  <a:txBody>
+                    <a:bodyPr/>
+                    <a:lstStyle/>
+                    <a:p>
+                      <a:r>
+                        <a:rPr lang="de-DE" b="1" dirty="0"/>
+                        <a:t>Projekt älter als 1 Jahr?</a:t>
+                      </a:r>
+                    </a:p>
+                  </a:txBody>
+                  <a:tcPr/>
+                </a:tc>
+                <a:tc>
+                  <a:txBody>
+                    <a:bodyPr/>
+                    <a:lstStyle/>
+                    <a:p>
+                      <a:r>
+                        <a:rPr lang="de-DE" dirty="0"/>
+                        <a:t>Ja, 2016</a:t>
+                      </a:r>
+                    </a:p>
+                  </a:txBody>
+                  <a:tcPr/>
+                </a:tc>
+                <a:extLst>
+                  <a:ext uri="{0D108BD9-81ED-4DB2-BD59-A6C34878D82A}">
+                    <a16:rowId xmlns:a16="http://schemas.microsoft.com/office/drawing/2014/main" val="2354061839"/>
+                  </a:ext>
+                </a:extLst>
+              </a:tr>
+              <a:tr h="370840">
+                <a:tc>
+                  <a:txBody>
+                    <a:bodyPr/>
+                    <a:lstStyle/>
+                    <a:p>
+                      <a:r>
+                        <a:rPr lang="de-DE" b="1" dirty="0" err="1"/>
+                        <a:t>Getting-Started</a:t>
+                      </a:r>
+                      <a:r>
+                        <a:rPr lang="de-DE" b="1" dirty="0"/>
+                        <a:t> / Quickstart vorhanden?</a:t>
+                      </a:r>
+                    </a:p>
+                  </a:txBody>
+                  <a:tcPr/>
+                </a:tc>
+                <a:tc>
+                  <a:txBody>
+                    <a:bodyPr/>
+                    <a:lstStyle/>
+                    <a:p>
+                      <a:endParaRPr lang="de-DE" dirty="0"/>
+                    </a:p>
+                  </a:txBody>
+                  <a:tcPr/>
+                </a:tc>
+                <a:extLst>
+                  <a:ext uri="{0D108BD9-81ED-4DB2-BD59-A6C34878D82A}">
+                    <a16:rowId xmlns:a16="http://schemas.microsoft.com/office/drawing/2014/main" val="248342669"/>
+                  </a:ext>
+                </a:extLst>
+              </a:tr>
+            </a:tbl>
+          </a:graphicData>
+        </a:graphic>
+      </p:graphicFrame>
     </p:spTree>
     <p:extLst>
       <p:ext uri="{BB962C8B-B14F-4D97-AF65-F5344CB8AC3E}">
-        <p14:creationId xmlns:p14="http://schemas.microsoft.com/office/powerpoint/2010/main" val="148461379"/>
+        <p14:creationId xmlns:p14="http://schemas.microsoft.com/office/powerpoint/2010/main" val="1442946040"/>
+      </p:ext>
+    </p:extLst>
+  </p:cSld>
+  <p:clrMapOvr>
+    <a:masterClrMapping/>
+  </p:clrMapOvr>
+</p:sld>
+</file>
+
+<file path=ppt/slides/slide21.xml><?xml version="1.0" encoding="utf-8"?>
+<p:sld xmlns:a="http://schemas.openxmlformats.org/drawingml/2006/main" xmlns:r="http://schemas.openxmlformats.org/officeDocument/2006/relationships" xmlns:p="http://schemas.openxmlformats.org/presentationml/2006/main">
+  <p:cSld>
+    <p:spTree>
+      <p:nvGrpSpPr>
+        <p:cNvPr id="1" name=""/>
+        <p:cNvGrpSpPr/>
+        <p:nvPr/>
+      </p:nvGrpSpPr>
+      <p:grpSpPr>
+        <a:xfrm>
+          <a:off x="0" y="0"/>
+          <a:ext cx="0" cy="0"/>
+          <a:chOff x="0" y="0"/>
+          <a:chExt cx="0" cy="0"/>
+        </a:xfrm>
+      </p:grpSpPr>
+      <p:sp>
+        <p:nvSpPr>
+          <p:cNvPr id="2" name="Titel 1">
+            <a:extLst>
+              <a:ext uri="{FF2B5EF4-FFF2-40B4-BE49-F238E27FC236}">
+                <a16:creationId xmlns:a16="http://schemas.microsoft.com/office/drawing/2014/main" id="{B68BB816-72DF-46DE-96A1-CB92DC0B0ED2}"/>
+              </a:ext>
+            </a:extLst>
+          </p:cNvPr>
+          <p:cNvSpPr>
+            <a:spLocks noGrp="1"/>
+          </p:cNvSpPr>
+          <p:nvPr>
+            <p:ph type="title"/>
+          </p:nvPr>
+        </p:nvSpPr>
+        <p:spPr/>
+        <p:txBody>
+          <a:bodyPr/>
+          <a:lstStyle/>
+          <a:p>
+            <a:r>
+              <a:rPr lang="de-DE" dirty="0"/>
+              <a:t>Vergleich der Tools</a:t>
+            </a:r>
+          </a:p>
+        </p:txBody>
+      </p:sp>
+      <p:sp>
+        <p:nvSpPr>
+          <p:cNvPr id="3" name="Inhaltsplatzhalter 2">
+            <a:extLst>
+              <a:ext uri="{FF2B5EF4-FFF2-40B4-BE49-F238E27FC236}">
+                <a16:creationId xmlns:a16="http://schemas.microsoft.com/office/drawing/2014/main" id="{4EA705FA-56CE-49B9-B1C5-5EB90CA5B8CA}"/>
+              </a:ext>
+            </a:extLst>
+          </p:cNvPr>
+          <p:cNvSpPr>
+            <a:spLocks noGrp="1"/>
+          </p:cNvSpPr>
+          <p:nvPr>
+            <p:ph idx="1"/>
+          </p:nvPr>
+        </p:nvSpPr>
+        <p:spPr/>
+        <p:txBody>
+          <a:bodyPr/>
+          <a:lstStyle/>
+          <a:p>
+            <a:endParaRPr lang="de-DE"/>
+          </a:p>
+        </p:txBody>
+      </p:sp>
+      <p:sp>
+        <p:nvSpPr>
+          <p:cNvPr id="4" name="Datumsplatzhalter 3">
+            <a:extLst>
+              <a:ext uri="{FF2B5EF4-FFF2-40B4-BE49-F238E27FC236}">
+                <a16:creationId xmlns:a16="http://schemas.microsoft.com/office/drawing/2014/main" id="{5D94FDB3-0612-4193-9D13-FFB99D6C8012}"/>
+              </a:ext>
+            </a:extLst>
+          </p:cNvPr>
+          <p:cNvSpPr>
+            <a:spLocks noGrp="1"/>
+          </p:cNvSpPr>
+          <p:nvPr>
+            <p:ph type="dt" sz="half" idx="10"/>
+          </p:nvPr>
+        </p:nvSpPr>
+        <p:spPr/>
+        <p:txBody>
+          <a:bodyPr/>
+          <a:lstStyle/>
+          <a:p>
+            <a:fld id="{BBFFFFB7-B427-4FC9-89B5-E815E530C709}" type="datetime1">
+              <a:rPr lang="de-DE" smtClean="0"/>
+              <a:t>31.05.2018</a:t>
+            </a:fld>
+            <a:endParaRPr lang="de-DE"/>
+          </a:p>
+        </p:txBody>
+      </p:sp>
+      <p:sp>
+        <p:nvSpPr>
+          <p:cNvPr id="5" name="Foliennummernplatzhalter 4">
+            <a:extLst>
+              <a:ext uri="{FF2B5EF4-FFF2-40B4-BE49-F238E27FC236}">
+                <a16:creationId xmlns:a16="http://schemas.microsoft.com/office/drawing/2014/main" id="{9E7EE13C-82C2-4752-8B1C-17E12E9AE882}"/>
+              </a:ext>
+            </a:extLst>
+          </p:cNvPr>
+          <p:cNvSpPr>
+            <a:spLocks noGrp="1"/>
+          </p:cNvSpPr>
+          <p:nvPr>
+            <p:ph type="sldNum" sz="quarter" idx="12"/>
+          </p:nvPr>
+        </p:nvSpPr>
+        <p:spPr/>
+        <p:txBody>
+          <a:bodyPr/>
+          <a:lstStyle/>
+          <a:p>
+            <a:fld id="{C9BFD74B-BF5B-4F1B-BDFB-3F89FD2A71A6}" type="slidenum">
+              <a:rPr lang="de-DE" smtClean="0"/>
+              <a:t>21</a:t>
+            </a:fld>
+            <a:endParaRPr lang="de-DE"/>
+          </a:p>
+        </p:txBody>
+      </p:sp>
+    </p:spTree>
+    <p:extLst>
+      <p:ext uri="{BB962C8B-B14F-4D97-AF65-F5344CB8AC3E}">
+        <p14:creationId xmlns:p14="http://schemas.microsoft.com/office/powerpoint/2010/main" val="1588856150"/>
+      </p:ext>
+    </p:extLst>
+  </p:cSld>
+  <p:clrMapOvr>
+    <a:masterClrMapping/>
+  </p:clrMapOvr>
+</p:sld>
+</file>
+
+<file path=ppt/slides/slide22.xml><?xml version="1.0" encoding="utf-8"?>
+<p:sld xmlns:a="http://schemas.openxmlformats.org/drawingml/2006/main" xmlns:r="http://schemas.openxmlformats.org/officeDocument/2006/relationships" xmlns:p="http://schemas.openxmlformats.org/presentationml/2006/main">
+  <p:cSld>
+    <p:spTree>
+      <p:nvGrpSpPr>
+        <p:cNvPr id="1" name=""/>
+        <p:cNvGrpSpPr/>
+        <p:nvPr/>
+      </p:nvGrpSpPr>
+      <p:grpSpPr>
+        <a:xfrm>
+          <a:off x="0" y="0"/>
+          <a:ext cx="0" cy="0"/>
+          <a:chOff x="0" y="0"/>
+          <a:chExt cx="0" cy="0"/>
+        </a:xfrm>
+      </p:grpSpPr>
+      <p:sp>
+        <p:nvSpPr>
+          <p:cNvPr id="7" name="Titel 6">
+            <a:extLst>
+              <a:ext uri="{FF2B5EF4-FFF2-40B4-BE49-F238E27FC236}">
+                <a16:creationId xmlns:a16="http://schemas.microsoft.com/office/drawing/2014/main" id="{767599E4-6E36-4F73-BCFA-D5FDF915B10B}"/>
+              </a:ext>
+            </a:extLst>
+          </p:cNvPr>
+          <p:cNvSpPr>
+            <a:spLocks noGrp="1"/>
+          </p:cNvSpPr>
+          <p:nvPr>
+            <p:ph type="title"/>
+          </p:nvPr>
+        </p:nvSpPr>
+        <p:spPr/>
+        <p:txBody>
+          <a:bodyPr/>
+          <a:lstStyle/>
+          <a:p>
+            <a:r>
+              <a:rPr lang="de-DE" dirty="0"/>
+              <a:t>Vorgehen</a:t>
+            </a:r>
+          </a:p>
+        </p:txBody>
+      </p:sp>
+      <p:sp>
+        <p:nvSpPr>
+          <p:cNvPr id="8" name="Inhaltsplatzhalter 7">
+            <a:extLst>
+              <a:ext uri="{FF2B5EF4-FFF2-40B4-BE49-F238E27FC236}">
+                <a16:creationId xmlns:a16="http://schemas.microsoft.com/office/drawing/2014/main" id="{CA22FE36-884A-4AF4-8ACB-5C0B855947EC}"/>
+              </a:ext>
+            </a:extLst>
+          </p:cNvPr>
+          <p:cNvSpPr>
+            <a:spLocks noGrp="1"/>
+          </p:cNvSpPr>
+          <p:nvPr>
+            <p:ph idx="1"/>
+          </p:nvPr>
+        </p:nvSpPr>
+        <p:spPr>
+          <a:xfrm>
+            <a:off x="1097280" y="1881244"/>
+            <a:ext cx="10058400" cy="4023360"/>
+          </a:xfrm>
+        </p:spPr>
+        <p:txBody>
+          <a:bodyPr/>
+          <a:lstStyle/>
+          <a:p>
+            <a:pPr>
+              <a:buFont typeface="Wingdings" panose="05000000000000000000" pitchFamily="2" charset="2"/>
+              <a:buChar char="Ø"/>
+            </a:pPr>
+            <a:r>
+              <a:rPr lang="de-DE" dirty="0"/>
+              <a:t> REST-Webservice (Car-Repository) mit </a:t>
+            </a:r>
+            <a:r>
+              <a:rPr lang="de-DE" dirty="0" err="1"/>
+              <a:t>docker-compose</a:t>
+            </a:r>
+            <a:r>
+              <a:rPr lang="de-DE" dirty="0"/>
+              <a:t> (</a:t>
+            </a:r>
+            <a:r>
+              <a:rPr lang="de-DE" dirty="0" err="1"/>
+              <a:t>Postgres</a:t>
+            </a:r>
+            <a:r>
+              <a:rPr lang="de-DE" dirty="0"/>
+              <a:t>-Datenbank, </a:t>
+            </a:r>
+            <a:r>
+              <a:rPr lang="de-DE" dirty="0" err="1"/>
+              <a:t>WebService</a:t>
+            </a:r>
+            <a:r>
+              <a:rPr lang="de-DE" dirty="0"/>
+              <a:t>)</a:t>
+            </a:r>
+          </a:p>
+          <a:p>
+            <a:pPr>
+              <a:buFont typeface="Wingdings" panose="05000000000000000000" pitchFamily="2" charset="2"/>
+              <a:buChar char="Ø"/>
+            </a:pPr>
+            <a:r>
+              <a:rPr lang="de-DE" dirty="0"/>
+              <a:t> Lasttest-Implementierungen in den jeweiligen Technologien als </a:t>
+            </a:r>
+            <a:r>
+              <a:rPr lang="de-DE" dirty="0" err="1"/>
+              <a:t>IntelliJ</a:t>
+            </a:r>
+            <a:r>
+              <a:rPr lang="de-DE" dirty="0"/>
+              <a:t>-Projekt</a:t>
+            </a:r>
+          </a:p>
+          <a:p>
+            <a:pPr>
+              <a:buFont typeface="Wingdings" panose="05000000000000000000" pitchFamily="2" charset="2"/>
+              <a:buChar char="Ø"/>
+            </a:pPr>
+            <a:r>
+              <a:rPr lang="de-DE" dirty="0"/>
+              <a:t> Durchführung der einzelnen Tests mithilfe von </a:t>
+            </a:r>
+            <a:r>
+              <a:rPr lang="de-DE" dirty="0" err="1"/>
+              <a:t>Gradle</a:t>
+            </a:r>
+            <a:r>
+              <a:rPr lang="de-DE" dirty="0"/>
+              <a:t> Tasks</a:t>
+            </a:r>
+          </a:p>
+        </p:txBody>
+      </p:sp>
+      <p:sp>
+        <p:nvSpPr>
+          <p:cNvPr id="5" name="Datumsplatzhalter 4">
+            <a:extLst>
+              <a:ext uri="{FF2B5EF4-FFF2-40B4-BE49-F238E27FC236}">
+                <a16:creationId xmlns:a16="http://schemas.microsoft.com/office/drawing/2014/main" id="{439FB78A-3BF6-46CE-B4AB-9984D8C2C860}"/>
+              </a:ext>
+            </a:extLst>
+          </p:cNvPr>
+          <p:cNvSpPr>
+            <a:spLocks noGrp="1"/>
+          </p:cNvSpPr>
+          <p:nvPr>
+            <p:ph type="dt" sz="half" idx="10"/>
+          </p:nvPr>
+        </p:nvSpPr>
+        <p:spPr/>
+        <p:txBody>
+          <a:bodyPr/>
+          <a:lstStyle/>
+          <a:p>
+            <a:fld id="{5E3FA0F3-663C-4E4D-A9AD-FCEECA59737D}" type="datetime1">
+              <a:rPr lang="de-DE" smtClean="0"/>
+              <a:t>31.05.2018</a:t>
+            </a:fld>
+            <a:endParaRPr lang="de-DE"/>
+          </a:p>
+        </p:txBody>
+      </p:sp>
+      <p:sp>
+        <p:nvSpPr>
+          <p:cNvPr id="6" name="Foliennummernplatzhalter 5">
+            <a:extLst>
+              <a:ext uri="{FF2B5EF4-FFF2-40B4-BE49-F238E27FC236}">
+                <a16:creationId xmlns:a16="http://schemas.microsoft.com/office/drawing/2014/main" id="{01017A2E-4076-4D7B-83DB-B9BC98A3E9C4}"/>
+              </a:ext>
+            </a:extLst>
+          </p:cNvPr>
+          <p:cNvSpPr>
+            <a:spLocks noGrp="1"/>
+          </p:cNvSpPr>
+          <p:nvPr>
+            <p:ph type="sldNum" sz="quarter" idx="12"/>
+          </p:nvPr>
+        </p:nvSpPr>
+        <p:spPr/>
+        <p:txBody>
+          <a:bodyPr/>
+          <a:lstStyle/>
+          <a:p>
+            <a:fld id="{C9BFD74B-BF5B-4F1B-BDFB-3F89FD2A71A6}" type="slidenum">
+              <a:rPr lang="de-DE" smtClean="0"/>
+              <a:t>22</a:t>
+            </a:fld>
+            <a:endParaRPr lang="de-DE"/>
+          </a:p>
+        </p:txBody>
+      </p:sp>
+    </p:spTree>
+    <p:extLst>
+      <p:ext uri="{BB962C8B-B14F-4D97-AF65-F5344CB8AC3E}">
+        <p14:creationId xmlns:p14="http://schemas.microsoft.com/office/powerpoint/2010/main" val="2829847060"/>
+      </p:ext>
+    </p:extLst>
+  </p:cSld>
+  <p:clrMapOvr>
+    <a:masterClrMapping/>
+  </p:clrMapOvr>
+</p:sld>
+</file>
+
+<file path=ppt/slides/slide23.xml><?xml version="1.0" encoding="utf-8"?>
+<p:sld xmlns:a="http://schemas.openxmlformats.org/drawingml/2006/main" xmlns:r="http://schemas.openxmlformats.org/officeDocument/2006/relationships" xmlns:p="http://schemas.openxmlformats.org/presentationml/2006/main">
+  <p:cSld>
+    <p:spTree>
+      <p:nvGrpSpPr>
+        <p:cNvPr id="1" name=""/>
+        <p:cNvGrpSpPr/>
+        <p:nvPr/>
+      </p:nvGrpSpPr>
+      <p:grpSpPr>
+        <a:xfrm>
+          <a:off x="0" y="0"/>
+          <a:ext cx="0" cy="0"/>
+          <a:chOff x="0" y="0"/>
+          <a:chExt cx="0" cy="0"/>
+        </a:xfrm>
+      </p:grpSpPr>
+      <p:sp>
+        <p:nvSpPr>
+          <p:cNvPr id="2" name="Titel 1">
+            <a:extLst>
+              <a:ext uri="{FF2B5EF4-FFF2-40B4-BE49-F238E27FC236}">
+                <a16:creationId xmlns:a16="http://schemas.microsoft.com/office/drawing/2014/main" id="{CFA6FC09-FD2A-4DC6-AA0E-AD0A47762821}"/>
+              </a:ext>
+            </a:extLst>
+          </p:cNvPr>
+          <p:cNvSpPr>
+            <a:spLocks noGrp="1"/>
+          </p:cNvSpPr>
+          <p:nvPr>
+            <p:ph type="title"/>
+          </p:nvPr>
+        </p:nvSpPr>
+        <p:spPr/>
+        <p:txBody>
+          <a:bodyPr/>
+          <a:lstStyle/>
+          <a:p>
+            <a:r>
+              <a:rPr lang="de-DE" dirty="0"/>
+              <a:t>Quellenverzeichnis</a:t>
+            </a:r>
+          </a:p>
+        </p:txBody>
+      </p:sp>
+      <p:sp>
+        <p:nvSpPr>
+          <p:cNvPr id="3" name="Inhaltsplatzhalter 2">
+            <a:extLst>
+              <a:ext uri="{FF2B5EF4-FFF2-40B4-BE49-F238E27FC236}">
+                <a16:creationId xmlns:a16="http://schemas.microsoft.com/office/drawing/2014/main" id="{F926B786-52E8-4D73-810F-00938F8555A6}"/>
+              </a:ext>
+            </a:extLst>
+          </p:cNvPr>
+          <p:cNvSpPr>
+            <a:spLocks noGrp="1"/>
+          </p:cNvSpPr>
+          <p:nvPr>
+            <p:ph idx="1"/>
+          </p:nvPr>
+        </p:nvSpPr>
+        <p:spPr/>
+        <p:txBody>
+          <a:bodyPr/>
+          <a:lstStyle/>
+          <a:p>
+            <a:r>
+              <a:rPr lang="de-DE" dirty="0"/>
+              <a:t>Gatling Logo: </a:t>
+            </a:r>
+            <a:r>
+              <a:rPr lang="de-DE" dirty="0">
+                <a:hlinkClick r:id="rId2"/>
+              </a:rPr>
+              <a:t>https://gatling.io</a:t>
+            </a:r>
+            <a:endParaRPr lang="de-DE" dirty="0"/>
+          </a:p>
+          <a:p>
+            <a:r>
+              <a:rPr lang="de-DE" dirty="0" err="1"/>
+              <a:t>Locust</a:t>
+            </a:r>
+            <a:r>
+              <a:rPr lang="de-DE" dirty="0"/>
+              <a:t> Logo: </a:t>
+            </a:r>
+            <a:r>
+              <a:rPr lang="de-DE" dirty="0">
+                <a:hlinkClick r:id="rId3"/>
+              </a:rPr>
+              <a:t>https://locust.io</a:t>
+            </a:r>
+            <a:endParaRPr lang="de-DE" dirty="0"/>
+          </a:p>
+          <a:p>
+            <a:r>
+              <a:rPr lang="de-DE" dirty="0" err="1"/>
+              <a:t>NGrinder</a:t>
+            </a:r>
+            <a:r>
+              <a:rPr lang="de-DE" dirty="0"/>
+              <a:t> Logo: </a:t>
+            </a:r>
+            <a:r>
+              <a:rPr lang="de-DE" dirty="0">
+                <a:hlinkClick r:id="rId4"/>
+              </a:rPr>
+              <a:t>http://naver.github.io/ngrinder/</a:t>
+            </a:r>
+            <a:endParaRPr lang="de-DE" dirty="0"/>
+          </a:p>
+          <a:p>
+            <a:r>
+              <a:rPr lang="de-DE" dirty="0" err="1"/>
+              <a:t>Artillery</a:t>
+            </a:r>
+            <a:r>
+              <a:rPr lang="de-DE" dirty="0"/>
+              <a:t> Logo: </a:t>
+            </a:r>
+            <a:r>
+              <a:rPr lang="de-DE" dirty="0">
+                <a:hlinkClick r:id="rId5"/>
+              </a:rPr>
+              <a:t>https://artillery.io</a:t>
+            </a:r>
+            <a:endParaRPr lang="de-DE" dirty="0"/>
+          </a:p>
+          <a:p>
+            <a:r>
+              <a:rPr lang="de-DE" dirty="0"/>
+              <a:t>k6 Logo: </a:t>
+            </a:r>
+            <a:r>
+              <a:rPr lang="de-DE" dirty="0">
+                <a:hlinkClick r:id="rId6"/>
+              </a:rPr>
+              <a:t>https://k6.io</a:t>
+            </a:r>
+            <a:endParaRPr lang="de-DE" dirty="0"/>
+          </a:p>
+          <a:p>
+            <a:r>
+              <a:rPr lang="de-DE" dirty="0"/>
+              <a:t>Taurus Logo: </a:t>
+            </a:r>
+            <a:r>
+              <a:rPr lang="de-DE" dirty="0">
+                <a:hlinkClick r:id="rId7"/>
+              </a:rPr>
+              <a:t>https://gettaurus.org</a:t>
+            </a:r>
+            <a:endParaRPr lang="de-DE" dirty="0"/>
+          </a:p>
+          <a:p>
+            <a:endParaRPr lang="de-DE" dirty="0"/>
+          </a:p>
+          <a:p>
+            <a:endParaRPr lang="de-DE" dirty="0"/>
+          </a:p>
+          <a:p>
+            <a:endParaRPr lang="de-DE" dirty="0"/>
+          </a:p>
+        </p:txBody>
+      </p:sp>
+      <p:sp>
+        <p:nvSpPr>
+          <p:cNvPr id="4" name="Datumsplatzhalter 3">
+            <a:extLst>
+              <a:ext uri="{FF2B5EF4-FFF2-40B4-BE49-F238E27FC236}">
+                <a16:creationId xmlns:a16="http://schemas.microsoft.com/office/drawing/2014/main" id="{3E9F0B9F-17E5-4703-8283-92A0990D0830}"/>
+              </a:ext>
+            </a:extLst>
+          </p:cNvPr>
+          <p:cNvSpPr>
+            <a:spLocks noGrp="1"/>
+          </p:cNvSpPr>
+          <p:nvPr>
+            <p:ph type="dt" sz="half" idx="10"/>
+          </p:nvPr>
+        </p:nvSpPr>
+        <p:spPr/>
+        <p:txBody>
+          <a:bodyPr/>
+          <a:lstStyle/>
+          <a:p>
+            <a:fld id="{928650A1-1A79-48B9-A942-815D58127345}" type="datetime1">
+              <a:rPr lang="de-DE" smtClean="0"/>
+              <a:t>31.05.2018</a:t>
+            </a:fld>
+            <a:endParaRPr lang="de-DE"/>
+          </a:p>
+        </p:txBody>
+      </p:sp>
+      <p:sp>
+        <p:nvSpPr>
+          <p:cNvPr id="5" name="Foliennummernplatzhalter 4">
+            <a:extLst>
+              <a:ext uri="{FF2B5EF4-FFF2-40B4-BE49-F238E27FC236}">
+                <a16:creationId xmlns:a16="http://schemas.microsoft.com/office/drawing/2014/main" id="{81891E25-DF85-4697-83D5-B83859A51B2C}"/>
+              </a:ext>
+            </a:extLst>
+          </p:cNvPr>
+          <p:cNvSpPr>
+            <a:spLocks noGrp="1"/>
+          </p:cNvSpPr>
+          <p:nvPr>
+            <p:ph type="sldNum" sz="quarter" idx="12"/>
+          </p:nvPr>
+        </p:nvSpPr>
+        <p:spPr/>
+        <p:txBody>
+          <a:bodyPr/>
+          <a:lstStyle/>
+          <a:p>
+            <a:fld id="{C9BFD74B-BF5B-4F1B-BDFB-3F89FD2A71A6}" type="slidenum">
+              <a:rPr lang="de-DE" smtClean="0"/>
+              <a:t>23</a:t>
+            </a:fld>
+            <a:endParaRPr lang="de-DE"/>
+          </a:p>
+        </p:txBody>
+      </p:sp>
+    </p:spTree>
+    <p:extLst>
+      <p:ext uri="{BB962C8B-B14F-4D97-AF65-F5344CB8AC3E}">
+        <p14:creationId xmlns:p14="http://schemas.microsoft.com/office/powerpoint/2010/main" val="78394033"/>
       </p:ext>
     </p:extLst>
   </p:cSld>
@@ -6264,8 +9234,8 @@
           <a:lstStyle/>
           <a:p>
             <a:pPr>
-              <a:buFont typeface="Arial" panose="020B0604020202020204" pitchFamily="34" charset="0"/>
-              <a:buChar char="•"/>
+              <a:buFont typeface="Wingdings" panose="05000000000000000000" pitchFamily="2" charset="2"/>
+              <a:buChar char="Ø"/>
             </a:pPr>
             <a:r>
               <a:rPr lang="de-DE" dirty="0"/>
@@ -6274,40 +9244,32 @@
           </a:p>
           <a:p>
             <a:pPr>
-              <a:buFont typeface="Arial" panose="020B0604020202020204" pitchFamily="34" charset="0"/>
-              <a:buChar char="•"/>
+              <a:buFont typeface="Wingdings" panose="05000000000000000000" pitchFamily="2" charset="2"/>
+              <a:buChar char="Ø"/>
             </a:pPr>
             <a:r>
               <a:rPr lang="de-DE" dirty="0"/>
-              <a:t> Performance-Metriken sammeln (z.B. für Stakeholder)</a:t>
+              <a:t> Performance-Metriken sammeln</a:t>
             </a:r>
           </a:p>
           <a:p>
             <a:pPr>
-              <a:buFont typeface="Arial" panose="020B0604020202020204" pitchFamily="34" charset="0"/>
-              <a:buChar char="•"/>
+              <a:buFont typeface="Wingdings" panose="05000000000000000000" pitchFamily="2" charset="2"/>
+              <a:buChar char="Ø"/>
             </a:pPr>
             <a:r>
               <a:rPr lang="de-DE" dirty="0"/>
-              <a:t> Validieren der Hardware</a:t>
+              <a:t> Validieren der aktuell eingesetzten Hardware</a:t>
             </a:r>
           </a:p>
           <a:p>
             <a:pPr>
-              <a:buFont typeface="Arial" panose="020B0604020202020204" pitchFamily="34" charset="0"/>
-              <a:buChar char="•"/>
+              <a:buFont typeface="Wingdings" panose="05000000000000000000" pitchFamily="2" charset="2"/>
+              <a:buChar char="Ø"/>
             </a:pPr>
             <a:r>
               <a:rPr lang="de-DE" dirty="0"/>
-              <a:t> Simulieren des „</a:t>
-            </a:r>
-            <a:r>
-              <a:rPr lang="de-DE" dirty="0" err="1"/>
-              <a:t>go</a:t>
-            </a:r>
-            <a:r>
-              <a:rPr lang="de-DE" dirty="0"/>
-              <a:t>-live“ (Kunden, Last)</a:t>
+              <a:t> Simulieren des „Go-live“ (Kunden, Last)</a:t>
             </a:r>
           </a:p>
         </p:txBody>
@@ -6335,7 +9297,7 @@
           <a:p>
             <a:fld id="{5E3FA0F3-663C-4E4D-A9AD-FCEECA59737D}" type="datetime1">
               <a:rPr lang="de-DE" smtClean="0"/>
-              <a:t>21.05.2018</a:t>
+              <a:t>31.05.2018</a:t>
             </a:fld>
             <a:endParaRPr lang="de-DE"/>
           </a:p>
@@ -6452,8 +9414,8 @@
           <a:lstStyle/>
           <a:p>
             <a:pPr>
-              <a:buFont typeface="Arial" panose="020B0604020202020204" pitchFamily="34" charset="0"/>
-              <a:buChar char="•"/>
+              <a:buFont typeface="Wingdings" panose="05000000000000000000" pitchFamily="2" charset="2"/>
+              <a:buChar char="Ø"/>
             </a:pPr>
             <a:r>
               <a:rPr lang="de-DE" dirty="0"/>
@@ -6462,23 +9424,18 @@
           </a:p>
           <a:p>
             <a:pPr lvl="1">
-              <a:buFont typeface="Arial" panose="020B0604020202020204" pitchFamily="34" charset="0"/>
-              <a:buChar char="•"/>
+              <a:buFont typeface="Wingdings" panose="05000000000000000000" pitchFamily="2" charset="2"/>
+              <a:buChar char="Ø"/>
             </a:pPr>
             <a:r>
               <a:rPr lang="de-DE" dirty="0"/>
-              <a:t>Messen von Geschwindigkeit, Stabilität und Skalierbarkeit </a:t>
-            </a:r>
-            <a:r>
-              <a:rPr lang="de-DE"/>
-              <a:t>eines Systems</a:t>
-            </a:r>
-            <a:endParaRPr lang="de-DE" dirty="0"/>
+              <a:t> Messen von Geschwindigkeit, Stabilität und Skalierbarkeit eines Systems</a:t>
+            </a:r>
           </a:p>
           <a:p>
             <a:pPr>
-              <a:buFont typeface="Arial" panose="020B0604020202020204" pitchFamily="34" charset="0"/>
-              <a:buChar char="•"/>
+              <a:buFont typeface="Wingdings" panose="05000000000000000000" pitchFamily="2" charset="2"/>
+              <a:buChar char="Ø"/>
             </a:pPr>
             <a:r>
               <a:rPr lang="de-DE" dirty="0"/>
@@ -6495,23 +9452,23 @@
           </a:p>
           <a:p>
             <a:pPr lvl="1">
-              <a:buFont typeface="Arial" panose="020B0604020202020204" pitchFamily="34" charset="0"/>
-              <a:buChar char="•"/>
+              <a:buFont typeface="Wingdings" panose="05000000000000000000" pitchFamily="2" charset="2"/>
+              <a:buChar char="Ø"/>
             </a:pPr>
             <a:r>
               <a:rPr lang="de-DE" dirty="0"/>
-              <a:t>Überprüfung der SLA (Service Level Agreement)</a:t>
+              <a:t> Überprüfung der SLA (Service Level Agreement)</a:t>
             </a:r>
             <a:endParaRPr lang="en-US" dirty="0"/>
           </a:p>
           <a:p>
             <a:pPr lvl="1">
-              <a:buFont typeface="Arial" panose="020B0604020202020204" pitchFamily="34" charset="0"/>
-              <a:buChar char="•"/>
+              <a:buFont typeface="Wingdings" panose="05000000000000000000" pitchFamily="2" charset="2"/>
+              <a:buChar char="Ø"/>
             </a:pPr>
             <a:r>
               <a:rPr lang="de-DE" dirty="0"/>
-              <a:t>Getestet wird mit der </a:t>
+              <a:t> Getestet wird mit der </a:t>
             </a:r>
             <a:r>
               <a:rPr lang="de-DE" b="1" dirty="0"/>
@@ -6521,8 +9478,8 @@
           </a:p>
           <a:p>
             <a:pPr>
-              <a:buFont typeface="Arial" panose="020B0604020202020204" pitchFamily="34" charset="0"/>
-              <a:buChar char="•"/>
+              <a:buFont typeface="Wingdings" panose="05000000000000000000" pitchFamily="2" charset="2"/>
+              <a:buChar char="Ø"/>
             </a:pPr>
             <a:r>
               <a:rPr lang="de-DE" dirty="0"/>
@@ -6531,12 +9488,12 @@
           </a:p>
           <a:p>
             <a:pPr lvl="1">
-              <a:buFont typeface="Arial" panose="020B0604020202020204" pitchFamily="34" charset="0"/>
-              <a:buChar char="•"/>
+              <a:buFont typeface="Wingdings" panose="05000000000000000000" pitchFamily="2" charset="2"/>
+              <a:buChar char="Ø"/>
             </a:pPr>
             <a:r>
               <a:rPr lang="de-DE" dirty="0"/>
-              <a:t>Getestet wird mit einer Last, die </a:t>
+              <a:t> Getestet wird mit einer Last, die </a:t>
             </a:r>
             <a:r>
               <a:rPr lang="de-DE" b="1" dirty="0"/>
@@ -6549,18 +9506,18 @@
           </a:p>
           <a:p>
             <a:pPr lvl="1">
-              <a:buFont typeface="Arial" panose="020B0604020202020204" pitchFamily="34" charset="0"/>
-              <a:buChar char="•"/>
+              <a:buFont typeface="Wingdings" panose="05000000000000000000" pitchFamily="2" charset="2"/>
+              <a:buChar char="Ø"/>
             </a:pPr>
             <a:r>
               <a:rPr lang="de-DE" dirty="0"/>
-              <a:t>Ziel: Finden von Bugs unter hoher Last</a:t>
+              <a:t> Ziel: Finden von Bugs unter hoher Last</a:t>
             </a:r>
           </a:p>
           <a:p>
             <a:pPr>
-              <a:buFont typeface="Arial" panose="020B0604020202020204" pitchFamily="34" charset="0"/>
-              <a:buChar char="•"/>
+              <a:buFont typeface="Wingdings" panose="05000000000000000000" pitchFamily="2" charset="2"/>
+              <a:buChar char="Ø"/>
             </a:pPr>
             <a:r>
               <a:rPr lang="de-DE" dirty="0"/>
@@ -6592,7 +9549,7 @@
           <a:p>
             <a:fld id="{5E3FA0F3-663C-4E4D-A9AD-FCEECA59737D}" type="datetime1">
               <a:rPr lang="de-DE" smtClean="0"/>
-              <a:t>21.05.2018</a:t>
+              <a:t>31.05.2018</a:t>
             </a:fld>
             <a:endParaRPr lang="de-DE"/>
           </a:p>
@@ -6659,178 +9616,6 @@
       </p:grpSpPr>
       <p:sp>
         <p:nvSpPr>
-          <p:cNvPr id="6" name="Titel 5">
-            <a:extLst>
-              <a:ext uri="{FF2B5EF4-FFF2-40B4-BE49-F238E27FC236}">
-                <a16:creationId xmlns:a16="http://schemas.microsoft.com/office/drawing/2014/main" id="{28620508-0340-40FF-81A1-52C4EEBAAB42}"/>
-              </a:ext>
-            </a:extLst>
-          </p:cNvPr>
-          <p:cNvSpPr>
-            <a:spLocks noGrp="1"/>
-          </p:cNvSpPr>
-          <p:nvPr>
-            <p:ph type="title"/>
-          </p:nvPr>
-        </p:nvSpPr>
-        <p:spPr/>
-        <p:txBody>
-          <a:bodyPr/>
-          <a:lstStyle/>
-          <a:p>
-            <a:r>
-              <a:rPr lang="de-DE" dirty="0"/>
-              <a:t>Open Source Tools</a:t>
-            </a:r>
-          </a:p>
-        </p:txBody>
-      </p:sp>
-      <p:sp>
-        <p:nvSpPr>
-          <p:cNvPr id="8" name="Textplatzhalter 7">
-            <a:extLst>
-              <a:ext uri="{FF2B5EF4-FFF2-40B4-BE49-F238E27FC236}">
-                <a16:creationId xmlns:a16="http://schemas.microsoft.com/office/drawing/2014/main" id="{BC240A89-D422-406C-BAAE-DD008E96C984}"/>
-              </a:ext>
-            </a:extLst>
-          </p:cNvPr>
-          <p:cNvSpPr>
-            <a:spLocks noGrp="1"/>
-          </p:cNvSpPr>
-          <p:nvPr>
-            <p:ph type="body" sz="half" idx="2"/>
-          </p:nvPr>
-        </p:nvSpPr>
-        <p:spPr/>
-        <p:txBody>
-          <a:bodyPr/>
-          <a:lstStyle/>
-          <a:p>
-            <a:endParaRPr lang="de-DE"/>
-          </a:p>
-        </p:txBody>
-      </p:sp>
-      <p:sp>
-        <p:nvSpPr>
-          <p:cNvPr id="4" name="Datumsplatzhalter 3">
-            <a:extLst>
-              <a:ext uri="{FF2B5EF4-FFF2-40B4-BE49-F238E27FC236}">
-                <a16:creationId xmlns:a16="http://schemas.microsoft.com/office/drawing/2014/main" id="{C056333F-2D32-4A23-A893-2F3061C3ADBF}"/>
-              </a:ext>
-            </a:extLst>
-          </p:cNvPr>
-          <p:cNvSpPr>
-            <a:spLocks noGrp="1"/>
-          </p:cNvSpPr>
-          <p:nvPr>
-            <p:ph type="dt" sz="half" idx="10"/>
-          </p:nvPr>
-        </p:nvSpPr>
-        <p:spPr/>
-        <p:txBody>
-          <a:bodyPr/>
-          <a:lstStyle/>
-          <a:p>
-            <a:fld id="{BBFFFFB7-B427-4FC9-89B5-E815E530C709}" type="datetime1">
-              <a:rPr lang="de-DE" smtClean="0"/>
-              <a:t>21.05.2018</a:t>
-            </a:fld>
-            <a:endParaRPr lang="de-DE"/>
-          </a:p>
-        </p:txBody>
-      </p:sp>
-      <p:sp>
-        <p:nvSpPr>
-          <p:cNvPr id="5" name="Foliennummernplatzhalter 4">
-            <a:extLst>
-              <a:ext uri="{FF2B5EF4-FFF2-40B4-BE49-F238E27FC236}">
-                <a16:creationId xmlns:a16="http://schemas.microsoft.com/office/drawing/2014/main" id="{4A1C50A1-A045-4478-90DD-03A9BE828EAE}"/>
-              </a:ext>
-            </a:extLst>
-          </p:cNvPr>
-          <p:cNvSpPr>
-            <a:spLocks noGrp="1"/>
-          </p:cNvSpPr>
-          <p:nvPr>
-            <p:ph type="sldNum" sz="quarter" idx="12"/>
-          </p:nvPr>
-        </p:nvSpPr>
-        <p:spPr/>
-        <p:txBody>
-          <a:bodyPr/>
-          <a:lstStyle/>
-          <a:p>
-            <a:fld id="{C9BFD74B-BF5B-4F1B-BDFB-3F89FD2A71A6}" type="slidenum">
-              <a:rPr lang="de-DE" smtClean="0"/>
-              <a:t>5</a:t>
-            </a:fld>
-            <a:endParaRPr lang="de-DE"/>
-          </a:p>
-        </p:txBody>
-      </p:sp>
-      <p:pic>
-        <p:nvPicPr>
-          <p:cNvPr id="14" name="Bildplatzhalter 13">
-            <a:extLst>
-              <a:ext uri="{FF2B5EF4-FFF2-40B4-BE49-F238E27FC236}">
-                <a16:creationId xmlns:a16="http://schemas.microsoft.com/office/drawing/2014/main" id="{2743B35F-DDE0-44FA-966D-73E1ADEF33B9}"/>
-              </a:ext>
-            </a:extLst>
-          </p:cNvPr>
-          <p:cNvPicPr>
-            <a:picLocks noGrp="1" noChangeAspect="1"/>
-          </p:cNvPicPr>
-          <p:nvPr>
-            <p:ph type="pic" idx="1"/>
-          </p:nvPr>
-        </p:nvPicPr>
-        <p:blipFill>
-          <a:blip r:embed="rId2">
-            <a:extLst>
-              <a:ext uri="{28A0092B-C50C-407E-A947-70E740481C1C}">
-                <a14:useLocalDpi xmlns:a14="http://schemas.microsoft.com/office/drawing/2010/main" val="0"/>
-              </a:ext>
-            </a:extLst>
-          </a:blip>
-          <a:srcRect t="19890" b="19890"/>
-          <a:stretch>
-            <a:fillRect/>
-          </a:stretch>
-        </p:blipFill>
-        <p:spPr/>
-      </p:pic>
-    </p:spTree>
-    <p:extLst>
-      <p:ext uri="{BB962C8B-B14F-4D97-AF65-F5344CB8AC3E}">
-        <p14:creationId xmlns:p14="http://schemas.microsoft.com/office/powerpoint/2010/main" val="4233569752"/>
-      </p:ext>
-    </p:extLst>
-  </p:cSld>
-  <p:clrMapOvr>
-    <a:masterClrMapping/>
-  </p:clrMapOvr>
-</p:sld>
-</file>
-
-<file path=ppt/slides/slide6.xml><?xml version="1.0" encoding="utf-8"?>
-<p:sld xmlns:a="http://schemas.openxmlformats.org/drawingml/2006/main" xmlns:r="http://schemas.openxmlformats.org/officeDocument/2006/relationships" xmlns:p="http://schemas.openxmlformats.org/presentationml/2006/main">
-  <p:cSld>
-    <p:spTree>
-      <p:nvGrpSpPr>
-        <p:cNvPr id="1" name=""/>
-        <p:cNvGrpSpPr/>
-        <p:nvPr/>
-      </p:nvGrpSpPr>
-      <p:grpSpPr>
-        <a:xfrm>
-          <a:off x="0" y="0"/>
-          <a:ext cx="0" cy="0"/>
-          <a:chOff x="0" y="0"/>
-          <a:chExt cx="0" cy="0"/>
-        </a:xfrm>
-      </p:grpSpPr>
-      <p:sp>
-        <p:nvSpPr>
           <p:cNvPr id="2" name="Titel 1">
             <a:extLst>
               <a:ext uri="{FF2B5EF4-FFF2-40B4-BE49-F238E27FC236}">
@@ -6879,33 +9664,36 @@
           <a:lstStyle/>
           <a:p>
             <a:pPr>
-              <a:buFont typeface="Arial" panose="020B0604020202020204" pitchFamily="34" charset="0"/>
-              <a:buChar char="•"/>
+              <a:buFont typeface="Wingdings" panose="05000000000000000000" pitchFamily="2" charset="2"/>
+              <a:buChar char="Ø"/>
             </a:pPr>
             <a:r>
               <a:rPr lang="de-DE" dirty="0"/>
-              <a:t> 2011 veröffentlicht (aktuell in Version 2.2.0)</a:t>
+              <a:t>Programmiersprache: Scala</a:t>
             </a:r>
           </a:p>
           <a:p>
             <a:pPr>
-              <a:buFont typeface="Arial" panose="020B0604020202020204" pitchFamily="34" charset="0"/>
-              <a:buChar char="•"/>
+              <a:buFont typeface="Wingdings" panose="05000000000000000000" pitchFamily="2" charset="2"/>
+              <a:buChar char="Ø"/>
             </a:pPr>
             <a:r>
               <a:rPr lang="de-DE" dirty="0"/>
-              <a:t> Apache License 2.0</a:t>
-            </a:r>
-          </a:p>
-          <a:p>
-            <a:pPr>
-              <a:buFont typeface="Arial" panose="020B0604020202020204" pitchFamily="34" charset="0"/>
-              <a:buChar char="•"/>
-            </a:pPr>
+              <a:t> Einbindung als </a:t>
+            </a:r>
+            <a:r>
+              <a:rPr lang="de-DE" dirty="0" err="1"/>
+              <a:t>Gradle</a:t>
+            </a:r>
             <a:r>
               <a:rPr lang="de-DE" dirty="0"/>
-              <a:t> Programmiersprache: Scala</a:t>
-            </a:r>
+              <a:t> </a:t>
+            </a:r>
+            <a:r>
+              <a:rPr lang="de-DE" dirty="0" err="1"/>
+              <a:t>Dependency</a:t>
+            </a:r>
+            <a:endParaRPr lang="de-DE" dirty="0"/>
           </a:p>
           <a:p>
             <a:endParaRPr lang="de-DE" dirty="0"/>
@@ -6935,7 +9723,7 @@
           <a:p>
             <a:fld id="{40945502-2D6D-4EF3-B5E9-AD6E136212A6}" type="datetime1">
               <a:rPr lang="de-DE" smtClean="0"/>
-              <a:t>21.05.2018</a:t>
+              <a:t>31.05.2018</a:t>
             </a:fld>
             <a:endParaRPr lang="de-DE"/>
           </a:p>
@@ -6964,7 +9752,7 @@
           <a:p>
             <a:fld id="{C9BFD74B-BF5B-4F1B-BDFB-3F89FD2A71A6}" type="slidenum">
               <a:rPr lang="de-DE" smtClean="0"/>
-              <a:t>6</a:t>
+              <a:t>5</a:t>
             </a:fld>
             <a:endParaRPr lang="de-DE"/>
           </a:p>
@@ -7039,8 +9827,8 @@
         </p:blipFill>
         <p:spPr>
           <a:xfrm>
-            <a:off x="1098032" y="3496811"/>
-            <a:ext cx="10114451" cy="2098646"/>
+            <a:off x="486407" y="2887344"/>
+            <a:ext cx="11456531" cy="2377114"/>
           </a:xfrm>
           <a:prstGeom prst="rect">
             <a:avLst/>
@@ -7051,6 +9839,495 @@
     <p:extLst>
       <p:ext uri="{BB962C8B-B14F-4D97-AF65-F5344CB8AC3E}">
         <p14:creationId xmlns:p14="http://schemas.microsoft.com/office/powerpoint/2010/main" val="1163232943"/>
+      </p:ext>
+    </p:extLst>
+  </p:cSld>
+  <p:clrMapOvr>
+    <a:masterClrMapping/>
+  </p:clrMapOvr>
+</p:sld>
+</file>
+
+<file path=ppt/slides/slide6.xml><?xml version="1.0" encoding="utf-8"?>
+<p:sld xmlns:a="http://schemas.openxmlformats.org/drawingml/2006/main" xmlns:r="http://schemas.openxmlformats.org/officeDocument/2006/relationships" xmlns:p="http://schemas.openxmlformats.org/presentationml/2006/main">
+  <p:cSld>
+    <p:spTree>
+      <p:nvGrpSpPr>
+        <p:cNvPr id="1" name=""/>
+        <p:cNvGrpSpPr/>
+        <p:nvPr/>
+      </p:nvGrpSpPr>
+      <p:grpSpPr>
+        <a:xfrm>
+          <a:off x="0" y="0"/>
+          <a:ext cx="0" cy="0"/>
+          <a:chOff x="0" y="0"/>
+          <a:chExt cx="0" cy="0"/>
+        </a:xfrm>
+      </p:grpSpPr>
+      <p:sp>
+        <p:nvSpPr>
+          <p:cNvPr id="2" name="Titel 1">
+            <a:extLst>
+              <a:ext uri="{FF2B5EF4-FFF2-40B4-BE49-F238E27FC236}">
+                <a16:creationId xmlns:a16="http://schemas.microsoft.com/office/drawing/2014/main" id="{AA5420C7-8792-4658-9B57-D2FAE1BA0341}"/>
+              </a:ext>
+            </a:extLst>
+          </p:cNvPr>
+          <p:cNvSpPr>
+            <a:spLocks noGrp="1"/>
+          </p:cNvSpPr>
+          <p:nvPr>
+            <p:ph type="title"/>
+          </p:nvPr>
+        </p:nvSpPr>
+        <p:spPr/>
+        <p:txBody>
+          <a:bodyPr/>
+          <a:lstStyle/>
+          <a:p>
+            <a:r>
+              <a:rPr lang="de-DE" dirty="0"/>
+              <a:t>Gatling - </a:t>
+            </a:r>
+            <a:r>
+              <a:rPr lang="de-DE" dirty="0" err="1"/>
+              <a:t>QuickCheck</a:t>
+            </a:r>
+            <a:endParaRPr lang="de-DE" dirty="0"/>
+          </a:p>
+        </p:txBody>
+      </p:sp>
+      <p:graphicFrame>
+        <p:nvGraphicFramePr>
+          <p:cNvPr id="6" name="Inhaltsplatzhalter 5">
+            <a:extLst>
+              <a:ext uri="{FF2B5EF4-FFF2-40B4-BE49-F238E27FC236}">
+                <a16:creationId xmlns:a16="http://schemas.microsoft.com/office/drawing/2014/main" id="{6743B922-0D39-432D-A37D-2A4E4CD4E4ED}"/>
+              </a:ext>
+            </a:extLst>
+          </p:cNvPr>
+          <p:cNvGraphicFramePr>
+            <a:graphicFrameLocks noGrp="1"/>
+          </p:cNvGraphicFramePr>
+          <p:nvPr>
+            <p:ph idx="1"/>
+            <p:extLst>
+              <p:ext uri="{D42A27DB-BD31-4B8C-83A1-F6EECF244321}">
+                <p14:modId xmlns:p14="http://schemas.microsoft.com/office/powerpoint/2010/main" val="2575136870"/>
+              </p:ext>
+            </p:extLst>
+          </p:nvPr>
+        </p:nvGraphicFramePr>
+        <p:xfrm>
+          <a:off x="1096963" y="1846263"/>
+          <a:ext cx="10058400" cy="3337560"/>
+        </p:xfrm>
+        <a:graphic>
+          <a:graphicData uri="http://schemas.openxmlformats.org/drawingml/2006/table">
+            <a:tbl>
+              <a:tblPr bandRow="1">
+                <a:tableStyleId>{5C22544A-7EE6-4342-B048-85BDC9FD1C3A}</a:tableStyleId>
+              </a:tblPr>
+              <a:tblGrid>
+                <a:gridCol w="5029200">
+                  <a:extLst>
+                    <a:ext uri="{9D8B030D-6E8A-4147-A177-3AD203B41FA5}">
+                      <a16:colId xmlns:a16="http://schemas.microsoft.com/office/drawing/2014/main" val="2643309448"/>
+                    </a:ext>
+                  </a:extLst>
+                </a:gridCol>
+                <a:gridCol w="5029200">
+                  <a:extLst>
+                    <a:ext uri="{9D8B030D-6E8A-4147-A177-3AD203B41FA5}">
+                      <a16:colId xmlns:a16="http://schemas.microsoft.com/office/drawing/2014/main" val="4145462692"/>
+                    </a:ext>
+                  </a:extLst>
+                </a:gridCol>
+              </a:tblGrid>
+              <a:tr h="370840">
+                <a:tc>
+                  <a:txBody>
+                    <a:bodyPr/>
+                    <a:lstStyle/>
+                    <a:p>
+                      <a:r>
+                        <a:rPr lang="de-DE" b="1" dirty="0"/>
+                        <a:t>Lizenz</a:t>
+                      </a:r>
+                    </a:p>
+                  </a:txBody>
+                  <a:tcPr/>
+                </a:tc>
+                <a:tc>
+                  <a:txBody>
+                    <a:bodyPr/>
+                    <a:lstStyle/>
+                    <a:p>
+                      <a:r>
+                        <a:rPr lang="de-DE" dirty="0"/>
+                        <a:t>Apache Lizenz 2.0</a:t>
+                      </a:r>
+                    </a:p>
+                  </a:txBody>
+                  <a:tcPr/>
+                </a:tc>
+                <a:extLst>
+                  <a:ext uri="{0D108BD9-81ED-4DB2-BD59-A6C34878D82A}">
+                    <a16:rowId xmlns:a16="http://schemas.microsoft.com/office/drawing/2014/main" val="1184257119"/>
+                  </a:ext>
+                </a:extLst>
+              </a:tr>
+              <a:tr h="370840">
+                <a:tc>
+                  <a:txBody>
+                    <a:bodyPr/>
+                    <a:lstStyle/>
+                    <a:p>
+                      <a:r>
+                        <a:rPr lang="de-DE" b="1" dirty="0" err="1"/>
+                        <a:t>Issue</a:t>
+                      </a:r>
+                      <a:r>
+                        <a:rPr lang="de-DE" b="1" dirty="0"/>
+                        <a:t> Tracker</a:t>
+                      </a:r>
+                    </a:p>
+                  </a:txBody>
+                  <a:tcPr/>
+                </a:tc>
+                <a:tc>
+                  <a:txBody>
+                    <a:bodyPr/>
+                    <a:lstStyle/>
+                    <a:p>
+                      <a:r>
+                        <a:rPr lang="de-DE" dirty="0"/>
+                        <a:t>GitHub</a:t>
+                      </a:r>
+                    </a:p>
+                  </a:txBody>
+                  <a:tcPr/>
+                </a:tc>
+                <a:extLst>
+                  <a:ext uri="{0D108BD9-81ED-4DB2-BD59-A6C34878D82A}">
+                    <a16:rowId xmlns:a16="http://schemas.microsoft.com/office/drawing/2014/main" val="3089076478"/>
+                  </a:ext>
+                </a:extLst>
+              </a:tr>
+              <a:tr h="370840">
+                <a:tc>
+                  <a:txBody>
+                    <a:bodyPr/>
+                    <a:lstStyle/>
+                    <a:p>
+                      <a:r>
+                        <a:rPr lang="de-DE" b="1" dirty="0"/>
+                        <a:t>Stable Version &gt; 1.0?</a:t>
+                      </a:r>
+                    </a:p>
+                  </a:txBody>
+                  <a:tcPr/>
+                </a:tc>
+                <a:tc>
+                  <a:txBody>
+                    <a:bodyPr/>
+                    <a:lstStyle/>
+                    <a:p>
+                      <a:r>
+                        <a:rPr lang="de-DE" dirty="0"/>
+                        <a:t>2.2.0</a:t>
+                      </a:r>
+                    </a:p>
+                  </a:txBody>
+                  <a:tcPr/>
+                </a:tc>
+                <a:extLst>
+                  <a:ext uri="{0D108BD9-81ED-4DB2-BD59-A6C34878D82A}">
+                    <a16:rowId xmlns:a16="http://schemas.microsoft.com/office/drawing/2014/main" val="1667510319"/>
+                  </a:ext>
+                </a:extLst>
+              </a:tr>
+              <a:tr h="370840">
+                <a:tc>
+                  <a:txBody>
+                    <a:bodyPr/>
+                    <a:lstStyle/>
+                    <a:p>
+                      <a:r>
+                        <a:rPr lang="de-DE" b="1" dirty="0"/>
+                        <a:t>Auf </a:t>
+                      </a:r>
+                      <a:r>
+                        <a:rPr lang="de-DE" b="1" dirty="0" err="1"/>
+                        <a:t>OpenHub</a:t>
+                      </a:r>
+                      <a:r>
+                        <a:rPr lang="de-DE" b="1" dirty="0"/>
+                        <a:t> gelistet?</a:t>
+                      </a:r>
+                    </a:p>
+                  </a:txBody>
+                  <a:tcPr/>
+                </a:tc>
+                <a:tc>
+                  <a:txBody>
+                    <a:bodyPr/>
+                    <a:lstStyle/>
+                    <a:p>
+                      <a:r>
+                        <a:rPr lang="de-DE" dirty="0"/>
+                        <a:t>Ja</a:t>
+                      </a:r>
+                    </a:p>
+                  </a:txBody>
+                  <a:tcPr/>
+                </a:tc>
+                <a:extLst>
+                  <a:ext uri="{0D108BD9-81ED-4DB2-BD59-A6C34878D82A}">
+                    <a16:rowId xmlns:a16="http://schemas.microsoft.com/office/drawing/2014/main" val="1435722550"/>
+                  </a:ext>
+                </a:extLst>
+              </a:tr>
+              <a:tr h="370840">
+                <a:tc>
+                  <a:txBody>
+                    <a:bodyPr/>
+                    <a:lstStyle/>
+                    <a:p>
+                      <a:r>
+                        <a:rPr lang="de-DE" b="1" dirty="0"/>
+                        <a:t>Google Trends (Durschnitt letzte 12 Monate)</a:t>
+                      </a:r>
+                    </a:p>
+                  </a:txBody>
+                  <a:tcPr/>
+                </a:tc>
+                <a:tc>
+                  <a:txBody>
+                    <a:bodyPr/>
+                    <a:lstStyle/>
+                    <a:p>
+                      <a:r>
+                        <a:rPr lang="de-DE" dirty="0"/>
+                        <a:t>18</a:t>
+                      </a:r>
+                    </a:p>
+                  </a:txBody>
+                  <a:tcPr/>
+                </a:tc>
+                <a:extLst>
+                  <a:ext uri="{0D108BD9-81ED-4DB2-BD59-A6C34878D82A}">
+                    <a16:rowId xmlns:a16="http://schemas.microsoft.com/office/drawing/2014/main" val="2926144639"/>
+                  </a:ext>
+                </a:extLst>
+              </a:tr>
+              <a:tr h="370840">
+                <a:tc>
+                  <a:txBody>
+                    <a:bodyPr/>
+                    <a:lstStyle/>
+                    <a:p>
+                      <a:r>
+                        <a:rPr lang="de-DE" b="1" dirty="0"/>
+                        <a:t>Release in den letzten 12 Monaten?</a:t>
+                      </a:r>
+                    </a:p>
+                  </a:txBody>
+                  <a:tcPr/>
+                </a:tc>
+                <a:tc>
+                  <a:txBody>
+                    <a:bodyPr/>
+                    <a:lstStyle/>
+                    <a:p>
+                      <a:r>
+                        <a:rPr lang="de-DE" dirty="0"/>
+                        <a:t>Nein, April 2016</a:t>
+                      </a:r>
+                    </a:p>
+                  </a:txBody>
+                  <a:tcPr/>
+                </a:tc>
+                <a:extLst>
+                  <a:ext uri="{0D108BD9-81ED-4DB2-BD59-A6C34878D82A}">
+                    <a16:rowId xmlns:a16="http://schemas.microsoft.com/office/drawing/2014/main" val="3247816977"/>
+                  </a:ext>
+                </a:extLst>
+              </a:tr>
+              <a:tr h="370840">
+                <a:tc>
+                  <a:txBody>
+                    <a:bodyPr/>
+                    <a:lstStyle/>
+                    <a:p>
+                      <a:r>
+                        <a:rPr lang="de-DE" b="1" dirty="0" err="1"/>
+                        <a:t>StackOverflow</a:t>
+                      </a:r>
+                      <a:r>
+                        <a:rPr lang="de-DE" b="1" dirty="0"/>
+                        <a:t> Interesse</a:t>
+                      </a:r>
+                    </a:p>
+                  </a:txBody>
+                  <a:tcPr/>
+                </a:tc>
+                <a:tc>
+                  <a:txBody>
+                    <a:bodyPr/>
+                    <a:lstStyle/>
+                    <a:p>
+                      <a:r>
+                        <a:rPr lang="de-DE" dirty="0"/>
+                        <a:t>&gt; 500 Fragen</a:t>
+                      </a:r>
+                    </a:p>
+                  </a:txBody>
+                  <a:tcPr/>
+                </a:tc>
+                <a:extLst>
+                  <a:ext uri="{0D108BD9-81ED-4DB2-BD59-A6C34878D82A}">
+                    <a16:rowId xmlns:a16="http://schemas.microsoft.com/office/drawing/2014/main" val="1050846634"/>
+                  </a:ext>
+                </a:extLst>
+              </a:tr>
+              <a:tr h="370840">
+                <a:tc>
+                  <a:txBody>
+                    <a:bodyPr/>
+                    <a:lstStyle/>
+                    <a:p>
+                      <a:r>
+                        <a:rPr lang="de-DE" b="1" dirty="0"/>
+                        <a:t>Projekt älter als 1 Jahr?</a:t>
+                      </a:r>
+                    </a:p>
+                  </a:txBody>
+                  <a:tcPr/>
+                </a:tc>
+                <a:tc>
+                  <a:txBody>
+                    <a:bodyPr/>
+                    <a:lstStyle/>
+                    <a:p>
+                      <a:r>
+                        <a:rPr lang="de-DE" dirty="0"/>
+                        <a:t>Ja, 2011</a:t>
+                      </a:r>
+                    </a:p>
+                  </a:txBody>
+                  <a:tcPr/>
+                </a:tc>
+                <a:extLst>
+                  <a:ext uri="{0D108BD9-81ED-4DB2-BD59-A6C34878D82A}">
+                    <a16:rowId xmlns:a16="http://schemas.microsoft.com/office/drawing/2014/main" val="2354061839"/>
+                  </a:ext>
+                </a:extLst>
+              </a:tr>
+              <a:tr h="370840">
+                <a:tc>
+                  <a:txBody>
+                    <a:bodyPr/>
+                    <a:lstStyle/>
+                    <a:p>
+                      <a:r>
+                        <a:rPr lang="de-DE" b="1" dirty="0" err="1"/>
+                        <a:t>Getting-Started</a:t>
+                      </a:r>
+                      <a:r>
+                        <a:rPr lang="de-DE" b="1" dirty="0"/>
+                        <a:t> / Quickstart vorhanden?</a:t>
+                      </a:r>
+                    </a:p>
+                  </a:txBody>
+                  <a:tcPr/>
+                </a:tc>
+                <a:tc>
+                  <a:txBody>
+                    <a:bodyPr/>
+                    <a:lstStyle/>
+                    <a:p>
+                      <a:r>
+                        <a:rPr lang="de-DE" dirty="0"/>
+                        <a:t>Ja</a:t>
+                      </a:r>
+                    </a:p>
+                  </a:txBody>
+                  <a:tcPr/>
+                </a:tc>
+                <a:extLst>
+                  <a:ext uri="{0D108BD9-81ED-4DB2-BD59-A6C34878D82A}">
+                    <a16:rowId xmlns:a16="http://schemas.microsoft.com/office/drawing/2014/main" val="2679417557"/>
+                  </a:ext>
+                </a:extLst>
+              </a:tr>
+            </a:tbl>
+          </a:graphicData>
+        </a:graphic>
+      </p:graphicFrame>
+      <p:sp>
+        <p:nvSpPr>
+          <p:cNvPr id="4" name="Datumsplatzhalter 3">
+            <a:extLst>
+              <a:ext uri="{FF2B5EF4-FFF2-40B4-BE49-F238E27FC236}">
+                <a16:creationId xmlns:a16="http://schemas.microsoft.com/office/drawing/2014/main" id="{5266DE27-CF86-40AF-B11C-4D4F194355DA}"/>
+              </a:ext>
+            </a:extLst>
+          </p:cNvPr>
+          <p:cNvSpPr>
+            <a:spLocks noGrp="1"/>
+          </p:cNvSpPr>
+          <p:nvPr>
+            <p:ph type="dt" sz="half" idx="10"/>
+          </p:nvPr>
+        </p:nvSpPr>
+        <p:spPr/>
+        <p:txBody>
+          <a:bodyPr/>
+          <a:lstStyle/>
+          <a:p>
+            <a:fld id="{BBFFFFB7-B427-4FC9-89B5-E815E530C709}" type="datetime1">
+              <a:rPr lang="de-DE" smtClean="0"/>
+              <a:t>31.05.2018</a:t>
+            </a:fld>
+            <a:endParaRPr lang="de-DE"/>
+          </a:p>
+        </p:txBody>
+      </p:sp>
+      <p:sp>
+        <p:nvSpPr>
+          <p:cNvPr id="5" name="Foliennummernplatzhalter 4">
+            <a:extLst>
+              <a:ext uri="{FF2B5EF4-FFF2-40B4-BE49-F238E27FC236}">
+                <a16:creationId xmlns:a16="http://schemas.microsoft.com/office/drawing/2014/main" id="{25BE26E0-2DA1-4FF2-BA25-97B5F5BD0BED}"/>
+              </a:ext>
+            </a:extLst>
+          </p:cNvPr>
+          <p:cNvSpPr>
+            <a:spLocks noGrp="1"/>
+          </p:cNvSpPr>
+          <p:nvPr>
+            <p:ph type="sldNum" sz="quarter" idx="12"/>
+          </p:nvPr>
+        </p:nvSpPr>
+        <p:spPr/>
+        <p:txBody>
+          <a:bodyPr/>
+          <a:lstStyle/>
+          <a:p>
+            <a:fld id="{C9BFD74B-BF5B-4F1B-BDFB-3F89FD2A71A6}" type="slidenum">
+              <a:rPr lang="de-DE" smtClean="0"/>
+              <a:t>6</a:t>
+            </a:fld>
+            <a:endParaRPr lang="de-DE"/>
+          </a:p>
+        </p:txBody>
+      </p:sp>
+    </p:spTree>
+    <p:extLst>
+      <p:ext uri="{BB962C8B-B14F-4D97-AF65-F5344CB8AC3E}">
+        <p14:creationId xmlns:p14="http://schemas.microsoft.com/office/powerpoint/2010/main" val="3996118560"/>
       </p:ext>
     </p:extLst>
   </p:cSld>
@@ -7133,32 +10410,30 @@
           <a:lstStyle/>
           <a:p>
             <a:pPr>
-              <a:buFont typeface="Arial" panose="020B0604020202020204" pitchFamily="34" charset="0"/>
-              <a:buChar char="•"/>
+              <a:buFont typeface="Wingdings" panose="05000000000000000000" pitchFamily="2" charset="2"/>
+              <a:buChar char="Ø"/>
             </a:pPr>
             <a:r>
               <a:rPr lang="de-DE" dirty="0"/>
-              <a:t> 2011 veröffentlicht (aktuell in Version 0.8)</a:t>
+              <a:t>Programmiersprache: Python</a:t>
             </a:r>
           </a:p>
           <a:p>
             <a:pPr>
-              <a:buFont typeface="Arial" panose="020B0604020202020204" pitchFamily="34" charset="0"/>
-              <a:buChar char="•"/>
+              <a:buFont typeface="Wingdings" panose="05000000000000000000" pitchFamily="2" charset="2"/>
+              <a:buChar char="Ø"/>
             </a:pPr>
             <a:r>
               <a:rPr lang="de-DE" dirty="0"/>
-              <a:t> MIT Lizenz</a:t>
-            </a:r>
-          </a:p>
-          <a:p>
-            <a:pPr>
-              <a:buFont typeface="Arial" panose="020B0604020202020204" pitchFamily="34" charset="0"/>
-              <a:buChar char="•"/>
-            </a:pPr>
+              <a:t> Installation via Python „</a:t>
+            </a:r>
+            <a:r>
+              <a:rPr lang="de-DE" dirty="0" err="1"/>
+              <a:t>pip</a:t>
+            </a:r>
             <a:r>
               <a:rPr lang="de-DE" dirty="0"/>
-              <a:t> Programmiersprache: Python</a:t>
+              <a:t>“</a:t>
             </a:r>
           </a:p>
         </p:txBody>
@@ -7186,7 +10461,7 @@
           <a:p>
             <a:fld id="{BBFFFFB7-B427-4FC9-89B5-E815E530C709}" type="datetime1">
               <a:rPr lang="de-DE" smtClean="0"/>
-              <a:t>21.05.2018</a:t>
+              <a:t>31.05.2018</a:t>
             </a:fld>
             <a:endParaRPr lang="de-DE"/>
           </a:p>
@@ -7273,8 +10548,8 @@
         </p:blipFill>
         <p:spPr>
           <a:xfrm>
-            <a:off x="1097280" y="3330996"/>
-            <a:ext cx="10058400" cy="2433155"/>
+            <a:off x="466964" y="2686900"/>
+            <a:ext cx="11389335" cy="2755112"/>
           </a:xfrm>
           <a:prstGeom prst="rect">
             <a:avLst/>
@@ -7316,7 +10591,7 @@
           <p:cNvPr id="2" name="Titel 1">
             <a:extLst>
               <a:ext uri="{FF2B5EF4-FFF2-40B4-BE49-F238E27FC236}">
-                <a16:creationId xmlns:a16="http://schemas.microsoft.com/office/drawing/2014/main" id="{A2D705C3-5F14-4196-A350-902948233A9E}"/>
+                <a16:creationId xmlns:a16="http://schemas.microsoft.com/office/drawing/2014/main" id="{73947EBD-AB2F-4F32-A760-04C4585DFC1D}"/>
               </a:ext>
             </a:extLst>
           </p:cNvPr>
@@ -7333,9 +10608,18 @@
           <a:lstStyle/>
           <a:p>
             <a:r>
+              <a:rPr lang="de-DE" dirty="0" err="1"/>
+              <a:t>Locust</a:t>
+            </a:r>
+            <a:r>
               <a:rPr lang="de-DE" dirty="0"/>
-              <a:t>Apache Bench (ab)</a:t>
-            </a:r>
+              <a:t> - </a:t>
+            </a:r>
+            <a:r>
+              <a:rPr lang="de-DE" dirty="0" err="1"/>
+              <a:t>QuickCheck</a:t>
+            </a:r>
+            <a:endParaRPr lang="de-DE" dirty="0"/>
           </a:p>
         </p:txBody>
       </p:sp>
@@ -7344,7 +10628,7 @@
           <p:cNvPr id="3" name="Inhaltsplatzhalter 2">
             <a:extLst>
               <a:ext uri="{FF2B5EF4-FFF2-40B4-BE49-F238E27FC236}">
-                <a16:creationId xmlns:a16="http://schemas.microsoft.com/office/drawing/2014/main" id="{90AF249A-3A63-443A-A094-D67D929D9ACB}"/>
+                <a16:creationId xmlns:a16="http://schemas.microsoft.com/office/drawing/2014/main" id="{7C0CB3DD-9AD0-408A-BD39-F1C09BFF091C}"/>
               </a:ext>
             </a:extLst>
           </p:cNvPr>
@@ -7360,24 +10644,7 @@
           <a:bodyPr/>
           <a:lstStyle/>
           <a:p>
-            <a:pPr>
-              <a:buFont typeface="Arial" panose="020B0604020202020204" pitchFamily="34" charset="0"/>
-              <a:buChar char="•"/>
-            </a:pPr>
-            <a:r>
-              <a:rPr lang="de-DE" dirty="0"/>
-              <a:t> Apache License</a:t>
-            </a:r>
-          </a:p>
-          <a:p>
-            <a:pPr>
-              <a:buFont typeface="Arial" panose="020B0604020202020204" pitchFamily="34" charset="0"/>
-              <a:buChar char="•"/>
-            </a:pPr>
-            <a:r>
-              <a:rPr lang="de-DE" dirty="0"/>
-              <a:t> CLI</a:t>
-            </a:r>
+            <a:endParaRPr lang="de-DE"/>
           </a:p>
         </p:txBody>
       </p:sp>
@@ -7386,7 +10653,7 @@
           <p:cNvPr id="4" name="Datumsplatzhalter 3">
             <a:extLst>
               <a:ext uri="{FF2B5EF4-FFF2-40B4-BE49-F238E27FC236}">
-                <a16:creationId xmlns:a16="http://schemas.microsoft.com/office/drawing/2014/main" id="{B87EEB00-3D1A-432C-8C2C-7377902174A7}"/>
+                <a16:creationId xmlns:a16="http://schemas.microsoft.com/office/drawing/2014/main" id="{BAB83637-82A3-4341-B961-1FDE54A03DA4}"/>
               </a:ext>
             </a:extLst>
           </p:cNvPr>
@@ -7404,7 +10671,7 @@
           <a:p>
             <a:fld id="{BBFFFFB7-B427-4FC9-89B5-E815E530C709}" type="datetime1">
               <a:rPr lang="de-DE" smtClean="0"/>
-              <a:t>21.05.2018</a:t>
+              <a:t>31.05.2018</a:t>
             </a:fld>
             <a:endParaRPr lang="de-DE"/>
           </a:p>
@@ -7415,7 +10682,7 @@
           <p:cNvPr id="5" name="Foliennummernplatzhalter 4">
             <a:extLst>
               <a:ext uri="{FF2B5EF4-FFF2-40B4-BE49-F238E27FC236}">
-                <a16:creationId xmlns:a16="http://schemas.microsoft.com/office/drawing/2014/main" id="{91479790-2930-431A-B411-4F33035FA3E5}"/>
+                <a16:creationId xmlns:a16="http://schemas.microsoft.com/office/drawing/2014/main" id="{C9959CA4-F0B0-4644-9B50-1FBF2D33FAA9}"/>
               </a:ext>
             </a:extLst>
           </p:cNvPr>
@@ -7439,10 +10706,377 @@
           </a:p>
         </p:txBody>
       </p:sp>
+      <p:graphicFrame>
+        <p:nvGraphicFramePr>
+          <p:cNvPr id="6" name="Inhaltsplatzhalter 5">
+            <a:extLst>
+              <a:ext uri="{FF2B5EF4-FFF2-40B4-BE49-F238E27FC236}">
+                <a16:creationId xmlns:a16="http://schemas.microsoft.com/office/drawing/2014/main" id="{A2DCDDA8-51F5-405D-BFA8-E9951522D96C}"/>
+              </a:ext>
+            </a:extLst>
+          </p:cNvPr>
+          <p:cNvGraphicFramePr>
+            <a:graphicFrameLocks/>
+          </p:cNvGraphicFramePr>
+          <p:nvPr>
+            <p:extLst>
+              <p:ext uri="{D42A27DB-BD31-4B8C-83A1-F6EECF244321}">
+                <p14:modId xmlns:p14="http://schemas.microsoft.com/office/powerpoint/2010/main" val="3331877549"/>
+              </p:ext>
+            </p:extLst>
+          </p:nvPr>
+        </p:nvGraphicFramePr>
+        <p:xfrm>
+          <a:off x="1096963" y="1846263"/>
+          <a:ext cx="10058400" cy="3337560"/>
+        </p:xfrm>
+        <a:graphic>
+          <a:graphicData uri="http://schemas.openxmlformats.org/drawingml/2006/table">
+            <a:tbl>
+              <a:tblPr bandRow="1">
+                <a:tableStyleId>{5C22544A-7EE6-4342-B048-85BDC9FD1C3A}</a:tableStyleId>
+              </a:tblPr>
+              <a:tblGrid>
+                <a:gridCol w="5029200">
+                  <a:extLst>
+                    <a:ext uri="{9D8B030D-6E8A-4147-A177-3AD203B41FA5}">
+                      <a16:colId xmlns:a16="http://schemas.microsoft.com/office/drawing/2014/main" val="2643309448"/>
+                    </a:ext>
+                  </a:extLst>
+                </a:gridCol>
+                <a:gridCol w="5029200">
+                  <a:extLst>
+                    <a:ext uri="{9D8B030D-6E8A-4147-A177-3AD203B41FA5}">
+                      <a16:colId xmlns:a16="http://schemas.microsoft.com/office/drawing/2014/main" val="4145462692"/>
+                    </a:ext>
+                  </a:extLst>
+                </a:gridCol>
+              </a:tblGrid>
+              <a:tr h="370840">
+                <a:tc>
+                  <a:txBody>
+                    <a:bodyPr/>
+                    <a:lstStyle/>
+                    <a:p>
+                      <a:r>
+                        <a:rPr lang="de-DE" b="1" dirty="0"/>
+                        <a:t>Lizenz</a:t>
+                      </a:r>
+                    </a:p>
+                  </a:txBody>
+                  <a:tcPr/>
+                </a:tc>
+                <a:tc>
+                  <a:txBody>
+                    <a:bodyPr/>
+                    <a:lstStyle/>
+                    <a:p>
+                      <a:r>
+                        <a:rPr lang="de-DE" dirty="0"/>
+                        <a:t>MIT Lizenz</a:t>
+                      </a:r>
+                    </a:p>
+                  </a:txBody>
+                  <a:tcPr/>
+                </a:tc>
+                <a:extLst>
+                  <a:ext uri="{0D108BD9-81ED-4DB2-BD59-A6C34878D82A}">
+                    <a16:rowId xmlns:a16="http://schemas.microsoft.com/office/drawing/2014/main" val="1184257119"/>
+                  </a:ext>
+                </a:extLst>
+              </a:tr>
+              <a:tr h="370840">
+                <a:tc>
+                  <a:txBody>
+                    <a:bodyPr/>
+                    <a:lstStyle/>
+                    <a:p>
+                      <a:r>
+                        <a:rPr lang="de-DE" b="1" dirty="0" err="1"/>
+                        <a:t>Issue</a:t>
+                      </a:r>
+                      <a:r>
+                        <a:rPr lang="de-DE" b="1" dirty="0"/>
+                        <a:t> Tracker</a:t>
+                      </a:r>
+                    </a:p>
+                  </a:txBody>
+                  <a:tcPr/>
+                </a:tc>
+                <a:tc>
+                  <a:txBody>
+                    <a:bodyPr/>
+                    <a:lstStyle/>
+                    <a:p>
+                      <a:r>
+                        <a:rPr lang="de-DE" dirty="0"/>
+                        <a:t>GitHub</a:t>
+                      </a:r>
+                    </a:p>
+                  </a:txBody>
+                  <a:tcPr/>
+                </a:tc>
+                <a:extLst>
+                  <a:ext uri="{0D108BD9-81ED-4DB2-BD59-A6C34878D82A}">
+                    <a16:rowId xmlns:a16="http://schemas.microsoft.com/office/drawing/2014/main" val="3089076478"/>
+                  </a:ext>
+                </a:extLst>
+              </a:tr>
+              <a:tr h="370840">
+                <a:tc>
+                  <a:txBody>
+                    <a:bodyPr/>
+                    <a:lstStyle/>
+                    <a:p>
+                      <a:r>
+                        <a:rPr lang="de-DE" b="1" dirty="0"/>
+                        <a:t>Stable Version &gt; 1.0?</a:t>
+                      </a:r>
+                    </a:p>
+                  </a:txBody>
+                  <a:tcPr/>
+                </a:tc>
+                <a:tc>
+                  <a:txBody>
+                    <a:bodyPr/>
+                    <a:lstStyle/>
+                    <a:p>
+                      <a:r>
+                        <a:rPr lang="de-DE" dirty="0"/>
+                        <a:t>0.8</a:t>
+                      </a:r>
+                    </a:p>
+                  </a:txBody>
+                  <a:tcPr/>
+                </a:tc>
+                <a:extLst>
+                  <a:ext uri="{0D108BD9-81ED-4DB2-BD59-A6C34878D82A}">
+                    <a16:rowId xmlns:a16="http://schemas.microsoft.com/office/drawing/2014/main" val="1667510319"/>
+                  </a:ext>
+                </a:extLst>
+              </a:tr>
+              <a:tr h="370840">
+                <a:tc>
+                  <a:txBody>
+                    <a:bodyPr/>
+                    <a:lstStyle/>
+                    <a:p>
+                      <a:r>
+                        <a:rPr lang="de-DE" b="1" dirty="0"/>
+                        <a:t>Auf </a:t>
+                      </a:r>
+                      <a:r>
+                        <a:rPr lang="de-DE" b="1" dirty="0" err="1"/>
+                        <a:t>OpenHub</a:t>
+                      </a:r>
+                      <a:r>
+                        <a:rPr lang="de-DE" b="1" dirty="0"/>
+                        <a:t> gelistet?</a:t>
+                      </a:r>
+                    </a:p>
+                  </a:txBody>
+                  <a:tcPr/>
+                </a:tc>
+                <a:tc>
+                  <a:txBody>
+                    <a:bodyPr/>
+                    <a:lstStyle/>
+                    <a:p>
+                      <a:r>
+                        <a:rPr lang="de-DE" dirty="0"/>
+                        <a:t>Ja</a:t>
+                      </a:r>
+                    </a:p>
+                  </a:txBody>
+                  <a:tcPr/>
+                </a:tc>
+                <a:extLst>
+                  <a:ext uri="{0D108BD9-81ED-4DB2-BD59-A6C34878D82A}">
+                    <a16:rowId xmlns:a16="http://schemas.microsoft.com/office/drawing/2014/main" val="1435722550"/>
+                  </a:ext>
+                </a:extLst>
+              </a:tr>
+              <a:tr h="370840">
+                <a:tc>
+                  <a:txBody>
+                    <a:bodyPr/>
+                    <a:lstStyle/>
+                    <a:p>
+                      <a:r>
+                        <a:rPr lang="de-DE" b="1" dirty="0"/>
+                        <a:t>Google Trends (Durschnitt letzte 12 Monate)</a:t>
+                      </a:r>
+                    </a:p>
+                  </a:txBody>
+                  <a:tcPr/>
+                </a:tc>
+                <a:tc>
+                  <a:txBody>
+                    <a:bodyPr/>
+                    <a:lstStyle/>
+                    <a:p>
+                      <a:r>
+                        <a:rPr lang="de-DE" dirty="0"/>
+                        <a:t>6</a:t>
+                      </a:r>
+                    </a:p>
+                  </a:txBody>
+                  <a:tcPr/>
+                </a:tc>
+                <a:extLst>
+                  <a:ext uri="{0D108BD9-81ED-4DB2-BD59-A6C34878D82A}">
+                    <a16:rowId xmlns:a16="http://schemas.microsoft.com/office/drawing/2014/main" val="2926144639"/>
+                  </a:ext>
+                </a:extLst>
+              </a:tr>
+              <a:tr h="370840">
+                <a:tc>
+                  <a:txBody>
+                    <a:bodyPr/>
+                    <a:lstStyle/>
+                    <a:p>
+                      <a:r>
+                        <a:rPr lang="de-DE" b="1" dirty="0"/>
+                        <a:t>Release in den letzten 12 Monaten?</a:t>
+                      </a:r>
+                    </a:p>
+                  </a:txBody>
+                  <a:tcPr/>
+                </a:tc>
+                <a:tc>
+                  <a:txBody>
+                    <a:bodyPr/>
+                    <a:lstStyle/>
+                    <a:p>
+                      <a:r>
+                        <a:rPr lang="de-DE" dirty="0"/>
+                        <a:t>Ja, September 2017</a:t>
+                      </a:r>
+                    </a:p>
+                  </a:txBody>
+                  <a:tcPr/>
+                </a:tc>
+                <a:extLst>
+                  <a:ext uri="{0D108BD9-81ED-4DB2-BD59-A6C34878D82A}">
+                    <a16:rowId xmlns:a16="http://schemas.microsoft.com/office/drawing/2014/main" val="3247816977"/>
+                  </a:ext>
+                </a:extLst>
+              </a:tr>
+              <a:tr h="370840">
+                <a:tc>
+                  <a:txBody>
+                    <a:bodyPr/>
+                    <a:lstStyle/>
+                    <a:p>
+                      <a:r>
+                        <a:rPr lang="de-DE" b="1" dirty="0" err="1"/>
+                        <a:t>StackOverflow</a:t>
+                      </a:r>
+                      <a:r>
+                        <a:rPr lang="de-DE" b="1" dirty="0"/>
+                        <a:t> Interesse</a:t>
+                      </a:r>
+                    </a:p>
+                  </a:txBody>
+                  <a:tcPr/>
+                </a:tc>
+                <a:tc>
+                  <a:txBody>
+                    <a:bodyPr/>
+                    <a:lstStyle/>
+                    <a:p>
+                      <a:r>
+                        <a:rPr lang="de-DE" dirty="0"/>
+                        <a:t>397 Fragen</a:t>
+                      </a:r>
+                    </a:p>
+                  </a:txBody>
+                  <a:tcPr/>
+                </a:tc>
+                <a:extLst>
+                  <a:ext uri="{0D108BD9-81ED-4DB2-BD59-A6C34878D82A}">
+                    <a16:rowId xmlns:a16="http://schemas.microsoft.com/office/drawing/2014/main" val="1050846634"/>
+                  </a:ext>
+                </a:extLst>
+              </a:tr>
+              <a:tr h="370840">
+                <a:tc>
+                  <a:txBody>
+                    <a:bodyPr/>
+                    <a:lstStyle/>
+                    <a:p>
+                      <a:r>
+                        <a:rPr lang="de-DE" b="1" dirty="0"/>
+                        <a:t>Projekt älter als 1 Jahr?</a:t>
+                      </a:r>
+                    </a:p>
+                  </a:txBody>
+                  <a:tcPr/>
+                </a:tc>
+                <a:tc>
+                  <a:txBody>
+                    <a:bodyPr/>
+                    <a:lstStyle/>
+                    <a:p>
+                      <a:r>
+                        <a:rPr lang="de-DE" dirty="0"/>
+                        <a:t>Ja, 2011</a:t>
+                      </a:r>
+                    </a:p>
+                  </a:txBody>
+                  <a:tcPr/>
+                </a:tc>
+                <a:extLst>
+                  <a:ext uri="{0D108BD9-81ED-4DB2-BD59-A6C34878D82A}">
+                    <a16:rowId xmlns:a16="http://schemas.microsoft.com/office/drawing/2014/main" val="2354061839"/>
+                  </a:ext>
+                </a:extLst>
+              </a:tr>
+              <a:tr h="370840">
+                <a:tc>
+                  <a:txBody>
+                    <a:bodyPr/>
+                    <a:lstStyle/>
+                    <a:p>
+                      <a:r>
+                        <a:rPr lang="de-DE" b="1" dirty="0" err="1"/>
+                        <a:t>Getting-Started</a:t>
+                      </a:r>
+                      <a:r>
+                        <a:rPr lang="de-DE" b="1" dirty="0"/>
+                        <a:t> / Quickstart vorhanden?</a:t>
+                      </a:r>
+                    </a:p>
+                  </a:txBody>
+                  <a:tcPr/>
+                </a:tc>
+                <a:tc>
+                  <a:txBody>
+                    <a:bodyPr/>
+                    <a:lstStyle/>
+                    <a:p>
+                      <a:r>
+                        <a:rPr lang="de-DE" dirty="0"/>
+                        <a:t>Ja</a:t>
+                      </a:r>
+                    </a:p>
+                  </a:txBody>
+                  <a:tcPr/>
+                </a:tc>
+                <a:extLst>
+                  <a:ext uri="{0D108BD9-81ED-4DB2-BD59-A6C34878D82A}">
+                    <a16:rowId xmlns:a16="http://schemas.microsoft.com/office/drawing/2014/main" val="3889991116"/>
+                  </a:ext>
+                </a:extLst>
+              </a:tr>
+            </a:tbl>
+          </a:graphicData>
+        </a:graphic>
+      </p:graphicFrame>
     </p:spTree>
     <p:extLst>
       <p:ext uri="{BB962C8B-B14F-4D97-AF65-F5344CB8AC3E}">
-        <p14:creationId xmlns:p14="http://schemas.microsoft.com/office/powerpoint/2010/main" val="1501708418"/>
+        <p14:creationId xmlns:p14="http://schemas.microsoft.com/office/powerpoint/2010/main" val="659997915"/>
       </p:ext>
     </p:extLst>
   </p:cSld>
@@ -7474,7 +11108,7 @@
           <p:cNvPr id="2" name="Titel 1">
             <a:extLst>
               <a:ext uri="{FF2B5EF4-FFF2-40B4-BE49-F238E27FC236}">
-                <a16:creationId xmlns:a16="http://schemas.microsoft.com/office/drawing/2014/main" id="{25465261-E22D-45A7-A775-4EE309F0CB55}"/>
+                <a16:creationId xmlns:a16="http://schemas.microsoft.com/office/drawing/2014/main" id="{A2D705C3-5F14-4196-A350-902948233A9E}"/>
               </a:ext>
             </a:extLst>
           </p:cNvPr>
@@ -7491,10 +11125,9 @@
           <a:lstStyle/>
           <a:p>
             <a:r>
-              <a:rPr lang="de-DE" dirty="0" err="1"/>
-              <a:t>nGrinder</a:t>
-            </a:r>
-            <a:endParaRPr lang="de-DE" dirty="0"/>
+              <a:rPr lang="de-DE" dirty="0"/>
+              <a:t>Apache Bench (ab)</a:t>
+            </a:r>
           </a:p>
         </p:txBody>
       </p:sp>
@@ -7503,7 +11136,7 @@
           <p:cNvPr id="3" name="Inhaltsplatzhalter 2">
             <a:extLst>
               <a:ext uri="{FF2B5EF4-FFF2-40B4-BE49-F238E27FC236}">
-                <a16:creationId xmlns:a16="http://schemas.microsoft.com/office/drawing/2014/main" id="{956F385F-9DDC-4FF5-BDAD-EFBB0A4BEE67}"/>
+                <a16:creationId xmlns:a16="http://schemas.microsoft.com/office/drawing/2014/main" id="{90AF249A-3A63-443A-A094-D67D929D9ACB}"/>
               </a:ext>
             </a:extLst>
           </p:cNvPr>
@@ -7520,38 +11153,33 @@
           <a:lstStyle/>
           <a:p>
             <a:pPr>
-              <a:buFont typeface="Arial" panose="020B0604020202020204" pitchFamily="34" charset="0"/>
-              <a:buChar char="•"/>
+              <a:buFont typeface="Wingdings" panose="05000000000000000000" pitchFamily="2" charset="2"/>
+              <a:buChar char="Ø"/>
             </a:pPr>
             <a:r>
               <a:rPr lang="de-DE" dirty="0"/>
-              <a:t> 2012 veröffentlicht (aktuell in Version 3.4.1)</a:t>
+              <a:t> Apache License</a:t>
             </a:r>
           </a:p>
           <a:p>
             <a:pPr>
-              <a:buFont typeface="Arial" panose="020B0604020202020204" pitchFamily="34" charset="0"/>
-              <a:buChar char="•"/>
+              <a:buFont typeface="Wingdings" panose="05000000000000000000" pitchFamily="2" charset="2"/>
+              <a:buChar char="Ø"/>
             </a:pPr>
             <a:r>
               <a:rPr lang="de-DE" dirty="0"/>
-              <a:t> Apache Lizenz 2.0</a:t>
+              <a:t> CLI</a:t>
             </a:r>
           </a:p>
           <a:p>
             <a:pPr>
-              <a:buFont typeface="Arial" panose="020B0604020202020204" pitchFamily="34" charset="0"/>
-              <a:buChar char="•"/>
+              <a:buFont typeface="Wingdings" panose="05000000000000000000" pitchFamily="2" charset="2"/>
+              <a:buChar char="Ø"/>
             </a:pPr>
             <a:r>
               <a:rPr lang="de-DE" dirty="0"/>
-              <a:t> Programmiersprache: </a:t>
-            </a:r>
-            <a:r>
-              <a:rPr lang="de-DE" dirty="0" err="1"/>
-              <a:t>Jython</a:t>
-            </a:r>
-            <a:endParaRPr lang="de-DE" dirty="0"/>
+              <a:t> In Apache HTTP Server enthalten</a:t>
+            </a:r>
           </a:p>
         </p:txBody>
       </p:sp>
@@ -7560,7 +11188,7 @@
           <p:cNvPr id="4" name="Datumsplatzhalter 3">
             <a:extLst>
               <a:ext uri="{FF2B5EF4-FFF2-40B4-BE49-F238E27FC236}">
-                <a16:creationId xmlns:a16="http://schemas.microsoft.com/office/drawing/2014/main" id="{FFB10ED8-02C7-48E8-A738-E334CC3316C4}"/>
+                <a16:creationId xmlns:a16="http://schemas.microsoft.com/office/drawing/2014/main" id="{B87EEB00-3D1A-432C-8C2C-7377902174A7}"/>
               </a:ext>
             </a:extLst>
           </p:cNvPr>
@@ -7578,7 +11206,7 @@
           <a:p>
             <a:fld id="{BBFFFFB7-B427-4FC9-89B5-E815E530C709}" type="datetime1">
               <a:rPr lang="de-DE" smtClean="0"/>
-              <a:t>21.05.2018</a:t>
+              <a:t>31.05.2018</a:t>
             </a:fld>
             <a:endParaRPr lang="de-DE"/>
           </a:p>
@@ -7589,7 +11217,7 @@
           <p:cNvPr id="5" name="Foliennummernplatzhalter 4">
             <a:extLst>
               <a:ext uri="{FF2B5EF4-FFF2-40B4-BE49-F238E27FC236}">
-                <a16:creationId xmlns:a16="http://schemas.microsoft.com/office/drawing/2014/main" id="{C1CC5C3A-0BBF-4937-9624-75E72F07D897}"/>
+                <a16:creationId xmlns:a16="http://schemas.microsoft.com/office/drawing/2014/main" id="{91479790-2930-431A-B411-4F33035FA3E5}"/>
               </a:ext>
             </a:extLst>
           </p:cNvPr>
@@ -7613,87 +11241,10 @@
           </a:p>
         </p:txBody>
       </p:sp>
-      <p:pic>
-        <p:nvPicPr>
-          <p:cNvPr id="6" name="Grafik 5">
-            <a:extLst>
-              <a:ext uri="{FF2B5EF4-FFF2-40B4-BE49-F238E27FC236}">
-                <a16:creationId xmlns:a16="http://schemas.microsoft.com/office/drawing/2014/main" id="{85560B9E-5419-44F6-8859-4DCA30933AFF}"/>
-              </a:ext>
-            </a:extLst>
-          </p:cNvPr>
-          <p:cNvPicPr>
-            <a:picLocks noChangeAspect="1"/>
-          </p:cNvPicPr>
-          <p:nvPr/>
-        </p:nvPicPr>
-        <p:blipFill>
-          <a:blip r:embed="rId2"/>
-          <a:stretch>
-            <a:fillRect/>
-          </a:stretch>
-        </p:blipFill>
-        <p:spPr>
-          <a:xfrm>
-            <a:off x="1097281" y="3603594"/>
-            <a:ext cx="10058400" cy="2091755"/>
-          </a:xfrm>
-          <a:prstGeom prst="rect">
-            <a:avLst/>
-          </a:prstGeom>
-        </p:spPr>
-      </p:pic>
-      <p:pic>
-        <p:nvPicPr>
-          <p:cNvPr id="1026" name="Picture 2" descr="http://naver.github.io/ngrinder/images/logo_ngrinder_a_header_inv.png">
-            <a:extLst>
-              <a:ext uri="{FF2B5EF4-FFF2-40B4-BE49-F238E27FC236}">
-                <a16:creationId xmlns:a16="http://schemas.microsoft.com/office/drawing/2014/main" id="{EBFBA67F-76A7-4F5E-930B-5F5706F2A4AB}"/>
-              </a:ext>
-            </a:extLst>
-          </p:cNvPr>
-          <p:cNvPicPr>
-            <a:picLocks noChangeAspect="1" noChangeArrowheads="1"/>
-          </p:cNvPicPr>
-          <p:nvPr/>
-        </p:nvPicPr>
-        <p:blipFill>
-          <a:blip r:embed="rId3">
-            <a:extLst>
-              <a:ext uri="{28A0092B-C50C-407E-A947-70E740481C1C}">
-                <a14:useLocalDpi xmlns:a14="http://schemas.microsoft.com/office/drawing/2010/main" val="0"/>
-              </a:ext>
-            </a:extLst>
-          </a:blip>
-          <a:srcRect/>
-          <a:stretch>
-            <a:fillRect/>
-          </a:stretch>
-        </p:blipFill>
-        <p:spPr bwMode="auto">
-          <a:xfrm>
-            <a:off x="7910004" y="982963"/>
-            <a:ext cx="3302479" cy="544159"/>
-          </a:xfrm>
-          <a:prstGeom prst="rect">
-            <a:avLst/>
-          </a:prstGeom>
-          <a:noFill/>
-          <a:extLst>
-            <a:ext uri="{909E8E84-426E-40DD-AFC4-6F175D3DCCD1}">
-              <a14:hiddenFill xmlns:a14="http://schemas.microsoft.com/office/drawing/2010/main">
-                <a:solidFill>
-                  <a:srgbClr val="FFFFFF"/>
-                </a:solidFill>
-              </a14:hiddenFill>
-            </a:ext>
-          </a:extLst>
-        </p:spPr>
-      </p:pic>
     </p:spTree>
     <p:extLst>
       <p:ext uri="{BB962C8B-B14F-4D97-AF65-F5344CB8AC3E}">
-        <p14:creationId xmlns:p14="http://schemas.microsoft.com/office/powerpoint/2010/main" val="3351800027"/>
+        <p14:creationId xmlns:p14="http://schemas.microsoft.com/office/powerpoint/2010/main" val="1501708418"/>
       </p:ext>
     </p:extLst>
   </p:cSld>

--- a/sqsdemoserver/LoadTesting.pptx
+++ b/sqsdemoserver/LoadTesting.pptx
@@ -5,7 +5,7 @@
     <p:sldMasterId id="2147483672" r:id="rId1"/>
   </p:sldMasterIdLst>
   <p:notesMasterIdLst>
-    <p:notesMasterId r:id="rId25"/>
+    <p:notesMasterId r:id="rId24"/>
   </p:notesMasterIdLst>
   <p:sldIdLst>
     <p:sldId id="256" r:id="rId2"/>
@@ -26,11 +26,10 @@
     <p:sldId id="283" r:id="rId17"/>
     <p:sldId id="267" r:id="rId18"/>
     <p:sldId id="284" r:id="rId19"/>
-    <p:sldId id="269" r:id="rId20"/>
-    <p:sldId id="285" r:id="rId21"/>
-    <p:sldId id="286" r:id="rId22"/>
-    <p:sldId id="272" r:id="rId23"/>
-    <p:sldId id="259" r:id="rId24"/>
+    <p:sldId id="287" r:id="rId20"/>
+    <p:sldId id="286" r:id="rId21"/>
+    <p:sldId id="272" r:id="rId22"/>
+    <p:sldId id="259" r:id="rId23"/>
   </p:sldIdLst>
   <p:sldSz cx="12192000" cy="6858000"/>
   <p:notesSz cx="6858000" cy="9144000"/>
@@ -223,7 +222,7 @@
           <a:p>
             <a:fld id="{7F7A1CCF-3A8B-40F6-A64D-2A4687177E43}" type="datetimeFigureOut">
               <a:rPr lang="de-DE" smtClean="0"/>
-              <a:t>31.05.2018</a:t>
+              <a:t>10.06.2018</a:t>
             </a:fld>
             <a:endParaRPr lang="de-DE"/>
           </a:p>
@@ -714,11 +713,10 @@
           <a:bodyPr/>
           <a:lstStyle/>
           <a:p>
-            <a:fld id="{29B91BC4-5E82-49A6-88C1-D8535ED7D15D}" type="datetime1">
-              <a:rPr lang="de-DE" smtClean="0"/>
-              <a:t>31.05.2018</a:t>
-            </a:fld>
-            <a:endParaRPr lang="de-DE"/>
+            <a:r>
+              <a:rPr lang="de-DE"/>
+              <a:t>02.07.2018</a:t>
+            </a:r>
           </a:p>
         </p:txBody>
       </p:sp>
@@ -922,11 +920,10 @@
           <a:bodyPr/>
           <a:lstStyle/>
           <a:p>
-            <a:fld id="{32A52664-B2C7-4A1E-B89B-81D348E24B51}" type="datetime1">
-              <a:rPr lang="de-DE" smtClean="0"/>
-              <a:t>31.05.2018</a:t>
-            </a:fld>
-            <a:endParaRPr lang="de-DE"/>
+            <a:r>
+              <a:rPr lang="de-DE"/>
+              <a:t>02.07.2018</a:t>
+            </a:r>
           </a:p>
         </p:txBody>
       </p:sp>
@@ -1178,11 +1175,10 @@
           <a:bodyPr/>
           <a:lstStyle/>
           <a:p>
-            <a:fld id="{87A80DC5-21AA-41FB-A73E-ED981639E9E3}" type="datetime1">
-              <a:rPr lang="de-DE" smtClean="0"/>
-              <a:t>31.05.2018</a:t>
-            </a:fld>
-            <a:endParaRPr lang="de-DE"/>
+            <a:r>
+              <a:rPr lang="de-DE"/>
+              <a:t>02.07.2018</a:t>
+            </a:r>
           </a:p>
         </p:txBody>
       </p:sp>
@@ -1348,11 +1344,10 @@
           <a:bodyPr/>
           <a:lstStyle/>
           <a:p>
-            <a:fld id="{BBFFFFB7-B427-4FC9-89B5-E815E530C709}" type="datetime1">
-              <a:rPr lang="de-DE" smtClean="0"/>
-              <a:t>31.05.2018</a:t>
-            </a:fld>
-            <a:endParaRPr lang="de-DE"/>
+            <a:r>
+              <a:rPr lang="de-DE"/>
+              <a:t>02.07.2018</a:t>
+            </a:r>
           </a:p>
         </p:txBody>
       </p:sp>
@@ -1691,11 +1686,10 @@
           <a:bodyPr/>
           <a:lstStyle/>
           <a:p>
-            <a:fld id="{9B4A11A6-692F-4D3F-A6E0-135304D8649E}" type="datetime1">
-              <a:rPr lang="de-DE" smtClean="0"/>
-              <a:t>31.05.2018</a:t>
-            </a:fld>
-            <a:endParaRPr lang="de-DE"/>
+            <a:r>
+              <a:rPr lang="de-DE"/>
+              <a:t>02.07.2018</a:t>
+            </a:r>
           </a:p>
         </p:txBody>
       </p:sp>
@@ -1966,11 +1960,10 @@
           <a:bodyPr/>
           <a:lstStyle/>
           <a:p>
-            <a:fld id="{2FF197E6-8FE2-43C3-B517-8EF10A23BA5B}" type="datetime1">
-              <a:rPr lang="de-DE" smtClean="0"/>
-              <a:t>31.05.2018</a:t>
-            </a:fld>
-            <a:endParaRPr lang="de-DE"/>
+            <a:r>
+              <a:rPr lang="de-DE"/>
+              <a:t>02.07.2018</a:t>
+            </a:r>
           </a:p>
         </p:txBody>
       </p:sp>
@@ -2345,11 +2338,10 @@
           <a:bodyPr/>
           <a:lstStyle/>
           <a:p>
-            <a:fld id="{88AD5C22-0615-445E-B37E-053106C142C7}" type="datetime1">
-              <a:rPr lang="de-DE" smtClean="0"/>
-              <a:t>31.05.2018</a:t>
-            </a:fld>
-            <a:endParaRPr lang="de-DE"/>
+            <a:r>
+              <a:rPr lang="de-DE"/>
+              <a:t>02.07.2018</a:t>
+            </a:r>
           </a:p>
         </p:txBody>
       </p:sp>
@@ -2463,11 +2455,10 @@
           <a:bodyPr/>
           <a:lstStyle/>
           <a:p>
-            <a:fld id="{393C4718-61D0-4C05-A837-0FF64CDC070F}" type="datetime1">
-              <a:rPr lang="de-DE" smtClean="0"/>
-              <a:t>31.05.2018</a:t>
-            </a:fld>
-            <a:endParaRPr lang="de-DE"/>
+            <a:r>
+              <a:rPr lang="de-DE"/>
+              <a:t>02.07.2018</a:t>
+            </a:r>
           </a:p>
         </p:txBody>
       </p:sp>
@@ -2634,11 +2625,10 @@
           <a:bodyPr/>
           <a:lstStyle/>
           <a:p>
-            <a:fld id="{E4C68F9C-9493-41F8-A598-7BDB27153DE0}" type="datetime1">
-              <a:rPr lang="de-DE" smtClean="0"/>
-              <a:t>31.05.2018</a:t>
-            </a:fld>
-            <a:endParaRPr lang="de-DE"/>
+            <a:r>
+              <a:rPr lang="de-DE"/>
+              <a:t>02.07.2018</a:t>
+            </a:r>
           </a:p>
         </p:txBody>
       </p:sp>
@@ -2988,11 +2978,10 @@
             </a:lvl1pPr>
           </a:lstStyle>
           <a:p>
-            <a:fld id="{25B47950-BAF5-4EB0-B7D8-7E5D445A5AF9}" type="datetime1">
-              <a:rPr lang="de-DE" smtClean="0"/>
-              <a:t>31.05.2018</a:t>
-            </a:fld>
-            <a:endParaRPr lang="de-DE"/>
+            <a:r>
+              <a:rPr lang="de-DE"/>
+              <a:t>02.07.2018</a:t>
+            </a:r>
           </a:p>
         </p:txBody>
       </p:sp>
@@ -3365,11 +3354,10 @@
           <a:bodyPr/>
           <a:lstStyle/>
           <a:p>
-            <a:fld id="{5E3FA0F3-663C-4E4D-A9AD-FCEECA59737D}" type="datetime1">
-              <a:rPr lang="de-DE" smtClean="0"/>
-              <a:t>31.05.2018</a:t>
-            </a:fld>
-            <a:endParaRPr lang="de-DE"/>
+            <a:r>
+              <a:rPr lang="de-DE"/>
+              <a:t>02.07.2018</a:t>
+            </a:r>
           </a:p>
         </p:txBody>
       </p:sp>
@@ -3652,11 +3640,10 @@
             </a:lvl1pPr>
           </a:lstStyle>
           <a:p>
-            <a:fld id="{7E243A8A-9070-4D02-9F6C-FDBBE4C2268D}" type="datetime1">
-              <a:rPr lang="de-DE" smtClean="0"/>
-              <a:t>31.05.2018</a:t>
-            </a:fld>
-            <a:endParaRPr lang="de-DE"/>
+            <a:r>
+              <a:rPr lang="de-DE"/>
+              <a:t>02.07.2018</a:t>
+            </a:r>
           </a:p>
         </p:txBody>
       </p:sp>
@@ -4203,15 +4190,7 @@
             <a:pPr algn="ctr"/>
             <a:r>
               <a:rPr lang="de-DE" dirty="0"/>
-              <a:t>Evaluation und Vergleich </a:t>
-            </a:r>
-            <a:r>
-              <a:rPr lang="de-DE"/>
-              <a:t>von Open-Source </a:t>
-            </a:r>
-            <a:r>
-              <a:rPr lang="de-DE" dirty="0"/>
-              <a:t>Lasttest-Tools</a:t>
+              <a:t>Vergleich von Open-Source Lasttest-Tools</a:t>
             </a:r>
           </a:p>
         </p:txBody>
@@ -4240,10 +4219,6 @@
           <a:lstStyle/>
           <a:p>
             <a:pPr algn="ctr"/>
-            <a:r>
-              <a:rPr lang="de-DE" dirty="0"/>
-              <a:t>Präsentation von </a:t>
-            </a:r>
             <a:r>
               <a:rPr lang="de-DE" dirty="0" err="1"/>
               <a:t>stefan</a:t>
@@ -4364,11 +4339,10 @@
           <a:bodyPr/>
           <a:lstStyle/>
           <a:p>
-            <a:fld id="{BBFFFFB7-B427-4FC9-89B5-E815E530C709}" type="datetime1">
-              <a:rPr lang="de-DE" smtClean="0"/>
-              <a:t>31.05.2018</a:t>
-            </a:fld>
-            <a:endParaRPr lang="de-DE"/>
+            <a:r>
+              <a:rPr lang="de-DE"/>
+              <a:t>02.07.2018</a:t>
+            </a:r>
           </a:p>
         </p:txBody>
       </p:sp>
@@ -4890,11 +4864,10 @@
           <a:bodyPr/>
           <a:lstStyle/>
           <a:p>
-            <a:fld id="{BBFFFFB7-B427-4FC9-89B5-E815E530C709}" type="datetime1">
-              <a:rPr lang="de-DE" smtClean="0"/>
-              <a:t>31.05.2018</a:t>
-            </a:fld>
-            <a:endParaRPr lang="de-DE"/>
+            <a:r>
+              <a:rPr lang="de-DE"/>
+              <a:t>02.07.2018</a:t>
+            </a:r>
           </a:p>
         </p:txBody>
       </p:sp>
@@ -5117,11 +5090,10 @@
           <a:bodyPr/>
           <a:lstStyle/>
           <a:p>
-            <a:fld id="{BBFFFFB7-B427-4FC9-89B5-E815E530C709}" type="datetime1">
-              <a:rPr lang="de-DE" smtClean="0"/>
-              <a:t>31.05.2018</a:t>
-            </a:fld>
-            <a:endParaRPr lang="de-DE"/>
+            <a:r>
+              <a:rPr lang="de-DE"/>
+              <a:t>02.07.2018</a:t>
+            </a:r>
           </a:p>
         </p:txBody>
       </p:sp>
@@ -5630,11 +5602,10 @@
           <a:bodyPr/>
           <a:lstStyle/>
           <a:p>
-            <a:fld id="{BBFFFFB7-B427-4FC9-89B5-E815E530C709}" type="datetime1">
-              <a:rPr lang="de-DE" smtClean="0"/>
-              <a:t>31.05.2018</a:t>
-            </a:fld>
-            <a:endParaRPr lang="de-DE"/>
+            <a:r>
+              <a:rPr lang="de-DE"/>
+              <a:t>02.07.2018</a:t>
+            </a:r>
           </a:p>
         </p:txBody>
       </p:sp>
@@ -5805,11 +5776,10 @@
           <a:bodyPr/>
           <a:lstStyle/>
           <a:p>
-            <a:fld id="{BBFFFFB7-B427-4FC9-89B5-E815E530C709}" type="datetime1">
-              <a:rPr lang="de-DE" smtClean="0"/>
-              <a:t>31.05.2018</a:t>
-            </a:fld>
-            <a:endParaRPr lang="de-DE"/>
+            <a:r>
+              <a:rPr lang="de-DE"/>
+              <a:t>02.07.2018</a:t>
+            </a:r>
           </a:p>
         </p:txBody>
       </p:sp>
@@ -6324,11 +6294,10 @@
           <a:bodyPr/>
           <a:lstStyle/>
           <a:p>
-            <a:fld id="{BBFFFFB7-B427-4FC9-89B5-E815E530C709}" type="datetime1">
-              <a:rPr lang="de-DE" smtClean="0"/>
-              <a:t>31.05.2018</a:t>
-            </a:fld>
-            <a:endParaRPr lang="de-DE"/>
+            <a:r>
+              <a:rPr lang="de-DE"/>
+              <a:t>02.07.2018</a:t>
+            </a:r>
           </a:p>
         </p:txBody>
       </p:sp>
@@ -6551,11 +6520,10 @@
           <a:bodyPr/>
           <a:lstStyle/>
           <a:p>
-            <a:fld id="{BBFFFFB7-B427-4FC9-89B5-E815E530C709}" type="datetime1">
-              <a:rPr lang="de-DE" smtClean="0"/>
-              <a:t>31.05.2018</a:t>
-            </a:fld>
-            <a:endParaRPr lang="de-DE"/>
+            <a:r>
+              <a:rPr lang="de-DE"/>
+              <a:t>02.07.2018</a:t>
+            </a:r>
           </a:p>
         </p:txBody>
       </p:sp>
@@ -7031,11 +6999,10 @@
           <a:bodyPr/>
           <a:lstStyle/>
           <a:p>
-            <a:fld id="{BBFFFFB7-B427-4FC9-89B5-E815E530C709}" type="datetime1">
-              <a:rPr lang="de-DE" smtClean="0"/>
-              <a:t>31.05.2018</a:t>
-            </a:fld>
-            <a:endParaRPr lang="de-DE"/>
+            <a:r>
+              <a:rPr lang="de-DE"/>
+              <a:t>02.07.2018</a:t>
+            </a:r>
           </a:p>
         </p:txBody>
       </p:sp>
@@ -7128,6 +7095,53 @@
           <a:prstGeom prst="rect">
             <a:avLst/>
           </a:prstGeom>
+        </p:spPr>
+      </p:pic>
+      <p:pic>
+        <p:nvPicPr>
+          <p:cNvPr id="1028" name="Picture 4" descr="k6">
+            <a:extLst>
+              <a:ext uri="{FF2B5EF4-FFF2-40B4-BE49-F238E27FC236}">
+                <a16:creationId xmlns:a16="http://schemas.microsoft.com/office/drawing/2014/main" id="{6391361A-723A-4121-B2BE-5AC8B13936FA}"/>
+              </a:ext>
+            </a:extLst>
+          </p:cNvPr>
+          <p:cNvPicPr>
+            <a:picLocks noChangeAspect="1" noChangeArrowheads="1"/>
+          </p:cNvPicPr>
+          <p:nvPr/>
+        </p:nvPicPr>
+        <p:blipFill>
+          <a:blip r:embed="rId3">
+            <a:extLst>
+              <a:ext uri="{28A0092B-C50C-407E-A947-70E740481C1C}">
+                <a14:useLocalDpi xmlns:a14="http://schemas.microsoft.com/office/drawing/2010/main" val="0"/>
+              </a:ext>
+            </a:extLst>
+          </a:blip>
+          <a:srcRect/>
+          <a:stretch>
+            <a:fillRect/>
+          </a:stretch>
+        </p:blipFill>
+        <p:spPr bwMode="auto">
+          <a:xfrm>
+            <a:off x="10111666" y="676208"/>
+            <a:ext cx="1100817" cy="1034768"/>
+          </a:xfrm>
+          <a:prstGeom prst="rect">
+            <a:avLst/>
+          </a:prstGeom>
+          <a:noFill/>
+          <a:extLst>
+            <a:ext uri="{909E8E84-426E-40DD-AFC4-6F175D3DCCD1}">
+              <a14:hiddenFill xmlns:a14="http://schemas.microsoft.com/office/drawing/2010/main">
+                <a:solidFill>
+                  <a:srgbClr val="FFFFFF"/>
+                </a:solidFill>
+              </a14:hiddenFill>
+            </a:ext>
+          </a:extLst>
         </p:spPr>
       </p:pic>
     </p:spTree>
@@ -7239,11 +7253,10 @@
           <a:bodyPr/>
           <a:lstStyle/>
           <a:p>
-            <a:fld id="{BBFFFFB7-B427-4FC9-89B5-E815E530C709}" type="datetime1">
-              <a:rPr lang="de-DE" smtClean="0"/>
-              <a:t>31.05.2018</a:t>
-            </a:fld>
-            <a:endParaRPr lang="de-DE"/>
+            <a:r>
+              <a:rPr lang="de-DE"/>
+              <a:t>02.07.2018</a:t>
+            </a:r>
           </a:p>
         </p:txBody>
       </p:sp>
@@ -7675,7 +7688,7 @@
           <p:cNvPr id="2" name="Titel 1">
             <a:extLst>
               <a:ext uri="{FF2B5EF4-FFF2-40B4-BE49-F238E27FC236}">
-                <a16:creationId xmlns:a16="http://schemas.microsoft.com/office/drawing/2014/main" id="{C4669713-177A-4D6B-882A-BE4F89EE0579}"/>
+                <a16:creationId xmlns:a16="http://schemas.microsoft.com/office/drawing/2014/main" id="{8DA18B92-D482-4471-9A47-BBB1A5783261}"/>
               </a:ext>
             </a:extLst>
           </p:cNvPr>
@@ -7693,7 +7706,15 @@
           <a:p>
             <a:r>
               <a:rPr lang="de-DE" dirty="0"/>
-              <a:t>Taurus</a:t>
+              <a:t>Demo </a:t>
+            </a:r>
+            <a:r>
+              <a:rPr lang="de-DE" dirty="0" err="1"/>
+              <a:t>Lasttest</a:t>
+            </a:r>
+            <a:r>
+              <a:rPr lang="de-DE" dirty="0"/>
+              <a:t> Ablauf</a:t>
             </a:r>
           </a:p>
         </p:txBody>
@@ -7703,7 +7724,7 @@
           <p:cNvPr id="3" name="Inhaltsplatzhalter 2">
             <a:extLst>
               <a:ext uri="{FF2B5EF4-FFF2-40B4-BE49-F238E27FC236}">
-                <a16:creationId xmlns:a16="http://schemas.microsoft.com/office/drawing/2014/main" id="{0B01342F-72B9-4CE6-A07E-5570FE373E43}"/>
+                <a16:creationId xmlns:a16="http://schemas.microsoft.com/office/drawing/2014/main" id="{09984D78-63B4-40CB-996A-D90B1DEDE1A8}"/>
               </a:ext>
             </a:extLst>
           </p:cNvPr>
@@ -7725,8 +7746,81 @@
             </a:pPr>
             <a:r>
               <a:rPr lang="de-DE" dirty="0"/>
+              <a:t> Initial 10 User</a:t>
+            </a:r>
+          </a:p>
+          <a:p>
+            <a:pPr>
+              <a:buFont typeface="Wingdings" panose="05000000000000000000" pitchFamily="2" charset="2"/>
+              <a:buChar char="Ø"/>
+            </a:pPr>
+            <a:r>
+              <a:rPr lang="de-DE" dirty="0"/>
+              <a:t> Pro User: 1x GET Request + 4x GET mit ID aus CSV</a:t>
+            </a:r>
+          </a:p>
+          <a:p>
+            <a:pPr>
+              <a:buFont typeface="Wingdings" panose="05000000000000000000" pitchFamily="2" charset="2"/>
+              <a:buChar char="Ø"/>
+            </a:pPr>
+            <a:r>
+              <a:rPr lang="de-DE" dirty="0"/>
               <a:t> </a:t>
             </a:r>
+            <a:r>
+              <a:rPr lang="de-DE" dirty="0" err="1"/>
+              <a:t>Ramp</a:t>
+            </a:r>
+            <a:r>
+              <a:rPr lang="de-DE" dirty="0"/>
+              <a:t>-Up auf 50 User innerhalb von 30 Sekunden</a:t>
+            </a:r>
+          </a:p>
+          <a:p>
+            <a:pPr>
+              <a:buFont typeface="Wingdings" panose="05000000000000000000" pitchFamily="2" charset="2"/>
+              <a:buChar char="Ø"/>
+            </a:pPr>
+            <a:endParaRPr lang="de-DE" dirty="0"/>
+          </a:p>
+          <a:p>
+            <a:pPr marL="0" indent="0">
+              <a:buNone/>
+            </a:pPr>
+            <a:r>
+              <a:rPr lang="de-DE" b="1" dirty="0"/>
+              <a:t>Voraussetzungen an Tools für den Vergleich:</a:t>
+            </a:r>
+          </a:p>
+          <a:p>
+            <a:pPr>
+              <a:buFont typeface="Wingdings" panose="05000000000000000000" pitchFamily="2" charset="2"/>
+              <a:buChar char="Ø"/>
+            </a:pPr>
+            <a:r>
+              <a:rPr lang="de-DE" dirty="0"/>
+              <a:t> CSV-Feeder Möglichkeit (integriert, oder selbst programmierbar) -&gt; MUST-HAVE</a:t>
+            </a:r>
+          </a:p>
+          <a:p>
+            <a:pPr>
+              <a:buFont typeface="Wingdings" panose="05000000000000000000" pitchFamily="2" charset="2"/>
+              <a:buChar char="Ø"/>
+            </a:pPr>
+            <a:r>
+              <a:rPr lang="de-DE" dirty="0"/>
+              <a:t> </a:t>
+            </a:r>
+            <a:r>
+              <a:rPr lang="de-DE" dirty="0" err="1"/>
+              <a:t>Ramp</a:t>
+            </a:r>
+            <a:r>
+              <a:rPr lang="de-DE"/>
+              <a:t>-Up Unterstützung -&gt; MUST-HAVE</a:t>
+            </a:r>
+            <a:endParaRPr lang="de-DE" dirty="0"/>
           </a:p>
         </p:txBody>
       </p:sp>
@@ -7735,7 +7829,7 @@
           <p:cNvPr id="4" name="Datumsplatzhalter 3">
             <a:extLst>
               <a:ext uri="{FF2B5EF4-FFF2-40B4-BE49-F238E27FC236}">
-                <a16:creationId xmlns:a16="http://schemas.microsoft.com/office/drawing/2014/main" id="{E2A1CD91-1FD3-494E-90F2-05274E88961C}"/>
+                <a16:creationId xmlns:a16="http://schemas.microsoft.com/office/drawing/2014/main" id="{EDF2F842-C41D-4B62-A99D-0E6746710C56}"/>
               </a:ext>
             </a:extLst>
           </p:cNvPr>
@@ -7751,11 +7845,10 @@
           <a:bodyPr/>
           <a:lstStyle/>
           <a:p>
-            <a:fld id="{BBFFFFB7-B427-4FC9-89B5-E815E530C709}" type="datetime1">
-              <a:rPr lang="de-DE" smtClean="0"/>
-              <a:t>31.05.2018</a:t>
-            </a:fld>
-            <a:endParaRPr lang="de-DE"/>
+            <a:r>
+              <a:rPr lang="de-DE"/>
+              <a:t>02.07.2018</a:t>
+            </a:r>
           </a:p>
         </p:txBody>
       </p:sp>
@@ -7764,7 +7857,7 @@
           <p:cNvPr id="5" name="Foliennummernplatzhalter 4">
             <a:extLst>
               <a:ext uri="{FF2B5EF4-FFF2-40B4-BE49-F238E27FC236}">
-                <a16:creationId xmlns:a16="http://schemas.microsoft.com/office/drawing/2014/main" id="{48E72E15-850F-414C-B8E3-2F33A6B8121C}"/>
+                <a16:creationId xmlns:a16="http://schemas.microsoft.com/office/drawing/2014/main" id="{1A8C12D6-511C-43EE-A320-0F4B2616F7C4}"/>
               </a:ext>
             </a:extLst>
           </p:cNvPr>
@@ -7788,87 +7881,10 @@
           </a:p>
         </p:txBody>
       </p:sp>
-      <p:pic>
-        <p:nvPicPr>
-          <p:cNvPr id="6" name="Grafik 5">
-            <a:extLst>
-              <a:ext uri="{FF2B5EF4-FFF2-40B4-BE49-F238E27FC236}">
-                <a16:creationId xmlns:a16="http://schemas.microsoft.com/office/drawing/2014/main" id="{14720B34-942D-486C-B948-586956DBC547}"/>
-              </a:ext>
-            </a:extLst>
-          </p:cNvPr>
-          <p:cNvPicPr>
-            <a:picLocks noChangeAspect="1"/>
-          </p:cNvPicPr>
-          <p:nvPr/>
-        </p:nvPicPr>
-        <p:blipFill>
-          <a:blip r:embed="rId2"/>
-          <a:stretch>
-            <a:fillRect/>
-          </a:stretch>
-        </p:blipFill>
-        <p:spPr>
-          <a:xfrm>
-            <a:off x="1097280" y="3720043"/>
-            <a:ext cx="10058400" cy="2410355"/>
-          </a:xfrm>
-          <a:prstGeom prst="rect">
-            <a:avLst/>
-          </a:prstGeom>
-        </p:spPr>
-      </p:pic>
-      <p:pic>
-        <p:nvPicPr>
-          <p:cNvPr id="2050" name="Picture 2" descr="Codename: Taurus">
-            <a:extLst>
-              <a:ext uri="{FF2B5EF4-FFF2-40B4-BE49-F238E27FC236}">
-                <a16:creationId xmlns:a16="http://schemas.microsoft.com/office/drawing/2014/main" id="{4C582773-7BB6-487A-B9DB-269F0D3F71AB}"/>
-              </a:ext>
-            </a:extLst>
-          </p:cNvPr>
-          <p:cNvPicPr>
-            <a:picLocks noChangeAspect="1" noChangeArrowheads="1"/>
-          </p:cNvPicPr>
-          <p:nvPr/>
-        </p:nvPicPr>
-        <p:blipFill>
-          <a:blip r:embed="rId3">
-            <a:extLst>
-              <a:ext uri="{28A0092B-C50C-407E-A947-70E740481C1C}">
-                <a14:useLocalDpi xmlns:a14="http://schemas.microsoft.com/office/drawing/2010/main" val="0"/>
-              </a:ext>
-            </a:extLst>
-          </a:blip>
-          <a:srcRect/>
-          <a:stretch>
-            <a:fillRect/>
-          </a:stretch>
-        </p:blipFill>
-        <p:spPr bwMode="auto">
-          <a:xfrm>
-            <a:off x="8822055" y="1119065"/>
-            <a:ext cx="2333625" cy="561975"/>
-          </a:xfrm>
-          <a:prstGeom prst="rect">
-            <a:avLst/>
-          </a:prstGeom>
-          <a:noFill/>
-          <a:extLst>
-            <a:ext uri="{909E8E84-426E-40DD-AFC4-6F175D3DCCD1}">
-              <a14:hiddenFill xmlns:a14="http://schemas.microsoft.com/office/drawing/2010/main">
-                <a:solidFill>
-                  <a:srgbClr val="FFFFFF"/>
-                </a:solidFill>
-              </a14:hiddenFill>
-            </a:ext>
-          </a:extLst>
-        </p:spPr>
-      </p:pic>
     </p:spTree>
     <p:extLst>
       <p:ext uri="{BB962C8B-B14F-4D97-AF65-F5344CB8AC3E}">
-        <p14:creationId xmlns:p14="http://schemas.microsoft.com/office/powerpoint/2010/main" val="1478224251"/>
+        <p14:creationId xmlns:p14="http://schemas.microsoft.com/office/powerpoint/2010/main" val="3800447388"/>
       </p:ext>
     </p:extLst>
   </p:cSld>
@@ -8016,11 +8032,10 @@
           <a:bodyPr/>
           <a:lstStyle/>
           <a:p>
-            <a:fld id="{BBFFFFB7-B427-4FC9-89B5-E815E530C709}" type="datetime1">
-              <a:rPr lang="de-DE" smtClean="0"/>
-              <a:t>31.05.2018</a:t>
-            </a:fld>
-            <a:endParaRPr lang="de-DE"/>
+            <a:r>
+              <a:rPr lang="de-DE"/>
+              <a:t>02.07.2018</a:t>
+            </a:r>
           </a:p>
         </p:txBody>
       </p:sp>
@@ -8088,7 +8103,7 @@
           <p:cNvPr id="2" name="Titel 1">
             <a:extLst>
               <a:ext uri="{FF2B5EF4-FFF2-40B4-BE49-F238E27FC236}">
-                <a16:creationId xmlns:a16="http://schemas.microsoft.com/office/drawing/2014/main" id="{322A0B80-0819-49BC-A6CD-B557BBE57D9B}"/>
+                <a16:creationId xmlns:a16="http://schemas.microsoft.com/office/drawing/2014/main" id="{B68BB816-72DF-46DE-96A1-CB92DC0B0ED2}"/>
               </a:ext>
             </a:extLst>
           </p:cNvPr>
@@ -8106,22 +8121,17 @@
           <a:p>
             <a:r>
               <a:rPr lang="de-DE" dirty="0"/>
-              <a:t>Taurus - </a:t>
-            </a:r>
-            <a:r>
-              <a:rPr lang="de-DE" dirty="0" err="1"/>
-              <a:t>QuickCheck</a:t>
-            </a:r>
-            <a:endParaRPr lang="de-DE" dirty="0"/>
-          </a:p>
-        </p:txBody>
-      </p:sp>
-      <p:sp>
-        <p:nvSpPr>
-          <p:cNvPr id="3" name="Inhaltsplatzhalter 2">
+              <a:t>Tools zum Vergleich</a:t>
+            </a:r>
+          </a:p>
+        </p:txBody>
+      </p:sp>
+      <p:sp>
+        <p:nvSpPr>
+          <p:cNvPr id="4" name="Datumsplatzhalter 3">
             <a:extLst>
               <a:ext uri="{FF2B5EF4-FFF2-40B4-BE49-F238E27FC236}">
-                <a16:creationId xmlns:a16="http://schemas.microsoft.com/office/drawing/2014/main" id="{029CC6A3-08DB-4931-BF73-0D09CE392D40}"/>
+                <a16:creationId xmlns:a16="http://schemas.microsoft.com/office/drawing/2014/main" id="{5D94FDB3-0612-4193-9D13-FFB99D6C8012}"/>
               </a:ext>
             </a:extLst>
           </p:cNvPr>
@@ -8129,7 +8139,7 @@
             <a:spLocks noGrp="1"/>
           </p:cNvSpPr>
           <p:nvPr>
-            <p:ph idx="1"/>
+            <p:ph type="dt" sz="half" idx="10"/>
           </p:nvPr>
         </p:nvSpPr>
         <p:spPr/>
@@ -8137,45 +8147,19 @@
           <a:bodyPr/>
           <a:lstStyle/>
           <a:p>
-            <a:endParaRPr lang="de-DE"/>
-          </a:p>
-        </p:txBody>
-      </p:sp>
-      <p:sp>
-        <p:nvSpPr>
-          <p:cNvPr id="4" name="Datumsplatzhalter 3">
+            <a:r>
+              <a:rPr lang="de-DE"/>
+              <a:t>02.07.2018</a:t>
+            </a:r>
+          </a:p>
+        </p:txBody>
+      </p:sp>
+      <p:sp>
+        <p:nvSpPr>
+          <p:cNvPr id="5" name="Foliennummernplatzhalter 4">
             <a:extLst>
               <a:ext uri="{FF2B5EF4-FFF2-40B4-BE49-F238E27FC236}">
-                <a16:creationId xmlns:a16="http://schemas.microsoft.com/office/drawing/2014/main" id="{4DA3D42C-D7BA-4DFC-A56C-E0CF5CD52F00}"/>
-              </a:ext>
-            </a:extLst>
-          </p:cNvPr>
-          <p:cNvSpPr>
-            <a:spLocks noGrp="1"/>
-          </p:cNvSpPr>
-          <p:nvPr>
-            <p:ph type="dt" sz="half" idx="10"/>
-          </p:nvPr>
-        </p:nvSpPr>
-        <p:spPr/>
-        <p:txBody>
-          <a:bodyPr/>
-          <a:lstStyle/>
-          <a:p>
-            <a:fld id="{BBFFFFB7-B427-4FC9-89B5-E815E530C709}" type="datetime1">
-              <a:rPr lang="de-DE" smtClean="0"/>
-              <a:t>31.05.2018</a:t>
-            </a:fld>
-            <a:endParaRPr lang="de-DE"/>
-          </a:p>
-        </p:txBody>
-      </p:sp>
-      <p:sp>
-        <p:nvSpPr>
-          <p:cNvPr id="5" name="Foliennummernplatzhalter 4">
-            <a:extLst>
-              <a:ext uri="{FF2B5EF4-FFF2-40B4-BE49-F238E27FC236}">
-                <a16:creationId xmlns:a16="http://schemas.microsoft.com/office/drawing/2014/main" id="{EBFDD120-4D86-4902-8C6E-9FFF927C4673}"/>
+                <a16:creationId xmlns:a16="http://schemas.microsoft.com/office/drawing/2014/main" id="{9E7EE13C-82C2-4752-8B1C-17E12E9AE882}"/>
               </a:ext>
             </a:extLst>
           </p:cNvPr>
@@ -8199,374 +8183,569 @@
           </a:p>
         </p:txBody>
       </p:sp>
-      <p:graphicFrame>
-        <p:nvGraphicFramePr>
-          <p:cNvPr id="6" name="Inhaltsplatzhalter 5">
+      <p:sp>
+        <p:nvSpPr>
+          <p:cNvPr id="6" name="Rechteck 5">
             <a:extLst>
               <a:ext uri="{FF2B5EF4-FFF2-40B4-BE49-F238E27FC236}">
-                <a16:creationId xmlns:a16="http://schemas.microsoft.com/office/drawing/2014/main" id="{FF00A3D9-267B-4AFB-8125-6AE81E2A5D83}"/>
+                <a16:creationId xmlns:a16="http://schemas.microsoft.com/office/drawing/2014/main" id="{46C783C8-4EE2-43B2-9FCC-080B7ABB9AEB}"/>
               </a:ext>
             </a:extLst>
           </p:cNvPr>
-          <p:cNvGraphicFramePr>
-            <a:graphicFrameLocks/>
-          </p:cNvGraphicFramePr>
-          <p:nvPr>
-            <p:extLst>
-              <p:ext uri="{D42A27DB-BD31-4B8C-83A1-F6EECF244321}">
-                <p14:modId xmlns:p14="http://schemas.microsoft.com/office/powerpoint/2010/main" val="2862095619"/>
-              </p:ext>
-            </p:extLst>
-          </p:nvPr>
-        </p:nvGraphicFramePr>
-        <p:xfrm>
-          <a:off x="1096963" y="1846263"/>
-          <a:ext cx="10058400" cy="3337560"/>
-        </p:xfrm>
-        <a:graphic>
-          <a:graphicData uri="http://schemas.openxmlformats.org/drawingml/2006/table">
-            <a:tbl>
-              <a:tblPr bandRow="1">
-                <a:tableStyleId>{5C22544A-7EE6-4342-B048-85BDC9FD1C3A}</a:tableStyleId>
-              </a:tblPr>
-              <a:tblGrid>
-                <a:gridCol w="5029200">
-                  <a:extLst>
-                    <a:ext uri="{9D8B030D-6E8A-4147-A177-3AD203B41FA5}">
-                      <a16:colId xmlns:a16="http://schemas.microsoft.com/office/drawing/2014/main" val="2643309448"/>
-                    </a:ext>
-                  </a:extLst>
-                </a:gridCol>
-                <a:gridCol w="5029200">
-                  <a:extLst>
-                    <a:ext uri="{9D8B030D-6E8A-4147-A177-3AD203B41FA5}">
-                      <a16:colId xmlns:a16="http://schemas.microsoft.com/office/drawing/2014/main" val="4145462692"/>
-                    </a:ext>
-                  </a:extLst>
-                </a:gridCol>
-              </a:tblGrid>
-              <a:tr h="370840">
-                <a:tc>
-                  <a:txBody>
-                    <a:bodyPr/>
-                    <a:lstStyle/>
-                    <a:p>
-                      <a:r>
-                        <a:rPr lang="de-DE" b="1" dirty="0"/>
-                        <a:t>Lizenz</a:t>
-                      </a:r>
-                    </a:p>
-                  </a:txBody>
-                  <a:tcPr/>
-                </a:tc>
-                <a:tc>
-                  <a:txBody>
-                    <a:bodyPr/>
-                    <a:lstStyle/>
-                    <a:p>
-                      <a:r>
-                        <a:rPr lang="de-DE" dirty="0"/>
-                        <a:t>Apache Lizenz 2.0</a:t>
-                      </a:r>
-                    </a:p>
-                  </a:txBody>
-                  <a:tcPr/>
-                </a:tc>
-                <a:extLst>
-                  <a:ext uri="{0D108BD9-81ED-4DB2-BD59-A6C34878D82A}">
-                    <a16:rowId xmlns:a16="http://schemas.microsoft.com/office/drawing/2014/main" val="1184257119"/>
-                  </a:ext>
-                </a:extLst>
-              </a:tr>
-              <a:tr h="370840">
-                <a:tc>
-                  <a:txBody>
-                    <a:bodyPr/>
-                    <a:lstStyle/>
-                    <a:p>
-                      <a:r>
-                        <a:rPr lang="de-DE" b="1" dirty="0" err="1"/>
-                        <a:t>Issue</a:t>
-                      </a:r>
-                      <a:r>
-                        <a:rPr lang="de-DE" b="1" dirty="0"/>
-                        <a:t> Tracker</a:t>
-                      </a:r>
-                    </a:p>
-                  </a:txBody>
-                  <a:tcPr/>
-                </a:tc>
-                <a:tc>
-                  <a:txBody>
-                    <a:bodyPr/>
-                    <a:lstStyle/>
-                    <a:p>
-                      <a:r>
-                        <a:rPr lang="de-DE" dirty="0"/>
-                        <a:t>Nein</a:t>
-                      </a:r>
-                    </a:p>
-                  </a:txBody>
-                  <a:tcPr/>
-                </a:tc>
-                <a:extLst>
-                  <a:ext uri="{0D108BD9-81ED-4DB2-BD59-A6C34878D82A}">
-                    <a16:rowId xmlns:a16="http://schemas.microsoft.com/office/drawing/2014/main" val="3089076478"/>
-                  </a:ext>
-                </a:extLst>
-              </a:tr>
-              <a:tr h="370840">
-                <a:tc>
-                  <a:txBody>
-                    <a:bodyPr/>
-                    <a:lstStyle/>
-                    <a:p>
-                      <a:r>
-                        <a:rPr lang="de-DE" b="1" dirty="0"/>
-                        <a:t>Stable Version &gt; 1.0?</a:t>
-                      </a:r>
-                    </a:p>
-                  </a:txBody>
-                  <a:tcPr/>
-                </a:tc>
-                <a:tc>
-                  <a:txBody>
-                    <a:bodyPr/>
-                    <a:lstStyle/>
-                    <a:p>
-                      <a:r>
-                        <a:rPr lang="de-DE" dirty="0"/>
-                        <a:t>1.11.1</a:t>
-                      </a:r>
-                    </a:p>
-                  </a:txBody>
-                  <a:tcPr/>
-                </a:tc>
-                <a:extLst>
-                  <a:ext uri="{0D108BD9-81ED-4DB2-BD59-A6C34878D82A}">
-                    <a16:rowId xmlns:a16="http://schemas.microsoft.com/office/drawing/2014/main" val="1667510319"/>
-                  </a:ext>
-                </a:extLst>
-              </a:tr>
-              <a:tr h="370840">
-                <a:tc>
-                  <a:txBody>
-                    <a:bodyPr/>
-                    <a:lstStyle/>
-                    <a:p>
-                      <a:r>
-                        <a:rPr lang="de-DE" b="1" dirty="0"/>
-                        <a:t>Auf </a:t>
-                      </a:r>
-                      <a:r>
-                        <a:rPr lang="de-DE" b="1" dirty="0" err="1"/>
-                        <a:t>OpenHub</a:t>
-                      </a:r>
-                      <a:r>
-                        <a:rPr lang="de-DE" b="1" dirty="0"/>
-                        <a:t> gelistet?</a:t>
-                      </a:r>
-                    </a:p>
-                  </a:txBody>
-                  <a:tcPr/>
-                </a:tc>
-                <a:tc>
-                  <a:txBody>
-                    <a:bodyPr/>
-                    <a:lstStyle/>
-                    <a:p>
-                      <a:r>
-                        <a:rPr lang="de-DE" dirty="0"/>
-                        <a:t>Nein</a:t>
-                      </a:r>
-                    </a:p>
-                  </a:txBody>
-                  <a:tcPr/>
-                </a:tc>
-                <a:extLst>
-                  <a:ext uri="{0D108BD9-81ED-4DB2-BD59-A6C34878D82A}">
-                    <a16:rowId xmlns:a16="http://schemas.microsoft.com/office/drawing/2014/main" val="1435722550"/>
-                  </a:ext>
-                </a:extLst>
-              </a:tr>
-              <a:tr h="370840">
-                <a:tc>
-                  <a:txBody>
-                    <a:bodyPr/>
-                    <a:lstStyle/>
-                    <a:p>
-                      <a:r>
-                        <a:rPr lang="de-DE" b="1" dirty="0"/>
-                        <a:t>Google Trends (Durschnitt letzte 12 Monate)</a:t>
-                      </a:r>
-                    </a:p>
-                  </a:txBody>
-                  <a:tcPr/>
-                </a:tc>
-                <a:tc>
-                  <a:txBody>
-                    <a:bodyPr/>
-                    <a:lstStyle/>
-                    <a:p>
-                      <a:r>
-                        <a:rPr lang="de-DE" dirty="0"/>
-                        <a:t>24</a:t>
-                      </a:r>
-                    </a:p>
-                  </a:txBody>
-                  <a:tcPr/>
-                </a:tc>
-                <a:extLst>
-                  <a:ext uri="{0D108BD9-81ED-4DB2-BD59-A6C34878D82A}">
-                    <a16:rowId xmlns:a16="http://schemas.microsoft.com/office/drawing/2014/main" val="2926144639"/>
-                  </a:ext>
-                </a:extLst>
-              </a:tr>
-              <a:tr h="370840">
-                <a:tc>
-                  <a:txBody>
-                    <a:bodyPr/>
-                    <a:lstStyle/>
-                    <a:p>
-                      <a:r>
-                        <a:rPr lang="de-DE" b="1" dirty="0"/>
-                        <a:t>Release in den letzten 12 Monaten?</a:t>
-                      </a:r>
-                    </a:p>
-                  </a:txBody>
-                  <a:tcPr/>
-                </a:tc>
-                <a:tc>
-                  <a:txBody>
-                    <a:bodyPr/>
-                    <a:lstStyle/>
-                    <a:p>
-                      <a:r>
-                        <a:rPr lang="de-DE" dirty="0"/>
-                        <a:t>Ja, April 2018</a:t>
-                      </a:r>
-                    </a:p>
-                  </a:txBody>
-                  <a:tcPr/>
-                </a:tc>
-                <a:extLst>
-                  <a:ext uri="{0D108BD9-81ED-4DB2-BD59-A6C34878D82A}">
-                    <a16:rowId xmlns:a16="http://schemas.microsoft.com/office/drawing/2014/main" val="3247816977"/>
-                  </a:ext>
-                </a:extLst>
-              </a:tr>
-              <a:tr h="370840">
-                <a:tc>
-                  <a:txBody>
-                    <a:bodyPr/>
-                    <a:lstStyle/>
-                    <a:p>
-                      <a:r>
-                        <a:rPr lang="de-DE" b="1" dirty="0" err="1"/>
-                        <a:t>StackOverflow</a:t>
-                      </a:r>
-                      <a:r>
-                        <a:rPr lang="de-DE" b="1" dirty="0"/>
-                        <a:t> Interesse</a:t>
-                      </a:r>
-                    </a:p>
-                  </a:txBody>
-                  <a:tcPr/>
-                </a:tc>
-                <a:tc>
-                  <a:txBody>
-                    <a:bodyPr/>
-                    <a:lstStyle/>
-                    <a:p>
-                      <a:r>
-                        <a:rPr lang="de-DE" dirty="0"/>
-                        <a:t>&gt; 500 Fragen</a:t>
-                      </a:r>
-                    </a:p>
-                  </a:txBody>
-                  <a:tcPr/>
-                </a:tc>
-                <a:extLst>
-                  <a:ext uri="{0D108BD9-81ED-4DB2-BD59-A6C34878D82A}">
-                    <a16:rowId xmlns:a16="http://schemas.microsoft.com/office/drawing/2014/main" val="1050846634"/>
-                  </a:ext>
-                </a:extLst>
-              </a:tr>
-              <a:tr h="370840">
-                <a:tc>
-                  <a:txBody>
-                    <a:bodyPr/>
-                    <a:lstStyle/>
-                    <a:p>
-                      <a:r>
-                        <a:rPr lang="de-DE" b="1" dirty="0"/>
-                        <a:t>Projekt älter als 1 Jahr?</a:t>
-                      </a:r>
-                    </a:p>
-                  </a:txBody>
-                  <a:tcPr/>
-                </a:tc>
-                <a:tc>
-                  <a:txBody>
-                    <a:bodyPr/>
-                    <a:lstStyle/>
-                    <a:p>
-                      <a:r>
-                        <a:rPr lang="de-DE" dirty="0"/>
-                        <a:t>Ja, 2016</a:t>
-                      </a:r>
-                    </a:p>
-                  </a:txBody>
-                  <a:tcPr/>
-                </a:tc>
-                <a:extLst>
-                  <a:ext uri="{0D108BD9-81ED-4DB2-BD59-A6C34878D82A}">
-                    <a16:rowId xmlns:a16="http://schemas.microsoft.com/office/drawing/2014/main" val="2354061839"/>
-                  </a:ext>
-                </a:extLst>
-              </a:tr>
-              <a:tr h="370840">
-                <a:tc>
-                  <a:txBody>
-                    <a:bodyPr/>
-                    <a:lstStyle/>
-                    <a:p>
-                      <a:r>
-                        <a:rPr lang="de-DE" b="1" dirty="0" err="1"/>
-                        <a:t>Getting-Started</a:t>
-                      </a:r>
-                      <a:r>
-                        <a:rPr lang="de-DE" b="1" dirty="0"/>
-                        <a:t> / Quickstart vorhanden?</a:t>
-                      </a:r>
-                    </a:p>
-                  </a:txBody>
-                  <a:tcPr/>
-                </a:tc>
-                <a:tc>
-                  <a:txBody>
-                    <a:bodyPr/>
-                    <a:lstStyle/>
-                    <a:p>
-                      <a:endParaRPr lang="de-DE" dirty="0"/>
-                    </a:p>
-                  </a:txBody>
-                  <a:tcPr/>
-                </a:tc>
-                <a:extLst>
-                  <a:ext uri="{0D108BD9-81ED-4DB2-BD59-A6C34878D82A}">
-                    <a16:rowId xmlns:a16="http://schemas.microsoft.com/office/drawing/2014/main" val="248342669"/>
-                  </a:ext>
-                </a:extLst>
-              </a:tr>
-            </a:tbl>
-          </a:graphicData>
-        </a:graphic>
-      </p:graphicFrame>
+          <p:cNvSpPr/>
+          <p:nvPr/>
+        </p:nvSpPr>
+        <p:spPr>
+          <a:xfrm>
+            <a:off x="391504" y="4450349"/>
+            <a:ext cx="2867488" cy="1784411"/>
+          </a:xfrm>
+          <a:prstGeom prst="rect">
+            <a:avLst/>
+          </a:prstGeom>
+          <a:solidFill>
+            <a:srgbClr val="2683C6"/>
+          </a:solidFill>
+          <a:ln>
+            <a:noFill/>
+          </a:ln>
+        </p:spPr>
+        <p:style>
+          <a:lnRef idx="2">
+            <a:schemeClr val="accent1">
+              <a:shade val="50000"/>
+            </a:schemeClr>
+          </a:lnRef>
+          <a:fillRef idx="1">
+            <a:schemeClr val="accent1"/>
+          </a:fillRef>
+          <a:effectRef idx="0">
+            <a:schemeClr val="accent1"/>
+          </a:effectRef>
+          <a:fontRef idx="minor">
+            <a:schemeClr val="lt1"/>
+          </a:fontRef>
+        </p:style>
+        <p:txBody>
+          <a:bodyPr rtlCol="0" anchor="ctr"/>
+          <a:lstStyle/>
+          <a:p>
+            <a:pPr algn="ctr"/>
+            <a:endParaRPr lang="de-DE"/>
+          </a:p>
+        </p:txBody>
+      </p:sp>
+      <p:sp>
+        <p:nvSpPr>
+          <p:cNvPr id="7" name="Rechteck 6">
+            <a:extLst>
+              <a:ext uri="{FF2B5EF4-FFF2-40B4-BE49-F238E27FC236}">
+                <a16:creationId xmlns:a16="http://schemas.microsoft.com/office/drawing/2014/main" id="{B5CF1EE8-8487-4CDA-9958-0CAEF5279EF0}"/>
+              </a:ext>
+            </a:extLst>
+          </p:cNvPr>
+          <p:cNvSpPr/>
+          <p:nvPr/>
+        </p:nvSpPr>
+        <p:spPr>
+          <a:xfrm>
+            <a:off x="3258992" y="3349519"/>
+            <a:ext cx="2867488" cy="2885242"/>
+          </a:xfrm>
+          <a:prstGeom prst="rect">
+            <a:avLst/>
+          </a:prstGeom>
+          <a:solidFill>
+            <a:srgbClr val="2683C6"/>
+          </a:solidFill>
+          <a:ln>
+            <a:noFill/>
+          </a:ln>
+        </p:spPr>
+        <p:style>
+          <a:lnRef idx="2">
+            <a:schemeClr val="accent1">
+              <a:shade val="50000"/>
+            </a:schemeClr>
+          </a:lnRef>
+          <a:fillRef idx="1">
+            <a:schemeClr val="accent1"/>
+          </a:fillRef>
+          <a:effectRef idx="0">
+            <a:schemeClr val="accent1"/>
+          </a:effectRef>
+          <a:fontRef idx="minor">
+            <a:schemeClr val="lt1"/>
+          </a:fontRef>
+        </p:style>
+        <p:txBody>
+          <a:bodyPr rtlCol="0" anchor="ctr"/>
+          <a:lstStyle/>
+          <a:p>
+            <a:pPr algn="ctr"/>
+            <a:endParaRPr lang="de-DE"/>
+          </a:p>
+        </p:txBody>
+      </p:sp>
+      <p:sp>
+        <p:nvSpPr>
+          <p:cNvPr id="8" name="Rechteck 7">
+            <a:extLst>
+              <a:ext uri="{FF2B5EF4-FFF2-40B4-BE49-F238E27FC236}">
+                <a16:creationId xmlns:a16="http://schemas.microsoft.com/office/drawing/2014/main" id="{16D580DB-8E9C-4B4B-859D-B2C9E49E8C0D}"/>
+              </a:ext>
+            </a:extLst>
+          </p:cNvPr>
+          <p:cNvSpPr/>
+          <p:nvPr/>
+        </p:nvSpPr>
+        <p:spPr>
+          <a:xfrm>
+            <a:off x="8993966" y="5157926"/>
+            <a:ext cx="2867488" cy="1076835"/>
+          </a:xfrm>
+          <a:prstGeom prst="rect">
+            <a:avLst/>
+          </a:prstGeom>
+          <a:solidFill>
+            <a:srgbClr val="2683C6"/>
+          </a:solidFill>
+          <a:ln>
+            <a:noFill/>
+          </a:ln>
+        </p:spPr>
+        <p:style>
+          <a:lnRef idx="2">
+            <a:schemeClr val="accent1">
+              <a:shade val="50000"/>
+            </a:schemeClr>
+          </a:lnRef>
+          <a:fillRef idx="1">
+            <a:schemeClr val="accent1"/>
+          </a:fillRef>
+          <a:effectRef idx="0">
+            <a:schemeClr val="accent1"/>
+          </a:effectRef>
+          <a:fontRef idx="minor">
+            <a:schemeClr val="lt1"/>
+          </a:fontRef>
+        </p:style>
+        <p:txBody>
+          <a:bodyPr rtlCol="0" anchor="ctr"/>
+          <a:lstStyle/>
+          <a:p>
+            <a:pPr algn="ctr"/>
+            <a:endParaRPr lang="de-DE"/>
+          </a:p>
+        </p:txBody>
+      </p:sp>
+      <p:pic>
+        <p:nvPicPr>
+          <p:cNvPr id="9" name="Picture 2" descr="https://artillery.io/img/flag.png">
+            <a:extLst>
+              <a:ext uri="{FF2B5EF4-FFF2-40B4-BE49-F238E27FC236}">
+                <a16:creationId xmlns:a16="http://schemas.microsoft.com/office/drawing/2014/main" id="{A6CA38C9-27EA-4D02-89E0-B9CA0634CAF0}"/>
+              </a:ext>
+            </a:extLst>
+          </p:cNvPr>
+          <p:cNvPicPr>
+            <a:picLocks noChangeAspect="1" noChangeArrowheads="1"/>
+          </p:cNvPicPr>
+          <p:nvPr/>
+        </p:nvPicPr>
+        <p:blipFill>
+          <a:blip r:embed="rId2">
+            <a:extLst>
+              <a:ext uri="{28A0092B-C50C-407E-A947-70E740481C1C}">
+                <a14:useLocalDpi xmlns:a14="http://schemas.microsoft.com/office/drawing/2010/main" val="0"/>
+              </a:ext>
+            </a:extLst>
+          </a:blip>
+          <a:srcRect/>
+          <a:stretch>
+            <a:fillRect/>
+          </a:stretch>
+        </p:blipFill>
+        <p:spPr bwMode="auto">
+          <a:xfrm>
+            <a:off x="6582144" y="2589307"/>
+            <a:ext cx="1956157" cy="647700"/>
+          </a:xfrm>
+          <a:prstGeom prst="rect">
+            <a:avLst/>
+          </a:prstGeom>
+          <a:noFill/>
+          <a:extLst>
+            <a:ext uri="{909E8E84-426E-40DD-AFC4-6F175D3DCCD1}">
+              <a14:hiddenFill xmlns:a14="http://schemas.microsoft.com/office/drawing/2010/main">
+                <a:solidFill>
+                  <a:srgbClr val="FFFFFF"/>
+                </a:solidFill>
+              </a14:hiddenFill>
+            </a:ext>
+          </a:extLst>
+        </p:spPr>
+      </p:pic>
+      <p:pic>
+        <p:nvPicPr>
+          <p:cNvPr id="10" name="Grafik 9">
+            <a:extLst>
+              <a:ext uri="{FF2B5EF4-FFF2-40B4-BE49-F238E27FC236}">
+                <a16:creationId xmlns:a16="http://schemas.microsoft.com/office/drawing/2014/main" id="{8EA6B21B-0007-4B7B-9828-CB16A5B875B5}"/>
+              </a:ext>
+            </a:extLst>
+          </p:cNvPr>
+          <p:cNvPicPr>
+            <a:picLocks noChangeAspect="1"/>
+          </p:cNvPicPr>
+          <p:nvPr/>
+        </p:nvPicPr>
+        <p:blipFill>
+          <a:blip r:embed="rId3"/>
+          <a:stretch>
+            <a:fillRect/>
+          </a:stretch>
+        </p:blipFill>
+        <p:spPr>
+          <a:xfrm>
+            <a:off x="3373523" y="2589307"/>
+            <a:ext cx="2638425" cy="647700"/>
+          </a:xfrm>
+          <a:prstGeom prst="rect">
+            <a:avLst/>
+          </a:prstGeom>
+        </p:spPr>
+      </p:pic>
+      <p:sp>
+        <p:nvSpPr>
+          <p:cNvPr id="3" name="Textfeld 2">
+            <a:extLst>
+              <a:ext uri="{FF2B5EF4-FFF2-40B4-BE49-F238E27FC236}">
+                <a16:creationId xmlns:a16="http://schemas.microsoft.com/office/drawing/2014/main" id="{B738B743-AD5C-47AA-B35C-DF71B9C656FB}"/>
+              </a:ext>
+            </a:extLst>
+          </p:cNvPr>
+          <p:cNvSpPr txBox="1"/>
+          <p:nvPr/>
+        </p:nvSpPr>
+        <p:spPr>
+          <a:xfrm>
+            <a:off x="3875991" y="5773096"/>
+            <a:ext cx="1633491" cy="461665"/>
+          </a:xfrm>
+          <a:prstGeom prst="rect">
+            <a:avLst/>
+          </a:prstGeom>
+          <a:noFill/>
+        </p:spPr>
+        <p:txBody>
+          <a:bodyPr wrap="square" rtlCol="0">
+            <a:spAutoFit/>
+          </a:bodyPr>
+          <a:lstStyle/>
+          <a:p>
+            <a:pPr algn="ctr"/>
+            <a:r>
+              <a:rPr lang="de-DE" sz="2400" dirty="0"/>
+              <a:t>27 Punkte</a:t>
+            </a:r>
+          </a:p>
+        </p:txBody>
+      </p:sp>
+      <p:sp>
+        <p:nvSpPr>
+          <p:cNvPr id="12" name="Textfeld 11">
+            <a:extLst>
+              <a:ext uri="{FF2B5EF4-FFF2-40B4-BE49-F238E27FC236}">
+                <a16:creationId xmlns:a16="http://schemas.microsoft.com/office/drawing/2014/main" id="{E2A56BF6-67EF-4466-B63A-6BED91896F51}"/>
+              </a:ext>
+            </a:extLst>
+          </p:cNvPr>
+          <p:cNvSpPr txBox="1"/>
+          <p:nvPr/>
+        </p:nvSpPr>
+        <p:spPr>
+          <a:xfrm>
+            <a:off x="1008503" y="5773095"/>
+            <a:ext cx="1633491" cy="461665"/>
+          </a:xfrm>
+          <a:prstGeom prst="rect">
+            <a:avLst/>
+          </a:prstGeom>
+          <a:noFill/>
+        </p:spPr>
+        <p:txBody>
+          <a:bodyPr wrap="square" rtlCol="0">
+            <a:spAutoFit/>
+          </a:bodyPr>
+          <a:lstStyle/>
+          <a:p>
+            <a:pPr algn="ctr"/>
+            <a:r>
+              <a:rPr lang="de-DE" sz="2400" dirty="0"/>
+              <a:t>25 Punkte</a:t>
+            </a:r>
+          </a:p>
+        </p:txBody>
+      </p:sp>
+      <p:sp>
+        <p:nvSpPr>
+          <p:cNvPr id="13" name="Textfeld 12">
+            <a:extLst>
+              <a:ext uri="{FF2B5EF4-FFF2-40B4-BE49-F238E27FC236}">
+                <a16:creationId xmlns:a16="http://schemas.microsoft.com/office/drawing/2014/main" id="{941533D0-AEA9-4639-B781-2BECB4CC8071}"/>
+              </a:ext>
+            </a:extLst>
+          </p:cNvPr>
+          <p:cNvSpPr txBox="1"/>
+          <p:nvPr/>
+        </p:nvSpPr>
+        <p:spPr>
+          <a:xfrm>
+            <a:off x="9610964" y="5773096"/>
+            <a:ext cx="1633491" cy="461665"/>
+          </a:xfrm>
+          <a:prstGeom prst="rect">
+            <a:avLst/>
+          </a:prstGeom>
+          <a:noFill/>
+        </p:spPr>
+        <p:txBody>
+          <a:bodyPr wrap="square" rtlCol="0">
+            <a:spAutoFit/>
+          </a:bodyPr>
+          <a:lstStyle/>
+          <a:p>
+            <a:pPr algn="ctr"/>
+            <a:r>
+              <a:rPr lang="de-DE" sz="2400" dirty="0"/>
+              <a:t>24 Punkte</a:t>
+            </a:r>
+          </a:p>
+        </p:txBody>
+      </p:sp>
+      <p:cxnSp>
+        <p:nvCxnSpPr>
+          <p:cNvPr id="16" name="Gerader Verbinder 15">
+            <a:extLst>
+              <a:ext uri="{FF2B5EF4-FFF2-40B4-BE49-F238E27FC236}">
+                <a16:creationId xmlns:a16="http://schemas.microsoft.com/office/drawing/2014/main" id="{2C1D5ECA-D955-4C4B-9515-A4384F05F426}"/>
+              </a:ext>
+            </a:extLst>
+          </p:cNvPr>
+          <p:cNvCxnSpPr/>
+          <p:nvPr/>
+        </p:nvCxnSpPr>
+        <p:spPr>
+          <a:xfrm>
+            <a:off x="6126481" y="4450350"/>
+            <a:ext cx="0" cy="1784411"/>
+          </a:xfrm>
+          <a:prstGeom prst="line">
+            <a:avLst/>
+          </a:prstGeom>
+        </p:spPr>
+        <p:style>
+          <a:lnRef idx="1">
+            <a:schemeClr val="accent1"/>
+          </a:lnRef>
+          <a:fillRef idx="0">
+            <a:schemeClr val="accent1"/>
+          </a:fillRef>
+          <a:effectRef idx="0">
+            <a:schemeClr val="accent1"/>
+          </a:effectRef>
+          <a:fontRef idx="minor">
+            <a:schemeClr val="tx1"/>
+          </a:fontRef>
+        </p:style>
+      </p:cxnSp>
+      <p:sp>
+        <p:nvSpPr>
+          <p:cNvPr id="17" name="Rechteck 16">
+            <a:extLst>
+              <a:ext uri="{FF2B5EF4-FFF2-40B4-BE49-F238E27FC236}">
+                <a16:creationId xmlns:a16="http://schemas.microsoft.com/office/drawing/2014/main" id="{294A6C4F-097F-409F-8564-3F2B697FC333}"/>
+              </a:ext>
+            </a:extLst>
+          </p:cNvPr>
+          <p:cNvSpPr/>
+          <p:nvPr/>
+        </p:nvSpPr>
+        <p:spPr>
+          <a:xfrm>
+            <a:off x="6126480" y="3349519"/>
+            <a:ext cx="2867488" cy="2885242"/>
+          </a:xfrm>
+          <a:prstGeom prst="rect">
+            <a:avLst/>
+          </a:prstGeom>
+          <a:solidFill>
+            <a:srgbClr val="2683C6"/>
+          </a:solidFill>
+          <a:ln>
+            <a:noFill/>
+          </a:ln>
+        </p:spPr>
+        <p:style>
+          <a:lnRef idx="2">
+            <a:schemeClr val="accent1">
+              <a:shade val="50000"/>
+            </a:schemeClr>
+          </a:lnRef>
+          <a:fillRef idx="1">
+            <a:schemeClr val="accent1"/>
+          </a:fillRef>
+          <a:effectRef idx="0">
+            <a:schemeClr val="accent1"/>
+          </a:effectRef>
+          <a:fontRef idx="minor">
+            <a:schemeClr val="lt1"/>
+          </a:fontRef>
+        </p:style>
+        <p:txBody>
+          <a:bodyPr rtlCol="0" anchor="ctr"/>
+          <a:lstStyle/>
+          <a:p>
+            <a:pPr algn="ctr"/>
+            <a:endParaRPr lang="de-DE"/>
+          </a:p>
+        </p:txBody>
+      </p:sp>
+      <p:sp>
+        <p:nvSpPr>
+          <p:cNvPr id="18" name="Textfeld 17">
+            <a:extLst>
+              <a:ext uri="{FF2B5EF4-FFF2-40B4-BE49-F238E27FC236}">
+                <a16:creationId xmlns:a16="http://schemas.microsoft.com/office/drawing/2014/main" id="{065BD711-EEA3-492C-A9F8-209B6EA598A5}"/>
+              </a:ext>
+            </a:extLst>
+          </p:cNvPr>
+          <p:cNvSpPr txBox="1"/>
+          <p:nvPr/>
+        </p:nvSpPr>
+        <p:spPr>
+          <a:xfrm>
+            <a:off x="6743478" y="5773094"/>
+            <a:ext cx="1633491" cy="461665"/>
+          </a:xfrm>
+          <a:prstGeom prst="rect">
+            <a:avLst/>
+          </a:prstGeom>
+          <a:noFill/>
+        </p:spPr>
+        <p:txBody>
+          <a:bodyPr wrap="square" rtlCol="0">
+            <a:spAutoFit/>
+          </a:bodyPr>
+          <a:lstStyle/>
+          <a:p>
+            <a:pPr algn="ctr"/>
+            <a:r>
+              <a:rPr lang="de-DE" sz="2400" dirty="0"/>
+              <a:t>27 Punkte</a:t>
+            </a:r>
+          </a:p>
+        </p:txBody>
+      </p:sp>
+      <p:pic>
+        <p:nvPicPr>
+          <p:cNvPr id="19" name="Picture 2" descr="Bildergebnis fÃ¼r gatling logo">
+            <a:extLst>
+              <a:ext uri="{FF2B5EF4-FFF2-40B4-BE49-F238E27FC236}">
+                <a16:creationId xmlns:a16="http://schemas.microsoft.com/office/drawing/2014/main" id="{1C59A575-80D2-419B-BBCC-7F0D024A31D4}"/>
+              </a:ext>
+            </a:extLst>
+          </p:cNvPr>
+          <p:cNvPicPr>
+            <a:picLocks noChangeAspect="1" noChangeArrowheads="1"/>
+          </p:cNvPicPr>
+          <p:nvPr/>
+        </p:nvPicPr>
+        <p:blipFill>
+          <a:blip r:embed="rId4">
+            <a:extLst>
+              <a:ext uri="{28A0092B-C50C-407E-A947-70E740481C1C}">
+                <a14:useLocalDpi xmlns:a14="http://schemas.microsoft.com/office/drawing/2010/main" val="0"/>
+              </a:ext>
+            </a:extLst>
+          </a:blip>
+          <a:srcRect/>
+          <a:stretch>
+            <a:fillRect/>
+          </a:stretch>
+        </p:blipFill>
+        <p:spPr bwMode="auto">
+          <a:xfrm>
+            <a:off x="9206510" y="4268732"/>
+            <a:ext cx="2442397" cy="776682"/>
+          </a:xfrm>
+          <a:prstGeom prst="rect">
+            <a:avLst/>
+          </a:prstGeom>
+          <a:noFill/>
+          <a:extLst>
+            <a:ext uri="{909E8E84-426E-40DD-AFC4-6F175D3DCCD1}">
+              <a14:hiddenFill xmlns:a14="http://schemas.microsoft.com/office/drawing/2010/main">
+                <a:solidFill>
+                  <a:srgbClr val="FFFFFF"/>
+                </a:solidFill>
+              </a14:hiddenFill>
+            </a:ext>
+          </a:extLst>
+        </p:spPr>
+      </p:pic>
+      <p:pic>
+        <p:nvPicPr>
+          <p:cNvPr id="2050" name="Picture 2" descr="k6">
+            <a:extLst>
+              <a:ext uri="{FF2B5EF4-FFF2-40B4-BE49-F238E27FC236}">
+                <a16:creationId xmlns:a16="http://schemas.microsoft.com/office/drawing/2014/main" id="{7BE49E81-B7B8-4C1E-A4C8-D66BF3B6DFE6}"/>
+              </a:ext>
+            </a:extLst>
+          </p:cNvPr>
+          <p:cNvPicPr>
+            <a:picLocks noChangeAspect="1" noChangeArrowheads="1"/>
+          </p:cNvPicPr>
+          <p:nvPr/>
+        </p:nvPicPr>
+        <p:blipFill>
+          <a:blip r:embed="rId5">
+            <a:extLst>
+              <a:ext uri="{28A0092B-C50C-407E-A947-70E740481C1C}">
+                <a14:useLocalDpi xmlns:a14="http://schemas.microsoft.com/office/drawing/2010/main" val="0"/>
+              </a:ext>
+            </a:extLst>
+          </a:blip>
+          <a:srcRect/>
+          <a:stretch>
+            <a:fillRect/>
+          </a:stretch>
+        </p:blipFill>
+        <p:spPr bwMode="auto">
+          <a:xfrm>
+            <a:off x="1479511" y="3687851"/>
+            <a:ext cx="691473" cy="649985"/>
+          </a:xfrm>
+          <a:prstGeom prst="rect">
+            <a:avLst/>
+          </a:prstGeom>
+          <a:noFill/>
+          <a:extLst>
+            <a:ext uri="{909E8E84-426E-40DD-AFC4-6F175D3DCCD1}">
+              <a14:hiddenFill xmlns:a14="http://schemas.microsoft.com/office/drawing/2010/main">
+                <a:solidFill>
+                  <a:srgbClr val="FFFFFF"/>
+                </a:solidFill>
+              </a14:hiddenFill>
+            </a:ext>
+          </a:extLst>
+        </p:spPr>
+      </p:pic>
     </p:spTree>
     <p:extLst>
       <p:ext uri="{BB962C8B-B14F-4D97-AF65-F5344CB8AC3E}">
-        <p14:creationId xmlns:p14="http://schemas.microsoft.com/office/powerpoint/2010/main" val="1442946040"/>
+        <p14:creationId xmlns:p14="http://schemas.microsoft.com/office/powerpoint/2010/main" val="1588856150"/>
       </p:ext>
     </p:extLst>
   </p:cSld>
@@ -8595,10 +8774,10 @@
       </p:grpSpPr>
       <p:sp>
         <p:nvSpPr>
-          <p:cNvPr id="2" name="Titel 1">
+          <p:cNvPr id="7" name="Titel 6">
             <a:extLst>
               <a:ext uri="{FF2B5EF4-FFF2-40B4-BE49-F238E27FC236}">
-                <a16:creationId xmlns:a16="http://schemas.microsoft.com/office/drawing/2014/main" id="{B68BB816-72DF-46DE-96A1-CB92DC0B0ED2}"/>
+                <a16:creationId xmlns:a16="http://schemas.microsoft.com/office/drawing/2014/main" id="{767599E4-6E36-4F73-BCFA-D5FDF915B10B}"/>
               </a:ext>
             </a:extLst>
           </p:cNvPr>
@@ -8616,17 +8795,17 @@
           <a:p>
             <a:r>
               <a:rPr lang="de-DE" dirty="0"/>
-              <a:t>Vergleich der Tools</a:t>
-            </a:r>
-          </a:p>
-        </p:txBody>
-      </p:sp>
-      <p:sp>
-        <p:nvSpPr>
-          <p:cNvPr id="3" name="Inhaltsplatzhalter 2">
+              <a:t>Vorgehen</a:t>
+            </a:r>
+          </a:p>
+        </p:txBody>
+      </p:sp>
+      <p:sp>
+        <p:nvSpPr>
+          <p:cNvPr id="8" name="Inhaltsplatzhalter 7">
             <a:extLst>
               <a:ext uri="{FF2B5EF4-FFF2-40B4-BE49-F238E27FC236}">
-                <a16:creationId xmlns:a16="http://schemas.microsoft.com/office/drawing/2014/main" id="{4EA705FA-56CE-49B9-B1C5-5EB90CA5B8CA}"/>
+                <a16:creationId xmlns:a16="http://schemas.microsoft.com/office/drawing/2014/main" id="{CA22FE36-884A-4AF4-8ACB-5C0B855947EC}"/>
               </a:ext>
             </a:extLst>
           </p:cNvPr>
@@ -8637,50 +8816,184 @@
             <p:ph idx="1"/>
           </p:nvPr>
         </p:nvSpPr>
+        <p:spPr>
+          <a:xfrm>
+            <a:off x="1097280" y="1881244"/>
+            <a:ext cx="10058400" cy="4023360"/>
+          </a:xfrm>
+        </p:spPr>
+        <p:txBody>
+          <a:bodyPr/>
+          <a:lstStyle/>
+          <a:p>
+            <a:pPr>
+              <a:buFont typeface="Wingdings" panose="05000000000000000000" pitchFamily="2" charset="2"/>
+              <a:buChar char="Ø"/>
+            </a:pPr>
+            <a:r>
+              <a:rPr lang="de-DE" dirty="0"/>
+              <a:t> REST-Webservice (Car-Repository) mit </a:t>
+            </a:r>
+            <a:r>
+              <a:rPr lang="de-DE" dirty="0" err="1"/>
+              <a:t>docker-compose</a:t>
+            </a:r>
+            <a:r>
+              <a:rPr lang="de-DE" dirty="0"/>
+              <a:t> (</a:t>
+            </a:r>
+            <a:r>
+              <a:rPr lang="de-DE" dirty="0" err="1"/>
+              <a:t>Postgres</a:t>
+            </a:r>
+            <a:r>
+              <a:rPr lang="de-DE" dirty="0"/>
+              <a:t>-Datenbank, </a:t>
+            </a:r>
+            <a:r>
+              <a:rPr lang="de-DE" dirty="0" err="1"/>
+              <a:t>WebService</a:t>
+            </a:r>
+            <a:r>
+              <a:rPr lang="de-DE" dirty="0"/>
+              <a:t>)</a:t>
+            </a:r>
+          </a:p>
+          <a:p>
+            <a:pPr>
+              <a:buFont typeface="Wingdings" panose="05000000000000000000" pitchFamily="2" charset="2"/>
+              <a:buChar char="Ø"/>
+            </a:pPr>
+            <a:r>
+              <a:rPr lang="de-DE" dirty="0"/>
+              <a:t> Endpoints:</a:t>
+            </a:r>
+          </a:p>
+          <a:p>
+            <a:pPr lvl="1">
+              <a:buFont typeface="Wingdings" panose="05000000000000000000" pitchFamily="2" charset="2"/>
+              <a:buChar char="Ø"/>
+            </a:pPr>
+            <a:r>
+              <a:rPr lang="de-DE" dirty="0"/>
+              <a:t>/</a:t>
+            </a:r>
+            <a:r>
+              <a:rPr lang="de-DE" dirty="0" err="1"/>
+              <a:t>cars</a:t>
+            </a:r>
+            <a:r>
+              <a:rPr lang="de-DE" dirty="0"/>
+              <a:t> -&gt; liefert alle Fahrzeuge aus der </a:t>
+            </a:r>
+            <a:r>
+              <a:rPr lang="de-DE" dirty="0" err="1"/>
+              <a:t>Postgres</a:t>
+            </a:r>
+            <a:r>
+              <a:rPr lang="de-DE" dirty="0"/>
+              <a:t> Datenbank</a:t>
+            </a:r>
+          </a:p>
+          <a:p>
+            <a:pPr lvl="1">
+              <a:buFont typeface="Wingdings" panose="05000000000000000000" pitchFamily="2" charset="2"/>
+              <a:buChar char="Ø"/>
+            </a:pPr>
+            <a:r>
+              <a:rPr lang="de-DE" dirty="0"/>
+              <a:t>/</a:t>
+            </a:r>
+            <a:r>
+              <a:rPr lang="de-DE" dirty="0" err="1"/>
+              <a:t>cars</a:t>
+            </a:r>
+            <a:r>
+              <a:rPr lang="de-DE" dirty="0"/>
+              <a:t>/{</a:t>
+            </a:r>
+            <a:r>
+              <a:rPr lang="de-DE" dirty="0" err="1"/>
+              <a:t>vin</a:t>
+            </a:r>
+            <a:r>
+              <a:rPr lang="de-DE" dirty="0"/>
+              <a:t>} -&gt; liefert Fahrzeug mit gegebener VIN</a:t>
+            </a:r>
+          </a:p>
+          <a:p>
+            <a:pPr>
+              <a:buFont typeface="Wingdings" panose="05000000000000000000" pitchFamily="2" charset="2"/>
+              <a:buChar char="Ø"/>
+            </a:pPr>
+            <a:r>
+              <a:rPr lang="de-DE" dirty="0"/>
+              <a:t> Cars.csv als VIN-Feeder für die </a:t>
+            </a:r>
+            <a:r>
+              <a:rPr lang="de-DE" dirty="0" err="1"/>
+              <a:t>Lasttest</a:t>
+            </a:r>
+            <a:r>
+              <a:rPr lang="de-DE" dirty="0"/>
+              <a:t> Tools</a:t>
+            </a:r>
+          </a:p>
+          <a:p>
+            <a:pPr>
+              <a:buFont typeface="Wingdings" panose="05000000000000000000" pitchFamily="2" charset="2"/>
+              <a:buChar char="Ø"/>
+            </a:pPr>
+            <a:r>
+              <a:rPr lang="de-DE" dirty="0"/>
+              <a:t> Code für die Tests in separatem </a:t>
+            </a:r>
+            <a:r>
+              <a:rPr lang="de-DE" dirty="0" err="1"/>
+              <a:t>IntelliJ</a:t>
+            </a:r>
+            <a:r>
+              <a:rPr lang="de-DE"/>
+              <a:t> Projekt</a:t>
+            </a:r>
+            <a:endParaRPr lang="de-DE" dirty="0"/>
+          </a:p>
+        </p:txBody>
+      </p:sp>
+      <p:sp>
+        <p:nvSpPr>
+          <p:cNvPr id="5" name="Datumsplatzhalter 4">
+            <a:extLst>
+              <a:ext uri="{FF2B5EF4-FFF2-40B4-BE49-F238E27FC236}">
+                <a16:creationId xmlns:a16="http://schemas.microsoft.com/office/drawing/2014/main" id="{439FB78A-3BF6-46CE-B4AB-9984D8C2C860}"/>
+              </a:ext>
+            </a:extLst>
+          </p:cNvPr>
+          <p:cNvSpPr>
+            <a:spLocks noGrp="1"/>
+          </p:cNvSpPr>
+          <p:nvPr>
+            <p:ph type="dt" sz="half" idx="10"/>
+          </p:nvPr>
+        </p:nvSpPr>
         <p:spPr/>
         <p:txBody>
           <a:bodyPr/>
           <a:lstStyle/>
           <a:p>
-            <a:endParaRPr lang="de-DE"/>
-          </a:p>
-        </p:txBody>
-      </p:sp>
-      <p:sp>
-        <p:nvSpPr>
-          <p:cNvPr id="4" name="Datumsplatzhalter 3">
+            <a:r>
+              <a:rPr lang="de-DE"/>
+              <a:t>02.07.2018</a:t>
+            </a:r>
+          </a:p>
+        </p:txBody>
+      </p:sp>
+      <p:sp>
+        <p:nvSpPr>
+          <p:cNvPr id="6" name="Foliennummernplatzhalter 5">
             <a:extLst>
               <a:ext uri="{FF2B5EF4-FFF2-40B4-BE49-F238E27FC236}">
-                <a16:creationId xmlns:a16="http://schemas.microsoft.com/office/drawing/2014/main" id="{5D94FDB3-0612-4193-9D13-FFB99D6C8012}"/>
-              </a:ext>
-            </a:extLst>
-          </p:cNvPr>
-          <p:cNvSpPr>
-            <a:spLocks noGrp="1"/>
-          </p:cNvSpPr>
-          <p:nvPr>
-            <p:ph type="dt" sz="half" idx="10"/>
-          </p:nvPr>
-        </p:nvSpPr>
-        <p:spPr/>
-        <p:txBody>
-          <a:bodyPr/>
-          <a:lstStyle/>
-          <a:p>
-            <a:fld id="{BBFFFFB7-B427-4FC9-89B5-E815E530C709}" type="datetime1">
-              <a:rPr lang="de-DE" smtClean="0"/>
-              <a:t>31.05.2018</a:t>
-            </a:fld>
-            <a:endParaRPr lang="de-DE"/>
-          </a:p>
-        </p:txBody>
-      </p:sp>
-      <p:sp>
-        <p:nvSpPr>
-          <p:cNvPr id="5" name="Foliennummernplatzhalter 4">
-            <a:extLst>
-              <a:ext uri="{FF2B5EF4-FFF2-40B4-BE49-F238E27FC236}">
-                <a16:creationId xmlns:a16="http://schemas.microsoft.com/office/drawing/2014/main" id="{9E7EE13C-82C2-4752-8B1C-17E12E9AE882}"/>
+                <a16:creationId xmlns:a16="http://schemas.microsoft.com/office/drawing/2014/main" id="{01017A2E-4076-4D7B-83DB-B9BC98A3E9C4}"/>
               </a:ext>
             </a:extLst>
           </p:cNvPr>
@@ -8707,7 +9020,7 @@
     </p:spTree>
     <p:extLst>
       <p:ext uri="{BB962C8B-B14F-4D97-AF65-F5344CB8AC3E}">
-        <p14:creationId xmlns:p14="http://schemas.microsoft.com/office/powerpoint/2010/main" val="1588856150"/>
+        <p14:creationId xmlns:p14="http://schemas.microsoft.com/office/powerpoint/2010/main" val="2829847060"/>
       </p:ext>
     </p:extLst>
   </p:cSld>
@@ -8736,219 +9049,6 @@
       </p:grpSpPr>
       <p:sp>
         <p:nvSpPr>
-          <p:cNvPr id="7" name="Titel 6">
-            <a:extLst>
-              <a:ext uri="{FF2B5EF4-FFF2-40B4-BE49-F238E27FC236}">
-                <a16:creationId xmlns:a16="http://schemas.microsoft.com/office/drawing/2014/main" id="{767599E4-6E36-4F73-BCFA-D5FDF915B10B}"/>
-              </a:ext>
-            </a:extLst>
-          </p:cNvPr>
-          <p:cNvSpPr>
-            <a:spLocks noGrp="1"/>
-          </p:cNvSpPr>
-          <p:nvPr>
-            <p:ph type="title"/>
-          </p:nvPr>
-        </p:nvSpPr>
-        <p:spPr/>
-        <p:txBody>
-          <a:bodyPr/>
-          <a:lstStyle/>
-          <a:p>
-            <a:r>
-              <a:rPr lang="de-DE" dirty="0"/>
-              <a:t>Vorgehen</a:t>
-            </a:r>
-          </a:p>
-        </p:txBody>
-      </p:sp>
-      <p:sp>
-        <p:nvSpPr>
-          <p:cNvPr id="8" name="Inhaltsplatzhalter 7">
-            <a:extLst>
-              <a:ext uri="{FF2B5EF4-FFF2-40B4-BE49-F238E27FC236}">
-                <a16:creationId xmlns:a16="http://schemas.microsoft.com/office/drawing/2014/main" id="{CA22FE36-884A-4AF4-8ACB-5C0B855947EC}"/>
-              </a:ext>
-            </a:extLst>
-          </p:cNvPr>
-          <p:cNvSpPr>
-            <a:spLocks noGrp="1"/>
-          </p:cNvSpPr>
-          <p:nvPr>
-            <p:ph idx="1"/>
-          </p:nvPr>
-        </p:nvSpPr>
-        <p:spPr>
-          <a:xfrm>
-            <a:off x="1097280" y="1881244"/>
-            <a:ext cx="10058400" cy="4023360"/>
-          </a:xfrm>
-        </p:spPr>
-        <p:txBody>
-          <a:bodyPr/>
-          <a:lstStyle/>
-          <a:p>
-            <a:pPr>
-              <a:buFont typeface="Wingdings" panose="05000000000000000000" pitchFamily="2" charset="2"/>
-              <a:buChar char="Ø"/>
-            </a:pPr>
-            <a:r>
-              <a:rPr lang="de-DE" dirty="0"/>
-              <a:t> REST-Webservice (Car-Repository) mit </a:t>
-            </a:r>
-            <a:r>
-              <a:rPr lang="de-DE" dirty="0" err="1"/>
-              <a:t>docker-compose</a:t>
-            </a:r>
-            <a:r>
-              <a:rPr lang="de-DE" dirty="0"/>
-              <a:t> (</a:t>
-            </a:r>
-            <a:r>
-              <a:rPr lang="de-DE" dirty="0" err="1"/>
-              <a:t>Postgres</a:t>
-            </a:r>
-            <a:r>
-              <a:rPr lang="de-DE" dirty="0"/>
-              <a:t>-Datenbank, </a:t>
-            </a:r>
-            <a:r>
-              <a:rPr lang="de-DE" dirty="0" err="1"/>
-              <a:t>WebService</a:t>
-            </a:r>
-            <a:r>
-              <a:rPr lang="de-DE" dirty="0"/>
-              <a:t>)</a:t>
-            </a:r>
-          </a:p>
-          <a:p>
-            <a:pPr>
-              <a:buFont typeface="Wingdings" panose="05000000000000000000" pitchFamily="2" charset="2"/>
-              <a:buChar char="Ø"/>
-            </a:pPr>
-            <a:r>
-              <a:rPr lang="de-DE" dirty="0"/>
-              <a:t> Lasttest-Implementierungen in den jeweiligen Technologien als </a:t>
-            </a:r>
-            <a:r>
-              <a:rPr lang="de-DE" dirty="0" err="1"/>
-              <a:t>IntelliJ</a:t>
-            </a:r>
-            <a:r>
-              <a:rPr lang="de-DE" dirty="0"/>
-              <a:t>-Projekt</a:t>
-            </a:r>
-          </a:p>
-          <a:p>
-            <a:pPr>
-              <a:buFont typeface="Wingdings" panose="05000000000000000000" pitchFamily="2" charset="2"/>
-              <a:buChar char="Ø"/>
-            </a:pPr>
-            <a:r>
-              <a:rPr lang="de-DE" dirty="0"/>
-              <a:t> Durchführung der einzelnen Tests mithilfe von </a:t>
-            </a:r>
-            <a:r>
-              <a:rPr lang="de-DE" dirty="0" err="1"/>
-              <a:t>Gradle</a:t>
-            </a:r>
-            <a:r>
-              <a:rPr lang="de-DE" dirty="0"/>
-              <a:t> Tasks</a:t>
-            </a:r>
-          </a:p>
-        </p:txBody>
-      </p:sp>
-      <p:sp>
-        <p:nvSpPr>
-          <p:cNvPr id="5" name="Datumsplatzhalter 4">
-            <a:extLst>
-              <a:ext uri="{FF2B5EF4-FFF2-40B4-BE49-F238E27FC236}">
-                <a16:creationId xmlns:a16="http://schemas.microsoft.com/office/drawing/2014/main" id="{439FB78A-3BF6-46CE-B4AB-9984D8C2C860}"/>
-              </a:ext>
-            </a:extLst>
-          </p:cNvPr>
-          <p:cNvSpPr>
-            <a:spLocks noGrp="1"/>
-          </p:cNvSpPr>
-          <p:nvPr>
-            <p:ph type="dt" sz="half" idx="10"/>
-          </p:nvPr>
-        </p:nvSpPr>
-        <p:spPr/>
-        <p:txBody>
-          <a:bodyPr/>
-          <a:lstStyle/>
-          <a:p>
-            <a:fld id="{5E3FA0F3-663C-4E4D-A9AD-FCEECA59737D}" type="datetime1">
-              <a:rPr lang="de-DE" smtClean="0"/>
-              <a:t>31.05.2018</a:t>
-            </a:fld>
-            <a:endParaRPr lang="de-DE"/>
-          </a:p>
-        </p:txBody>
-      </p:sp>
-      <p:sp>
-        <p:nvSpPr>
-          <p:cNvPr id="6" name="Foliennummernplatzhalter 5">
-            <a:extLst>
-              <a:ext uri="{FF2B5EF4-FFF2-40B4-BE49-F238E27FC236}">
-                <a16:creationId xmlns:a16="http://schemas.microsoft.com/office/drawing/2014/main" id="{01017A2E-4076-4D7B-83DB-B9BC98A3E9C4}"/>
-              </a:ext>
-            </a:extLst>
-          </p:cNvPr>
-          <p:cNvSpPr>
-            <a:spLocks noGrp="1"/>
-          </p:cNvSpPr>
-          <p:nvPr>
-            <p:ph type="sldNum" sz="quarter" idx="12"/>
-          </p:nvPr>
-        </p:nvSpPr>
-        <p:spPr/>
-        <p:txBody>
-          <a:bodyPr/>
-          <a:lstStyle/>
-          <a:p>
-            <a:fld id="{C9BFD74B-BF5B-4F1B-BDFB-3F89FD2A71A6}" type="slidenum">
-              <a:rPr lang="de-DE" smtClean="0"/>
-              <a:t>22</a:t>
-            </a:fld>
-            <a:endParaRPr lang="de-DE"/>
-          </a:p>
-        </p:txBody>
-      </p:sp>
-    </p:spTree>
-    <p:extLst>
-      <p:ext uri="{BB962C8B-B14F-4D97-AF65-F5344CB8AC3E}">
-        <p14:creationId xmlns:p14="http://schemas.microsoft.com/office/powerpoint/2010/main" val="2829847060"/>
-      </p:ext>
-    </p:extLst>
-  </p:cSld>
-  <p:clrMapOvr>
-    <a:masterClrMapping/>
-  </p:clrMapOvr>
-</p:sld>
-</file>
-
-<file path=ppt/slides/slide23.xml><?xml version="1.0" encoding="utf-8"?>
-<p:sld xmlns:a="http://schemas.openxmlformats.org/drawingml/2006/main" xmlns:r="http://schemas.openxmlformats.org/officeDocument/2006/relationships" xmlns:p="http://schemas.openxmlformats.org/presentationml/2006/main">
-  <p:cSld>
-    <p:spTree>
-      <p:nvGrpSpPr>
-        <p:cNvPr id="1" name=""/>
-        <p:cNvGrpSpPr/>
-        <p:nvPr/>
-      </p:nvGrpSpPr>
-      <p:grpSpPr>
-        <a:xfrm>
-          <a:off x="0" y="0"/>
-          <a:ext cx="0" cy="0"/>
-          <a:chOff x="0" y="0"/>
-          <a:chExt cx="0" cy="0"/>
-        </a:xfrm>
-      </p:grpSpPr>
-      <p:sp>
-        <p:nvSpPr>
           <p:cNvPr id="2" name="Titel 1">
             <a:extLst>
               <a:ext uri="{FF2B5EF4-FFF2-40B4-BE49-F238E27FC236}">
@@ -9117,11 +9217,10 @@
           <a:bodyPr/>
           <a:lstStyle/>
           <a:p>
-            <a:fld id="{928650A1-1A79-48B9-A942-815D58127345}" type="datetime1">
-              <a:rPr lang="de-DE" smtClean="0"/>
-              <a:t>31.05.2018</a:t>
-            </a:fld>
-            <a:endParaRPr lang="de-DE"/>
+            <a:r>
+              <a:rPr lang="de-DE"/>
+              <a:t>02.07.2018</a:t>
+            </a:r>
           </a:p>
         </p:txBody>
       </p:sp>
@@ -9148,7 +9247,7 @@
           <a:p>
             <a:fld id="{C9BFD74B-BF5B-4F1B-BDFB-3F89FD2A71A6}" type="slidenum">
               <a:rPr lang="de-DE" smtClean="0"/>
-              <a:t>23</a:t>
+              <a:t>22</a:t>
             </a:fld>
             <a:endParaRPr lang="de-DE"/>
           </a:p>
@@ -9295,11 +9394,10 @@
           <a:bodyPr/>
           <a:lstStyle/>
           <a:p>
-            <a:fld id="{5E3FA0F3-663C-4E4D-A9AD-FCEECA59737D}" type="datetime1">
-              <a:rPr lang="de-DE" smtClean="0"/>
-              <a:t>31.05.2018</a:t>
-            </a:fld>
-            <a:endParaRPr lang="de-DE"/>
+            <a:r>
+              <a:rPr lang="de-DE"/>
+              <a:t>02.07.2018</a:t>
+            </a:r>
           </a:p>
         </p:txBody>
       </p:sp>
@@ -9547,11 +9645,10 @@
           <a:bodyPr/>
           <a:lstStyle/>
           <a:p>
-            <a:fld id="{5E3FA0F3-663C-4E4D-A9AD-FCEECA59737D}" type="datetime1">
-              <a:rPr lang="de-DE" smtClean="0"/>
-              <a:t>31.05.2018</a:t>
-            </a:fld>
-            <a:endParaRPr lang="de-DE"/>
+            <a:r>
+              <a:rPr lang="de-DE"/>
+              <a:t>02.07.2018</a:t>
+            </a:r>
           </a:p>
         </p:txBody>
       </p:sp>
@@ -9721,11 +9818,10 @@
           <a:bodyPr/>
           <a:lstStyle/>
           <a:p>
-            <a:fld id="{40945502-2D6D-4EF3-B5E9-AD6E136212A6}" type="datetime1">
-              <a:rPr lang="de-DE" smtClean="0"/>
-              <a:t>31.05.2018</a:t>
-            </a:fld>
-            <a:endParaRPr lang="de-DE"/>
+            <a:r>
+              <a:rPr lang="de-DE"/>
+              <a:t>02.07.2018</a:t>
+            </a:r>
           </a:p>
         </p:txBody>
       </p:sp>
@@ -10287,11 +10383,10 @@
           <a:bodyPr/>
           <a:lstStyle/>
           <a:p>
-            <a:fld id="{BBFFFFB7-B427-4FC9-89B5-E815E530C709}" type="datetime1">
-              <a:rPr lang="de-DE" smtClean="0"/>
-              <a:t>31.05.2018</a:t>
-            </a:fld>
-            <a:endParaRPr lang="de-DE"/>
+            <a:r>
+              <a:rPr lang="de-DE"/>
+              <a:t>02.07.2018</a:t>
+            </a:r>
           </a:p>
         </p:txBody>
       </p:sp>
@@ -10459,11 +10554,10 @@
           <a:bodyPr/>
           <a:lstStyle/>
           <a:p>
-            <a:fld id="{BBFFFFB7-B427-4FC9-89B5-E815E530C709}" type="datetime1">
-              <a:rPr lang="de-DE" smtClean="0"/>
-              <a:t>31.05.2018</a:t>
-            </a:fld>
-            <a:endParaRPr lang="de-DE"/>
+            <a:r>
+              <a:rPr lang="de-DE"/>
+              <a:t>02.07.2018</a:t>
+            </a:r>
           </a:p>
         </p:txBody>
       </p:sp>
@@ -10669,11 +10763,10 @@
           <a:bodyPr/>
           <a:lstStyle/>
           <a:p>
-            <a:fld id="{BBFFFFB7-B427-4FC9-89B5-E815E530C709}" type="datetime1">
-              <a:rPr lang="de-DE" smtClean="0"/>
-              <a:t>31.05.2018</a:t>
-            </a:fld>
-            <a:endParaRPr lang="de-DE"/>
+            <a:r>
+              <a:rPr lang="de-DE"/>
+              <a:t>02.07.2018</a:t>
+            </a:r>
           </a:p>
         </p:txBody>
       </p:sp>
@@ -11204,11 +11297,10 @@
           <a:bodyPr/>
           <a:lstStyle/>
           <a:p>
-            <a:fld id="{BBFFFFB7-B427-4FC9-89B5-E815E530C709}" type="datetime1">
-              <a:rPr lang="de-DE" smtClean="0"/>
-              <a:t>31.05.2018</a:t>
-            </a:fld>
-            <a:endParaRPr lang="de-DE"/>
+            <a:r>
+              <a:rPr lang="de-DE"/>
+              <a:t>02.07.2018</a:t>
+            </a:r>
           </a:p>
         </p:txBody>
       </p:sp>
@@ -11241,6 +11333,53 @@
           </a:p>
         </p:txBody>
       </p:sp>
+      <p:pic>
+        <p:nvPicPr>
+          <p:cNvPr id="2050" name="Picture 2" descr="Bildergebnis fÃ¼r apache bench logo">
+            <a:extLst>
+              <a:ext uri="{FF2B5EF4-FFF2-40B4-BE49-F238E27FC236}">
+                <a16:creationId xmlns:a16="http://schemas.microsoft.com/office/drawing/2014/main" id="{1A82630F-1CF6-482E-B92B-FA45481703E6}"/>
+              </a:ext>
+            </a:extLst>
+          </p:cNvPr>
+          <p:cNvPicPr>
+            <a:picLocks noChangeAspect="1" noChangeArrowheads="1"/>
+          </p:cNvPicPr>
+          <p:nvPr/>
+        </p:nvPicPr>
+        <p:blipFill>
+          <a:blip r:embed="rId2">
+            <a:extLst>
+              <a:ext uri="{28A0092B-C50C-407E-A947-70E740481C1C}">
+                <a14:useLocalDpi xmlns:a14="http://schemas.microsoft.com/office/drawing/2010/main" val="0"/>
+              </a:ext>
+            </a:extLst>
+          </a:blip>
+          <a:srcRect/>
+          <a:stretch>
+            <a:fillRect/>
+          </a:stretch>
+        </p:blipFill>
+        <p:spPr bwMode="auto">
+          <a:xfrm>
+            <a:off x="8942735" y="564499"/>
+            <a:ext cx="2212945" cy="1172861"/>
+          </a:xfrm>
+          <a:prstGeom prst="rect">
+            <a:avLst/>
+          </a:prstGeom>
+          <a:noFill/>
+          <a:extLst>
+            <a:ext uri="{909E8E84-426E-40DD-AFC4-6F175D3DCCD1}">
+              <a14:hiddenFill xmlns:a14="http://schemas.microsoft.com/office/drawing/2010/main">
+                <a:solidFill>
+                  <a:srgbClr val="FFFFFF"/>
+                </a:solidFill>
+              </a14:hiddenFill>
+            </a:ext>
+          </a:extLst>
+        </p:spPr>
+      </p:pic>
     </p:spTree>
     <p:extLst>
       <p:ext uri="{BB962C8B-B14F-4D97-AF65-F5344CB8AC3E}">

--- a/sqsdemoserver/LoadTesting.pptx
+++ b/sqsdemoserver/LoadTesting.pptx
@@ -222,7 +222,7 @@
           <a:p>
             <a:fld id="{7F7A1CCF-3A8B-40F6-A64D-2A4687177E43}" type="datetimeFigureOut">
               <a:rPr lang="de-DE" smtClean="0"/>
-              <a:t>10.06.2018</a:t>
+              <a:t>13.06.2018</a:t>
             </a:fld>
             <a:endParaRPr lang="de-DE"/>
           </a:p>
@@ -4244,7 +4244,7 @@
 </file>
 
 <file path=ppt/slides/slide10.xml><?xml version="1.0" encoding="utf-8"?>
-<p:sld xmlns:a="http://schemas.openxmlformats.org/drawingml/2006/main" xmlns:r="http://schemas.openxmlformats.org/officeDocument/2006/relationships" xmlns:p="http://schemas.openxmlformats.org/presentationml/2006/main">
+<p:sld xmlns:a="http://schemas.openxmlformats.org/drawingml/2006/main" xmlns:r="http://schemas.openxmlformats.org/officeDocument/2006/relationships" xmlns:p="http://schemas.openxmlformats.org/presentationml/2006/main" show="0">
   <p:cSld>
     <p:spTree>
       <p:nvGrpSpPr>
@@ -4991,7 +4991,7 @@
 </file>
 
 <file path=ppt/slides/slide12.xml><?xml version="1.0" encoding="utf-8"?>
-<p:sld xmlns:a="http://schemas.openxmlformats.org/drawingml/2006/main" xmlns:r="http://schemas.openxmlformats.org/officeDocument/2006/relationships" xmlns:p="http://schemas.openxmlformats.org/presentationml/2006/main">
+<p:sld xmlns:a="http://schemas.openxmlformats.org/drawingml/2006/main" xmlns:r="http://schemas.openxmlformats.org/officeDocument/2006/relationships" xmlns:p="http://schemas.openxmlformats.org/presentationml/2006/main" show="0">
   <p:cSld>
     <p:spTree>
       <p:nvGrpSpPr>
@@ -5682,7 +5682,7 @@
 </file>
 
 <file path=ppt/slides/slide14.xml><?xml version="1.0" encoding="utf-8"?>
-<p:sld xmlns:a="http://schemas.openxmlformats.org/drawingml/2006/main" xmlns:r="http://schemas.openxmlformats.org/officeDocument/2006/relationships" xmlns:p="http://schemas.openxmlformats.org/presentationml/2006/main">
+<p:sld xmlns:a="http://schemas.openxmlformats.org/drawingml/2006/main" xmlns:r="http://schemas.openxmlformats.org/officeDocument/2006/relationships" xmlns:p="http://schemas.openxmlformats.org/presentationml/2006/main" show="0">
   <p:cSld>
     <p:spTree>
       <p:nvGrpSpPr>
@@ -6421,7 +6421,7 @@
 </file>
 
 <file path=ppt/slides/slide16.xml><?xml version="1.0" encoding="utf-8"?>
-<p:sld xmlns:a="http://schemas.openxmlformats.org/drawingml/2006/main" xmlns:r="http://schemas.openxmlformats.org/officeDocument/2006/relationships" xmlns:p="http://schemas.openxmlformats.org/presentationml/2006/main">
+<p:sld xmlns:a="http://schemas.openxmlformats.org/drawingml/2006/main" xmlns:r="http://schemas.openxmlformats.org/officeDocument/2006/relationships" xmlns:p="http://schemas.openxmlformats.org/presentationml/2006/main" show="0">
   <p:cSld>
     <p:spTree>
       <p:nvGrpSpPr>
@@ -7158,7 +7158,7 @@
 </file>
 
 <file path=ppt/slides/slide18.xml><?xml version="1.0" encoding="utf-8"?>
-<p:sld xmlns:a="http://schemas.openxmlformats.org/drawingml/2006/main" xmlns:r="http://schemas.openxmlformats.org/officeDocument/2006/relationships" xmlns:p="http://schemas.openxmlformats.org/presentationml/2006/main">
+<p:sld xmlns:a="http://schemas.openxmlformats.org/drawingml/2006/main" xmlns:r="http://schemas.openxmlformats.org/officeDocument/2006/relationships" xmlns:p="http://schemas.openxmlformats.org/presentationml/2006/main" show="0">
   <p:cSld>
     <p:spTree>
       <p:nvGrpSpPr>
@@ -7981,13 +7981,18 @@
             </a:pPr>
             <a:r>
               <a:rPr lang="de-DE" dirty="0"/>
-              <a:t> Vorstellung von Open Source Tools für Lasttests inkl. Kurzem </a:t>
-            </a:r>
-            <a:r>
-              <a:rPr lang="de-DE" dirty="0" err="1"/>
-              <a:t>QuickCheck</a:t>
-            </a:r>
-            <a:endParaRPr lang="de-DE" dirty="0"/>
+              <a:t> Vorstellung von Open Source Tools für Lasttests</a:t>
+            </a:r>
+          </a:p>
+          <a:p>
+            <a:pPr>
+              <a:buFont typeface="Courier New" panose="02070309020205020404" pitchFamily="49" charset="0"/>
+              <a:buChar char="o"/>
+            </a:pPr>
+            <a:r>
+              <a:rPr lang="de-DE" dirty="0"/>
+              <a:t> Quick-Check</a:t>
+            </a:r>
           </a:p>
           <a:p>
             <a:pPr>
@@ -9945,7 +9950,7 @@
 </file>
 
 <file path=ppt/slides/slide6.xml><?xml version="1.0" encoding="utf-8"?>
-<p:sld xmlns:a="http://schemas.openxmlformats.org/drawingml/2006/main" xmlns:r="http://schemas.openxmlformats.org/officeDocument/2006/relationships" xmlns:p="http://schemas.openxmlformats.org/presentationml/2006/main">
+<p:sld xmlns:a="http://schemas.openxmlformats.org/drawingml/2006/main" xmlns:r="http://schemas.openxmlformats.org/officeDocument/2006/relationships" xmlns:p="http://schemas.openxmlformats.org/presentationml/2006/main" show="0">
   <p:cSld>
     <p:spTree>
       <p:nvGrpSpPr>
@@ -10664,7 +10669,7 @@
 </file>
 
 <file path=ppt/slides/slide8.xml><?xml version="1.0" encoding="utf-8"?>
-<p:sld xmlns:a="http://schemas.openxmlformats.org/drawingml/2006/main" xmlns:r="http://schemas.openxmlformats.org/officeDocument/2006/relationships" xmlns:p="http://schemas.openxmlformats.org/presentationml/2006/main">
+<p:sld xmlns:a="http://schemas.openxmlformats.org/drawingml/2006/main" xmlns:r="http://schemas.openxmlformats.org/officeDocument/2006/relationships" xmlns:p="http://schemas.openxmlformats.org/presentationml/2006/main" show="0">
   <p:cSld>
     <p:spTree>
       <p:nvGrpSpPr>
